--- a/IoTセミナーテキスト.pptx
+++ b/IoTセミナーテキスト.pptx
@@ -19,37 +19,39 @@
     <p:sldId id="299" r:id="rId13"/>
     <p:sldId id="265" r:id="rId14"/>
     <p:sldId id="303" r:id="rId15"/>
-    <p:sldId id="268" r:id="rId16"/>
-    <p:sldId id="269" r:id="rId17"/>
-    <p:sldId id="270" r:id="rId18"/>
-    <p:sldId id="271" r:id="rId19"/>
-    <p:sldId id="272" r:id="rId20"/>
-    <p:sldId id="273" r:id="rId21"/>
-    <p:sldId id="276" r:id="rId22"/>
-    <p:sldId id="277" r:id="rId23"/>
-    <p:sldId id="278" r:id="rId24"/>
-    <p:sldId id="280" r:id="rId25"/>
-    <p:sldId id="279" r:id="rId26"/>
-    <p:sldId id="281" r:id="rId27"/>
-    <p:sldId id="295" r:id="rId28"/>
-    <p:sldId id="294" r:id="rId29"/>
-    <p:sldId id="301" r:id="rId30"/>
-    <p:sldId id="274" r:id="rId31"/>
-    <p:sldId id="275" r:id="rId32"/>
-    <p:sldId id="282" r:id="rId33"/>
-    <p:sldId id="283" r:id="rId34"/>
-    <p:sldId id="284" r:id="rId35"/>
-    <p:sldId id="302" r:id="rId36"/>
-    <p:sldId id="285" r:id="rId37"/>
-    <p:sldId id="292" r:id="rId38"/>
-    <p:sldId id="286" r:id="rId39"/>
-    <p:sldId id="288" r:id="rId40"/>
-    <p:sldId id="289" r:id="rId41"/>
-    <p:sldId id="287" r:id="rId42"/>
-    <p:sldId id="304" r:id="rId43"/>
-    <p:sldId id="296" r:id="rId44"/>
-    <p:sldId id="290" r:id="rId45"/>
-    <p:sldId id="291" r:id="rId46"/>
+    <p:sldId id="305" r:id="rId16"/>
+    <p:sldId id="306" r:id="rId17"/>
+    <p:sldId id="268" r:id="rId18"/>
+    <p:sldId id="269" r:id="rId19"/>
+    <p:sldId id="270" r:id="rId20"/>
+    <p:sldId id="271" r:id="rId21"/>
+    <p:sldId id="272" r:id="rId22"/>
+    <p:sldId id="273" r:id="rId23"/>
+    <p:sldId id="276" r:id="rId24"/>
+    <p:sldId id="277" r:id="rId25"/>
+    <p:sldId id="278" r:id="rId26"/>
+    <p:sldId id="280" r:id="rId27"/>
+    <p:sldId id="279" r:id="rId28"/>
+    <p:sldId id="281" r:id="rId29"/>
+    <p:sldId id="295" r:id="rId30"/>
+    <p:sldId id="294" r:id="rId31"/>
+    <p:sldId id="301" r:id="rId32"/>
+    <p:sldId id="274" r:id="rId33"/>
+    <p:sldId id="275" r:id="rId34"/>
+    <p:sldId id="282" r:id="rId35"/>
+    <p:sldId id="283" r:id="rId36"/>
+    <p:sldId id="284" r:id="rId37"/>
+    <p:sldId id="302" r:id="rId38"/>
+    <p:sldId id="285" r:id="rId39"/>
+    <p:sldId id="292" r:id="rId40"/>
+    <p:sldId id="286" r:id="rId41"/>
+    <p:sldId id="288" r:id="rId42"/>
+    <p:sldId id="289" r:id="rId43"/>
+    <p:sldId id="287" r:id="rId44"/>
+    <p:sldId id="304" r:id="rId45"/>
+    <p:sldId id="296" r:id="rId46"/>
+    <p:sldId id="290" r:id="rId47"/>
+    <p:sldId id="291" r:id="rId48"/>
   </p:sldIdLst>
   <p:sldSz cx="12192000" cy="6858000"/>
   <p:notesSz cx="6858000" cy="9144000"/>
@@ -298,7 +300,7 @@
           <a:p>
             <a:fld id="{ABF98A8D-D34B-4C71-B75C-469DF44AB35E}" type="datetimeFigureOut">
               <a:rPr kumimoji="1" lang="ja-JP" altLang="en-US" smtClean="0"/>
-              <a:t>2021/11/30</a:t>
+              <a:t>2021/12/1</a:t>
             </a:fld>
             <a:endParaRPr kumimoji="1" lang="ja-JP" altLang="en-US"/>
           </a:p>
@@ -500,7 +502,7 @@
           <a:p>
             <a:fld id="{ABF98A8D-D34B-4C71-B75C-469DF44AB35E}" type="datetimeFigureOut">
               <a:rPr kumimoji="1" lang="ja-JP" altLang="en-US" smtClean="0"/>
-              <a:t>2021/11/30</a:t>
+              <a:t>2021/12/1</a:t>
             </a:fld>
             <a:endParaRPr kumimoji="1" lang="ja-JP" altLang="en-US"/>
           </a:p>
@@ -712,7 +714,7 @@
           <a:p>
             <a:fld id="{ABF98A8D-D34B-4C71-B75C-469DF44AB35E}" type="datetimeFigureOut">
               <a:rPr kumimoji="1" lang="ja-JP" altLang="en-US" smtClean="0"/>
-              <a:t>2021/11/30</a:t>
+              <a:t>2021/12/1</a:t>
             </a:fld>
             <a:endParaRPr kumimoji="1" lang="ja-JP" altLang="en-US"/>
           </a:p>
@@ -999,7 +1001,7 @@
           <a:p>
             <a:fld id="{ABF98A8D-D34B-4C71-B75C-469DF44AB35E}" type="datetimeFigureOut">
               <a:rPr kumimoji="1" lang="ja-JP" altLang="en-US" smtClean="0"/>
-              <a:t>2021/11/30</a:t>
+              <a:t>2021/12/1</a:t>
             </a:fld>
             <a:endParaRPr kumimoji="1" lang="ja-JP" altLang="en-US"/>
           </a:p>
@@ -1239,7 +1241,7 @@
           <a:p>
             <a:fld id="{ABF98A8D-D34B-4C71-B75C-469DF44AB35E}" type="datetimeFigureOut">
               <a:rPr kumimoji="1" lang="ja-JP" altLang="en-US" smtClean="0"/>
-              <a:t>2021/11/30</a:t>
+              <a:t>2021/12/1</a:t>
             </a:fld>
             <a:endParaRPr kumimoji="1" lang="ja-JP" altLang="en-US"/>
           </a:p>
@@ -1582,7 +1584,7 @@
           <a:p>
             <a:fld id="{ABF98A8D-D34B-4C71-B75C-469DF44AB35E}" type="datetimeFigureOut">
               <a:rPr kumimoji="1" lang="ja-JP" altLang="en-US" smtClean="0"/>
-              <a:t>2021/11/30</a:t>
+              <a:t>2021/12/1</a:t>
             </a:fld>
             <a:endParaRPr kumimoji="1" lang="ja-JP" altLang="en-US"/>
           </a:p>
@@ -1921,7 +1923,7 @@
           <a:p>
             <a:fld id="{ABF98A8D-D34B-4C71-B75C-469DF44AB35E}" type="datetimeFigureOut">
               <a:rPr kumimoji="1" lang="ja-JP" altLang="en-US" smtClean="0"/>
-              <a:t>2021/11/30</a:t>
+              <a:t>2021/12/1</a:t>
             </a:fld>
             <a:endParaRPr kumimoji="1" lang="ja-JP" altLang="en-US"/>
           </a:p>
@@ -2364,7 +2366,7 @@
           <a:p>
             <a:fld id="{ABF98A8D-D34B-4C71-B75C-469DF44AB35E}" type="datetimeFigureOut">
               <a:rPr kumimoji="1" lang="ja-JP" altLang="en-US" smtClean="0"/>
-              <a:t>2021/11/30</a:t>
+              <a:t>2021/12/1</a:t>
             </a:fld>
             <a:endParaRPr kumimoji="1" lang="ja-JP" altLang="en-US"/>
           </a:p>
@@ -2482,7 +2484,7 @@
           <a:p>
             <a:fld id="{ABF98A8D-D34B-4C71-B75C-469DF44AB35E}" type="datetimeFigureOut">
               <a:rPr kumimoji="1" lang="ja-JP" altLang="en-US" smtClean="0"/>
-              <a:t>2021/11/30</a:t>
+              <a:t>2021/12/1</a:t>
             </a:fld>
             <a:endParaRPr kumimoji="1" lang="ja-JP" altLang="en-US"/>
           </a:p>
@@ -2653,7 +2655,7 @@
           <a:p>
             <a:fld id="{ABF98A8D-D34B-4C71-B75C-469DF44AB35E}" type="datetimeFigureOut">
               <a:rPr kumimoji="1" lang="ja-JP" altLang="en-US" smtClean="0"/>
-              <a:t>2021/11/30</a:t>
+              <a:t>2021/12/1</a:t>
             </a:fld>
             <a:endParaRPr kumimoji="1" lang="ja-JP" altLang="en-US"/>
           </a:p>
@@ -3039,7 +3041,7 @@
           <a:p>
             <a:fld id="{ABF98A8D-D34B-4C71-B75C-469DF44AB35E}" type="datetimeFigureOut">
               <a:rPr kumimoji="1" lang="ja-JP" altLang="en-US" smtClean="0"/>
-              <a:t>2021/11/30</a:t>
+              <a:t>2021/12/1</a:t>
             </a:fld>
             <a:endParaRPr kumimoji="1" lang="ja-JP" altLang="en-US"/>
           </a:p>
@@ -3262,7 +3264,7 @@
           <a:p>
             <a:fld id="{ABF98A8D-D34B-4C71-B75C-469DF44AB35E}" type="datetimeFigureOut">
               <a:rPr kumimoji="1" lang="ja-JP" altLang="en-US" smtClean="0"/>
-              <a:t>2021/11/30</a:t>
+              <a:t>2021/12/1</a:t>
             </a:fld>
             <a:endParaRPr kumimoji="1" lang="ja-JP" altLang="en-US"/>
           </a:p>
@@ -3618,7 +3620,7 @@
           <a:p>
             <a:fld id="{ABF98A8D-D34B-4C71-B75C-469DF44AB35E}" type="datetimeFigureOut">
               <a:rPr kumimoji="1" lang="ja-JP" altLang="en-US" smtClean="0"/>
-              <a:t>2021/11/30</a:t>
+              <a:t>2021/12/1</a:t>
             </a:fld>
             <a:endParaRPr kumimoji="1" lang="ja-JP" altLang="en-US"/>
           </a:p>
@@ -3820,7 +3822,7 @@
           <a:p>
             <a:fld id="{ABF98A8D-D34B-4C71-B75C-469DF44AB35E}" type="datetimeFigureOut">
               <a:rPr kumimoji="1" lang="ja-JP" altLang="en-US" smtClean="0"/>
-              <a:t>2021/11/30</a:t>
+              <a:t>2021/12/1</a:t>
             </a:fld>
             <a:endParaRPr kumimoji="1" lang="ja-JP" altLang="en-US"/>
           </a:p>
@@ -4108,7 +4110,7 @@
           <a:p>
             <a:fld id="{ABF98A8D-D34B-4C71-B75C-469DF44AB35E}" type="datetimeFigureOut">
               <a:rPr kumimoji="1" lang="ja-JP" altLang="en-US" smtClean="0"/>
-              <a:t>2021/11/30</a:t>
+              <a:t>2021/12/1</a:t>
             </a:fld>
             <a:endParaRPr kumimoji="1" lang="ja-JP" altLang="en-US"/>
           </a:p>
@@ -4359,7 +4361,7 @@
           <a:p>
             <a:fld id="{ABF98A8D-D34B-4C71-B75C-469DF44AB35E}" type="datetimeFigureOut">
               <a:rPr kumimoji="1" lang="ja-JP" altLang="en-US" smtClean="0"/>
-              <a:t>2021/11/30</a:t>
+              <a:t>2021/12/1</a:t>
             </a:fld>
             <a:endParaRPr kumimoji="1" lang="ja-JP" altLang="en-US"/>
           </a:p>
@@ -4655,7 +4657,7 @@
           <a:p>
             <a:fld id="{ABF98A8D-D34B-4C71-B75C-469DF44AB35E}" type="datetimeFigureOut">
               <a:rPr kumimoji="1" lang="ja-JP" altLang="en-US" smtClean="0"/>
-              <a:t>2021/11/30</a:t>
+              <a:t>2021/12/1</a:t>
             </a:fld>
             <a:endParaRPr kumimoji="1" lang="ja-JP" altLang="en-US"/>
           </a:p>
@@ -5066,7 +5068,7 @@
           <a:p>
             <a:fld id="{ABF98A8D-D34B-4C71-B75C-469DF44AB35E}" type="datetimeFigureOut">
               <a:rPr kumimoji="1" lang="ja-JP" altLang="en-US" smtClean="0"/>
-              <a:t>2021/11/30</a:t>
+              <a:t>2021/12/1</a:t>
             </a:fld>
             <a:endParaRPr kumimoji="1" lang="ja-JP" altLang="en-US"/>
           </a:p>
@@ -5184,7 +5186,7 @@
           <a:p>
             <a:fld id="{ABF98A8D-D34B-4C71-B75C-469DF44AB35E}" type="datetimeFigureOut">
               <a:rPr kumimoji="1" lang="ja-JP" altLang="en-US" smtClean="0"/>
-              <a:t>2021/11/30</a:t>
+              <a:t>2021/12/1</a:t>
             </a:fld>
             <a:endParaRPr kumimoji="1" lang="ja-JP" altLang="en-US"/>
           </a:p>
@@ -5302,7 +5304,7 @@
           <a:p>
             <a:fld id="{ABF98A8D-D34B-4C71-B75C-469DF44AB35E}" type="datetimeFigureOut">
               <a:rPr kumimoji="1" lang="ja-JP" altLang="en-US" smtClean="0"/>
-              <a:t>2021/11/30</a:t>
+              <a:t>2021/12/1</a:t>
             </a:fld>
             <a:endParaRPr kumimoji="1" lang="ja-JP" altLang="en-US"/>
           </a:p>
@@ -5618,7 +5620,7 @@
           <a:p>
             <a:fld id="{ABF98A8D-D34B-4C71-B75C-469DF44AB35E}" type="datetimeFigureOut">
               <a:rPr kumimoji="1" lang="ja-JP" altLang="en-US" smtClean="0"/>
-              <a:t>2021/11/30</a:t>
+              <a:t>2021/12/1</a:t>
             </a:fld>
             <a:endParaRPr kumimoji="1" lang="ja-JP" altLang="en-US"/>
           </a:p>
@@ -5882,7 +5884,7 @@
           <a:p>
             <a:fld id="{ABF98A8D-D34B-4C71-B75C-469DF44AB35E}" type="datetimeFigureOut">
               <a:rPr kumimoji="1" lang="ja-JP" altLang="en-US" smtClean="0"/>
-              <a:t>2021/11/30</a:t>
+              <a:t>2021/12/1</a:t>
             </a:fld>
             <a:endParaRPr kumimoji="1" lang="ja-JP" altLang="en-US"/>
           </a:p>
@@ -6128,7 +6130,7 @@
           <a:p>
             <a:fld id="{ABF98A8D-D34B-4C71-B75C-469DF44AB35E}" type="datetimeFigureOut">
               <a:rPr kumimoji="1" lang="ja-JP" altLang="en-US" smtClean="0"/>
-              <a:t>2021/11/30</a:t>
+              <a:t>2021/12/1</a:t>
             </a:fld>
             <a:endParaRPr kumimoji="1" lang="ja-JP" altLang="en-US"/>
           </a:p>
@@ -6763,7 +6765,7 @@
           <a:p>
             <a:fld id="{ABF98A8D-D34B-4C71-B75C-469DF44AB35E}" type="datetimeFigureOut">
               <a:rPr kumimoji="1" lang="ja-JP" altLang="en-US" smtClean="0"/>
-              <a:t>2021/11/30</a:t>
+              <a:t>2021/12/1</a:t>
             </a:fld>
             <a:endParaRPr kumimoji="1" lang="ja-JP" altLang="en-US"/>
           </a:p>
@@ -9972,6 +9974,889 @@
           <p:cNvPr id="2" name="タイトル 1">
             <a:extLst>
               <a:ext uri="{FF2B5EF4-FFF2-40B4-BE49-F238E27FC236}">
+                <a16:creationId xmlns:a16="http://schemas.microsoft.com/office/drawing/2014/main" id="{B1FFE6F6-0A67-4ACD-B0FC-FFB51D54B823}"/>
+              </a:ext>
+            </a:extLst>
+          </p:cNvPr>
+          <p:cNvSpPr>
+            <a:spLocks noGrp="1"/>
+          </p:cNvSpPr>
+          <p:nvPr>
+            <p:ph type="title"/>
+          </p:nvPr>
+        </p:nvSpPr>
+        <p:spPr/>
+        <p:txBody>
+          <a:bodyPr/>
+          <a:lstStyle/>
+          <a:p>
+            <a:r>
+              <a:rPr kumimoji="1" lang="en-US" altLang="ja-JP" dirty="0"/>
+              <a:t>【</a:t>
+            </a:r>
+            <a:r>
+              <a:rPr kumimoji="1" lang="ja-JP" altLang="en-US" dirty="0"/>
+              <a:t>参考</a:t>
+            </a:r>
+            <a:r>
+              <a:rPr kumimoji="1" lang="en-US" altLang="ja-JP" dirty="0"/>
+              <a:t>】</a:t>
+            </a:r>
+            <a:r>
+              <a:rPr kumimoji="1" lang="ja-JP" altLang="en-US" dirty="0"/>
+              <a:t>コマンドラインからの実行</a:t>
+            </a:r>
+          </a:p>
+        </p:txBody>
+      </p:sp>
+      <p:sp>
+        <p:nvSpPr>
+          <p:cNvPr id="4" name="テキスト ボックス 3">
+            <a:extLst>
+              <a:ext uri="{FF2B5EF4-FFF2-40B4-BE49-F238E27FC236}">
+                <a16:creationId xmlns:a16="http://schemas.microsoft.com/office/drawing/2014/main" id="{651242A5-DAE8-4BE6-8BDF-294275FC3F23}"/>
+              </a:ext>
+            </a:extLst>
+          </p:cNvPr>
+          <p:cNvSpPr txBox="1"/>
+          <p:nvPr/>
+        </p:nvSpPr>
+        <p:spPr>
+          <a:xfrm>
+            <a:off x="1384508" y="2255217"/>
+            <a:ext cx="10654327" cy="738664"/>
+          </a:xfrm>
+          <a:prstGeom prst="rect">
+            <a:avLst/>
+          </a:prstGeom>
+          <a:noFill/>
+        </p:spPr>
+        <p:txBody>
+          <a:bodyPr wrap="none" rtlCol="0">
+            <a:spAutoFit/>
+          </a:bodyPr>
+          <a:lstStyle/>
+          <a:p>
+            <a:r>
+              <a:rPr kumimoji="1" lang="en-US" altLang="ja-JP" sz="4200" dirty="0"/>
+              <a:t>python3 qrgen_arg.py</a:t>
+            </a:r>
+            <a:r>
+              <a:rPr kumimoji="1" lang="ja-JP" altLang="en-US" sz="4200" dirty="0"/>
+              <a:t> </a:t>
+            </a:r>
+            <a:r>
+              <a:rPr kumimoji="1" lang="en-US" altLang="ja-JP" sz="4200" dirty="0"/>
+              <a:t>[</a:t>
+            </a:r>
+            <a:r>
+              <a:rPr kumimoji="1" lang="en-US" altLang="ja-JP" sz="4200" dirty="0" err="1"/>
+              <a:t>target_string</a:t>
+            </a:r>
+            <a:r>
+              <a:rPr kumimoji="1" lang="en-US" altLang="ja-JP" sz="4200" dirty="0"/>
+              <a:t>] [filename]</a:t>
+            </a:r>
+            <a:endParaRPr kumimoji="1" lang="ja-JP" altLang="en-US" sz="4200" dirty="0"/>
+          </a:p>
+        </p:txBody>
+      </p:sp>
+      <p:sp>
+        <p:nvSpPr>
+          <p:cNvPr id="5" name="コンテンツ プレースホルダー 2">
+            <a:extLst>
+              <a:ext uri="{FF2B5EF4-FFF2-40B4-BE49-F238E27FC236}">
+                <a16:creationId xmlns:a16="http://schemas.microsoft.com/office/drawing/2014/main" id="{1A84E2DE-1F88-451E-91DE-8580E9D0D064}"/>
+              </a:ext>
+            </a:extLst>
+          </p:cNvPr>
+          <p:cNvSpPr txBox="1">
+            <a:spLocks/>
+          </p:cNvSpPr>
+          <p:nvPr/>
+        </p:nvSpPr>
+        <p:spPr>
+          <a:xfrm>
+            <a:off x="1097280" y="1905293"/>
+            <a:ext cx="8554720" cy="738664"/>
+          </a:xfrm>
+          <a:prstGeom prst="rect">
+            <a:avLst/>
+          </a:prstGeom>
+        </p:spPr>
+        <p:txBody>
+          <a:bodyPr vert="horz" lIns="0" tIns="45720" rIns="0" bIns="45720" rtlCol="0">
+            <a:normAutofit/>
+          </a:bodyPr>
+          <a:lstStyle>
+            <a:lvl1pPr marL="91440" indent="-91440" algn="l" defTabSz="914400" rtl="0" eaLnBrk="1" latinLnBrk="0" hangingPunct="1">
+              <a:lnSpc>
+                <a:spcPct val="90000"/>
+              </a:lnSpc>
+              <a:spcBef>
+                <a:spcPts val="1200"/>
+              </a:spcBef>
+              <a:spcAft>
+                <a:spcPts val="200"/>
+              </a:spcAft>
+              <a:buClr>
+                <a:schemeClr val="accent1"/>
+              </a:buClr>
+              <a:buSzPct val="100000"/>
+              <a:buFont typeface="Calibri" panose="020F0502020204030204" pitchFamily="34" charset="0"/>
+              <a:buChar char=" "/>
+              <a:defRPr kumimoji="1" sz="2000" kern="1200">
+                <a:solidFill>
+                  <a:schemeClr val="tx1">
+                    <a:lumMod val="75000"/>
+                    <a:lumOff val="25000"/>
+                  </a:schemeClr>
+                </a:solidFill>
+                <a:latin typeface="+mn-lt"/>
+                <a:ea typeface="+mn-ea"/>
+                <a:cs typeface="+mn-cs"/>
+              </a:defRPr>
+            </a:lvl1pPr>
+            <a:lvl2pPr marL="384048" indent="-182880" algn="l" defTabSz="914400" rtl="0" eaLnBrk="1" latinLnBrk="0" hangingPunct="1">
+              <a:lnSpc>
+                <a:spcPct val="90000"/>
+              </a:lnSpc>
+              <a:spcBef>
+                <a:spcPts val="200"/>
+              </a:spcBef>
+              <a:spcAft>
+                <a:spcPts val="400"/>
+              </a:spcAft>
+              <a:buClr>
+                <a:schemeClr val="accent1"/>
+              </a:buClr>
+              <a:buFont typeface="Calibri" pitchFamily="34" charset="0"/>
+              <a:buChar char="◦"/>
+              <a:defRPr kumimoji="1" sz="1800" kern="1200">
+                <a:solidFill>
+                  <a:schemeClr val="tx1">
+                    <a:lumMod val="75000"/>
+                    <a:lumOff val="25000"/>
+                  </a:schemeClr>
+                </a:solidFill>
+                <a:latin typeface="+mn-lt"/>
+                <a:ea typeface="+mn-ea"/>
+                <a:cs typeface="+mn-cs"/>
+              </a:defRPr>
+            </a:lvl2pPr>
+            <a:lvl3pPr marL="566928" indent="-182880" algn="l" defTabSz="914400" rtl="0" eaLnBrk="1" latinLnBrk="0" hangingPunct="1">
+              <a:lnSpc>
+                <a:spcPct val="90000"/>
+              </a:lnSpc>
+              <a:spcBef>
+                <a:spcPts val="200"/>
+              </a:spcBef>
+              <a:spcAft>
+                <a:spcPts val="400"/>
+              </a:spcAft>
+              <a:buClr>
+                <a:schemeClr val="accent1"/>
+              </a:buClr>
+              <a:buFont typeface="Calibri" pitchFamily="34" charset="0"/>
+              <a:buChar char="◦"/>
+              <a:defRPr kumimoji="1" sz="1400" kern="1200">
+                <a:solidFill>
+                  <a:schemeClr val="tx1">
+                    <a:lumMod val="75000"/>
+                    <a:lumOff val="25000"/>
+                  </a:schemeClr>
+                </a:solidFill>
+                <a:latin typeface="+mn-lt"/>
+                <a:ea typeface="+mn-ea"/>
+                <a:cs typeface="+mn-cs"/>
+              </a:defRPr>
+            </a:lvl3pPr>
+            <a:lvl4pPr marL="749808" indent="-182880" algn="l" defTabSz="914400" rtl="0" eaLnBrk="1" latinLnBrk="0" hangingPunct="1">
+              <a:lnSpc>
+                <a:spcPct val="90000"/>
+              </a:lnSpc>
+              <a:spcBef>
+                <a:spcPts val="200"/>
+              </a:spcBef>
+              <a:spcAft>
+                <a:spcPts val="400"/>
+              </a:spcAft>
+              <a:buClr>
+                <a:schemeClr val="accent1"/>
+              </a:buClr>
+              <a:buFont typeface="Calibri" pitchFamily="34" charset="0"/>
+              <a:buChar char="◦"/>
+              <a:defRPr kumimoji="1" sz="1400" kern="1200">
+                <a:solidFill>
+                  <a:schemeClr val="tx1">
+                    <a:lumMod val="75000"/>
+                    <a:lumOff val="25000"/>
+                  </a:schemeClr>
+                </a:solidFill>
+                <a:latin typeface="+mn-lt"/>
+                <a:ea typeface="+mn-ea"/>
+                <a:cs typeface="+mn-cs"/>
+              </a:defRPr>
+            </a:lvl4pPr>
+            <a:lvl5pPr marL="932688" indent="-182880" algn="l" defTabSz="914400" rtl="0" eaLnBrk="1" latinLnBrk="0" hangingPunct="1">
+              <a:lnSpc>
+                <a:spcPct val="90000"/>
+              </a:lnSpc>
+              <a:spcBef>
+                <a:spcPts val="200"/>
+              </a:spcBef>
+              <a:spcAft>
+                <a:spcPts val="400"/>
+              </a:spcAft>
+              <a:buClr>
+                <a:schemeClr val="accent1"/>
+              </a:buClr>
+              <a:buFont typeface="Calibri" pitchFamily="34" charset="0"/>
+              <a:buChar char="◦"/>
+              <a:defRPr kumimoji="1" sz="1400" kern="1200">
+                <a:solidFill>
+                  <a:schemeClr val="tx1">
+                    <a:lumMod val="75000"/>
+                    <a:lumOff val="25000"/>
+                  </a:schemeClr>
+                </a:solidFill>
+                <a:latin typeface="+mn-lt"/>
+                <a:ea typeface="+mn-ea"/>
+                <a:cs typeface="+mn-cs"/>
+              </a:defRPr>
+            </a:lvl5pPr>
+            <a:lvl6pPr marL="1100000" indent="-228600" algn="l" defTabSz="914400" rtl="0" eaLnBrk="1" latinLnBrk="0" hangingPunct="1">
+              <a:lnSpc>
+                <a:spcPct val="90000"/>
+              </a:lnSpc>
+              <a:spcBef>
+                <a:spcPts val="200"/>
+              </a:spcBef>
+              <a:spcAft>
+                <a:spcPts val="400"/>
+              </a:spcAft>
+              <a:buClr>
+                <a:schemeClr val="accent1"/>
+              </a:buClr>
+              <a:buFont typeface="Calibri" pitchFamily="34" charset="0"/>
+              <a:buChar char="◦"/>
+              <a:defRPr kumimoji="1" sz="1400" kern="1200">
+                <a:solidFill>
+                  <a:schemeClr val="tx1">
+                    <a:lumMod val="75000"/>
+                    <a:lumOff val="25000"/>
+                  </a:schemeClr>
+                </a:solidFill>
+                <a:latin typeface="+mn-lt"/>
+                <a:ea typeface="+mn-ea"/>
+                <a:cs typeface="+mn-cs"/>
+              </a:defRPr>
+            </a:lvl6pPr>
+            <a:lvl7pPr marL="1300000" indent="-228600" algn="l" defTabSz="914400" rtl="0" eaLnBrk="1" latinLnBrk="0" hangingPunct="1">
+              <a:lnSpc>
+                <a:spcPct val="90000"/>
+              </a:lnSpc>
+              <a:spcBef>
+                <a:spcPts val="200"/>
+              </a:spcBef>
+              <a:spcAft>
+                <a:spcPts val="400"/>
+              </a:spcAft>
+              <a:buClr>
+                <a:schemeClr val="accent1"/>
+              </a:buClr>
+              <a:buFont typeface="Calibri" pitchFamily="34" charset="0"/>
+              <a:buChar char="◦"/>
+              <a:defRPr kumimoji="1" sz="1400" kern="1200">
+                <a:solidFill>
+                  <a:schemeClr val="tx1">
+                    <a:lumMod val="75000"/>
+                    <a:lumOff val="25000"/>
+                  </a:schemeClr>
+                </a:solidFill>
+                <a:latin typeface="+mn-lt"/>
+                <a:ea typeface="+mn-ea"/>
+                <a:cs typeface="+mn-cs"/>
+              </a:defRPr>
+            </a:lvl7pPr>
+            <a:lvl8pPr marL="1500000" indent="-228600" algn="l" defTabSz="914400" rtl="0" eaLnBrk="1" latinLnBrk="0" hangingPunct="1">
+              <a:lnSpc>
+                <a:spcPct val="90000"/>
+              </a:lnSpc>
+              <a:spcBef>
+                <a:spcPts val="200"/>
+              </a:spcBef>
+              <a:spcAft>
+                <a:spcPts val="400"/>
+              </a:spcAft>
+              <a:buClr>
+                <a:schemeClr val="accent1"/>
+              </a:buClr>
+              <a:buFont typeface="Calibri" pitchFamily="34" charset="0"/>
+              <a:buChar char="◦"/>
+              <a:defRPr kumimoji="1" sz="1400" kern="1200">
+                <a:solidFill>
+                  <a:schemeClr val="tx1">
+                    <a:lumMod val="75000"/>
+                    <a:lumOff val="25000"/>
+                  </a:schemeClr>
+                </a:solidFill>
+                <a:latin typeface="+mn-lt"/>
+                <a:ea typeface="+mn-ea"/>
+                <a:cs typeface="+mn-cs"/>
+              </a:defRPr>
+            </a:lvl8pPr>
+            <a:lvl9pPr marL="1700000" indent="-228600" algn="l" defTabSz="914400" rtl="0" eaLnBrk="1" latinLnBrk="0" hangingPunct="1">
+              <a:lnSpc>
+                <a:spcPct val="90000"/>
+              </a:lnSpc>
+              <a:spcBef>
+                <a:spcPts val="200"/>
+              </a:spcBef>
+              <a:spcAft>
+                <a:spcPts val="400"/>
+              </a:spcAft>
+              <a:buClr>
+                <a:schemeClr val="accent1"/>
+              </a:buClr>
+              <a:buFont typeface="Calibri" pitchFamily="34" charset="0"/>
+              <a:buChar char="◦"/>
+              <a:defRPr kumimoji="1" sz="1400" kern="1200">
+                <a:solidFill>
+                  <a:schemeClr val="tx1">
+                    <a:lumMod val="75000"/>
+                    <a:lumOff val="25000"/>
+                  </a:schemeClr>
+                </a:solidFill>
+                <a:latin typeface="+mn-lt"/>
+                <a:ea typeface="+mn-ea"/>
+                <a:cs typeface="+mn-cs"/>
+              </a:defRPr>
+            </a:lvl9pPr>
+          </a:lstStyle>
+          <a:p>
+            <a:pPr lvl="1"/>
+            <a:r>
+              <a:rPr lang="ja-JP" altLang="en-US" dirty="0"/>
+              <a:t>実行時はコマンドプロンプト（</a:t>
+            </a:r>
+            <a:r>
+              <a:rPr lang="en-US" altLang="ja-JP" dirty="0"/>
+              <a:t>PowerShell</a:t>
+            </a:r>
+            <a:r>
+              <a:rPr lang="ja-JP" altLang="en-US" dirty="0"/>
+              <a:t>）で下記コマンドを実行</a:t>
+            </a:r>
+            <a:endParaRPr lang="en-US" altLang="ja-JP" dirty="0"/>
+          </a:p>
+        </p:txBody>
+      </p:sp>
+      <p:sp>
+        <p:nvSpPr>
+          <p:cNvPr id="6" name="コンテンツ プレースホルダー 2">
+            <a:extLst>
+              <a:ext uri="{FF2B5EF4-FFF2-40B4-BE49-F238E27FC236}">
+                <a16:creationId xmlns:a16="http://schemas.microsoft.com/office/drawing/2014/main" id="{0CFD2B66-8E22-452D-8789-2F34D1A3811A}"/>
+              </a:ext>
+            </a:extLst>
+          </p:cNvPr>
+          <p:cNvSpPr txBox="1">
+            <a:spLocks/>
+          </p:cNvSpPr>
+          <p:nvPr/>
+        </p:nvSpPr>
+        <p:spPr>
+          <a:xfrm>
+            <a:off x="1097280" y="4474440"/>
+            <a:ext cx="10654327" cy="952694"/>
+          </a:xfrm>
+          <a:prstGeom prst="rect">
+            <a:avLst/>
+          </a:prstGeom>
+        </p:spPr>
+        <p:txBody>
+          <a:bodyPr vert="horz" lIns="0" tIns="45720" rIns="0" bIns="45720" rtlCol="0">
+            <a:normAutofit lnSpcReduction="10000"/>
+          </a:bodyPr>
+          <a:lstStyle>
+            <a:lvl1pPr marL="91440" indent="-91440" algn="l" defTabSz="914400" rtl="0" eaLnBrk="1" latinLnBrk="0" hangingPunct="1">
+              <a:lnSpc>
+                <a:spcPct val="90000"/>
+              </a:lnSpc>
+              <a:spcBef>
+                <a:spcPts val="1200"/>
+              </a:spcBef>
+              <a:spcAft>
+                <a:spcPts val="200"/>
+              </a:spcAft>
+              <a:buClr>
+                <a:schemeClr val="accent1"/>
+              </a:buClr>
+              <a:buSzPct val="100000"/>
+              <a:buFont typeface="Calibri" panose="020F0502020204030204" pitchFamily="34" charset="0"/>
+              <a:buChar char=" "/>
+              <a:defRPr kumimoji="1" sz="2000" kern="1200">
+                <a:solidFill>
+                  <a:schemeClr val="tx1">
+                    <a:lumMod val="75000"/>
+                    <a:lumOff val="25000"/>
+                  </a:schemeClr>
+                </a:solidFill>
+                <a:latin typeface="+mn-lt"/>
+                <a:ea typeface="+mn-ea"/>
+                <a:cs typeface="+mn-cs"/>
+              </a:defRPr>
+            </a:lvl1pPr>
+            <a:lvl2pPr marL="384048" indent="-182880" algn="l" defTabSz="914400" rtl="0" eaLnBrk="1" latinLnBrk="0" hangingPunct="1">
+              <a:lnSpc>
+                <a:spcPct val="90000"/>
+              </a:lnSpc>
+              <a:spcBef>
+                <a:spcPts val="200"/>
+              </a:spcBef>
+              <a:spcAft>
+                <a:spcPts val="400"/>
+              </a:spcAft>
+              <a:buClr>
+                <a:schemeClr val="accent1"/>
+              </a:buClr>
+              <a:buFont typeface="Calibri" pitchFamily="34" charset="0"/>
+              <a:buChar char="◦"/>
+              <a:defRPr kumimoji="1" sz="1800" kern="1200">
+                <a:solidFill>
+                  <a:schemeClr val="tx1">
+                    <a:lumMod val="75000"/>
+                    <a:lumOff val="25000"/>
+                  </a:schemeClr>
+                </a:solidFill>
+                <a:latin typeface="+mn-lt"/>
+                <a:ea typeface="+mn-ea"/>
+                <a:cs typeface="+mn-cs"/>
+              </a:defRPr>
+            </a:lvl2pPr>
+            <a:lvl3pPr marL="566928" indent="-182880" algn="l" defTabSz="914400" rtl="0" eaLnBrk="1" latinLnBrk="0" hangingPunct="1">
+              <a:lnSpc>
+                <a:spcPct val="90000"/>
+              </a:lnSpc>
+              <a:spcBef>
+                <a:spcPts val="200"/>
+              </a:spcBef>
+              <a:spcAft>
+                <a:spcPts val="400"/>
+              </a:spcAft>
+              <a:buClr>
+                <a:schemeClr val="accent1"/>
+              </a:buClr>
+              <a:buFont typeface="Calibri" pitchFamily="34" charset="0"/>
+              <a:buChar char="◦"/>
+              <a:defRPr kumimoji="1" sz="1400" kern="1200">
+                <a:solidFill>
+                  <a:schemeClr val="tx1">
+                    <a:lumMod val="75000"/>
+                    <a:lumOff val="25000"/>
+                  </a:schemeClr>
+                </a:solidFill>
+                <a:latin typeface="+mn-lt"/>
+                <a:ea typeface="+mn-ea"/>
+                <a:cs typeface="+mn-cs"/>
+              </a:defRPr>
+            </a:lvl3pPr>
+            <a:lvl4pPr marL="749808" indent="-182880" algn="l" defTabSz="914400" rtl="0" eaLnBrk="1" latinLnBrk="0" hangingPunct="1">
+              <a:lnSpc>
+                <a:spcPct val="90000"/>
+              </a:lnSpc>
+              <a:spcBef>
+                <a:spcPts val="200"/>
+              </a:spcBef>
+              <a:spcAft>
+                <a:spcPts val="400"/>
+              </a:spcAft>
+              <a:buClr>
+                <a:schemeClr val="accent1"/>
+              </a:buClr>
+              <a:buFont typeface="Calibri" pitchFamily="34" charset="0"/>
+              <a:buChar char="◦"/>
+              <a:defRPr kumimoji="1" sz="1400" kern="1200">
+                <a:solidFill>
+                  <a:schemeClr val="tx1">
+                    <a:lumMod val="75000"/>
+                    <a:lumOff val="25000"/>
+                  </a:schemeClr>
+                </a:solidFill>
+                <a:latin typeface="+mn-lt"/>
+                <a:ea typeface="+mn-ea"/>
+                <a:cs typeface="+mn-cs"/>
+              </a:defRPr>
+            </a:lvl4pPr>
+            <a:lvl5pPr marL="932688" indent="-182880" algn="l" defTabSz="914400" rtl="0" eaLnBrk="1" latinLnBrk="0" hangingPunct="1">
+              <a:lnSpc>
+                <a:spcPct val="90000"/>
+              </a:lnSpc>
+              <a:spcBef>
+                <a:spcPts val="200"/>
+              </a:spcBef>
+              <a:spcAft>
+                <a:spcPts val="400"/>
+              </a:spcAft>
+              <a:buClr>
+                <a:schemeClr val="accent1"/>
+              </a:buClr>
+              <a:buFont typeface="Calibri" pitchFamily="34" charset="0"/>
+              <a:buChar char="◦"/>
+              <a:defRPr kumimoji="1" sz="1400" kern="1200">
+                <a:solidFill>
+                  <a:schemeClr val="tx1">
+                    <a:lumMod val="75000"/>
+                    <a:lumOff val="25000"/>
+                  </a:schemeClr>
+                </a:solidFill>
+                <a:latin typeface="+mn-lt"/>
+                <a:ea typeface="+mn-ea"/>
+                <a:cs typeface="+mn-cs"/>
+              </a:defRPr>
+            </a:lvl5pPr>
+            <a:lvl6pPr marL="1100000" indent="-228600" algn="l" defTabSz="914400" rtl="0" eaLnBrk="1" latinLnBrk="0" hangingPunct="1">
+              <a:lnSpc>
+                <a:spcPct val="90000"/>
+              </a:lnSpc>
+              <a:spcBef>
+                <a:spcPts val="200"/>
+              </a:spcBef>
+              <a:spcAft>
+                <a:spcPts val="400"/>
+              </a:spcAft>
+              <a:buClr>
+                <a:schemeClr val="accent1"/>
+              </a:buClr>
+              <a:buFont typeface="Calibri" pitchFamily="34" charset="0"/>
+              <a:buChar char="◦"/>
+              <a:defRPr kumimoji="1" sz="1400" kern="1200">
+                <a:solidFill>
+                  <a:schemeClr val="tx1">
+                    <a:lumMod val="75000"/>
+                    <a:lumOff val="25000"/>
+                  </a:schemeClr>
+                </a:solidFill>
+                <a:latin typeface="+mn-lt"/>
+                <a:ea typeface="+mn-ea"/>
+                <a:cs typeface="+mn-cs"/>
+              </a:defRPr>
+            </a:lvl6pPr>
+            <a:lvl7pPr marL="1300000" indent="-228600" algn="l" defTabSz="914400" rtl="0" eaLnBrk="1" latinLnBrk="0" hangingPunct="1">
+              <a:lnSpc>
+                <a:spcPct val="90000"/>
+              </a:lnSpc>
+              <a:spcBef>
+                <a:spcPts val="200"/>
+              </a:spcBef>
+              <a:spcAft>
+                <a:spcPts val="400"/>
+              </a:spcAft>
+              <a:buClr>
+                <a:schemeClr val="accent1"/>
+              </a:buClr>
+              <a:buFont typeface="Calibri" pitchFamily="34" charset="0"/>
+              <a:buChar char="◦"/>
+              <a:defRPr kumimoji="1" sz="1400" kern="1200">
+                <a:solidFill>
+                  <a:schemeClr val="tx1">
+                    <a:lumMod val="75000"/>
+                    <a:lumOff val="25000"/>
+                  </a:schemeClr>
+                </a:solidFill>
+                <a:latin typeface="+mn-lt"/>
+                <a:ea typeface="+mn-ea"/>
+                <a:cs typeface="+mn-cs"/>
+              </a:defRPr>
+            </a:lvl7pPr>
+            <a:lvl8pPr marL="1500000" indent="-228600" algn="l" defTabSz="914400" rtl="0" eaLnBrk="1" latinLnBrk="0" hangingPunct="1">
+              <a:lnSpc>
+                <a:spcPct val="90000"/>
+              </a:lnSpc>
+              <a:spcBef>
+                <a:spcPts val="200"/>
+              </a:spcBef>
+              <a:spcAft>
+                <a:spcPts val="400"/>
+              </a:spcAft>
+              <a:buClr>
+                <a:schemeClr val="accent1"/>
+              </a:buClr>
+              <a:buFont typeface="Calibri" pitchFamily="34" charset="0"/>
+              <a:buChar char="◦"/>
+              <a:defRPr kumimoji="1" sz="1400" kern="1200">
+                <a:solidFill>
+                  <a:schemeClr val="tx1">
+                    <a:lumMod val="75000"/>
+                    <a:lumOff val="25000"/>
+                  </a:schemeClr>
+                </a:solidFill>
+                <a:latin typeface="+mn-lt"/>
+                <a:ea typeface="+mn-ea"/>
+                <a:cs typeface="+mn-cs"/>
+              </a:defRPr>
+            </a:lvl8pPr>
+            <a:lvl9pPr marL="1700000" indent="-228600" algn="l" defTabSz="914400" rtl="0" eaLnBrk="1" latinLnBrk="0" hangingPunct="1">
+              <a:lnSpc>
+                <a:spcPct val="90000"/>
+              </a:lnSpc>
+              <a:spcBef>
+                <a:spcPts val="200"/>
+              </a:spcBef>
+              <a:spcAft>
+                <a:spcPts val="400"/>
+              </a:spcAft>
+              <a:buClr>
+                <a:schemeClr val="accent1"/>
+              </a:buClr>
+              <a:buFont typeface="Calibri" pitchFamily="34" charset="0"/>
+              <a:buChar char="◦"/>
+              <a:defRPr kumimoji="1" sz="1400" kern="1200">
+                <a:solidFill>
+                  <a:schemeClr val="tx1">
+                    <a:lumMod val="75000"/>
+                    <a:lumOff val="25000"/>
+                  </a:schemeClr>
+                </a:solidFill>
+                <a:latin typeface="+mn-lt"/>
+                <a:ea typeface="+mn-ea"/>
+                <a:cs typeface="+mn-cs"/>
+              </a:defRPr>
+            </a:lvl9pPr>
+          </a:lstStyle>
+          <a:p>
+            <a:pPr lvl="1"/>
+            <a:r>
+              <a:rPr lang="ja-JP" altLang="en-US" dirty="0"/>
+              <a:t>（大量に作成する場合やリストとの照合を行いながら生成する場合）バッチファイルを用いて連続実行するのに向いている実装</a:t>
+            </a:r>
+            <a:endParaRPr lang="en-US" altLang="ja-JP" dirty="0"/>
+          </a:p>
+          <a:p>
+            <a:pPr lvl="1"/>
+            <a:r>
+              <a:rPr lang="ja-JP" altLang="en-US" dirty="0"/>
+              <a:t>バッチファイルを作成して連続実行してみる</a:t>
+            </a:r>
+            <a:endParaRPr lang="en-US" altLang="ja-JP" dirty="0"/>
+          </a:p>
+          <a:p>
+            <a:pPr lvl="1"/>
+            <a:endParaRPr lang="en-US" altLang="ja-JP" dirty="0"/>
+          </a:p>
+          <a:p>
+            <a:pPr lvl="1"/>
+            <a:endParaRPr lang="en-US" altLang="ja-JP" dirty="0"/>
+          </a:p>
+          <a:p>
+            <a:pPr lvl="1"/>
+            <a:endParaRPr lang="en-US" altLang="ja-JP" dirty="0"/>
+          </a:p>
+        </p:txBody>
+      </p:sp>
+    </p:spTree>
+    <p:extLst>
+      <p:ext uri="{BB962C8B-B14F-4D97-AF65-F5344CB8AC3E}">
+        <p14:creationId xmlns:p14="http://schemas.microsoft.com/office/powerpoint/2010/main" val="3507774997"/>
+      </p:ext>
+    </p:extLst>
+  </p:cSld>
+  <p:clrMapOvr>
+    <a:masterClrMapping/>
+  </p:clrMapOvr>
+</p:sld>
+</file>
+
+<file path=ppt/slides/slide15.xml><?xml version="1.0" encoding="utf-8"?>
+<p:sld xmlns:a="http://schemas.openxmlformats.org/drawingml/2006/main" xmlns:r="http://schemas.openxmlformats.org/officeDocument/2006/relationships" xmlns:p="http://schemas.openxmlformats.org/presentationml/2006/main">
+  <p:cSld>
+    <p:spTree>
+      <p:nvGrpSpPr>
+        <p:cNvPr id="1" name=""/>
+        <p:cNvGrpSpPr/>
+        <p:nvPr/>
+      </p:nvGrpSpPr>
+      <p:grpSpPr>
+        <a:xfrm>
+          <a:off x="0" y="0"/>
+          <a:ext cx="0" cy="0"/>
+          <a:chOff x="0" y="0"/>
+          <a:chExt cx="0" cy="0"/>
+        </a:xfrm>
+      </p:grpSpPr>
+      <p:sp>
+        <p:nvSpPr>
+          <p:cNvPr id="2" name="タイトル 1">
+            <a:extLst>
+              <a:ext uri="{FF2B5EF4-FFF2-40B4-BE49-F238E27FC236}">
+                <a16:creationId xmlns:a16="http://schemas.microsoft.com/office/drawing/2014/main" id="{0A5381EC-9D17-4E62-A6DF-92806DC4E7BC}"/>
+              </a:ext>
+            </a:extLst>
+          </p:cNvPr>
+          <p:cNvSpPr>
+            <a:spLocks noGrp="1"/>
+          </p:cNvSpPr>
+          <p:nvPr>
+            <p:ph type="title"/>
+          </p:nvPr>
+        </p:nvSpPr>
+        <p:spPr/>
+        <p:txBody>
+          <a:bodyPr/>
+          <a:lstStyle/>
+          <a:p>
+            <a:r>
+              <a:rPr kumimoji="1" lang="ja-JP" altLang="en-US" dirty="0"/>
+              <a:t>バッチファイルを用いた連続実行</a:t>
+            </a:r>
+          </a:p>
+        </p:txBody>
+      </p:sp>
+      <p:sp>
+        <p:nvSpPr>
+          <p:cNvPr id="5" name="コンテンツ プレースホルダー 2">
+            <a:extLst>
+              <a:ext uri="{FF2B5EF4-FFF2-40B4-BE49-F238E27FC236}">
+                <a16:creationId xmlns:a16="http://schemas.microsoft.com/office/drawing/2014/main" id="{FC2759F2-A04B-4A5D-AB1F-4365D3B3A83D}"/>
+              </a:ext>
+            </a:extLst>
+          </p:cNvPr>
+          <p:cNvSpPr>
+            <a:spLocks noGrp="1"/>
+          </p:cNvSpPr>
+          <p:nvPr>
+            <p:ph idx="1"/>
+          </p:nvPr>
+        </p:nvSpPr>
+        <p:spPr>
+          <a:xfrm>
+            <a:off x="1097279" y="1845733"/>
+            <a:ext cx="10058399" cy="3668801"/>
+          </a:xfrm>
+        </p:spPr>
+        <p:txBody>
+          <a:bodyPr>
+            <a:normAutofit/>
+          </a:bodyPr>
+          <a:lstStyle/>
+          <a:p>
+            <a:pPr lvl="1"/>
+            <a:r>
+              <a:rPr lang="ja-JP" altLang="en-US" dirty="0"/>
+              <a:t>テキストファイルを作成する</a:t>
+            </a:r>
+            <a:endParaRPr lang="en-US" altLang="ja-JP" dirty="0"/>
+          </a:p>
+          <a:p>
+            <a:pPr lvl="2"/>
+            <a:r>
+              <a:rPr lang="ja-JP" altLang="en-US" dirty="0"/>
+              <a:t>中身には実行したいコマンドを改行を用いて列挙する</a:t>
+            </a:r>
+            <a:endParaRPr lang="en-US" altLang="ja-JP" dirty="0"/>
+          </a:p>
+          <a:p>
+            <a:pPr lvl="1"/>
+            <a:endParaRPr lang="en-US" altLang="ja-JP" dirty="0"/>
+          </a:p>
+          <a:p>
+            <a:pPr lvl="1"/>
+            <a:r>
+              <a:rPr lang="ja-JP" altLang="en-US" dirty="0"/>
+              <a:t>テキストファイルの拡張子を「～～～</a:t>
+            </a:r>
+            <a:r>
+              <a:rPr lang="en-US" altLang="ja-JP" dirty="0"/>
+              <a:t>.bat</a:t>
+            </a:r>
+            <a:r>
+              <a:rPr lang="ja-JP" altLang="en-US" dirty="0"/>
+              <a:t>」に変更する</a:t>
+            </a:r>
+            <a:endParaRPr lang="en-US" altLang="ja-JP" dirty="0"/>
+          </a:p>
+          <a:p>
+            <a:pPr lvl="2"/>
+            <a:r>
+              <a:rPr lang="ja-JP" altLang="en-US" dirty="0"/>
+              <a:t>拡張子（ファイル名末尾に付与された「</a:t>
+            </a:r>
+            <a:r>
+              <a:rPr lang="en-US" altLang="ja-JP" dirty="0"/>
+              <a:t>.(</a:t>
+            </a:r>
+            <a:r>
+              <a:rPr lang="ja-JP" altLang="en-US" dirty="0"/>
+              <a:t>ドット</a:t>
+            </a:r>
+            <a:r>
+              <a:rPr lang="en-US" altLang="ja-JP" dirty="0"/>
+              <a:t>)</a:t>
+            </a:r>
+            <a:r>
+              <a:rPr lang="ja-JP" altLang="en-US" dirty="0"/>
+              <a:t>」以降の文字）が表示されていない場合は事前に「フォルダオプション」から拡張子を表示しておくこと</a:t>
+            </a:r>
+            <a:endParaRPr lang="en-US" altLang="ja-JP" dirty="0"/>
+          </a:p>
+          <a:p>
+            <a:pPr lvl="2"/>
+            <a:endParaRPr lang="en-US" altLang="ja-JP" dirty="0"/>
+          </a:p>
+          <a:p>
+            <a:pPr lvl="1"/>
+            <a:r>
+              <a:rPr lang="ja-JP" altLang="en-US" dirty="0"/>
+              <a:t>コマンドプロンプト（または</a:t>
+            </a:r>
+            <a:r>
+              <a:rPr lang="en-US" altLang="ja-JP" dirty="0"/>
+              <a:t>PowerShell</a:t>
+            </a:r>
+            <a:r>
+              <a:rPr lang="ja-JP" altLang="en-US" dirty="0"/>
+              <a:t>）で実行する</a:t>
+            </a:r>
+            <a:endParaRPr lang="en-US" altLang="ja-JP" dirty="0"/>
+          </a:p>
+        </p:txBody>
+      </p:sp>
+    </p:spTree>
+    <p:extLst>
+      <p:ext uri="{BB962C8B-B14F-4D97-AF65-F5344CB8AC3E}">
+        <p14:creationId xmlns:p14="http://schemas.microsoft.com/office/powerpoint/2010/main" val="3852130219"/>
+      </p:ext>
+    </p:extLst>
+  </p:cSld>
+  <p:clrMapOvr>
+    <a:masterClrMapping/>
+  </p:clrMapOvr>
+</p:sld>
+</file>
+
+<file path=ppt/slides/slide16.xml><?xml version="1.0" encoding="utf-8"?>
+<p:sld xmlns:a="http://schemas.openxmlformats.org/drawingml/2006/main" xmlns:r="http://schemas.openxmlformats.org/officeDocument/2006/relationships" xmlns:p="http://schemas.openxmlformats.org/presentationml/2006/main">
+  <p:cSld>
+    <p:spTree>
+      <p:nvGrpSpPr>
+        <p:cNvPr id="1" name=""/>
+        <p:cNvGrpSpPr/>
+        <p:nvPr/>
+      </p:nvGrpSpPr>
+      <p:grpSpPr>
+        <a:xfrm>
+          <a:off x="0" y="0"/>
+          <a:ext cx="0" cy="0"/>
+          <a:chOff x="0" y="0"/>
+          <a:chExt cx="0" cy="0"/>
+        </a:xfrm>
+      </p:grpSpPr>
+      <p:sp>
+        <p:nvSpPr>
+          <p:cNvPr id="2" name="タイトル 1">
+            <a:extLst>
+              <a:ext uri="{FF2B5EF4-FFF2-40B4-BE49-F238E27FC236}">
                 <a16:creationId xmlns:a16="http://schemas.microsoft.com/office/drawing/2014/main" id="{BE0995BC-D952-45C3-A5AE-BEAF9D058CA6}"/>
               </a:ext>
             </a:extLst>
@@ -10075,7 +10960,7 @@
 </p:sld>
 </file>
 
-<file path=ppt/slides/slide15.xml><?xml version="1.0" encoding="utf-8"?>
+<file path=ppt/slides/slide17.xml><?xml version="1.0" encoding="utf-8"?>
 <p:sld xmlns:a="http://schemas.openxmlformats.org/drawingml/2006/main" xmlns:r="http://schemas.openxmlformats.org/officeDocument/2006/relationships" xmlns:p="http://schemas.openxmlformats.org/presentationml/2006/main">
   <p:cSld>
     <p:spTree>
@@ -10229,7 +11114,7 @@
 </p:sld>
 </file>
 
-<file path=ppt/slides/slide16.xml><?xml version="1.0" encoding="utf-8"?>
+<file path=ppt/slides/slide18.xml><?xml version="1.0" encoding="utf-8"?>
 <p:sld xmlns:a="http://schemas.openxmlformats.org/drawingml/2006/main" xmlns:r="http://schemas.openxmlformats.org/officeDocument/2006/relationships" xmlns:p="http://schemas.openxmlformats.org/presentationml/2006/main">
   <p:cSld>
     <p:spTree>
@@ -14402,7 +15287,7 @@
 </p:sld>
 </file>
 
-<file path=ppt/slides/slide17.xml><?xml version="1.0" encoding="utf-8"?>
+<file path=ppt/slides/slide19.xml><?xml version="1.0" encoding="utf-8"?>
 <p:sld xmlns:a="http://schemas.openxmlformats.org/drawingml/2006/main" xmlns:r="http://schemas.openxmlformats.org/officeDocument/2006/relationships" xmlns:p="http://schemas.openxmlformats.org/presentationml/2006/main">
   <p:cSld>
     <p:spTree>
@@ -18785,7 +19670,208 @@
 </p:sld>
 </file>
 
-<file path=ppt/slides/slide18.xml><?xml version="1.0" encoding="utf-8"?>
+<file path=ppt/slides/slide2.xml><?xml version="1.0" encoding="utf-8"?>
+<p:sld xmlns:a="http://schemas.openxmlformats.org/drawingml/2006/main" xmlns:r="http://schemas.openxmlformats.org/officeDocument/2006/relationships" xmlns:p="http://schemas.openxmlformats.org/presentationml/2006/main">
+  <p:cSld>
+    <p:spTree>
+      <p:nvGrpSpPr>
+        <p:cNvPr id="1" name=""/>
+        <p:cNvGrpSpPr/>
+        <p:nvPr/>
+      </p:nvGrpSpPr>
+      <p:grpSpPr>
+        <a:xfrm>
+          <a:off x="0" y="0"/>
+          <a:ext cx="0" cy="0"/>
+          <a:chOff x="0" y="0"/>
+          <a:chExt cx="0" cy="0"/>
+        </a:xfrm>
+      </p:grpSpPr>
+      <p:sp>
+        <p:nvSpPr>
+          <p:cNvPr id="2" name="タイトル 1">
+            <a:extLst>
+              <a:ext uri="{FF2B5EF4-FFF2-40B4-BE49-F238E27FC236}">
+                <a16:creationId xmlns:a16="http://schemas.microsoft.com/office/drawing/2014/main" id="{CC62C210-FDDC-452D-A0BB-D08CFF83ED12}"/>
+              </a:ext>
+            </a:extLst>
+          </p:cNvPr>
+          <p:cNvSpPr>
+            <a:spLocks noGrp="1"/>
+          </p:cNvSpPr>
+          <p:nvPr>
+            <p:ph type="title"/>
+          </p:nvPr>
+        </p:nvSpPr>
+        <p:spPr/>
+        <p:txBody>
+          <a:bodyPr/>
+          <a:lstStyle/>
+          <a:p>
+            <a:r>
+              <a:rPr kumimoji="1" lang="ja-JP" altLang="en-US" dirty="0"/>
+              <a:t>セミナーの目的</a:t>
+            </a:r>
+          </a:p>
+        </p:txBody>
+      </p:sp>
+      <p:sp>
+        <p:nvSpPr>
+          <p:cNvPr id="3" name="コンテンツ プレースホルダー 2">
+            <a:extLst>
+              <a:ext uri="{FF2B5EF4-FFF2-40B4-BE49-F238E27FC236}">
+                <a16:creationId xmlns:a16="http://schemas.microsoft.com/office/drawing/2014/main" id="{8FE296EF-B314-4527-B08E-05022F0553CB}"/>
+              </a:ext>
+            </a:extLst>
+          </p:cNvPr>
+          <p:cNvSpPr>
+            <a:spLocks noGrp="1"/>
+          </p:cNvSpPr>
+          <p:nvPr>
+            <p:ph idx="1"/>
+          </p:nvPr>
+        </p:nvSpPr>
+        <p:spPr/>
+        <p:txBody>
+          <a:bodyPr/>
+          <a:lstStyle/>
+          <a:p>
+            <a:pPr marL="457200" indent="-457200">
+              <a:buFont typeface="+mj-lt"/>
+              <a:buAutoNum type="arabicPeriod"/>
+            </a:pPr>
+            <a:r>
+              <a:rPr lang="ja-JP" altLang="en-US" dirty="0"/>
+              <a:t>ソリューションの内製化を見据え，</a:t>
+            </a:r>
+            <a:r>
+              <a:rPr kumimoji="1" lang="en-US" altLang="ja-JP" dirty="0"/>
+              <a:t>PC</a:t>
+            </a:r>
+            <a:r>
+              <a:rPr kumimoji="1" lang="ja-JP" altLang="en-US" dirty="0"/>
+              <a:t>を活用してプロトタイピングを行う足がかりを学ぶ</a:t>
+            </a:r>
+            <a:endParaRPr kumimoji="1" lang="en-US" altLang="ja-JP" dirty="0"/>
+          </a:p>
+          <a:p>
+            <a:pPr marL="749808" lvl="1" indent="-457200"/>
+            <a:r>
+              <a:rPr lang="en-US" altLang="ja-JP" dirty="0"/>
+              <a:t>Windows10</a:t>
+            </a:r>
+            <a:r>
+              <a:rPr lang="ja-JP" altLang="en-US" dirty="0"/>
+              <a:t>と</a:t>
+            </a:r>
+            <a:r>
+              <a:rPr lang="en-US" altLang="ja-JP" dirty="0"/>
+              <a:t>python</a:t>
+            </a:r>
+            <a:r>
+              <a:rPr lang="ja-JP" altLang="en-US" dirty="0"/>
+              <a:t>の利用</a:t>
+            </a:r>
+            <a:endParaRPr lang="en-US" altLang="ja-JP" dirty="0"/>
+          </a:p>
+          <a:p>
+            <a:pPr marL="749808" lvl="1" indent="-457200"/>
+            <a:r>
+              <a:rPr kumimoji="1" lang="en-US" altLang="ja-JP" dirty="0"/>
+              <a:t>Web</a:t>
+            </a:r>
+            <a:r>
+              <a:rPr kumimoji="1" lang="ja-JP" altLang="en-US" dirty="0"/>
+              <a:t>カメラの活用</a:t>
+            </a:r>
+            <a:endParaRPr kumimoji="1" lang="en-US" altLang="ja-JP" dirty="0"/>
+          </a:p>
+          <a:p>
+            <a:pPr marL="749808" lvl="1" indent="-457200"/>
+            <a:endParaRPr kumimoji="1" lang="en-US" altLang="ja-JP" dirty="0"/>
+          </a:p>
+          <a:p>
+            <a:pPr marL="457200" indent="-457200">
+              <a:buFont typeface="+mj-lt"/>
+              <a:buAutoNum type="arabicPeriod"/>
+            </a:pPr>
+            <a:r>
+              <a:rPr lang="en-US" altLang="ja-JP" dirty="0"/>
+              <a:t>QR</a:t>
+            </a:r>
+            <a:r>
+              <a:rPr lang="ja-JP" altLang="en-US" dirty="0"/>
+              <a:t>コードを利用したソリューションのイメージを掴む</a:t>
+            </a:r>
+            <a:endParaRPr lang="en-US" altLang="ja-JP" dirty="0"/>
+          </a:p>
+          <a:p>
+            <a:pPr marL="749808" lvl="1" indent="-457200"/>
+            <a:r>
+              <a:rPr lang="en-US" altLang="ja-JP" dirty="0"/>
+              <a:t>QR</a:t>
+            </a:r>
+            <a:r>
+              <a:rPr lang="ja-JP" altLang="en-US" dirty="0"/>
+              <a:t>コードやバーコードをどのように活用する（できるのか）検討する足がかりにする</a:t>
+            </a:r>
+            <a:endParaRPr lang="en-US" altLang="ja-JP" dirty="0"/>
+          </a:p>
+          <a:p>
+            <a:pPr marL="749808" lvl="1" indent="-457200"/>
+            <a:r>
+              <a:rPr lang="ja-JP" altLang="en-US" dirty="0"/>
+              <a:t>生産管理に活用してみるケースを実習する</a:t>
+            </a:r>
+            <a:endParaRPr lang="en-US" altLang="ja-JP" dirty="0"/>
+          </a:p>
+          <a:p>
+            <a:pPr marL="749808" lvl="1" indent="-457200"/>
+            <a:endParaRPr lang="en-US" altLang="ja-JP" dirty="0"/>
+          </a:p>
+          <a:p>
+            <a:pPr marL="457200" indent="-457200">
+              <a:buFont typeface="+mj-lt"/>
+              <a:buAutoNum type="arabicPeriod"/>
+            </a:pPr>
+            <a:r>
+              <a:rPr kumimoji="1" lang="ja-JP" altLang="en-US" dirty="0"/>
+              <a:t>レガシーなデバイスをインターネットに接続するためのデバイスの活用イメージを掴む</a:t>
+            </a:r>
+            <a:endParaRPr kumimoji="1" lang="en-US" altLang="ja-JP" dirty="0"/>
+          </a:p>
+          <a:p>
+            <a:pPr marL="749808" lvl="1" indent="-457200"/>
+            <a:r>
+              <a:rPr lang="ja-JP" altLang="en-US" dirty="0"/>
+              <a:t>電気信号がデータになる仕組みを掴む</a:t>
+            </a:r>
+            <a:endParaRPr lang="en-US" altLang="ja-JP" dirty="0"/>
+          </a:p>
+          <a:p>
+            <a:pPr marL="749808" lvl="1" indent="-457200"/>
+            <a:r>
+              <a:rPr kumimoji="1" lang="ja-JP" altLang="en-US" dirty="0"/>
+              <a:t>どうやってユーザーに通知するか，活用方法を考えてみる</a:t>
+            </a:r>
+            <a:endParaRPr kumimoji="1" lang="en-US" altLang="ja-JP" dirty="0"/>
+          </a:p>
+        </p:txBody>
+      </p:sp>
+    </p:spTree>
+    <p:extLst>
+      <p:ext uri="{BB962C8B-B14F-4D97-AF65-F5344CB8AC3E}">
+        <p14:creationId xmlns:p14="http://schemas.microsoft.com/office/powerpoint/2010/main" val="3446295141"/>
+      </p:ext>
+    </p:extLst>
+  </p:cSld>
+  <p:clrMapOvr>
+    <a:masterClrMapping/>
+  </p:clrMapOvr>
+</p:sld>
+</file>
+
+<file path=ppt/slides/slide20.xml><?xml version="1.0" encoding="utf-8"?>
 <p:sld xmlns:a="http://schemas.openxmlformats.org/drawingml/2006/main" xmlns:r="http://schemas.openxmlformats.org/officeDocument/2006/relationships" xmlns:p="http://schemas.openxmlformats.org/presentationml/2006/main">
   <p:cSld>
     <p:spTree>
@@ -18918,7 +20004,7 @@
 </p:sld>
 </file>
 
-<file path=ppt/slides/slide19.xml><?xml version="1.0" encoding="utf-8"?>
+<file path=ppt/slides/slide21.xml><?xml version="1.0" encoding="utf-8"?>
 <p:sld xmlns:a="http://schemas.openxmlformats.org/drawingml/2006/main" xmlns:r="http://schemas.openxmlformats.org/officeDocument/2006/relationships" xmlns:p="http://schemas.openxmlformats.org/presentationml/2006/main">
   <p:cSld>
     <p:spTree>
@@ -19117,208 +20203,7 @@
 </p:sld>
 </file>
 
-<file path=ppt/slides/slide2.xml><?xml version="1.0" encoding="utf-8"?>
-<p:sld xmlns:a="http://schemas.openxmlformats.org/drawingml/2006/main" xmlns:r="http://schemas.openxmlformats.org/officeDocument/2006/relationships" xmlns:p="http://schemas.openxmlformats.org/presentationml/2006/main">
-  <p:cSld>
-    <p:spTree>
-      <p:nvGrpSpPr>
-        <p:cNvPr id="1" name=""/>
-        <p:cNvGrpSpPr/>
-        <p:nvPr/>
-      </p:nvGrpSpPr>
-      <p:grpSpPr>
-        <a:xfrm>
-          <a:off x="0" y="0"/>
-          <a:ext cx="0" cy="0"/>
-          <a:chOff x="0" y="0"/>
-          <a:chExt cx="0" cy="0"/>
-        </a:xfrm>
-      </p:grpSpPr>
-      <p:sp>
-        <p:nvSpPr>
-          <p:cNvPr id="2" name="タイトル 1">
-            <a:extLst>
-              <a:ext uri="{FF2B5EF4-FFF2-40B4-BE49-F238E27FC236}">
-                <a16:creationId xmlns:a16="http://schemas.microsoft.com/office/drawing/2014/main" id="{CC62C210-FDDC-452D-A0BB-D08CFF83ED12}"/>
-              </a:ext>
-            </a:extLst>
-          </p:cNvPr>
-          <p:cNvSpPr>
-            <a:spLocks noGrp="1"/>
-          </p:cNvSpPr>
-          <p:nvPr>
-            <p:ph type="title"/>
-          </p:nvPr>
-        </p:nvSpPr>
-        <p:spPr/>
-        <p:txBody>
-          <a:bodyPr/>
-          <a:lstStyle/>
-          <a:p>
-            <a:r>
-              <a:rPr kumimoji="1" lang="ja-JP" altLang="en-US" dirty="0"/>
-              <a:t>セミナーの目的</a:t>
-            </a:r>
-          </a:p>
-        </p:txBody>
-      </p:sp>
-      <p:sp>
-        <p:nvSpPr>
-          <p:cNvPr id="3" name="コンテンツ プレースホルダー 2">
-            <a:extLst>
-              <a:ext uri="{FF2B5EF4-FFF2-40B4-BE49-F238E27FC236}">
-                <a16:creationId xmlns:a16="http://schemas.microsoft.com/office/drawing/2014/main" id="{8FE296EF-B314-4527-B08E-05022F0553CB}"/>
-              </a:ext>
-            </a:extLst>
-          </p:cNvPr>
-          <p:cNvSpPr>
-            <a:spLocks noGrp="1"/>
-          </p:cNvSpPr>
-          <p:nvPr>
-            <p:ph idx="1"/>
-          </p:nvPr>
-        </p:nvSpPr>
-        <p:spPr/>
-        <p:txBody>
-          <a:bodyPr/>
-          <a:lstStyle/>
-          <a:p>
-            <a:pPr marL="457200" indent="-457200">
-              <a:buFont typeface="+mj-lt"/>
-              <a:buAutoNum type="arabicPeriod"/>
-            </a:pPr>
-            <a:r>
-              <a:rPr lang="ja-JP" altLang="en-US" dirty="0"/>
-              <a:t>ソリューションの内製化を見据え，</a:t>
-            </a:r>
-            <a:r>
-              <a:rPr kumimoji="1" lang="en-US" altLang="ja-JP" dirty="0"/>
-              <a:t>PC</a:t>
-            </a:r>
-            <a:r>
-              <a:rPr kumimoji="1" lang="ja-JP" altLang="en-US" dirty="0"/>
-              <a:t>を活用してプロトタイピングを行う足がかりを学ぶ</a:t>
-            </a:r>
-            <a:endParaRPr kumimoji="1" lang="en-US" altLang="ja-JP" dirty="0"/>
-          </a:p>
-          <a:p>
-            <a:pPr marL="749808" lvl="1" indent="-457200"/>
-            <a:r>
-              <a:rPr lang="en-US" altLang="ja-JP" dirty="0"/>
-              <a:t>Windows10</a:t>
-            </a:r>
-            <a:r>
-              <a:rPr lang="ja-JP" altLang="en-US" dirty="0"/>
-              <a:t>と</a:t>
-            </a:r>
-            <a:r>
-              <a:rPr lang="en-US" altLang="ja-JP" dirty="0"/>
-              <a:t>python</a:t>
-            </a:r>
-            <a:r>
-              <a:rPr lang="ja-JP" altLang="en-US" dirty="0"/>
-              <a:t>の利用</a:t>
-            </a:r>
-            <a:endParaRPr lang="en-US" altLang="ja-JP" dirty="0"/>
-          </a:p>
-          <a:p>
-            <a:pPr marL="749808" lvl="1" indent="-457200"/>
-            <a:r>
-              <a:rPr kumimoji="1" lang="en-US" altLang="ja-JP" dirty="0"/>
-              <a:t>Web</a:t>
-            </a:r>
-            <a:r>
-              <a:rPr kumimoji="1" lang="ja-JP" altLang="en-US" dirty="0"/>
-              <a:t>カメラの活用</a:t>
-            </a:r>
-            <a:endParaRPr kumimoji="1" lang="en-US" altLang="ja-JP" dirty="0"/>
-          </a:p>
-          <a:p>
-            <a:pPr marL="749808" lvl="1" indent="-457200"/>
-            <a:endParaRPr kumimoji="1" lang="en-US" altLang="ja-JP" dirty="0"/>
-          </a:p>
-          <a:p>
-            <a:pPr marL="457200" indent="-457200">
-              <a:buFont typeface="+mj-lt"/>
-              <a:buAutoNum type="arabicPeriod"/>
-            </a:pPr>
-            <a:r>
-              <a:rPr lang="en-US" altLang="ja-JP" dirty="0"/>
-              <a:t>QR</a:t>
-            </a:r>
-            <a:r>
-              <a:rPr lang="ja-JP" altLang="en-US" dirty="0"/>
-              <a:t>コードを利用したソリューションのイメージを掴む</a:t>
-            </a:r>
-            <a:endParaRPr lang="en-US" altLang="ja-JP" dirty="0"/>
-          </a:p>
-          <a:p>
-            <a:pPr marL="749808" lvl="1" indent="-457200"/>
-            <a:r>
-              <a:rPr lang="en-US" altLang="ja-JP" dirty="0"/>
-              <a:t>QR</a:t>
-            </a:r>
-            <a:r>
-              <a:rPr lang="ja-JP" altLang="en-US" dirty="0"/>
-              <a:t>コードやバーコードをどのように活用する（できるのか）検討する足がかりにする</a:t>
-            </a:r>
-            <a:endParaRPr lang="en-US" altLang="ja-JP" dirty="0"/>
-          </a:p>
-          <a:p>
-            <a:pPr marL="749808" lvl="1" indent="-457200"/>
-            <a:r>
-              <a:rPr lang="ja-JP" altLang="en-US" dirty="0"/>
-              <a:t>生産管理に活用してみるケースを実習する</a:t>
-            </a:r>
-            <a:endParaRPr lang="en-US" altLang="ja-JP" dirty="0"/>
-          </a:p>
-          <a:p>
-            <a:pPr marL="749808" lvl="1" indent="-457200"/>
-            <a:endParaRPr lang="en-US" altLang="ja-JP" dirty="0"/>
-          </a:p>
-          <a:p>
-            <a:pPr marL="457200" indent="-457200">
-              <a:buFont typeface="+mj-lt"/>
-              <a:buAutoNum type="arabicPeriod"/>
-            </a:pPr>
-            <a:r>
-              <a:rPr kumimoji="1" lang="ja-JP" altLang="en-US" dirty="0"/>
-              <a:t>レガシーなデバイスをインターネットに接続するためのデバイスの活用イメージを掴む</a:t>
-            </a:r>
-            <a:endParaRPr kumimoji="1" lang="en-US" altLang="ja-JP" dirty="0"/>
-          </a:p>
-          <a:p>
-            <a:pPr marL="749808" lvl="1" indent="-457200"/>
-            <a:r>
-              <a:rPr lang="ja-JP" altLang="en-US" dirty="0"/>
-              <a:t>電気信号がデータになる仕組みを掴む</a:t>
-            </a:r>
-            <a:endParaRPr lang="en-US" altLang="ja-JP" dirty="0"/>
-          </a:p>
-          <a:p>
-            <a:pPr marL="749808" lvl="1" indent="-457200"/>
-            <a:r>
-              <a:rPr kumimoji="1" lang="ja-JP" altLang="en-US" dirty="0"/>
-              <a:t>どうやってユーザーに通知するか，活用方法を考えてみる</a:t>
-            </a:r>
-            <a:endParaRPr kumimoji="1" lang="en-US" altLang="ja-JP" dirty="0"/>
-          </a:p>
-        </p:txBody>
-      </p:sp>
-    </p:spTree>
-    <p:extLst>
-      <p:ext uri="{BB962C8B-B14F-4D97-AF65-F5344CB8AC3E}">
-        <p14:creationId xmlns:p14="http://schemas.microsoft.com/office/powerpoint/2010/main" val="3446295141"/>
-      </p:ext>
-    </p:extLst>
-  </p:cSld>
-  <p:clrMapOvr>
-    <a:masterClrMapping/>
-  </p:clrMapOvr>
-</p:sld>
-</file>
-
-<file path=ppt/slides/slide20.xml><?xml version="1.0" encoding="utf-8"?>
+<file path=ppt/slides/slide22.xml><?xml version="1.0" encoding="utf-8"?>
 <p:sld xmlns:a="http://schemas.openxmlformats.org/drawingml/2006/main" xmlns:r="http://schemas.openxmlformats.org/officeDocument/2006/relationships" xmlns:p="http://schemas.openxmlformats.org/presentationml/2006/main">
   <p:cSld>
     <p:spTree>
@@ -19675,7 +20560,7 @@
 </p:sld>
 </file>
 
-<file path=ppt/slides/slide21.xml><?xml version="1.0" encoding="utf-8"?>
+<file path=ppt/slides/slide23.xml><?xml version="1.0" encoding="utf-8"?>
 <p:sld xmlns:a="http://schemas.openxmlformats.org/drawingml/2006/main" xmlns:r="http://schemas.openxmlformats.org/officeDocument/2006/relationships" xmlns:p="http://schemas.openxmlformats.org/presentationml/2006/main">
   <p:cSld>
     <p:spTree>
@@ -19855,7 +20740,7 @@
 </p:sld>
 </file>
 
-<file path=ppt/slides/slide22.xml><?xml version="1.0" encoding="utf-8"?>
+<file path=ppt/slides/slide24.xml><?xml version="1.0" encoding="utf-8"?>
 <p:sld xmlns:a="http://schemas.openxmlformats.org/drawingml/2006/main" xmlns:r="http://schemas.openxmlformats.org/officeDocument/2006/relationships" xmlns:p="http://schemas.openxmlformats.org/presentationml/2006/main">
   <p:cSld>
     <p:spTree>
@@ -20054,7 +20939,7 @@
 </p:sld>
 </file>
 
-<file path=ppt/slides/slide23.xml><?xml version="1.0" encoding="utf-8"?>
+<file path=ppt/slides/slide25.xml><?xml version="1.0" encoding="utf-8"?>
 <p:sld xmlns:a="http://schemas.openxmlformats.org/drawingml/2006/main" xmlns:r="http://schemas.openxmlformats.org/officeDocument/2006/relationships" xmlns:p="http://schemas.openxmlformats.org/presentationml/2006/main">
   <p:cSld>
     <p:spTree>
@@ -24444,7 +25329,7 @@
 </p:sld>
 </file>
 
-<file path=ppt/slides/slide24.xml><?xml version="1.0" encoding="utf-8"?>
+<file path=ppt/slides/slide26.xml><?xml version="1.0" encoding="utf-8"?>
 <p:sld xmlns:a="http://schemas.openxmlformats.org/drawingml/2006/main" xmlns:r="http://schemas.openxmlformats.org/officeDocument/2006/relationships" xmlns:p="http://schemas.openxmlformats.org/presentationml/2006/main">
   <p:cSld>
     <p:spTree>
@@ -24653,7 +25538,7 @@
 </p:sld>
 </file>
 
-<file path=ppt/slides/slide25.xml><?xml version="1.0" encoding="utf-8"?>
+<file path=ppt/slides/slide27.xml><?xml version="1.0" encoding="utf-8"?>
 <p:sld xmlns:a="http://schemas.openxmlformats.org/drawingml/2006/main" xmlns:r="http://schemas.openxmlformats.org/officeDocument/2006/relationships" xmlns:p="http://schemas.openxmlformats.org/presentationml/2006/main">
   <p:cSld>
     <p:spTree>
@@ -25491,7 +26376,7 @@
 </p:sld>
 </file>
 
-<file path=ppt/slides/slide26.xml><?xml version="1.0" encoding="utf-8"?>
+<file path=ppt/slides/slide28.xml><?xml version="1.0" encoding="utf-8"?>
 <p:sld xmlns:a="http://schemas.openxmlformats.org/drawingml/2006/main" xmlns:r="http://schemas.openxmlformats.org/officeDocument/2006/relationships" xmlns:p="http://schemas.openxmlformats.org/presentationml/2006/main">
   <p:cSld>
     <p:spTree>
@@ -25730,7 +26615,7 @@
 </p:sld>
 </file>
 
-<file path=ppt/slides/slide27.xml><?xml version="1.0" encoding="utf-8"?>
+<file path=ppt/slides/slide29.xml><?xml version="1.0" encoding="utf-8"?>
 <p:sld xmlns:a="http://schemas.openxmlformats.org/drawingml/2006/main" xmlns:r="http://schemas.openxmlformats.org/officeDocument/2006/relationships" xmlns:p="http://schemas.openxmlformats.org/presentationml/2006/main">
   <p:cSld>
     <p:spTree>
@@ -26955,7 +27840,222 @@
 </p:sld>
 </file>
 
-<file path=ppt/slides/slide28.xml><?xml version="1.0" encoding="utf-8"?>
+<file path=ppt/slides/slide3.xml><?xml version="1.0" encoding="utf-8"?>
+<p:sld xmlns:a="http://schemas.openxmlformats.org/drawingml/2006/main" xmlns:r="http://schemas.openxmlformats.org/officeDocument/2006/relationships" xmlns:p="http://schemas.openxmlformats.org/presentationml/2006/main">
+  <p:cSld>
+    <p:spTree>
+      <p:nvGrpSpPr>
+        <p:cNvPr id="1" name=""/>
+        <p:cNvGrpSpPr/>
+        <p:nvPr/>
+      </p:nvGrpSpPr>
+      <p:grpSpPr>
+        <a:xfrm>
+          <a:off x="0" y="0"/>
+          <a:ext cx="0" cy="0"/>
+          <a:chOff x="0" y="0"/>
+          <a:chExt cx="0" cy="0"/>
+        </a:xfrm>
+      </p:grpSpPr>
+      <p:sp>
+        <p:nvSpPr>
+          <p:cNvPr id="2" name="タイトル 1">
+            <a:extLst>
+              <a:ext uri="{FF2B5EF4-FFF2-40B4-BE49-F238E27FC236}">
+                <a16:creationId xmlns:a16="http://schemas.microsoft.com/office/drawing/2014/main" id="{A749186B-0274-483A-9718-2DB0CDA0B8B3}"/>
+              </a:ext>
+            </a:extLst>
+          </p:cNvPr>
+          <p:cNvSpPr>
+            <a:spLocks noGrp="1"/>
+          </p:cNvSpPr>
+          <p:nvPr>
+            <p:ph type="title"/>
+          </p:nvPr>
+        </p:nvSpPr>
+        <p:spPr/>
+        <p:txBody>
+          <a:bodyPr/>
+          <a:lstStyle/>
+          <a:p>
+            <a:r>
+              <a:rPr kumimoji="1" lang="ja-JP" altLang="en-US" dirty="0"/>
+              <a:t>セミナー内容</a:t>
+            </a:r>
+          </a:p>
+        </p:txBody>
+      </p:sp>
+      <p:sp>
+        <p:nvSpPr>
+          <p:cNvPr id="3" name="コンテンツ プレースホルダー 2">
+            <a:extLst>
+              <a:ext uri="{FF2B5EF4-FFF2-40B4-BE49-F238E27FC236}">
+                <a16:creationId xmlns:a16="http://schemas.microsoft.com/office/drawing/2014/main" id="{7D198E51-FF5D-4065-9D53-516C406C8428}"/>
+              </a:ext>
+            </a:extLst>
+          </p:cNvPr>
+          <p:cNvSpPr>
+            <a:spLocks noGrp="1"/>
+          </p:cNvSpPr>
+          <p:nvPr>
+            <p:ph idx="1"/>
+          </p:nvPr>
+        </p:nvSpPr>
+        <p:spPr/>
+        <p:txBody>
+          <a:bodyPr>
+            <a:normAutofit/>
+          </a:bodyPr>
+          <a:lstStyle/>
+          <a:p>
+            <a:pPr marL="457200" indent="-457200">
+              <a:buFont typeface="+mj-lt"/>
+              <a:buAutoNum type="arabicPeriod"/>
+            </a:pPr>
+            <a:r>
+              <a:rPr lang="en-US" altLang="ja-JP" sz="2400" dirty="0"/>
+              <a:t>PC</a:t>
+            </a:r>
+            <a:r>
+              <a:rPr lang="ja-JP" altLang="en-US" sz="2400" dirty="0"/>
+              <a:t>を</a:t>
+            </a:r>
+            <a:r>
+              <a:rPr lang="en-US" altLang="ja-JP" sz="2400" dirty="0"/>
+              <a:t>QR</a:t>
+            </a:r>
+            <a:r>
+              <a:rPr lang="ja-JP" altLang="en-US" sz="2400" dirty="0"/>
+              <a:t>コードスキャナとして利用する</a:t>
+            </a:r>
+            <a:endParaRPr lang="en-US" altLang="ja-JP" sz="2400" dirty="0"/>
+          </a:p>
+          <a:p>
+            <a:pPr marL="457200" indent="-457200">
+              <a:buFont typeface="+mj-lt"/>
+              <a:buAutoNum type="arabicPeriod"/>
+            </a:pPr>
+            <a:endParaRPr lang="en-US" altLang="ja-JP" sz="2400" dirty="0"/>
+          </a:p>
+          <a:p>
+            <a:pPr marL="457200" indent="-457200">
+              <a:buFont typeface="+mj-lt"/>
+              <a:buAutoNum type="arabicPeriod"/>
+            </a:pPr>
+            <a:r>
+              <a:rPr kumimoji="1" lang="ja-JP" altLang="en-US" sz="2400" dirty="0"/>
+              <a:t>生</a:t>
+            </a:r>
+            <a:r>
+              <a:rPr kumimoji="1" lang="ja-JP" altLang="en-US" sz="2400" dirty="0">
+                <a:latin typeface="Calibri Light 見出し"/>
+              </a:rPr>
+              <a:t>産管理システムを利用した</a:t>
+            </a:r>
+            <a:r>
+              <a:rPr kumimoji="1" lang="en-US" altLang="ja-JP" sz="2400" dirty="0">
+                <a:latin typeface="Calibri Light 見出し"/>
+              </a:rPr>
+              <a:t>QR</a:t>
+            </a:r>
+            <a:r>
+              <a:rPr kumimoji="1" lang="ja-JP" altLang="en-US" sz="2400" dirty="0">
+                <a:latin typeface="Calibri Light 見出し"/>
+              </a:rPr>
+              <a:t>コードによる通材シミュレーションと製品のロス率を算定</a:t>
+            </a:r>
+            <a:r>
+              <a:rPr kumimoji="1" lang="ja-JP" altLang="en-US" sz="2400" dirty="0"/>
+              <a:t>製品の通材を</a:t>
+            </a:r>
+            <a:r>
+              <a:rPr lang="ja-JP" altLang="en-US" sz="2400" dirty="0"/>
+              <a:t>作った</a:t>
+            </a:r>
+            <a:r>
+              <a:rPr lang="en-US" altLang="ja-JP" sz="2400" dirty="0"/>
+              <a:t>QR</a:t>
+            </a:r>
+            <a:r>
+              <a:rPr lang="ja-JP" altLang="en-US" sz="2400" dirty="0"/>
+              <a:t>コードスキャナにより実現し，システムに反映する</a:t>
+            </a:r>
+            <a:endParaRPr lang="en-US" altLang="ja-JP" sz="2400" dirty="0"/>
+          </a:p>
+          <a:p>
+            <a:pPr marL="457200" indent="-457200">
+              <a:buFont typeface="+mj-lt"/>
+              <a:buAutoNum type="arabicPeriod"/>
+            </a:pPr>
+            <a:endParaRPr lang="en-US" altLang="ja-JP" sz="2400" dirty="0"/>
+          </a:p>
+          <a:p>
+            <a:pPr marL="457200" indent="-457200">
+              <a:buFont typeface="+mj-lt"/>
+              <a:buAutoNum type="arabicPeriod"/>
+            </a:pPr>
+            <a:r>
+              <a:rPr kumimoji="1" lang="ja-JP" altLang="en-US" sz="2400" dirty="0"/>
+              <a:t>レガシーな設備を</a:t>
+            </a:r>
+            <a:r>
+              <a:rPr kumimoji="1" lang="en-US" altLang="ja-JP" sz="2400" dirty="0"/>
+              <a:t>IoT</a:t>
+            </a:r>
+            <a:r>
+              <a:rPr kumimoji="1" lang="ja-JP" altLang="en-US" sz="2400" dirty="0"/>
+              <a:t>化する</a:t>
+            </a:r>
+            <a:endParaRPr kumimoji="1" lang="en-US" altLang="ja-JP" sz="2400" dirty="0"/>
+          </a:p>
+          <a:p>
+            <a:pPr marL="749808" lvl="1" indent="-457200"/>
+            <a:r>
+              <a:rPr kumimoji="1" lang="ja-JP" altLang="en-US" sz="2400" dirty="0"/>
+              <a:t>パトランプの接点情報（</a:t>
+            </a:r>
+            <a:r>
+              <a:rPr kumimoji="1" lang="en-US" altLang="ja-JP" sz="2400" dirty="0"/>
+              <a:t>ON</a:t>
+            </a:r>
+            <a:r>
+              <a:rPr kumimoji="1" lang="ja-JP" altLang="en-US" sz="2400" dirty="0"/>
+              <a:t>／</a:t>
+            </a:r>
+            <a:r>
+              <a:rPr kumimoji="1" lang="en-US" altLang="ja-JP" sz="2400" dirty="0"/>
+              <a:t>OFF</a:t>
+            </a:r>
+            <a:r>
+              <a:rPr kumimoji="1" lang="ja-JP" altLang="en-US" sz="2400" dirty="0"/>
+              <a:t>）をインターネット経由で参照する</a:t>
+            </a:r>
+            <a:endParaRPr kumimoji="1" lang="en-US" altLang="ja-JP" sz="2400" dirty="0"/>
+          </a:p>
+          <a:p>
+            <a:pPr marL="749808" lvl="1" indent="-457200"/>
+            <a:r>
+              <a:rPr lang="ja-JP" altLang="en-US" sz="2400" dirty="0"/>
+              <a:t>メールでアラートを送る</a:t>
+            </a:r>
+            <a:endParaRPr kumimoji="1" lang="ja-JP" altLang="en-US" sz="2400" dirty="0"/>
+          </a:p>
+        </p:txBody>
+      </p:sp>
+    </p:spTree>
+    <p:extLst>
+      <p:ext uri="{BB962C8B-B14F-4D97-AF65-F5344CB8AC3E}">
+        <p14:creationId xmlns:p14="http://schemas.microsoft.com/office/powerpoint/2010/main" val="3221862987"/>
+      </p:ext>
+    </p:extLst>
+  </p:cSld>
+  <p:clrMapOvr>
+    <a:masterClrMapping/>
+  </p:clrMapOvr>
+</p:sld>
+</file>
+
+<file path=ppt/slides/slide30.xml><?xml version="1.0" encoding="utf-8"?>
 <p:sld xmlns:a="http://schemas.openxmlformats.org/drawingml/2006/main" xmlns:r="http://schemas.openxmlformats.org/officeDocument/2006/relationships" xmlns:p="http://schemas.openxmlformats.org/presentationml/2006/main">
   <p:cSld>
     <p:spTree>
@@ -27116,7 +28216,7 @@
 </p:sld>
 </file>
 
-<file path=ppt/slides/slide29.xml><?xml version="1.0" encoding="utf-8"?>
+<file path=ppt/slides/slide31.xml><?xml version="1.0" encoding="utf-8"?>
 <p:sld xmlns:a="http://schemas.openxmlformats.org/drawingml/2006/main" xmlns:r="http://schemas.openxmlformats.org/officeDocument/2006/relationships" xmlns:p="http://schemas.openxmlformats.org/presentationml/2006/main">
   <p:cSld>
     <p:spTree>
@@ -27230,222 +28330,7 @@
 </p:sld>
 </file>
 
-<file path=ppt/slides/slide3.xml><?xml version="1.0" encoding="utf-8"?>
-<p:sld xmlns:a="http://schemas.openxmlformats.org/drawingml/2006/main" xmlns:r="http://schemas.openxmlformats.org/officeDocument/2006/relationships" xmlns:p="http://schemas.openxmlformats.org/presentationml/2006/main">
-  <p:cSld>
-    <p:spTree>
-      <p:nvGrpSpPr>
-        <p:cNvPr id="1" name=""/>
-        <p:cNvGrpSpPr/>
-        <p:nvPr/>
-      </p:nvGrpSpPr>
-      <p:grpSpPr>
-        <a:xfrm>
-          <a:off x="0" y="0"/>
-          <a:ext cx="0" cy="0"/>
-          <a:chOff x="0" y="0"/>
-          <a:chExt cx="0" cy="0"/>
-        </a:xfrm>
-      </p:grpSpPr>
-      <p:sp>
-        <p:nvSpPr>
-          <p:cNvPr id="2" name="タイトル 1">
-            <a:extLst>
-              <a:ext uri="{FF2B5EF4-FFF2-40B4-BE49-F238E27FC236}">
-                <a16:creationId xmlns:a16="http://schemas.microsoft.com/office/drawing/2014/main" id="{A749186B-0274-483A-9718-2DB0CDA0B8B3}"/>
-              </a:ext>
-            </a:extLst>
-          </p:cNvPr>
-          <p:cNvSpPr>
-            <a:spLocks noGrp="1"/>
-          </p:cNvSpPr>
-          <p:nvPr>
-            <p:ph type="title"/>
-          </p:nvPr>
-        </p:nvSpPr>
-        <p:spPr/>
-        <p:txBody>
-          <a:bodyPr/>
-          <a:lstStyle/>
-          <a:p>
-            <a:r>
-              <a:rPr kumimoji="1" lang="ja-JP" altLang="en-US" dirty="0"/>
-              <a:t>セミナー内容</a:t>
-            </a:r>
-          </a:p>
-        </p:txBody>
-      </p:sp>
-      <p:sp>
-        <p:nvSpPr>
-          <p:cNvPr id="3" name="コンテンツ プレースホルダー 2">
-            <a:extLst>
-              <a:ext uri="{FF2B5EF4-FFF2-40B4-BE49-F238E27FC236}">
-                <a16:creationId xmlns:a16="http://schemas.microsoft.com/office/drawing/2014/main" id="{7D198E51-FF5D-4065-9D53-516C406C8428}"/>
-              </a:ext>
-            </a:extLst>
-          </p:cNvPr>
-          <p:cNvSpPr>
-            <a:spLocks noGrp="1"/>
-          </p:cNvSpPr>
-          <p:nvPr>
-            <p:ph idx="1"/>
-          </p:nvPr>
-        </p:nvSpPr>
-        <p:spPr/>
-        <p:txBody>
-          <a:bodyPr>
-            <a:normAutofit/>
-          </a:bodyPr>
-          <a:lstStyle/>
-          <a:p>
-            <a:pPr marL="457200" indent="-457200">
-              <a:buFont typeface="+mj-lt"/>
-              <a:buAutoNum type="arabicPeriod"/>
-            </a:pPr>
-            <a:r>
-              <a:rPr lang="en-US" altLang="ja-JP" sz="2400" dirty="0"/>
-              <a:t>PC</a:t>
-            </a:r>
-            <a:r>
-              <a:rPr lang="ja-JP" altLang="en-US" sz="2400" dirty="0"/>
-              <a:t>を</a:t>
-            </a:r>
-            <a:r>
-              <a:rPr lang="en-US" altLang="ja-JP" sz="2400" dirty="0"/>
-              <a:t>QR</a:t>
-            </a:r>
-            <a:r>
-              <a:rPr lang="ja-JP" altLang="en-US" sz="2400" dirty="0"/>
-              <a:t>コードスキャナとして利用する</a:t>
-            </a:r>
-            <a:endParaRPr lang="en-US" altLang="ja-JP" sz="2400" dirty="0"/>
-          </a:p>
-          <a:p>
-            <a:pPr marL="457200" indent="-457200">
-              <a:buFont typeface="+mj-lt"/>
-              <a:buAutoNum type="arabicPeriod"/>
-            </a:pPr>
-            <a:endParaRPr lang="en-US" altLang="ja-JP" sz="2400" dirty="0"/>
-          </a:p>
-          <a:p>
-            <a:pPr marL="457200" indent="-457200">
-              <a:buFont typeface="+mj-lt"/>
-              <a:buAutoNum type="arabicPeriod"/>
-            </a:pPr>
-            <a:r>
-              <a:rPr kumimoji="1" lang="ja-JP" altLang="en-US" sz="2400" dirty="0"/>
-              <a:t>生</a:t>
-            </a:r>
-            <a:r>
-              <a:rPr kumimoji="1" lang="ja-JP" altLang="en-US" sz="2400" dirty="0">
-                <a:latin typeface="Calibri Light 見出し"/>
-              </a:rPr>
-              <a:t>産管理システムを利用した</a:t>
-            </a:r>
-            <a:r>
-              <a:rPr kumimoji="1" lang="en-US" altLang="ja-JP" sz="2400" dirty="0">
-                <a:latin typeface="Calibri Light 見出し"/>
-              </a:rPr>
-              <a:t>QR</a:t>
-            </a:r>
-            <a:r>
-              <a:rPr kumimoji="1" lang="ja-JP" altLang="en-US" sz="2400" dirty="0">
-                <a:latin typeface="Calibri Light 見出し"/>
-              </a:rPr>
-              <a:t>コードによる通材シミュレーションと製品のロス率を算定</a:t>
-            </a:r>
-            <a:r>
-              <a:rPr kumimoji="1" lang="ja-JP" altLang="en-US" sz="2400" dirty="0"/>
-              <a:t>製品の通材を</a:t>
-            </a:r>
-            <a:r>
-              <a:rPr lang="ja-JP" altLang="en-US" sz="2400" dirty="0"/>
-              <a:t>作った</a:t>
-            </a:r>
-            <a:r>
-              <a:rPr lang="en-US" altLang="ja-JP" sz="2400" dirty="0"/>
-              <a:t>QR</a:t>
-            </a:r>
-            <a:r>
-              <a:rPr lang="ja-JP" altLang="en-US" sz="2400" dirty="0"/>
-              <a:t>コードスキャナにより実現し，システムに反映する</a:t>
-            </a:r>
-            <a:endParaRPr lang="en-US" altLang="ja-JP" sz="2400" dirty="0"/>
-          </a:p>
-          <a:p>
-            <a:pPr marL="457200" indent="-457200">
-              <a:buFont typeface="+mj-lt"/>
-              <a:buAutoNum type="arabicPeriod"/>
-            </a:pPr>
-            <a:endParaRPr lang="en-US" altLang="ja-JP" sz="2400" dirty="0"/>
-          </a:p>
-          <a:p>
-            <a:pPr marL="457200" indent="-457200">
-              <a:buFont typeface="+mj-lt"/>
-              <a:buAutoNum type="arabicPeriod"/>
-            </a:pPr>
-            <a:r>
-              <a:rPr kumimoji="1" lang="ja-JP" altLang="en-US" sz="2400" dirty="0"/>
-              <a:t>レガシーな設備を</a:t>
-            </a:r>
-            <a:r>
-              <a:rPr kumimoji="1" lang="en-US" altLang="ja-JP" sz="2400" dirty="0"/>
-              <a:t>IoT</a:t>
-            </a:r>
-            <a:r>
-              <a:rPr kumimoji="1" lang="ja-JP" altLang="en-US" sz="2400" dirty="0"/>
-              <a:t>化する</a:t>
-            </a:r>
-            <a:endParaRPr kumimoji="1" lang="en-US" altLang="ja-JP" sz="2400" dirty="0"/>
-          </a:p>
-          <a:p>
-            <a:pPr marL="749808" lvl="1" indent="-457200"/>
-            <a:r>
-              <a:rPr kumimoji="1" lang="ja-JP" altLang="en-US" sz="2400" dirty="0"/>
-              <a:t>パトランプの接点情報（</a:t>
-            </a:r>
-            <a:r>
-              <a:rPr kumimoji="1" lang="en-US" altLang="ja-JP" sz="2400" dirty="0"/>
-              <a:t>ON</a:t>
-            </a:r>
-            <a:r>
-              <a:rPr kumimoji="1" lang="ja-JP" altLang="en-US" sz="2400" dirty="0"/>
-              <a:t>／</a:t>
-            </a:r>
-            <a:r>
-              <a:rPr kumimoji="1" lang="en-US" altLang="ja-JP" sz="2400" dirty="0"/>
-              <a:t>OFF</a:t>
-            </a:r>
-            <a:r>
-              <a:rPr kumimoji="1" lang="ja-JP" altLang="en-US" sz="2400" dirty="0"/>
-              <a:t>）をインターネット経由で参照する</a:t>
-            </a:r>
-            <a:endParaRPr kumimoji="1" lang="en-US" altLang="ja-JP" sz="2400" dirty="0"/>
-          </a:p>
-          <a:p>
-            <a:pPr marL="749808" lvl="1" indent="-457200"/>
-            <a:r>
-              <a:rPr lang="ja-JP" altLang="en-US" sz="2400" dirty="0"/>
-              <a:t>メールでアラートを送る</a:t>
-            </a:r>
-            <a:endParaRPr kumimoji="1" lang="ja-JP" altLang="en-US" sz="2400" dirty="0"/>
-          </a:p>
-        </p:txBody>
-      </p:sp>
-    </p:spTree>
-    <p:extLst>
-      <p:ext uri="{BB962C8B-B14F-4D97-AF65-F5344CB8AC3E}">
-        <p14:creationId xmlns:p14="http://schemas.microsoft.com/office/powerpoint/2010/main" val="3221862987"/>
-      </p:ext>
-    </p:extLst>
-  </p:cSld>
-  <p:clrMapOvr>
-    <a:masterClrMapping/>
-  </p:clrMapOvr>
-</p:sld>
-</file>
-
-<file path=ppt/slides/slide30.xml><?xml version="1.0" encoding="utf-8"?>
+<file path=ppt/slides/slide32.xml><?xml version="1.0" encoding="utf-8"?>
 <p:sld xmlns:a="http://schemas.openxmlformats.org/drawingml/2006/main" xmlns:r="http://schemas.openxmlformats.org/officeDocument/2006/relationships" xmlns:p="http://schemas.openxmlformats.org/presentationml/2006/main">
   <p:cSld>
     <p:spTree>
@@ -27600,7 +28485,7 @@
 </p:sld>
 </file>
 
-<file path=ppt/slides/slide31.xml><?xml version="1.0" encoding="utf-8"?>
+<file path=ppt/slides/slide33.xml><?xml version="1.0" encoding="utf-8"?>
 <p:sld xmlns:a="http://schemas.openxmlformats.org/drawingml/2006/main" xmlns:r="http://schemas.openxmlformats.org/officeDocument/2006/relationships" xmlns:p="http://schemas.openxmlformats.org/presentationml/2006/main">
   <p:cSld>
     <p:spTree>
@@ -28386,7 +29271,7 @@
 </p:sld>
 </file>
 
-<file path=ppt/slides/slide32.xml><?xml version="1.0" encoding="utf-8"?>
+<file path=ppt/slides/slide34.xml><?xml version="1.0" encoding="utf-8"?>
 <p:sld xmlns:a="http://schemas.openxmlformats.org/drawingml/2006/main" xmlns:r="http://schemas.openxmlformats.org/officeDocument/2006/relationships" xmlns:p="http://schemas.openxmlformats.org/presentationml/2006/main">
   <p:cSld>
     <p:spTree>
@@ -28681,7 +29566,7 @@
 </p:sld>
 </file>
 
-<file path=ppt/slides/slide33.xml><?xml version="1.0" encoding="utf-8"?>
+<file path=ppt/slides/slide35.xml><?xml version="1.0" encoding="utf-8"?>
 <p:sld xmlns:a="http://schemas.openxmlformats.org/drawingml/2006/main" xmlns:r="http://schemas.openxmlformats.org/officeDocument/2006/relationships" xmlns:p="http://schemas.openxmlformats.org/presentationml/2006/main">
   <p:cSld>
     <p:spTree>
@@ -28957,7 +29842,7 @@
 </p:sld>
 </file>
 
-<file path=ppt/slides/slide34.xml><?xml version="1.0" encoding="utf-8"?>
+<file path=ppt/slides/slide36.xml><?xml version="1.0" encoding="utf-8"?>
 <p:sld xmlns:a="http://schemas.openxmlformats.org/drawingml/2006/main" xmlns:r="http://schemas.openxmlformats.org/officeDocument/2006/relationships" xmlns:p="http://schemas.openxmlformats.org/presentationml/2006/main">
   <p:cSld>
     <p:spTree>
@@ -29078,7 +29963,7 @@
 </p:sld>
 </file>
 
-<file path=ppt/slides/slide35.xml><?xml version="1.0" encoding="utf-8"?>
+<file path=ppt/slides/slide37.xml><?xml version="1.0" encoding="utf-8"?>
 <p:sld xmlns:a="http://schemas.openxmlformats.org/drawingml/2006/main" xmlns:r="http://schemas.openxmlformats.org/officeDocument/2006/relationships" xmlns:p="http://schemas.openxmlformats.org/presentationml/2006/main">
   <p:cSld>
     <p:spTree>
@@ -29344,7 +30229,7 @@
 </p:sld>
 </file>
 
-<file path=ppt/slides/slide36.xml><?xml version="1.0" encoding="utf-8"?>
+<file path=ppt/slides/slide38.xml><?xml version="1.0" encoding="utf-8"?>
 <p:sld xmlns:a="http://schemas.openxmlformats.org/drawingml/2006/main" xmlns:r="http://schemas.openxmlformats.org/officeDocument/2006/relationships" xmlns:p="http://schemas.openxmlformats.org/presentationml/2006/main">
   <p:cSld>
     <p:spTree>
@@ -33989,260 +34874,6 @@
 </p:sld>
 </file>
 
-<file path=ppt/slides/slide37.xml><?xml version="1.0" encoding="utf-8"?>
-<p:sld xmlns:a="http://schemas.openxmlformats.org/drawingml/2006/main" xmlns:r="http://schemas.openxmlformats.org/officeDocument/2006/relationships" xmlns:p="http://schemas.openxmlformats.org/presentationml/2006/main">
-  <p:cSld>
-    <p:spTree>
-      <p:nvGrpSpPr>
-        <p:cNvPr id="1" name=""/>
-        <p:cNvGrpSpPr/>
-        <p:nvPr/>
-      </p:nvGrpSpPr>
-      <p:grpSpPr>
-        <a:xfrm>
-          <a:off x="0" y="0"/>
-          <a:ext cx="0" cy="0"/>
-          <a:chOff x="0" y="0"/>
-          <a:chExt cx="0" cy="0"/>
-        </a:xfrm>
-      </p:grpSpPr>
-      <p:sp>
-        <p:nvSpPr>
-          <p:cNvPr id="2" name="タイトル 1">
-            <a:extLst>
-              <a:ext uri="{FF2B5EF4-FFF2-40B4-BE49-F238E27FC236}">
-                <a16:creationId xmlns:a16="http://schemas.microsoft.com/office/drawing/2014/main" id="{54E3963D-D55F-473E-BB27-7C4749A7209B}"/>
-              </a:ext>
-            </a:extLst>
-          </p:cNvPr>
-          <p:cNvSpPr>
-            <a:spLocks noGrp="1"/>
-          </p:cNvSpPr>
-          <p:nvPr>
-            <p:ph type="title"/>
-          </p:nvPr>
-        </p:nvSpPr>
-        <p:spPr/>
-        <p:txBody>
-          <a:bodyPr/>
-          <a:lstStyle/>
-          <a:p>
-            <a:r>
-              <a:rPr kumimoji="1" lang="ja-JP" altLang="en-US" dirty="0"/>
-              <a:t>パトランプに応用してみる</a:t>
-            </a:r>
-          </a:p>
-        </p:txBody>
-      </p:sp>
-      <p:sp>
-        <p:nvSpPr>
-          <p:cNvPr id="3" name="コンテンツ プレースホルダー 2">
-            <a:extLst>
-              <a:ext uri="{FF2B5EF4-FFF2-40B4-BE49-F238E27FC236}">
-                <a16:creationId xmlns:a16="http://schemas.microsoft.com/office/drawing/2014/main" id="{D5A326A5-3B36-48C0-8FF6-F0116E90FC37}"/>
-              </a:ext>
-            </a:extLst>
-          </p:cNvPr>
-          <p:cNvSpPr>
-            <a:spLocks noGrp="1"/>
-          </p:cNvSpPr>
-          <p:nvPr>
-            <p:ph idx="1"/>
-          </p:nvPr>
-        </p:nvSpPr>
-        <p:spPr>
-          <a:xfrm>
-            <a:off x="1097280" y="1845734"/>
-            <a:ext cx="10058400" cy="942686"/>
-          </a:xfrm>
-        </p:spPr>
-        <p:txBody>
-          <a:bodyPr/>
-          <a:lstStyle/>
-          <a:p>
-            <a:pPr lvl="1"/>
-            <a:r>
-              <a:rPr lang="ja-JP" altLang="en-US" dirty="0"/>
-              <a:t>実際の機器で応用する方法を考える（パトランプを外部からリレーで制御する場合）</a:t>
-            </a:r>
-            <a:endParaRPr kumimoji="1" lang="ja-JP" altLang="en-US" dirty="0"/>
-          </a:p>
-        </p:txBody>
-      </p:sp>
-      <p:pic>
-        <p:nvPicPr>
-          <p:cNvPr id="8" name="図 7">
-            <a:extLst>
-              <a:ext uri="{FF2B5EF4-FFF2-40B4-BE49-F238E27FC236}">
-                <a16:creationId xmlns:a16="http://schemas.microsoft.com/office/drawing/2014/main" id="{FDE0FB4D-D1AD-4995-9173-6D966FDCE501}"/>
-              </a:ext>
-            </a:extLst>
-          </p:cNvPr>
-          <p:cNvPicPr>
-            <a:picLocks noChangeAspect="1"/>
-          </p:cNvPicPr>
-          <p:nvPr/>
-        </p:nvPicPr>
-        <p:blipFill>
-          <a:blip r:embed="rId2"/>
-          <a:stretch>
-            <a:fillRect/>
-          </a:stretch>
-        </p:blipFill>
-        <p:spPr>
-          <a:xfrm>
-            <a:off x="2747962" y="2438400"/>
-            <a:ext cx="6029325" cy="3771900"/>
-          </a:xfrm>
-          <a:prstGeom prst="rect">
-            <a:avLst/>
-          </a:prstGeom>
-        </p:spPr>
-      </p:pic>
-    </p:spTree>
-    <p:extLst>
-      <p:ext uri="{BB962C8B-B14F-4D97-AF65-F5344CB8AC3E}">
-        <p14:creationId xmlns:p14="http://schemas.microsoft.com/office/powerpoint/2010/main" val="2091771327"/>
-      </p:ext>
-    </p:extLst>
-  </p:cSld>
-  <p:clrMapOvr>
-    <a:masterClrMapping/>
-  </p:clrMapOvr>
-</p:sld>
-</file>
-
-<file path=ppt/slides/slide38.xml><?xml version="1.0" encoding="utf-8"?>
-<p:sld xmlns:a="http://schemas.openxmlformats.org/drawingml/2006/main" xmlns:r="http://schemas.openxmlformats.org/officeDocument/2006/relationships" xmlns:p="http://schemas.openxmlformats.org/presentationml/2006/main">
-  <p:cSld>
-    <p:spTree>
-      <p:nvGrpSpPr>
-        <p:cNvPr id="1" name=""/>
-        <p:cNvGrpSpPr/>
-        <p:nvPr/>
-      </p:nvGrpSpPr>
-      <p:grpSpPr>
-        <a:xfrm>
-          <a:off x="0" y="0"/>
-          <a:ext cx="0" cy="0"/>
-          <a:chOff x="0" y="0"/>
-          <a:chExt cx="0" cy="0"/>
-        </a:xfrm>
-      </p:grpSpPr>
-      <p:sp>
-        <p:nvSpPr>
-          <p:cNvPr id="2" name="タイトル 1">
-            <a:extLst>
-              <a:ext uri="{FF2B5EF4-FFF2-40B4-BE49-F238E27FC236}">
-                <a16:creationId xmlns:a16="http://schemas.microsoft.com/office/drawing/2014/main" id="{54E3963D-D55F-473E-BB27-7C4749A7209B}"/>
-              </a:ext>
-            </a:extLst>
-          </p:cNvPr>
-          <p:cNvSpPr>
-            <a:spLocks noGrp="1"/>
-          </p:cNvSpPr>
-          <p:nvPr>
-            <p:ph type="title"/>
-          </p:nvPr>
-        </p:nvSpPr>
-        <p:spPr/>
-        <p:txBody>
-          <a:bodyPr/>
-          <a:lstStyle/>
-          <a:p>
-            <a:r>
-              <a:rPr kumimoji="1" lang="ja-JP" altLang="en-US" dirty="0"/>
-              <a:t>パトランプに応用してみる</a:t>
-            </a:r>
-          </a:p>
-        </p:txBody>
-      </p:sp>
-      <p:sp>
-        <p:nvSpPr>
-          <p:cNvPr id="3" name="コンテンツ プレースホルダー 2">
-            <a:extLst>
-              <a:ext uri="{FF2B5EF4-FFF2-40B4-BE49-F238E27FC236}">
-                <a16:creationId xmlns:a16="http://schemas.microsoft.com/office/drawing/2014/main" id="{D5A326A5-3B36-48C0-8FF6-F0116E90FC37}"/>
-              </a:ext>
-            </a:extLst>
-          </p:cNvPr>
-          <p:cNvSpPr>
-            <a:spLocks noGrp="1"/>
-          </p:cNvSpPr>
-          <p:nvPr>
-            <p:ph idx="1"/>
-          </p:nvPr>
-        </p:nvSpPr>
-        <p:spPr>
-          <a:xfrm>
-            <a:off x="1097280" y="1845734"/>
-            <a:ext cx="10058400" cy="942686"/>
-          </a:xfrm>
-        </p:spPr>
-        <p:txBody>
-          <a:bodyPr/>
-          <a:lstStyle/>
-          <a:p>
-            <a:pPr lvl="1"/>
-            <a:r>
-              <a:rPr lang="ja-JP" altLang="en-US" dirty="0"/>
-              <a:t>実際の機器で応用する方法を考える（パトランプを外部から</a:t>
-            </a:r>
-            <a:r>
-              <a:rPr lang="en-US" altLang="ja-JP" dirty="0"/>
-              <a:t>PLC</a:t>
-            </a:r>
-            <a:r>
-              <a:rPr lang="ja-JP" altLang="en-US" dirty="0"/>
-              <a:t>で制御する場合）</a:t>
-            </a:r>
-            <a:endParaRPr kumimoji="1" lang="ja-JP" altLang="en-US" dirty="0"/>
-          </a:p>
-        </p:txBody>
-      </p:sp>
-      <p:pic>
-        <p:nvPicPr>
-          <p:cNvPr id="5" name="図 4">
-            <a:extLst>
-              <a:ext uri="{FF2B5EF4-FFF2-40B4-BE49-F238E27FC236}">
-                <a16:creationId xmlns:a16="http://schemas.microsoft.com/office/drawing/2014/main" id="{BF8B28CF-5001-4864-9A58-1DA4247919E3}"/>
-              </a:ext>
-            </a:extLst>
-          </p:cNvPr>
-          <p:cNvPicPr>
-            <a:picLocks noChangeAspect="1"/>
-          </p:cNvPicPr>
-          <p:nvPr/>
-        </p:nvPicPr>
-        <p:blipFill>
-          <a:blip r:embed="rId2"/>
-          <a:stretch>
-            <a:fillRect/>
-          </a:stretch>
-        </p:blipFill>
-        <p:spPr>
-          <a:xfrm>
-            <a:off x="2809021" y="2301446"/>
-            <a:ext cx="6010275" cy="3876675"/>
-          </a:xfrm>
-          <a:prstGeom prst="rect">
-            <a:avLst/>
-          </a:prstGeom>
-        </p:spPr>
-      </p:pic>
-    </p:spTree>
-    <p:extLst>
-      <p:ext uri="{BB962C8B-B14F-4D97-AF65-F5344CB8AC3E}">
-        <p14:creationId xmlns:p14="http://schemas.microsoft.com/office/powerpoint/2010/main" val="3657780995"/>
-      </p:ext>
-    </p:extLst>
-  </p:cSld>
-  <p:clrMapOvr>
-    <a:masterClrMapping/>
-  </p:clrMapOvr>
-</p:sld>
-</file>
-
 <file path=ppt/slides/slide39.xml><?xml version="1.0" encoding="utf-8"?>
 <p:sld xmlns:a="http://schemas.openxmlformats.org/drawingml/2006/main" xmlns:r="http://schemas.openxmlformats.org/officeDocument/2006/relationships" xmlns:p="http://schemas.openxmlformats.org/presentationml/2006/main">
   <p:cSld>
@@ -34317,15 +34948,7 @@
             <a:pPr lvl="1"/>
             <a:r>
               <a:rPr lang="ja-JP" altLang="en-US" dirty="0"/>
-              <a:t>実際の機器で応用する方法を考える（パトランプを外部から</a:t>
-            </a:r>
-            <a:r>
-              <a:rPr lang="en-US" altLang="ja-JP" dirty="0"/>
-              <a:t>PLC</a:t>
-            </a:r>
-            <a:r>
-              <a:rPr lang="ja-JP" altLang="en-US" dirty="0"/>
-              <a:t>で制御する場合）</a:t>
+              <a:t>実際の機器で応用する方法を考える（パトランプを外部からリレーで制御する場合）</a:t>
             </a:r>
             <a:endParaRPr kumimoji="1" lang="ja-JP" altLang="en-US" dirty="0"/>
           </a:p>
@@ -34333,10 +34956,10 @@
       </p:sp>
       <p:pic>
         <p:nvPicPr>
-          <p:cNvPr id="6" name="図 5">
+          <p:cNvPr id="8" name="図 7">
             <a:extLst>
               <a:ext uri="{FF2B5EF4-FFF2-40B4-BE49-F238E27FC236}">
-                <a16:creationId xmlns:a16="http://schemas.microsoft.com/office/drawing/2014/main" id="{DCC9FB2C-3089-4361-A925-C4A5D1321E6C}"/>
+                <a16:creationId xmlns:a16="http://schemas.microsoft.com/office/drawing/2014/main" id="{FDE0FB4D-D1AD-4995-9173-6D966FDCE501}"/>
               </a:ext>
             </a:extLst>
           </p:cNvPr>
@@ -34353,8 +34976,8 @@
         </p:blipFill>
         <p:spPr>
           <a:xfrm>
-            <a:off x="2743688" y="2299737"/>
-            <a:ext cx="6076950" cy="3943350"/>
+            <a:off x="2747962" y="2438400"/>
+            <a:ext cx="6029325" cy="3771900"/>
           </a:xfrm>
           <a:prstGeom prst="rect">
             <a:avLst/>
@@ -34364,7 +34987,7 @@
     </p:spTree>
     <p:extLst>
       <p:ext uri="{BB962C8B-B14F-4D97-AF65-F5344CB8AC3E}">
-        <p14:creationId xmlns:p14="http://schemas.microsoft.com/office/powerpoint/2010/main" val="3728280326"/>
+        <p14:creationId xmlns:p14="http://schemas.microsoft.com/office/powerpoint/2010/main" val="2091771327"/>
       </p:ext>
     </p:extLst>
   </p:cSld>
@@ -34478,6 +35101,268 @@
 </file>
 
 <file path=ppt/slides/slide40.xml><?xml version="1.0" encoding="utf-8"?>
+<p:sld xmlns:a="http://schemas.openxmlformats.org/drawingml/2006/main" xmlns:r="http://schemas.openxmlformats.org/officeDocument/2006/relationships" xmlns:p="http://schemas.openxmlformats.org/presentationml/2006/main">
+  <p:cSld>
+    <p:spTree>
+      <p:nvGrpSpPr>
+        <p:cNvPr id="1" name=""/>
+        <p:cNvGrpSpPr/>
+        <p:nvPr/>
+      </p:nvGrpSpPr>
+      <p:grpSpPr>
+        <a:xfrm>
+          <a:off x="0" y="0"/>
+          <a:ext cx="0" cy="0"/>
+          <a:chOff x="0" y="0"/>
+          <a:chExt cx="0" cy="0"/>
+        </a:xfrm>
+      </p:grpSpPr>
+      <p:sp>
+        <p:nvSpPr>
+          <p:cNvPr id="2" name="タイトル 1">
+            <a:extLst>
+              <a:ext uri="{FF2B5EF4-FFF2-40B4-BE49-F238E27FC236}">
+                <a16:creationId xmlns:a16="http://schemas.microsoft.com/office/drawing/2014/main" id="{54E3963D-D55F-473E-BB27-7C4749A7209B}"/>
+              </a:ext>
+            </a:extLst>
+          </p:cNvPr>
+          <p:cNvSpPr>
+            <a:spLocks noGrp="1"/>
+          </p:cNvSpPr>
+          <p:nvPr>
+            <p:ph type="title"/>
+          </p:nvPr>
+        </p:nvSpPr>
+        <p:spPr/>
+        <p:txBody>
+          <a:bodyPr/>
+          <a:lstStyle/>
+          <a:p>
+            <a:r>
+              <a:rPr kumimoji="1" lang="ja-JP" altLang="en-US" dirty="0"/>
+              <a:t>パトランプに応用してみる</a:t>
+            </a:r>
+          </a:p>
+        </p:txBody>
+      </p:sp>
+      <p:sp>
+        <p:nvSpPr>
+          <p:cNvPr id="3" name="コンテンツ プレースホルダー 2">
+            <a:extLst>
+              <a:ext uri="{FF2B5EF4-FFF2-40B4-BE49-F238E27FC236}">
+                <a16:creationId xmlns:a16="http://schemas.microsoft.com/office/drawing/2014/main" id="{D5A326A5-3B36-48C0-8FF6-F0116E90FC37}"/>
+              </a:ext>
+            </a:extLst>
+          </p:cNvPr>
+          <p:cNvSpPr>
+            <a:spLocks noGrp="1"/>
+          </p:cNvSpPr>
+          <p:nvPr>
+            <p:ph idx="1"/>
+          </p:nvPr>
+        </p:nvSpPr>
+        <p:spPr>
+          <a:xfrm>
+            <a:off x="1097280" y="1845734"/>
+            <a:ext cx="10058400" cy="942686"/>
+          </a:xfrm>
+        </p:spPr>
+        <p:txBody>
+          <a:bodyPr/>
+          <a:lstStyle/>
+          <a:p>
+            <a:pPr lvl="1"/>
+            <a:r>
+              <a:rPr lang="ja-JP" altLang="en-US" dirty="0"/>
+              <a:t>実際の機器で応用する方法を考える（パトランプを外部から</a:t>
+            </a:r>
+            <a:r>
+              <a:rPr lang="en-US" altLang="ja-JP" dirty="0"/>
+              <a:t>PLC</a:t>
+            </a:r>
+            <a:r>
+              <a:rPr lang="ja-JP" altLang="en-US" dirty="0"/>
+              <a:t>で制御する場合）</a:t>
+            </a:r>
+            <a:endParaRPr kumimoji="1" lang="ja-JP" altLang="en-US" dirty="0"/>
+          </a:p>
+        </p:txBody>
+      </p:sp>
+      <p:pic>
+        <p:nvPicPr>
+          <p:cNvPr id="5" name="図 4">
+            <a:extLst>
+              <a:ext uri="{FF2B5EF4-FFF2-40B4-BE49-F238E27FC236}">
+                <a16:creationId xmlns:a16="http://schemas.microsoft.com/office/drawing/2014/main" id="{BF8B28CF-5001-4864-9A58-1DA4247919E3}"/>
+              </a:ext>
+            </a:extLst>
+          </p:cNvPr>
+          <p:cNvPicPr>
+            <a:picLocks noChangeAspect="1"/>
+          </p:cNvPicPr>
+          <p:nvPr/>
+        </p:nvPicPr>
+        <p:blipFill>
+          <a:blip r:embed="rId2"/>
+          <a:stretch>
+            <a:fillRect/>
+          </a:stretch>
+        </p:blipFill>
+        <p:spPr>
+          <a:xfrm>
+            <a:off x="2809021" y="2301446"/>
+            <a:ext cx="6010275" cy="3876675"/>
+          </a:xfrm>
+          <a:prstGeom prst="rect">
+            <a:avLst/>
+          </a:prstGeom>
+        </p:spPr>
+      </p:pic>
+    </p:spTree>
+    <p:extLst>
+      <p:ext uri="{BB962C8B-B14F-4D97-AF65-F5344CB8AC3E}">
+        <p14:creationId xmlns:p14="http://schemas.microsoft.com/office/powerpoint/2010/main" val="3657780995"/>
+      </p:ext>
+    </p:extLst>
+  </p:cSld>
+  <p:clrMapOvr>
+    <a:masterClrMapping/>
+  </p:clrMapOvr>
+</p:sld>
+</file>
+
+<file path=ppt/slides/slide41.xml><?xml version="1.0" encoding="utf-8"?>
+<p:sld xmlns:a="http://schemas.openxmlformats.org/drawingml/2006/main" xmlns:r="http://schemas.openxmlformats.org/officeDocument/2006/relationships" xmlns:p="http://schemas.openxmlformats.org/presentationml/2006/main">
+  <p:cSld>
+    <p:spTree>
+      <p:nvGrpSpPr>
+        <p:cNvPr id="1" name=""/>
+        <p:cNvGrpSpPr/>
+        <p:nvPr/>
+      </p:nvGrpSpPr>
+      <p:grpSpPr>
+        <a:xfrm>
+          <a:off x="0" y="0"/>
+          <a:ext cx="0" cy="0"/>
+          <a:chOff x="0" y="0"/>
+          <a:chExt cx="0" cy="0"/>
+        </a:xfrm>
+      </p:grpSpPr>
+      <p:sp>
+        <p:nvSpPr>
+          <p:cNvPr id="2" name="タイトル 1">
+            <a:extLst>
+              <a:ext uri="{FF2B5EF4-FFF2-40B4-BE49-F238E27FC236}">
+                <a16:creationId xmlns:a16="http://schemas.microsoft.com/office/drawing/2014/main" id="{54E3963D-D55F-473E-BB27-7C4749A7209B}"/>
+              </a:ext>
+            </a:extLst>
+          </p:cNvPr>
+          <p:cNvSpPr>
+            <a:spLocks noGrp="1"/>
+          </p:cNvSpPr>
+          <p:nvPr>
+            <p:ph type="title"/>
+          </p:nvPr>
+        </p:nvSpPr>
+        <p:spPr/>
+        <p:txBody>
+          <a:bodyPr/>
+          <a:lstStyle/>
+          <a:p>
+            <a:r>
+              <a:rPr kumimoji="1" lang="ja-JP" altLang="en-US" dirty="0"/>
+              <a:t>パトランプに応用してみる</a:t>
+            </a:r>
+          </a:p>
+        </p:txBody>
+      </p:sp>
+      <p:sp>
+        <p:nvSpPr>
+          <p:cNvPr id="3" name="コンテンツ プレースホルダー 2">
+            <a:extLst>
+              <a:ext uri="{FF2B5EF4-FFF2-40B4-BE49-F238E27FC236}">
+                <a16:creationId xmlns:a16="http://schemas.microsoft.com/office/drawing/2014/main" id="{D5A326A5-3B36-48C0-8FF6-F0116E90FC37}"/>
+              </a:ext>
+            </a:extLst>
+          </p:cNvPr>
+          <p:cNvSpPr>
+            <a:spLocks noGrp="1"/>
+          </p:cNvSpPr>
+          <p:nvPr>
+            <p:ph idx="1"/>
+          </p:nvPr>
+        </p:nvSpPr>
+        <p:spPr>
+          <a:xfrm>
+            <a:off x="1097280" y="1845734"/>
+            <a:ext cx="10058400" cy="942686"/>
+          </a:xfrm>
+        </p:spPr>
+        <p:txBody>
+          <a:bodyPr/>
+          <a:lstStyle/>
+          <a:p>
+            <a:pPr lvl="1"/>
+            <a:r>
+              <a:rPr lang="ja-JP" altLang="en-US" dirty="0"/>
+              <a:t>実際の機器で応用する方法を考える（パトランプを外部から</a:t>
+            </a:r>
+            <a:r>
+              <a:rPr lang="en-US" altLang="ja-JP" dirty="0"/>
+              <a:t>PLC</a:t>
+            </a:r>
+            <a:r>
+              <a:rPr lang="ja-JP" altLang="en-US" dirty="0"/>
+              <a:t>で制御する場合）</a:t>
+            </a:r>
+            <a:endParaRPr kumimoji="1" lang="ja-JP" altLang="en-US" dirty="0"/>
+          </a:p>
+        </p:txBody>
+      </p:sp>
+      <p:pic>
+        <p:nvPicPr>
+          <p:cNvPr id="6" name="図 5">
+            <a:extLst>
+              <a:ext uri="{FF2B5EF4-FFF2-40B4-BE49-F238E27FC236}">
+                <a16:creationId xmlns:a16="http://schemas.microsoft.com/office/drawing/2014/main" id="{DCC9FB2C-3089-4361-A925-C4A5D1321E6C}"/>
+              </a:ext>
+            </a:extLst>
+          </p:cNvPr>
+          <p:cNvPicPr>
+            <a:picLocks noChangeAspect="1"/>
+          </p:cNvPicPr>
+          <p:nvPr/>
+        </p:nvPicPr>
+        <p:blipFill>
+          <a:blip r:embed="rId2"/>
+          <a:stretch>
+            <a:fillRect/>
+          </a:stretch>
+        </p:blipFill>
+        <p:spPr>
+          <a:xfrm>
+            <a:off x="2743688" y="2299737"/>
+            <a:ext cx="6076950" cy="3943350"/>
+          </a:xfrm>
+          <a:prstGeom prst="rect">
+            <a:avLst/>
+          </a:prstGeom>
+        </p:spPr>
+      </p:pic>
+    </p:spTree>
+    <p:extLst>
+      <p:ext uri="{BB962C8B-B14F-4D97-AF65-F5344CB8AC3E}">
+        <p14:creationId xmlns:p14="http://schemas.microsoft.com/office/powerpoint/2010/main" val="3728280326"/>
+      </p:ext>
+    </p:extLst>
+  </p:cSld>
+  <p:clrMapOvr>
+    <a:masterClrMapping/>
+  </p:clrMapOvr>
+</p:sld>
+</file>
+
+<file path=ppt/slides/slide42.xml><?xml version="1.0" encoding="utf-8"?>
 <p:sld xmlns:a="http://schemas.openxmlformats.org/drawingml/2006/main" xmlns:r="http://schemas.openxmlformats.org/officeDocument/2006/relationships" xmlns:p="http://schemas.openxmlformats.org/presentationml/2006/main">
   <p:cSld>
     <p:spTree>
@@ -39440,7 +40325,7 @@
 </p:sld>
 </file>
 
-<file path=ppt/slides/slide41.xml><?xml version="1.0" encoding="utf-8"?>
+<file path=ppt/slides/slide43.xml><?xml version="1.0" encoding="utf-8"?>
 <p:sld xmlns:a="http://schemas.openxmlformats.org/drawingml/2006/main" xmlns:r="http://schemas.openxmlformats.org/officeDocument/2006/relationships" xmlns:p="http://schemas.openxmlformats.org/presentationml/2006/main">
   <p:cSld>
     <p:spTree>
@@ -39925,7 +40810,7 @@
 </p:sld>
 </file>
 
-<file path=ppt/slides/slide42.xml><?xml version="1.0" encoding="utf-8"?>
+<file path=ppt/slides/slide44.xml><?xml version="1.0" encoding="utf-8"?>
 <p:sld xmlns:a="http://schemas.openxmlformats.org/drawingml/2006/main" xmlns:r="http://schemas.openxmlformats.org/officeDocument/2006/relationships" xmlns:p="http://schemas.openxmlformats.org/presentationml/2006/main">
   <p:cSld>
     <p:spTree>
@@ -40551,7 +41436,7 @@
 </p:sld>
 </file>
 
-<file path=ppt/slides/slide43.xml><?xml version="1.0" encoding="utf-8"?>
+<file path=ppt/slides/slide45.xml><?xml version="1.0" encoding="utf-8"?>
 <p:sld xmlns:a="http://schemas.openxmlformats.org/drawingml/2006/main" xmlns:r="http://schemas.openxmlformats.org/officeDocument/2006/relationships" xmlns:p="http://schemas.openxmlformats.org/presentationml/2006/main">
   <p:cSld>
     <p:spTree>
@@ -52233,7 +53118,7 @@
 </p:sld>
 </file>
 
-<file path=ppt/slides/slide44.xml><?xml version="1.0" encoding="utf-8"?>
+<file path=ppt/slides/slide46.xml><?xml version="1.0" encoding="utf-8"?>
 <p:sld xmlns:a="http://schemas.openxmlformats.org/drawingml/2006/main" xmlns:r="http://schemas.openxmlformats.org/officeDocument/2006/relationships" xmlns:p="http://schemas.openxmlformats.org/presentationml/2006/main">
   <p:cSld>
     <p:spTree>

--- a/IoTセミナーテキスト.pptx
+++ b/IoTセミナーテキスト.pptx
@@ -16,9 +16,9 @@
     <p:sldId id="262" r:id="rId10"/>
     <p:sldId id="300" r:id="rId11"/>
     <p:sldId id="263" r:id="rId12"/>
-    <p:sldId id="299" r:id="rId13"/>
-    <p:sldId id="265" r:id="rId14"/>
-    <p:sldId id="303" r:id="rId15"/>
+    <p:sldId id="265" r:id="rId13"/>
+    <p:sldId id="303" r:id="rId14"/>
+    <p:sldId id="299" r:id="rId15"/>
     <p:sldId id="305" r:id="rId16"/>
     <p:sldId id="306" r:id="rId17"/>
     <p:sldId id="268" r:id="rId18"/>
@@ -300,7 +300,7 @@
           <a:p>
             <a:fld id="{ABF98A8D-D34B-4C71-B75C-469DF44AB35E}" type="datetimeFigureOut">
               <a:rPr kumimoji="1" lang="ja-JP" altLang="en-US" smtClean="0"/>
-              <a:t>2021/12/1</a:t>
+              <a:t>2021/12/3</a:t>
             </a:fld>
             <a:endParaRPr kumimoji="1" lang="ja-JP" altLang="en-US"/>
           </a:p>
@@ -502,7 +502,7 @@
           <a:p>
             <a:fld id="{ABF98A8D-D34B-4C71-B75C-469DF44AB35E}" type="datetimeFigureOut">
               <a:rPr kumimoji="1" lang="ja-JP" altLang="en-US" smtClean="0"/>
-              <a:t>2021/12/1</a:t>
+              <a:t>2021/12/3</a:t>
             </a:fld>
             <a:endParaRPr kumimoji="1" lang="ja-JP" altLang="en-US"/>
           </a:p>
@@ -714,7 +714,7 @@
           <a:p>
             <a:fld id="{ABF98A8D-D34B-4C71-B75C-469DF44AB35E}" type="datetimeFigureOut">
               <a:rPr kumimoji="1" lang="ja-JP" altLang="en-US" smtClean="0"/>
-              <a:t>2021/12/1</a:t>
+              <a:t>2021/12/3</a:t>
             </a:fld>
             <a:endParaRPr kumimoji="1" lang="ja-JP" altLang="en-US"/>
           </a:p>
@@ -1001,7 +1001,7 @@
           <a:p>
             <a:fld id="{ABF98A8D-D34B-4C71-B75C-469DF44AB35E}" type="datetimeFigureOut">
               <a:rPr kumimoji="1" lang="ja-JP" altLang="en-US" smtClean="0"/>
-              <a:t>2021/12/1</a:t>
+              <a:t>2021/12/3</a:t>
             </a:fld>
             <a:endParaRPr kumimoji="1" lang="ja-JP" altLang="en-US"/>
           </a:p>
@@ -1241,7 +1241,7 @@
           <a:p>
             <a:fld id="{ABF98A8D-D34B-4C71-B75C-469DF44AB35E}" type="datetimeFigureOut">
               <a:rPr kumimoji="1" lang="ja-JP" altLang="en-US" smtClean="0"/>
-              <a:t>2021/12/1</a:t>
+              <a:t>2021/12/3</a:t>
             </a:fld>
             <a:endParaRPr kumimoji="1" lang="ja-JP" altLang="en-US"/>
           </a:p>
@@ -1584,7 +1584,7 @@
           <a:p>
             <a:fld id="{ABF98A8D-D34B-4C71-B75C-469DF44AB35E}" type="datetimeFigureOut">
               <a:rPr kumimoji="1" lang="ja-JP" altLang="en-US" smtClean="0"/>
-              <a:t>2021/12/1</a:t>
+              <a:t>2021/12/3</a:t>
             </a:fld>
             <a:endParaRPr kumimoji="1" lang="ja-JP" altLang="en-US"/>
           </a:p>
@@ -1923,7 +1923,7 @@
           <a:p>
             <a:fld id="{ABF98A8D-D34B-4C71-B75C-469DF44AB35E}" type="datetimeFigureOut">
               <a:rPr kumimoji="1" lang="ja-JP" altLang="en-US" smtClean="0"/>
-              <a:t>2021/12/1</a:t>
+              <a:t>2021/12/3</a:t>
             </a:fld>
             <a:endParaRPr kumimoji="1" lang="ja-JP" altLang="en-US"/>
           </a:p>
@@ -2366,7 +2366,7 @@
           <a:p>
             <a:fld id="{ABF98A8D-D34B-4C71-B75C-469DF44AB35E}" type="datetimeFigureOut">
               <a:rPr kumimoji="1" lang="ja-JP" altLang="en-US" smtClean="0"/>
-              <a:t>2021/12/1</a:t>
+              <a:t>2021/12/3</a:t>
             </a:fld>
             <a:endParaRPr kumimoji="1" lang="ja-JP" altLang="en-US"/>
           </a:p>
@@ -2484,7 +2484,7 @@
           <a:p>
             <a:fld id="{ABF98A8D-D34B-4C71-B75C-469DF44AB35E}" type="datetimeFigureOut">
               <a:rPr kumimoji="1" lang="ja-JP" altLang="en-US" smtClean="0"/>
-              <a:t>2021/12/1</a:t>
+              <a:t>2021/12/3</a:t>
             </a:fld>
             <a:endParaRPr kumimoji="1" lang="ja-JP" altLang="en-US"/>
           </a:p>
@@ -2655,7 +2655,7 @@
           <a:p>
             <a:fld id="{ABF98A8D-D34B-4C71-B75C-469DF44AB35E}" type="datetimeFigureOut">
               <a:rPr kumimoji="1" lang="ja-JP" altLang="en-US" smtClean="0"/>
-              <a:t>2021/12/1</a:t>
+              <a:t>2021/12/3</a:t>
             </a:fld>
             <a:endParaRPr kumimoji="1" lang="ja-JP" altLang="en-US"/>
           </a:p>
@@ -3041,7 +3041,7 @@
           <a:p>
             <a:fld id="{ABF98A8D-D34B-4C71-B75C-469DF44AB35E}" type="datetimeFigureOut">
               <a:rPr kumimoji="1" lang="ja-JP" altLang="en-US" smtClean="0"/>
-              <a:t>2021/12/1</a:t>
+              <a:t>2021/12/3</a:t>
             </a:fld>
             <a:endParaRPr kumimoji="1" lang="ja-JP" altLang="en-US"/>
           </a:p>
@@ -3264,7 +3264,7 @@
           <a:p>
             <a:fld id="{ABF98A8D-D34B-4C71-B75C-469DF44AB35E}" type="datetimeFigureOut">
               <a:rPr kumimoji="1" lang="ja-JP" altLang="en-US" smtClean="0"/>
-              <a:t>2021/12/1</a:t>
+              <a:t>2021/12/3</a:t>
             </a:fld>
             <a:endParaRPr kumimoji="1" lang="ja-JP" altLang="en-US"/>
           </a:p>
@@ -3620,7 +3620,7 @@
           <a:p>
             <a:fld id="{ABF98A8D-D34B-4C71-B75C-469DF44AB35E}" type="datetimeFigureOut">
               <a:rPr kumimoji="1" lang="ja-JP" altLang="en-US" smtClean="0"/>
-              <a:t>2021/12/1</a:t>
+              <a:t>2021/12/3</a:t>
             </a:fld>
             <a:endParaRPr kumimoji="1" lang="ja-JP" altLang="en-US"/>
           </a:p>
@@ -3822,7 +3822,7 @@
           <a:p>
             <a:fld id="{ABF98A8D-D34B-4C71-B75C-469DF44AB35E}" type="datetimeFigureOut">
               <a:rPr kumimoji="1" lang="ja-JP" altLang="en-US" smtClean="0"/>
-              <a:t>2021/12/1</a:t>
+              <a:t>2021/12/3</a:t>
             </a:fld>
             <a:endParaRPr kumimoji="1" lang="ja-JP" altLang="en-US"/>
           </a:p>
@@ -4110,7 +4110,7 @@
           <a:p>
             <a:fld id="{ABF98A8D-D34B-4C71-B75C-469DF44AB35E}" type="datetimeFigureOut">
               <a:rPr kumimoji="1" lang="ja-JP" altLang="en-US" smtClean="0"/>
-              <a:t>2021/12/1</a:t>
+              <a:t>2021/12/3</a:t>
             </a:fld>
             <a:endParaRPr kumimoji="1" lang="ja-JP" altLang="en-US"/>
           </a:p>
@@ -4361,7 +4361,7 @@
           <a:p>
             <a:fld id="{ABF98A8D-D34B-4C71-B75C-469DF44AB35E}" type="datetimeFigureOut">
               <a:rPr kumimoji="1" lang="ja-JP" altLang="en-US" smtClean="0"/>
-              <a:t>2021/12/1</a:t>
+              <a:t>2021/12/3</a:t>
             </a:fld>
             <a:endParaRPr kumimoji="1" lang="ja-JP" altLang="en-US"/>
           </a:p>
@@ -4657,7 +4657,7 @@
           <a:p>
             <a:fld id="{ABF98A8D-D34B-4C71-B75C-469DF44AB35E}" type="datetimeFigureOut">
               <a:rPr kumimoji="1" lang="ja-JP" altLang="en-US" smtClean="0"/>
-              <a:t>2021/12/1</a:t>
+              <a:t>2021/12/3</a:t>
             </a:fld>
             <a:endParaRPr kumimoji="1" lang="ja-JP" altLang="en-US"/>
           </a:p>
@@ -5068,7 +5068,7 @@
           <a:p>
             <a:fld id="{ABF98A8D-D34B-4C71-B75C-469DF44AB35E}" type="datetimeFigureOut">
               <a:rPr kumimoji="1" lang="ja-JP" altLang="en-US" smtClean="0"/>
-              <a:t>2021/12/1</a:t>
+              <a:t>2021/12/3</a:t>
             </a:fld>
             <a:endParaRPr kumimoji="1" lang="ja-JP" altLang="en-US"/>
           </a:p>
@@ -5186,7 +5186,7 @@
           <a:p>
             <a:fld id="{ABF98A8D-D34B-4C71-B75C-469DF44AB35E}" type="datetimeFigureOut">
               <a:rPr kumimoji="1" lang="ja-JP" altLang="en-US" smtClean="0"/>
-              <a:t>2021/12/1</a:t>
+              <a:t>2021/12/3</a:t>
             </a:fld>
             <a:endParaRPr kumimoji="1" lang="ja-JP" altLang="en-US"/>
           </a:p>
@@ -5304,7 +5304,7 @@
           <a:p>
             <a:fld id="{ABF98A8D-D34B-4C71-B75C-469DF44AB35E}" type="datetimeFigureOut">
               <a:rPr kumimoji="1" lang="ja-JP" altLang="en-US" smtClean="0"/>
-              <a:t>2021/12/1</a:t>
+              <a:t>2021/12/3</a:t>
             </a:fld>
             <a:endParaRPr kumimoji="1" lang="ja-JP" altLang="en-US"/>
           </a:p>
@@ -5620,7 +5620,7 @@
           <a:p>
             <a:fld id="{ABF98A8D-D34B-4C71-B75C-469DF44AB35E}" type="datetimeFigureOut">
               <a:rPr kumimoji="1" lang="ja-JP" altLang="en-US" smtClean="0"/>
-              <a:t>2021/12/1</a:t>
+              <a:t>2021/12/3</a:t>
             </a:fld>
             <a:endParaRPr kumimoji="1" lang="ja-JP" altLang="en-US"/>
           </a:p>
@@ -5884,7 +5884,7 @@
           <a:p>
             <a:fld id="{ABF98A8D-D34B-4C71-B75C-469DF44AB35E}" type="datetimeFigureOut">
               <a:rPr kumimoji="1" lang="ja-JP" altLang="en-US" smtClean="0"/>
-              <a:t>2021/12/1</a:t>
+              <a:t>2021/12/3</a:t>
             </a:fld>
             <a:endParaRPr kumimoji="1" lang="ja-JP" altLang="en-US"/>
           </a:p>
@@ -6130,7 +6130,7 @@
           <a:p>
             <a:fld id="{ABF98A8D-D34B-4C71-B75C-469DF44AB35E}" type="datetimeFigureOut">
               <a:rPr kumimoji="1" lang="ja-JP" altLang="en-US" smtClean="0"/>
-              <a:t>2021/12/1</a:t>
+              <a:t>2021/12/3</a:t>
             </a:fld>
             <a:endParaRPr kumimoji="1" lang="ja-JP" altLang="en-US"/>
           </a:p>
@@ -6765,7 +6765,7 @@
           <a:p>
             <a:fld id="{ABF98A8D-D34B-4C71-B75C-469DF44AB35E}" type="datetimeFigureOut">
               <a:rPr kumimoji="1" lang="ja-JP" altLang="en-US" smtClean="0"/>
-              <a:t>2021/12/1</a:t>
+              <a:t>2021/12/3</a:t>
             </a:fld>
             <a:endParaRPr kumimoji="1" lang="ja-JP" altLang="en-US"/>
           </a:p>
@@ -8186,42 +8186,22 @@
           <a:lstStyle/>
           <a:p>
             <a:r>
-              <a:rPr lang="ja-JP" altLang="en-US" sz="2800" dirty="0"/>
-              <a:t>読み取った</a:t>
-            </a:r>
-            <a:r>
-              <a:rPr lang="en-US" altLang="ja-JP" sz="2800" dirty="0"/>
+              <a:rPr kumimoji="1" lang="en-US" altLang="ja-JP" sz="3600" dirty="0"/>
               <a:t>QR</a:t>
             </a:r>
             <a:r>
-              <a:rPr lang="ja-JP" altLang="en-US" sz="2800" dirty="0"/>
-              <a:t>コードを</a:t>
-            </a:r>
-            <a:r>
-              <a:rPr lang="en-US" altLang="ja-JP" sz="2800" dirty="0"/>
-              <a:t>CSV</a:t>
-            </a:r>
-            <a:r>
-              <a:rPr lang="ja-JP" altLang="en-US" sz="2800" dirty="0"/>
-              <a:t>ファイルに書き出して</a:t>
-            </a:r>
-            <a:r>
-              <a:rPr lang="en-US" altLang="ja-JP" sz="2800" dirty="0"/>
-              <a:t>Excel</a:t>
-            </a:r>
-            <a:r>
-              <a:rPr lang="ja-JP" altLang="en-US" sz="2800" dirty="0"/>
-              <a:t>で開いてみる</a:t>
+              <a:rPr kumimoji="1" lang="ja-JP" altLang="en-US" sz="3600" dirty="0"/>
+              <a:t>コードを用意します</a:t>
             </a:r>
           </a:p>
         </p:txBody>
       </p:sp>
       <p:sp>
         <p:nvSpPr>
-          <p:cNvPr id="6" name="コンテンツ プレースホルダー 5">
+          <p:cNvPr id="3" name="コンテンツ プレースホルダー 2">
             <a:extLst>
               <a:ext uri="{FF2B5EF4-FFF2-40B4-BE49-F238E27FC236}">
-                <a16:creationId xmlns:a16="http://schemas.microsoft.com/office/drawing/2014/main" id="{03E0D86B-EAA3-4C06-B1A9-7B0A0495DDC2}"/>
+                <a16:creationId xmlns:a16="http://schemas.microsoft.com/office/drawing/2014/main" id="{F5DD2745-66EC-4B32-821B-5DCAA9B43EB3}"/>
               </a:ext>
             </a:extLst>
           </p:cNvPr>
@@ -8234,661 +8214,226 @@
         </p:nvSpPr>
         <p:spPr>
           <a:xfrm>
-            <a:off x="1097280" y="1845734"/>
-            <a:ext cx="10058400" cy="923330"/>
+            <a:off x="1097279" y="1845733"/>
+            <a:ext cx="9859889" cy="3953934"/>
           </a:xfrm>
         </p:spPr>
         <p:txBody>
-          <a:bodyPr/>
+          <a:bodyPr>
+            <a:normAutofit fontScale="92500" lnSpcReduction="20000"/>
+          </a:bodyPr>
           <a:lstStyle/>
           <a:p>
             <a:pPr lvl="1"/>
             <a:r>
               <a:rPr lang="ja-JP" altLang="en-US" dirty="0"/>
-              <a:t>下記のコードを追加する</a:t>
+              <a:t>手元に実際に読み取るための</a:t>
+            </a:r>
+            <a:r>
+              <a:rPr lang="en-US" altLang="ja-JP" dirty="0"/>
+              <a:t>QR</a:t>
+            </a:r>
+            <a:r>
+              <a:rPr lang="ja-JP" altLang="en-US" dirty="0"/>
+              <a:t>コードを用意します</a:t>
             </a:r>
             <a:endParaRPr lang="en-US" altLang="ja-JP" dirty="0"/>
           </a:p>
           <a:p>
             <a:pPr lvl="2"/>
             <a:r>
+              <a:rPr kumimoji="1" lang="ja-JP" altLang="en-US" dirty="0"/>
+              <a:t>（任意のコードを作りたい場合，下記のような</a:t>
+            </a:r>
+            <a:r>
+              <a:rPr kumimoji="1" lang="en-US" altLang="ja-JP" dirty="0"/>
+              <a:t>Web</a:t>
+            </a:r>
+            <a:r>
+              <a:rPr kumimoji="1" lang="ja-JP" altLang="en-US" dirty="0"/>
+              <a:t>サービスを利用すると便利です）</a:t>
+            </a:r>
+            <a:endParaRPr kumimoji="1" lang="en-US" altLang="ja-JP" dirty="0"/>
+          </a:p>
+          <a:p>
+            <a:pPr lvl="2"/>
+            <a:r>
+              <a:rPr kumimoji="1" lang="en-US" altLang="ja-JP" dirty="0">
+                <a:hlinkClick r:id="rId2"/>
+              </a:rPr>
+              <a:t>https://qr.quel.jp/url.php</a:t>
+            </a:r>
+            <a:endParaRPr kumimoji="1" lang="en-US" altLang="ja-JP" dirty="0"/>
+          </a:p>
+          <a:p>
+            <a:pPr lvl="2"/>
+            <a:r>
+              <a:rPr lang="en-US" altLang="ja-JP" b="0" i="0" dirty="0">
+                <a:solidFill>
+                  <a:srgbClr val="4AAC00"/>
+                </a:solidFill>
+                <a:effectLst/>
+                <a:latin typeface="-apple-system"/>
+                <a:hlinkClick r:id="rId3"/>
+              </a:rPr>
+              <a:t>https://chart.googleapis.com/chart?cht=qr&amp;chs=300x300&amp;chl=https://developers.google.com/chart/infographics/docs/qr_codes?authuser=0&amp;choe=UTF-8</a:t>
+            </a:r>
+            <a:endParaRPr kumimoji="1" lang="en-US" altLang="ja-JP" dirty="0"/>
+          </a:p>
+          <a:p>
+            <a:pPr lvl="2"/>
+            <a:endParaRPr kumimoji="1" lang="en-US" altLang="ja-JP" dirty="0"/>
+          </a:p>
+          <a:p>
+            <a:pPr lvl="1"/>
+            <a:r>
+              <a:rPr lang="ja-JP" altLang="en-US" dirty="0"/>
+              <a:t>任意の文字列や</a:t>
+            </a:r>
+            <a:r>
               <a:rPr lang="en-US" altLang="ja-JP" dirty="0"/>
-              <a:t>L.85 </a:t>
-            </a:r>
-            <a:endParaRPr lang="ja-JP" altLang="en-US" dirty="0"/>
+              <a:t>URL</a:t>
+            </a:r>
+            <a:r>
+              <a:rPr lang="ja-JP" altLang="en-US" dirty="0"/>
+              <a:t>などを</a:t>
+            </a:r>
+            <a:r>
+              <a:rPr lang="en-US" altLang="ja-JP" dirty="0"/>
+              <a:t>QR</a:t>
+            </a:r>
+            <a:r>
+              <a:rPr lang="ja-JP" altLang="en-US" dirty="0"/>
+              <a:t>コードにエンコードして用意します</a:t>
+            </a:r>
+            <a:endParaRPr lang="en-US" altLang="ja-JP" dirty="0"/>
+          </a:p>
+          <a:p>
+            <a:pPr lvl="2"/>
+            <a:r>
+              <a:rPr kumimoji="1" lang="ja-JP" altLang="en-US" dirty="0"/>
+              <a:t>作成したアプリケーションを起動して実際に読み込みを行い，検証を行います</a:t>
+            </a:r>
+            <a:endParaRPr kumimoji="1" lang="en-US" altLang="ja-JP" dirty="0"/>
+          </a:p>
+          <a:p>
+            <a:pPr lvl="2"/>
+            <a:r>
+              <a:rPr lang="en-US" altLang="ja-JP" dirty="0"/>
+              <a:t>`python3 main.py` </a:t>
+            </a:r>
+            <a:r>
+              <a:rPr lang="ja-JP" altLang="en-US" dirty="0"/>
+              <a:t>でカメラキャプチャウィンドウが立ち上がります</a:t>
+            </a:r>
+            <a:endParaRPr lang="en-US" altLang="ja-JP" dirty="0"/>
+          </a:p>
+          <a:p>
+            <a:pPr lvl="2"/>
+            <a:endParaRPr kumimoji="1" lang="en-US" altLang="ja-JP" dirty="0"/>
+          </a:p>
+          <a:p>
+            <a:pPr lvl="1"/>
+            <a:r>
+              <a:rPr kumimoji="1" lang="ja-JP" altLang="en-US" dirty="0"/>
+              <a:t>読み出しを行った</a:t>
+            </a:r>
+            <a:r>
+              <a:rPr kumimoji="1" lang="en-US" altLang="ja-JP" dirty="0"/>
+              <a:t>QR</a:t>
+            </a:r>
+            <a:r>
+              <a:rPr kumimoji="1" lang="ja-JP" altLang="en-US" dirty="0"/>
+              <a:t>コードを処理する方法を考えてみる</a:t>
+            </a:r>
+            <a:endParaRPr kumimoji="1" lang="en-US" altLang="ja-JP" dirty="0"/>
+          </a:p>
+          <a:p>
+            <a:pPr lvl="2"/>
+            <a:r>
+              <a:rPr kumimoji="1" lang="en-US" altLang="ja-JP" dirty="0"/>
+              <a:t>URL</a:t>
+            </a:r>
+            <a:r>
+              <a:rPr kumimoji="1" lang="ja-JP" altLang="en-US" dirty="0"/>
+              <a:t>にアクセスする</a:t>
+            </a:r>
+            <a:endParaRPr kumimoji="1" lang="en-US" altLang="ja-JP" dirty="0"/>
+          </a:p>
+          <a:p>
+            <a:pPr lvl="2"/>
+            <a:r>
+              <a:rPr kumimoji="1" lang="ja-JP" altLang="en-US" dirty="0"/>
+              <a:t>別の機器やデバイス，サーバなどに送る</a:t>
+            </a:r>
+            <a:endParaRPr kumimoji="1" lang="en-US" altLang="ja-JP" dirty="0"/>
+          </a:p>
+          <a:p>
+            <a:pPr lvl="2"/>
+            <a:endParaRPr lang="en-US" altLang="ja-JP" dirty="0"/>
+          </a:p>
+          <a:p>
+            <a:pPr lvl="1"/>
+            <a:r>
+              <a:rPr kumimoji="1" lang="ja-JP" altLang="en-US" sz="2400" dirty="0"/>
+              <a:t>このあとの実習で活用するために改修する</a:t>
+            </a:r>
+            <a:endParaRPr kumimoji="1" lang="en-US" altLang="ja-JP" sz="2400" dirty="0"/>
+          </a:p>
+          <a:p>
+            <a:pPr lvl="2"/>
+            <a:r>
+              <a:rPr lang="en-US" altLang="ja-JP" dirty="0"/>
+              <a:t>QR</a:t>
+            </a:r>
+            <a:r>
+              <a:rPr lang="ja-JP" altLang="en-US" dirty="0"/>
+              <a:t>コードを用いた製品の受け入れ・実績入力</a:t>
+            </a:r>
+            <a:endParaRPr lang="en-US" altLang="ja-JP" dirty="0"/>
+          </a:p>
+          <a:p>
+            <a:pPr lvl="2"/>
+            <a:r>
+              <a:rPr lang="en-US" altLang="ja-JP" dirty="0"/>
+              <a:t>QR</a:t>
+            </a:r>
+            <a:r>
+              <a:rPr lang="ja-JP" altLang="en-US" dirty="0"/>
+              <a:t>コードを読めたら一度だけ</a:t>
+            </a:r>
+            <a:r>
+              <a:rPr lang="en-US" altLang="ja-JP" dirty="0"/>
+              <a:t>QR</a:t>
+            </a:r>
+            <a:r>
+              <a:rPr lang="ja-JP" altLang="en-US" dirty="0"/>
+              <a:t>コード内の</a:t>
+            </a:r>
+            <a:r>
+              <a:rPr lang="en-US" altLang="ja-JP" dirty="0"/>
+              <a:t>URL</a:t>
+            </a:r>
+            <a:r>
+              <a:rPr lang="ja-JP" altLang="en-US" dirty="0"/>
+              <a:t>にアクセスするように改修する</a:t>
+            </a:r>
+            <a:endParaRPr lang="en-US" altLang="ja-JP" dirty="0"/>
+          </a:p>
+          <a:p>
+            <a:pPr lvl="2"/>
+            <a:endParaRPr kumimoji="1" lang="en-US" altLang="ja-JP" dirty="0"/>
+          </a:p>
+          <a:p>
+            <a:pPr lvl="2"/>
+            <a:endParaRPr kumimoji="1" lang="ja-JP" altLang="en-US" dirty="0"/>
           </a:p>
         </p:txBody>
       </p:sp>
-      <p:sp>
-        <p:nvSpPr>
-          <p:cNvPr id="9" name="テキスト ボックス 8">
-            <a:extLst>
-              <a:ext uri="{FF2B5EF4-FFF2-40B4-BE49-F238E27FC236}">
-                <a16:creationId xmlns:a16="http://schemas.microsoft.com/office/drawing/2014/main" id="{BBBC646A-2E64-4F0E-A2E3-325D93B4659B}"/>
-              </a:ext>
-            </a:extLst>
-          </p:cNvPr>
-          <p:cNvSpPr txBox="1"/>
-          <p:nvPr/>
-        </p:nvSpPr>
-        <p:spPr>
-          <a:xfrm>
-            <a:off x="2263140" y="2274838"/>
-            <a:ext cx="5250180" cy="923330"/>
-          </a:xfrm>
-          <a:prstGeom prst="rect">
-            <a:avLst/>
-          </a:prstGeom>
-          <a:solidFill>
-            <a:schemeClr val="tx1">
-              <a:lumMod val="85000"/>
-              <a:lumOff val="15000"/>
-            </a:schemeClr>
-          </a:solidFill>
-        </p:spPr>
-        <p:txBody>
-          <a:bodyPr wrap="square">
-            <a:spAutoFit/>
-          </a:bodyPr>
-          <a:lstStyle/>
-          <a:p>
-            <a:r>
-              <a:rPr lang="en-US" altLang="ja-JP" b="0" dirty="0">
-                <a:solidFill>
-                  <a:srgbClr val="C586C0"/>
-                </a:solidFill>
-                <a:effectLst/>
-                <a:latin typeface="Consolas" panose="020B0609020204030204" pitchFamily="49" charset="0"/>
-              </a:rPr>
-              <a:t>if</a:t>
-            </a:r>
-            <a:r>
-              <a:rPr lang="en-US" altLang="ja-JP" b="0" dirty="0">
-                <a:solidFill>
-                  <a:srgbClr val="D4D4D4"/>
-                </a:solidFill>
-                <a:effectLst/>
-                <a:latin typeface="Consolas" panose="020B0609020204030204" pitchFamily="49" charset="0"/>
-              </a:rPr>
-              <a:t>(</a:t>
-            </a:r>
-            <a:r>
-              <a:rPr lang="en-US" altLang="ja-JP" b="0" dirty="0" err="1">
-                <a:solidFill>
-                  <a:srgbClr val="DCDCAA"/>
-                </a:solidFill>
-                <a:effectLst/>
-                <a:latin typeface="Consolas" panose="020B0609020204030204" pitchFamily="49" charset="0"/>
-              </a:rPr>
-              <a:t>len</a:t>
-            </a:r>
-            <a:r>
-              <a:rPr lang="en-US" altLang="ja-JP" b="0" dirty="0">
-                <a:solidFill>
-                  <a:srgbClr val="D4D4D4"/>
-                </a:solidFill>
-                <a:effectLst/>
-                <a:latin typeface="Consolas" panose="020B0609020204030204" pitchFamily="49" charset="0"/>
-              </a:rPr>
-              <a:t>(ret) &gt; </a:t>
-            </a:r>
-            <a:r>
-              <a:rPr lang="en-US" altLang="ja-JP" b="0" dirty="0">
-                <a:solidFill>
-                  <a:srgbClr val="B5CEA8"/>
-                </a:solidFill>
-                <a:effectLst/>
-                <a:latin typeface="Consolas" panose="020B0609020204030204" pitchFamily="49" charset="0"/>
-              </a:rPr>
-              <a:t>0</a:t>
-            </a:r>
-            <a:r>
-              <a:rPr lang="en-US" altLang="ja-JP" b="0" dirty="0">
-                <a:solidFill>
-                  <a:srgbClr val="D4D4D4"/>
-                </a:solidFill>
-                <a:effectLst/>
-                <a:latin typeface="Consolas" panose="020B0609020204030204" pitchFamily="49" charset="0"/>
-              </a:rPr>
-              <a:t>):</a:t>
-            </a:r>
-          </a:p>
-          <a:p>
-            <a:r>
-              <a:rPr lang="en-US" altLang="ja-JP" b="0" dirty="0">
-                <a:solidFill>
-                  <a:srgbClr val="C586C0"/>
-                </a:solidFill>
-                <a:effectLst/>
-                <a:latin typeface="Consolas" panose="020B0609020204030204" pitchFamily="49" charset="0"/>
-              </a:rPr>
-              <a:t>    with</a:t>
-            </a:r>
-            <a:r>
-              <a:rPr lang="en-US" altLang="ja-JP" b="0" dirty="0">
-                <a:solidFill>
-                  <a:srgbClr val="D4D4D4"/>
-                </a:solidFill>
-                <a:effectLst/>
-                <a:latin typeface="Consolas" panose="020B0609020204030204" pitchFamily="49" charset="0"/>
-              </a:rPr>
-              <a:t> </a:t>
-            </a:r>
-            <a:r>
-              <a:rPr lang="en-US" altLang="ja-JP" b="0" dirty="0">
-                <a:solidFill>
-                  <a:srgbClr val="DCDCAA"/>
-                </a:solidFill>
-                <a:effectLst/>
-                <a:latin typeface="Consolas" panose="020B0609020204030204" pitchFamily="49" charset="0"/>
-              </a:rPr>
-              <a:t>open</a:t>
-            </a:r>
-            <a:r>
-              <a:rPr lang="en-US" altLang="ja-JP" b="0" dirty="0">
-                <a:solidFill>
-                  <a:srgbClr val="D4D4D4"/>
-                </a:solidFill>
-                <a:effectLst/>
-                <a:latin typeface="Consolas" panose="020B0609020204030204" pitchFamily="49" charset="0"/>
-              </a:rPr>
-              <a:t>(</a:t>
-            </a:r>
-            <a:r>
-              <a:rPr lang="en-US" altLang="ja-JP" b="0" dirty="0">
-                <a:solidFill>
-                  <a:srgbClr val="CE9178"/>
-                </a:solidFill>
-                <a:effectLst/>
-                <a:latin typeface="Consolas" panose="020B0609020204030204" pitchFamily="49" charset="0"/>
-              </a:rPr>
-              <a:t>"qr.csv"</a:t>
-            </a:r>
-            <a:r>
-              <a:rPr lang="en-US" altLang="ja-JP" b="0" dirty="0">
-                <a:solidFill>
-                  <a:srgbClr val="D4D4D4"/>
-                </a:solidFill>
-                <a:effectLst/>
-                <a:latin typeface="Consolas" panose="020B0609020204030204" pitchFamily="49" charset="0"/>
-              </a:rPr>
-              <a:t>, </a:t>
-            </a:r>
-            <a:r>
-              <a:rPr lang="en-US" altLang="ja-JP" b="0" dirty="0">
-                <a:solidFill>
-                  <a:srgbClr val="CE9178"/>
-                </a:solidFill>
-                <a:effectLst/>
-                <a:latin typeface="Consolas" panose="020B0609020204030204" pitchFamily="49" charset="0"/>
-              </a:rPr>
-              <a:t>"a"</a:t>
-            </a:r>
-            <a:r>
-              <a:rPr lang="en-US" altLang="ja-JP" b="0" dirty="0">
-                <a:solidFill>
-                  <a:srgbClr val="D4D4D4"/>
-                </a:solidFill>
-                <a:effectLst/>
-                <a:latin typeface="Consolas" panose="020B0609020204030204" pitchFamily="49" charset="0"/>
-              </a:rPr>
-              <a:t>) </a:t>
-            </a:r>
-            <a:r>
-              <a:rPr lang="en-US" altLang="ja-JP" b="0" dirty="0">
-                <a:solidFill>
-                  <a:srgbClr val="C586C0"/>
-                </a:solidFill>
-                <a:effectLst/>
-                <a:latin typeface="Consolas" panose="020B0609020204030204" pitchFamily="49" charset="0"/>
-              </a:rPr>
-              <a:t>as</a:t>
-            </a:r>
-            <a:r>
-              <a:rPr lang="en-US" altLang="ja-JP" b="0" dirty="0">
-                <a:solidFill>
-                  <a:srgbClr val="D4D4D4"/>
-                </a:solidFill>
-                <a:effectLst/>
-                <a:latin typeface="Consolas" panose="020B0609020204030204" pitchFamily="49" charset="0"/>
-              </a:rPr>
-              <a:t> f:</a:t>
-            </a:r>
-          </a:p>
-          <a:p>
-            <a:r>
-              <a:rPr lang="en-US" altLang="ja-JP" b="0" dirty="0">
-                <a:solidFill>
-                  <a:srgbClr val="D4D4D4"/>
-                </a:solidFill>
-                <a:effectLst/>
-                <a:latin typeface="Consolas" panose="020B0609020204030204" pitchFamily="49" charset="0"/>
-              </a:rPr>
-              <a:t>        </a:t>
-            </a:r>
-            <a:r>
-              <a:rPr lang="en-US" altLang="ja-JP" b="0" dirty="0" err="1">
-                <a:solidFill>
-                  <a:srgbClr val="D4D4D4"/>
-                </a:solidFill>
-                <a:effectLst/>
-                <a:latin typeface="Consolas" panose="020B0609020204030204" pitchFamily="49" charset="0"/>
-              </a:rPr>
-              <a:t>f.write</a:t>
-            </a:r>
-            <a:r>
-              <a:rPr lang="en-US" altLang="ja-JP" b="0" dirty="0">
-                <a:solidFill>
-                  <a:srgbClr val="D4D4D4"/>
-                </a:solidFill>
-                <a:effectLst/>
-                <a:latin typeface="Consolas" panose="020B0609020204030204" pitchFamily="49" charset="0"/>
-              </a:rPr>
-              <a:t>(ret[</a:t>
-            </a:r>
-            <a:r>
-              <a:rPr lang="en-US" altLang="ja-JP" b="0" dirty="0">
-                <a:solidFill>
-                  <a:srgbClr val="B5CEA8"/>
-                </a:solidFill>
-                <a:effectLst/>
-                <a:latin typeface="Consolas" panose="020B0609020204030204" pitchFamily="49" charset="0"/>
-              </a:rPr>
-              <a:t>0</a:t>
-            </a:r>
-            <a:r>
-              <a:rPr lang="en-US" altLang="ja-JP" b="0" dirty="0">
-                <a:solidFill>
-                  <a:srgbClr val="D4D4D4"/>
-                </a:solidFill>
-                <a:effectLst/>
-                <a:latin typeface="Consolas" panose="020B0609020204030204" pitchFamily="49" charset="0"/>
-              </a:rPr>
-              <a:t>] + </a:t>
-            </a:r>
-            <a:r>
-              <a:rPr lang="en-US" altLang="ja-JP" b="0" dirty="0">
-                <a:solidFill>
-                  <a:srgbClr val="CE9178"/>
-                </a:solidFill>
-                <a:effectLst/>
-                <a:latin typeface="Consolas" panose="020B0609020204030204" pitchFamily="49" charset="0"/>
-              </a:rPr>
-              <a:t>"</a:t>
-            </a:r>
-            <a:r>
-              <a:rPr lang="en-US" altLang="ja-JP" b="0" dirty="0">
-                <a:solidFill>
-                  <a:srgbClr val="D7BA7D"/>
-                </a:solidFill>
-                <a:effectLst/>
-                <a:latin typeface="Consolas" panose="020B0609020204030204" pitchFamily="49" charset="0"/>
-              </a:rPr>
-              <a:t>\n</a:t>
-            </a:r>
-            <a:r>
-              <a:rPr lang="en-US" altLang="ja-JP" b="0" dirty="0">
-                <a:solidFill>
-                  <a:srgbClr val="CE9178"/>
-                </a:solidFill>
-                <a:effectLst/>
-                <a:latin typeface="Consolas" panose="020B0609020204030204" pitchFamily="49" charset="0"/>
-              </a:rPr>
-              <a:t>"</a:t>
-            </a:r>
-            <a:r>
-              <a:rPr lang="en-US" altLang="ja-JP" b="0" dirty="0">
-                <a:solidFill>
-                  <a:srgbClr val="D4D4D4"/>
-                </a:solidFill>
-                <a:effectLst/>
-                <a:latin typeface="Consolas" panose="020B0609020204030204" pitchFamily="49" charset="0"/>
-              </a:rPr>
-              <a:t>)</a:t>
-            </a:r>
-          </a:p>
-        </p:txBody>
-      </p:sp>
-      <p:sp>
-        <p:nvSpPr>
-          <p:cNvPr id="12" name="コンテンツ プレースホルダー 5">
-            <a:extLst>
-              <a:ext uri="{FF2B5EF4-FFF2-40B4-BE49-F238E27FC236}">
-                <a16:creationId xmlns:a16="http://schemas.microsoft.com/office/drawing/2014/main" id="{46C52B9F-2505-4F09-8BF3-75A4D459E2DF}"/>
-              </a:ext>
-            </a:extLst>
-          </p:cNvPr>
-          <p:cNvSpPr txBox="1">
-            <a:spLocks/>
-          </p:cNvSpPr>
-          <p:nvPr/>
-        </p:nvSpPr>
-        <p:spPr>
-          <a:xfrm>
-            <a:off x="1120140" y="3413912"/>
-            <a:ext cx="10058400" cy="923330"/>
-          </a:xfrm>
-          <a:prstGeom prst="rect">
-            <a:avLst/>
-          </a:prstGeom>
-        </p:spPr>
-        <p:txBody>
-          <a:bodyPr vert="horz" lIns="0" tIns="45720" rIns="0" bIns="45720" rtlCol="0">
-            <a:normAutofit/>
-          </a:bodyPr>
-          <a:lstStyle>
-            <a:lvl1pPr marL="91440" indent="-91440" algn="l" defTabSz="914400" rtl="0" eaLnBrk="1" latinLnBrk="0" hangingPunct="1">
-              <a:lnSpc>
-                <a:spcPct val="90000"/>
-              </a:lnSpc>
-              <a:spcBef>
-                <a:spcPts val="1200"/>
-              </a:spcBef>
-              <a:spcAft>
-                <a:spcPts val="200"/>
-              </a:spcAft>
-              <a:buClr>
-                <a:schemeClr val="accent1"/>
-              </a:buClr>
-              <a:buSzPct val="100000"/>
-              <a:buFont typeface="Calibri" panose="020F0502020204030204" pitchFamily="34" charset="0"/>
-              <a:buChar char=" "/>
-              <a:defRPr kumimoji="1" sz="2000" kern="1200">
-                <a:solidFill>
-                  <a:schemeClr val="tx1">
-                    <a:lumMod val="75000"/>
-                    <a:lumOff val="25000"/>
-                  </a:schemeClr>
-                </a:solidFill>
-                <a:latin typeface="+mn-lt"/>
-                <a:ea typeface="+mn-ea"/>
-                <a:cs typeface="+mn-cs"/>
-              </a:defRPr>
-            </a:lvl1pPr>
-            <a:lvl2pPr marL="384048" indent="-182880" algn="l" defTabSz="914400" rtl="0" eaLnBrk="1" latinLnBrk="0" hangingPunct="1">
-              <a:lnSpc>
-                <a:spcPct val="90000"/>
-              </a:lnSpc>
-              <a:spcBef>
-                <a:spcPts val="200"/>
-              </a:spcBef>
-              <a:spcAft>
-                <a:spcPts val="400"/>
-              </a:spcAft>
-              <a:buClr>
-                <a:schemeClr val="accent1"/>
-              </a:buClr>
-              <a:buFont typeface="Calibri" pitchFamily="34" charset="0"/>
-              <a:buChar char="◦"/>
-              <a:defRPr kumimoji="1" sz="1800" kern="1200">
-                <a:solidFill>
-                  <a:schemeClr val="tx1">
-                    <a:lumMod val="75000"/>
-                    <a:lumOff val="25000"/>
-                  </a:schemeClr>
-                </a:solidFill>
-                <a:latin typeface="+mn-lt"/>
-                <a:ea typeface="+mn-ea"/>
-                <a:cs typeface="+mn-cs"/>
-              </a:defRPr>
-            </a:lvl2pPr>
-            <a:lvl3pPr marL="566928" indent="-182880" algn="l" defTabSz="914400" rtl="0" eaLnBrk="1" latinLnBrk="0" hangingPunct="1">
-              <a:lnSpc>
-                <a:spcPct val="90000"/>
-              </a:lnSpc>
-              <a:spcBef>
-                <a:spcPts val="200"/>
-              </a:spcBef>
-              <a:spcAft>
-                <a:spcPts val="400"/>
-              </a:spcAft>
-              <a:buClr>
-                <a:schemeClr val="accent1"/>
-              </a:buClr>
-              <a:buFont typeface="Calibri" pitchFamily="34" charset="0"/>
-              <a:buChar char="◦"/>
-              <a:defRPr kumimoji="1" sz="1400" kern="1200">
-                <a:solidFill>
-                  <a:schemeClr val="tx1">
-                    <a:lumMod val="75000"/>
-                    <a:lumOff val="25000"/>
-                  </a:schemeClr>
-                </a:solidFill>
-                <a:latin typeface="+mn-lt"/>
-                <a:ea typeface="+mn-ea"/>
-                <a:cs typeface="+mn-cs"/>
-              </a:defRPr>
-            </a:lvl3pPr>
-            <a:lvl4pPr marL="749808" indent="-182880" algn="l" defTabSz="914400" rtl="0" eaLnBrk="1" latinLnBrk="0" hangingPunct="1">
-              <a:lnSpc>
-                <a:spcPct val="90000"/>
-              </a:lnSpc>
-              <a:spcBef>
-                <a:spcPts val="200"/>
-              </a:spcBef>
-              <a:spcAft>
-                <a:spcPts val="400"/>
-              </a:spcAft>
-              <a:buClr>
-                <a:schemeClr val="accent1"/>
-              </a:buClr>
-              <a:buFont typeface="Calibri" pitchFamily="34" charset="0"/>
-              <a:buChar char="◦"/>
-              <a:defRPr kumimoji="1" sz="1400" kern="1200">
-                <a:solidFill>
-                  <a:schemeClr val="tx1">
-                    <a:lumMod val="75000"/>
-                    <a:lumOff val="25000"/>
-                  </a:schemeClr>
-                </a:solidFill>
-                <a:latin typeface="+mn-lt"/>
-                <a:ea typeface="+mn-ea"/>
-                <a:cs typeface="+mn-cs"/>
-              </a:defRPr>
-            </a:lvl4pPr>
-            <a:lvl5pPr marL="932688" indent="-182880" algn="l" defTabSz="914400" rtl="0" eaLnBrk="1" latinLnBrk="0" hangingPunct="1">
-              <a:lnSpc>
-                <a:spcPct val="90000"/>
-              </a:lnSpc>
-              <a:spcBef>
-                <a:spcPts val="200"/>
-              </a:spcBef>
-              <a:spcAft>
-                <a:spcPts val="400"/>
-              </a:spcAft>
-              <a:buClr>
-                <a:schemeClr val="accent1"/>
-              </a:buClr>
-              <a:buFont typeface="Calibri" pitchFamily="34" charset="0"/>
-              <a:buChar char="◦"/>
-              <a:defRPr kumimoji="1" sz="1400" kern="1200">
-                <a:solidFill>
-                  <a:schemeClr val="tx1">
-                    <a:lumMod val="75000"/>
-                    <a:lumOff val="25000"/>
-                  </a:schemeClr>
-                </a:solidFill>
-                <a:latin typeface="+mn-lt"/>
-                <a:ea typeface="+mn-ea"/>
-                <a:cs typeface="+mn-cs"/>
-              </a:defRPr>
-            </a:lvl5pPr>
-            <a:lvl6pPr marL="1100000" indent="-228600" algn="l" defTabSz="914400" rtl="0" eaLnBrk="1" latinLnBrk="0" hangingPunct="1">
-              <a:lnSpc>
-                <a:spcPct val="90000"/>
-              </a:lnSpc>
-              <a:spcBef>
-                <a:spcPts val="200"/>
-              </a:spcBef>
-              <a:spcAft>
-                <a:spcPts val="400"/>
-              </a:spcAft>
-              <a:buClr>
-                <a:schemeClr val="accent1"/>
-              </a:buClr>
-              <a:buFont typeface="Calibri" pitchFamily="34" charset="0"/>
-              <a:buChar char="◦"/>
-              <a:defRPr kumimoji="1" sz="1400" kern="1200">
-                <a:solidFill>
-                  <a:schemeClr val="tx1">
-                    <a:lumMod val="75000"/>
-                    <a:lumOff val="25000"/>
-                  </a:schemeClr>
-                </a:solidFill>
-                <a:latin typeface="+mn-lt"/>
-                <a:ea typeface="+mn-ea"/>
-                <a:cs typeface="+mn-cs"/>
-              </a:defRPr>
-            </a:lvl6pPr>
-            <a:lvl7pPr marL="1300000" indent="-228600" algn="l" defTabSz="914400" rtl="0" eaLnBrk="1" latinLnBrk="0" hangingPunct="1">
-              <a:lnSpc>
-                <a:spcPct val="90000"/>
-              </a:lnSpc>
-              <a:spcBef>
-                <a:spcPts val="200"/>
-              </a:spcBef>
-              <a:spcAft>
-                <a:spcPts val="400"/>
-              </a:spcAft>
-              <a:buClr>
-                <a:schemeClr val="accent1"/>
-              </a:buClr>
-              <a:buFont typeface="Calibri" pitchFamily="34" charset="0"/>
-              <a:buChar char="◦"/>
-              <a:defRPr kumimoji="1" sz="1400" kern="1200">
-                <a:solidFill>
-                  <a:schemeClr val="tx1">
-                    <a:lumMod val="75000"/>
-                    <a:lumOff val="25000"/>
-                  </a:schemeClr>
-                </a:solidFill>
-                <a:latin typeface="+mn-lt"/>
-                <a:ea typeface="+mn-ea"/>
-                <a:cs typeface="+mn-cs"/>
-              </a:defRPr>
-            </a:lvl7pPr>
-            <a:lvl8pPr marL="1500000" indent="-228600" algn="l" defTabSz="914400" rtl="0" eaLnBrk="1" latinLnBrk="0" hangingPunct="1">
-              <a:lnSpc>
-                <a:spcPct val="90000"/>
-              </a:lnSpc>
-              <a:spcBef>
-                <a:spcPts val="200"/>
-              </a:spcBef>
-              <a:spcAft>
-                <a:spcPts val="400"/>
-              </a:spcAft>
-              <a:buClr>
-                <a:schemeClr val="accent1"/>
-              </a:buClr>
-              <a:buFont typeface="Calibri" pitchFamily="34" charset="0"/>
-              <a:buChar char="◦"/>
-              <a:defRPr kumimoji="1" sz="1400" kern="1200">
-                <a:solidFill>
-                  <a:schemeClr val="tx1">
-                    <a:lumMod val="75000"/>
-                    <a:lumOff val="25000"/>
-                  </a:schemeClr>
-                </a:solidFill>
-                <a:latin typeface="+mn-lt"/>
-                <a:ea typeface="+mn-ea"/>
-                <a:cs typeface="+mn-cs"/>
-              </a:defRPr>
-            </a:lvl8pPr>
-            <a:lvl9pPr marL="1700000" indent="-228600" algn="l" defTabSz="914400" rtl="0" eaLnBrk="1" latinLnBrk="0" hangingPunct="1">
-              <a:lnSpc>
-                <a:spcPct val="90000"/>
-              </a:lnSpc>
-              <a:spcBef>
-                <a:spcPts val="200"/>
-              </a:spcBef>
-              <a:spcAft>
-                <a:spcPts val="400"/>
-              </a:spcAft>
-              <a:buClr>
-                <a:schemeClr val="accent1"/>
-              </a:buClr>
-              <a:buFont typeface="Calibri" pitchFamily="34" charset="0"/>
-              <a:buChar char="◦"/>
-              <a:defRPr kumimoji="1" sz="1400" kern="1200">
-                <a:solidFill>
-                  <a:schemeClr val="tx1">
-                    <a:lumMod val="75000"/>
-                    <a:lumOff val="25000"/>
-                  </a:schemeClr>
-                </a:solidFill>
-                <a:latin typeface="+mn-lt"/>
-                <a:ea typeface="+mn-ea"/>
-                <a:cs typeface="+mn-cs"/>
-              </a:defRPr>
-            </a:lvl9pPr>
-          </a:lstStyle>
-          <a:p>
-            <a:pPr lvl="1"/>
-            <a:r>
-              <a:rPr lang="ja-JP" altLang="en-US" dirty="0"/>
-              <a:t>読み取り時に</a:t>
-            </a:r>
-            <a:r>
-              <a:rPr lang="en-US" altLang="ja-JP" dirty="0"/>
-              <a:t>CSV</a:t>
-            </a:r>
-            <a:r>
-              <a:rPr lang="ja-JP" altLang="en-US" dirty="0"/>
-              <a:t>ファイルが出力されるので</a:t>
-            </a:r>
-            <a:r>
-              <a:rPr lang="en-US" altLang="ja-JP" dirty="0"/>
-              <a:t>Excel</a:t>
-            </a:r>
-            <a:r>
-              <a:rPr lang="ja-JP" altLang="en-US" dirty="0"/>
-              <a:t>で開くと</a:t>
-            </a:r>
-            <a:r>
-              <a:rPr lang="en-US" altLang="ja-JP" dirty="0"/>
-              <a:t>QR</a:t>
-            </a:r>
-            <a:r>
-              <a:rPr lang="ja-JP" altLang="en-US" dirty="0"/>
-              <a:t>の読み取り結果を取得できる</a:t>
-            </a:r>
-          </a:p>
-        </p:txBody>
-      </p:sp>
-      <p:pic>
-        <p:nvPicPr>
-          <p:cNvPr id="11" name="図 10">
-            <a:extLst>
-              <a:ext uri="{FF2B5EF4-FFF2-40B4-BE49-F238E27FC236}">
-                <a16:creationId xmlns:a16="http://schemas.microsoft.com/office/drawing/2014/main" id="{06BEFE22-3787-46B7-9442-BFB96EE890E0}"/>
-              </a:ext>
-            </a:extLst>
-          </p:cNvPr>
-          <p:cNvPicPr>
-            <a:picLocks noChangeAspect="1"/>
-          </p:cNvPicPr>
-          <p:nvPr/>
-        </p:nvPicPr>
-        <p:blipFill>
-          <a:blip r:embed="rId2"/>
-          <a:stretch>
-            <a:fillRect/>
-          </a:stretch>
-        </p:blipFill>
-        <p:spPr>
-          <a:xfrm>
-            <a:off x="2474020" y="3817320"/>
-            <a:ext cx="3782000" cy="2397156"/>
-          </a:xfrm>
-          <a:prstGeom prst="rect">
-            <a:avLst/>
-          </a:prstGeom>
-        </p:spPr>
-      </p:pic>
     </p:spTree>
     <p:extLst>
       <p:ext uri="{BB962C8B-B14F-4D97-AF65-F5344CB8AC3E}">
-        <p14:creationId xmlns:p14="http://schemas.microsoft.com/office/powerpoint/2010/main" val="1973481113"/>
+        <p14:creationId xmlns:p14="http://schemas.microsoft.com/office/powerpoint/2010/main" val="3005541142"/>
       </p:ext>
     </p:extLst>
   </p:cSld>
@@ -8939,13 +8484,14 @@
           <a:lstStyle/>
           <a:p>
             <a:r>
-              <a:rPr kumimoji="1" lang="en-US" altLang="ja-JP" sz="3600" dirty="0"/>
+              <a:rPr lang="en-US" altLang="ja-JP" sz="3600" dirty="0"/>
               <a:t>QR</a:t>
             </a:r>
             <a:r>
-              <a:rPr kumimoji="1" lang="ja-JP" altLang="en-US" sz="3600" dirty="0"/>
-              <a:t>コードを用意します</a:t>
-            </a:r>
+              <a:rPr lang="ja-JP" altLang="en-US" sz="3600" dirty="0"/>
+              <a:t>コードの生成も試す</a:t>
+            </a:r>
+            <a:endParaRPr kumimoji="1" lang="ja-JP" altLang="en-US" sz="3600" dirty="0"/>
           </a:p>
         </p:txBody>
       </p:sp>
@@ -8967,159 +8513,373 @@
         </p:nvSpPr>
         <p:spPr>
           <a:xfrm>
-            <a:off x="1097279" y="1845733"/>
-            <a:ext cx="9859889" cy="3953934"/>
+            <a:off x="1097280" y="1845734"/>
+            <a:ext cx="8554720" cy="738664"/>
           </a:xfrm>
         </p:spPr>
         <p:txBody>
           <a:bodyPr>
-            <a:normAutofit fontScale="92500" lnSpcReduction="20000"/>
+            <a:normAutofit/>
           </a:bodyPr>
           <a:lstStyle/>
           <a:p>
             <a:pPr lvl="1"/>
             <a:r>
+              <a:rPr kumimoji="1" lang="ja-JP" altLang="en-US" dirty="0"/>
+              <a:t>実習を行うディレクトリにファイルを作成します</a:t>
+            </a:r>
+            <a:endParaRPr kumimoji="1" lang="en-US" altLang="ja-JP" dirty="0"/>
+          </a:p>
+          <a:p>
+            <a:pPr lvl="1"/>
+            <a:r>
               <a:rPr lang="ja-JP" altLang="en-US" dirty="0"/>
-              <a:t>手元に実際に読み取るための</a:t>
+              <a:t>（実習ファイル群にサンプルコードが添付されているので設置します）</a:t>
+            </a:r>
+            <a:endParaRPr lang="en-US" altLang="ja-JP" dirty="0"/>
+          </a:p>
+        </p:txBody>
+      </p:sp>
+      <p:sp>
+        <p:nvSpPr>
+          <p:cNvPr id="4" name="テキスト ボックス 3">
+            <a:extLst>
+              <a:ext uri="{FF2B5EF4-FFF2-40B4-BE49-F238E27FC236}">
+                <a16:creationId xmlns:a16="http://schemas.microsoft.com/office/drawing/2014/main" id="{22757ADC-A29E-470F-A953-A0EF5A87EB33}"/>
+              </a:ext>
+            </a:extLst>
+          </p:cNvPr>
+          <p:cNvSpPr txBox="1"/>
+          <p:nvPr/>
+        </p:nvSpPr>
+        <p:spPr>
+          <a:xfrm>
+            <a:off x="2095708" y="3423555"/>
+            <a:ext cx="4063869" cy="738664"/>
+          </a:xfrm>
+          <a:prstGeom prst="rect">
+            <a:avLst/>
+          </a:prstGeom>
+          <a:noFill/>
+        </p:spPr>
+        <p:txBody>
+          <a:bodyPr wrap="none" rtlCol="0">
+            <a:spAutoFit/>
+          </a:bodyPr>
+          <a:lstStyle/>
+          <a:p>
+            <a:r>
+              <a:rPr kumimoji="1" lang="en-US" altLang="ja-JP" sz="4200" dirty="0"/>
+              <a:t>python3 qrgen.py</a:t>
+            </a:r>
+            <a:endParaRPr kumimoji="1" lang="ja-JP" altLang="en-US" sz="4200" dirty="0"/>
+          </a:p>
+        </p:txBody>
+      </p:sp>
+      <p:sp>
+        <p:nvSpPr>
+          <p:cNvPr id="7" name="コンテンツ プレースホルダー 2">
+            <a:extLst>
+              <a:ext uri="{FF2B5EF4-FFF2-40B4-BE49-F238E27FC236}">
+                <a16:creationId xmlns:a16="http://schemas.microsoft.com/office/drawing/2014/main" id="{1582982C-1795-4BF2-A408-189B7E599881}"/>
+              </a:ext>
+            </a:extLst>
+          </p:cNvPr>
+          <p:cNvSpPr txBox="1">
+            <a:spLocks/>
+          </p:cNvSpPr>
+          <p:nvPr/>
+        </p:nvSpPr>
+        <p:spPr>
+          <a:xfrm>
+            <a:off x="628946" y="4681415"/>
+            <a:ext cx="10722708" cy="1625601"/>
+          </a:xfrm>
+          <a:prstGeom prst="rect">
+            <a:avLst/>
+          </a:prstGeom>
+        </p:spPr>
+        <p:txBody>
+          <a:bodyPr vert="horz" lIns="0" tIns="45720" rIns="0" bIns="45720" rtlCol="0">
+            <a:normAutofit/>
+          </a:bodyPr>
+          <a:lstStyle>
+            <a:lvl1pPr marL="91440" indent="-91440" algn="l" defTabSz="914400" rtl="0" eaLnBrk="1" latinLnBrk="0" hangingPunct="1">
+              <a:lnSpc>
+                <a:spcPct val="90000"/>
+              </a:lnSpc>
+              <a:spcBef>
+                <a:spcPts val="1200"/>
+              </a:spcBef>
+              <a:spcAft>
+                <a:spcPts val="200"/>
+              </a:spcAft>
+              <a:buClr>
+                <a:schemeClr val="accent1"/>
+              </a:buClr>
+              <a:buSzPct val="100000"/>
+              <a:buFont typeface="Calibri" panose="020F0502020204030204" pitchFamily="34" charset="0"/>
+              <a:buChar char=" "/>
+              <a:defRPr kumimoji="1" sz="2000" kern="1200">
+                <a:solidFill>
+                  <a:schemeClr val="tx1">
+                    <a:lumMod val="75000"/>
+                    <a:lumOff val="25000"/>
+                  </a:schemeClr>
+                </a:solidFill>
+                <a:latin typeface="+mn-lt"/>
+                <a:ea typeface="+mn-ea"/>
+                <a:cs typeface="+mn-cs"/>
+              </a:defRPr>
+            </a:lvl1pPr>
+            <a:lvl2pPr marL="384048" indent="-182880" algn="l" defTabSz="914400" rtl="0" eaLnBrk="1" latinLnBrk="0" hangingPunct="1">
+              <a:lnSpc>
+                <a:spcPct val="90000"/>
+              </a:lnSpc>
+              <a:spcBef>
+                <a:spcPts val="200"/>
+              </a:spcBef>
+              <a:spcAft>
+                <a:spcPts val="400"/>
+              </a:spcAft>
+              <a:buClr>
+                <a:schemeClr val="accent1"/>
+              </a:buClr>
+              <a:buFont typeface="Calibri" pitchFamily="34" charset="0"/>
+              <a:buChar char="◦"/>
+              <a:defRPr kumimoji="1" sz="1800" kern="1200">
+                <a:solidFill>
+                  <a:schemeClr val="tx1">
+                    <a:lumMod val="75000"/>
+                    <a:lumOff val="25000"/>
+                  </a:schemeClr>
+                </a:solidFill>
+                <a:latin typeface="+mn-lt"/>
+                <a:ea typeface="+mn-ea"/>
+                <a:cs typeface="+mn-cs"/>
+              </a:defRPr>
+            </a:lvl2pPr>
+            <a:lvl3pPr marL="566928" indent="-182880" algn="l" defTabSz="914400" rtl="0" eaLnBrk="1" latinLnBrk="0" hangingPunct="1">
+              <a:lnSpc>
+                <a:spcPct val="90000"/>
+              </a:lnSpc>
+              <a:spcBef>
+                <a:spcPts val="200"/>
+              </a:spcBef>
+              <a:spcAft>
+                <a:spcPts val="400"/>
+              </a:spcAft>
+              <a:buClr>
+                <a:schemeClr val="accent1"/>
+              </a:buClr>
+              <a:buFont typeface="Calibri" pitchFamily="34" charset="0"/>
+              <a:buChar char="◦"/>
+              <a:defRPr kumimoji="1" sz="1400" kern="1200">
+                <a:solidFill>
+                  <a:schemeClr val="tx1">
+                    <a:lumMod val="75000"/>
+                    <a:lumOff val="25000"/>
+                  </a:schemeClr>
+                </a:solidFill>
+                <a:latin typeface="+mn-lt"/>
+                <a:ea typeface="+mn-ea"/>
+                <a:cs typeface="+mn-cs"/>
+              </a:defRPr>
+            </a:lvl3pPr>
+            <a:lvl4pPr marL="749808" indent="-182880" algn="l" defTabSz="914400" rtl="0" eaLnBrk="1" latinLnBrk="0" hangingPunct="1">
+              <a:lnSpc>
+                <a:spcPct val="90000"/>
+              </a:lnSpc>
+              <a:spcBef>
+                <a:spcPts val="200"/>
+              </a:spcBef>
+              <a:spcAft>
+                <a:spcPts val="400"/>
+              </a:spcAft>
+              <a:buClr>
+                <a:schemeClr val="accent1"/>
+              </a:buClr>
+              <a:buFont typeface="Calibri" pitchFamily="34" charset="0"/>
+              <a:buChar char="◦"/>
+              <a:defRPr kumimoji="1" sz="1400" kern="1200">
+                <a:solidFill>
+                  <a:schemeClr val="tx1">
+                    <a:lumMod val="75000"/>
+                    <a:lumOff val="25000"/>
+                  </a:schemeClr>
+                </a:solidFill>
+                <a:latin typeface="+mn-lt"/>
+                <a:ea typeface="+mn-ea"/>
+                <a:cs typeface="+mn-cs"/>
+              </a:defRPr>
+            </a:lvl4pPr>
+            <a:lvl5pPr marL="932688" indent="-182880" algn="l" defTabSz="914400" rtl="0" eaLnBrk="1" latinLnBrk="0" hangingPunct="1">
+              <a:lnSpc>
+                <a:spcPct val="90000"/>
+              </a:lnSpc>
+              <a:spcBef>
+                <a:spcPts val="200"/>
+              </a:spcBef>
+              <a:spcAft>
+                <a:spcPts val="400"/>
+              </a:spcAft>
+              <a:buClr>
+                <a:schemeClr val="accent1"/>
+              </a:buClr>
+              <a:buFont typeface="Calibri" pitchFamily="34" charset="0"/>
+              <a:buChar char="◦"/>
+              <a:defRPr kumimoji="1" sz="1400" kern="1200">
+                <a:solidFill>
+                  <a:schemeClr val="tx1">
+                    <a:lumMod val="75000"/>
+                    <a:lumOff val="25000"/>
+                  </a:schemeClr>
+                </a:solidFill>
+                <a:latin typeface="+mn-lt"/>
+                <a:ea typeface="+mn-ea"/>
+                <a:cs typeface="+mn-cs"/>
+              </a:defRPr>
+            </a:lvl5pPr>
+            <a:lvl6pPr marL="1100000" indent="-228600" algn="l" defTabSz="914400" rtl="0" eaLnBrk="1" latinLnBrk="0" hangingPunct="1">
+              <a:lnSpc>
+                <a:spcPct val="90000"/>
+              </a:lnSpc>
+              <a:spcBef>
+                <a:spcPts val="200"/>
+              </a:spcBef>
+              <a:spcAft>
+                <a:spcPts val="400"/>
+              </a:spcAft>
+              <a:buClr>
+                <a:schemeClr val="accent1"/>
+              </a:buClr>
+              <a:buFont typeface="Calibri" pitchFamily="34" charset="0"/>
+              <a:buChar char="◦"/>
+              <a:defRPr kumimoji="1" sz="1400" kern="1200">
+                <a:solidFill>
+                  <a:schemeClr val="tx1">
+                    <a:lumMod val="75000"/>
+                    <a:lumOff val="25000"/>
+                  </a:schemeClr>
+                </a:solidFill>
+                <a:latin typeface="+mn-lt"/>
+                <a:ea typeface="+mn-ea"/>
+                <a:cs typeface="+mn-cs"/>
+              </a:defRPr>
+            </a:lvl6pPr>
+            <a:lvl7pPr marL="1300000" indent="-228600" algn="l" defTabSz="914400" rtl="0" eaLnBrk="1" latinLnBrk="0" hangingPunct="1">
+              <a:lnSpc>
+                <a:spcPct val="90000"/>
+              </a:lnSpc>
+              <a:spcBef>
+                <a:spcPts val="200"/>
+              </a:spcBef>
+              <a:spcAft>
+                <a:spcPts val="400"/>
+              </a:spcAft>
+              <a:buClr>
+                <a:schemeClr val="accent1"/>
+              </a:buClr>
+              <a:buFont typeface="Calibri" pitchFamily="34" charset="0"/>
+              <a:buChar char="◦"/>
+              <a:defRPr kumimoji="1" sz="1400" kern="1200">
+                <a:solidFill>
+                  <a:schemeClr val="tx1">
+                    <a:lumMod val="75000"/>
+                    <a:lumOff val="25000"/>
+                  </a:schemeClr>
+                </a:solidFill>
+                <a:latin typeface="+mn-lt"/>
+                <a:ea typeface="+mn-ea"/>
+                <a:cs typeface="+mn-cs"/>
+              </a:defRPr>
+            </a:lvl7pPr>
+            <a:lvl8pPr marL="1500000" indent="-228600" algn="l" defTabSz="914400" rtl="0" eaLnBrk="1" latinLnBrk="0" hangingPunct="1">
+              <a:lnSpc>
+                <a:spcPct val="90000"/>
+              </a:lnSpc>
+              <a:spcBef>
+                <a:spcPts val="200"/>
+              </a:spcBef>
+              <a:spcAft>
+                <a:spcPts val="400"/>
+              </a:spcAft>
+              <a:buClr>
+                <a:schemeClr val="accent1"/>
+              </a:buClr>
+              <a:buFont typeface="Calibri" pitchFamily="34" charset="0"/>
+              <a:buChar char="◦"/>
+              <a:defRPr kumimoji="1" sz="1400" kern="1200">
+                <a:solidFill>
+                  <a:schemeClr val="tx1">
+                    <a:lumMod val="75000"/>
+                    <a:lumOff val="25000"/>
+                  </a:schemeClr>
+                </a:solidFill>
+                <a:latin typeface="+mn-lt"/>
+                <a:ea typeface="+mn-ea"/>
+                <a:cs typeface="+mn-cs"/>
+              </a:defRPr>
+            </a:lvl8pPr>
+            <a:lvl9pPr marL="1700000" indent="-228600" algn="l" defTabSz="914400" rtl="0" eaLnBrk="1" latinLnBrk="0" hangingPunct="1">
+              <a:lnSpc>
+                <a:spcPct val="90000"/>
+              </a:lnSpc>
+              <a:spcBef>
+                <a:spcPts val="200"/>
+              </a:spcBef>
+              <a:spcAft>
+                <a:spcPts val="400"/>
+              </a:spcAft>
+              <a:buClr>
+                <a:schemeClr val="accent1"/>
+              </a:buClr>
+              <a:buFont typeface="Calibri" pitchFamily="34" charset="0"/>
+              <a:buChar char="◦"/>
+              <a:defRPr kumimoji="1" sz="1400" kern="1200">
+                <a:solidFill>
+                  <a:schemeClr val="tx1">
+                    <a:lumMod val="75000"/>
+                    <a:lumOff val="25000"/>
+                  </a:schemeClr>
+                </a:solidFill>
+                <a:latin typeface="+mn-lt"/>
+                <a:ea typeface="+mn-ea"/>
+                <a:cs typeface="+mn-cs"/>
+              </a:defRPr>
+            </a:lvl9pPr>
+          </a:lstStyle>
+          <a:p>
+            <a:pPr lvl="1"/>
+            <a:r>
+              <a:rPr lang="ja-JP" altLang="en-US" dirty="0"/>
+              <a:t>終了する場合は</a:t>
+            </a:r>
+            <a:endParaRPr lang="en-US" altLang="ja-JP" dirty="0"/>
+          </a:p>
+          <a:p>
+            <a:pPr lvl="2"/>
+            <a:r>
+              <a:rPr lang="ja-JP" altLang="en-US" dirty="0"/>
+              <a:t>コマンドプロンプト（</a:t>
             </a:r>
             <a:r>
               <a:rPr lang="en-US" altLang="ja-JP" dirty="0"/>
-              <a:t>QR</a:t>
+              <a:t>PowerShell</a:t>
             </a:r>
             <a:r>
               <a:rPr lang="ja-JP" altLang="en-US" dirty="0"/>
-              <a:t>コードを用意します</a:t>
+              <a:t>）上で「</a:t>
+            </a:r>
+            <a:r>
+              <a:rPr lang="en-US" altLang="ja-JP" dirty="0" err="1"/>
+              <a:t>Ctrl+C</a:t>
+            </a:r>
+            <a:r>
+              <a:rPr lang="ja-JP" altLang="en-US" dirty="0"/>
+              <a:t>」を連打</a:t>
             </a:r>
             <a:endParaRPr lang="en-US" altLang="ja-JP" dirty="0"/>
-          </a:p>
-          <a:p>
-            <a:pPr lvl="2"/>
-            <a:r>
-              <a:rPr kumimoji="1" lang="ja-JP" altLang="en-US" dirty="0"/>
-              <a:t>（任意のコードを作りたい場合，下記のような</a:t>
-            </a:r>
-            <a:r>
-              <a:rPr kumimoji="1" lang="en-US" altLang="ja-JP" dirty="0"/>
-              <a:t>Web</a:t>
-            </a:r>
-            <a:r>
-              <a:rPr kumimoji="1" lang="ja-JP" altLang="en-US" dirty="0"/>
-              <a:t>サービスを利用すると便利です）</a:t>
-            </a:r>
-            <a:endParaRPr kumimoji="1" lang="en-US" altLang="ja-JP" dirty="0"/>
-          </a:p>
-          <a:p>
-            <a:pPr lvl="2"/>
-            <a:r>
-              <a:rPr kumimoji="1" lang="en-US" altLang="ja-JP" dirty="0">
-                <a:hlinkClick r:id="rId2"/>
-              </a:rPr>
-              <a:t>https://qr.quel.jp/url.php</a:t>
-            </a:r>
-            <a:endParaRPr kumimoji="1" lang="en-US" altLang="ja-JP" dirty="0"/>
-          </a:p>
-          <a:p>
-            <a:pPr lvl="2"/>
-            <a:r>
-              <a:rPr lang="en-US" altLang="ja-JP" b="0" i="0" dirty="0">
-                <a:solidFill>
-                  <a:srgbClr val="4AAC00"/>
-                </a:solidFill>
-                <a:effectLst/>
-                <a:latin typeface="-apple-system"/>
-                <a:hlinkClick r:id="rId3"/>
-              </a:rPr>
-              <a:t>https://chart.googleapis.com/chart?cht=qr&amp;chs=300x300&amp;chl=https://developers.google.com/chart/infographics/docs/qr_codes?authuser=0&amp;choe=UTF-8</a:t>
-            </a:r>
-            <a:endParaRPr kumimoji="1" lang="en-US" altLang="ja-JP" dirty="0"/>
-          </a:p>
-          <a:p>
-            <a:pPr lvl="2"/>
-            <a:endParaRPr kumimoji="1" lang="en-US" altLang="ja-JP" dirty="0"/>
-          </a:p>
-          <a:p>
-            <a:pPr lvl="1"/>
-            <a:r>
-              <a:rPr lang="ja-JP" altLang="en-US" dirty="0"/>
-              <a:t>任意の文字列や</a:t>
-            </a:r>
-            <a:r>
-              <a:rPr lang="en-US" altLang="ja-JP" dirty="0"/>
-              <a:t>URL</a:t>
-            </a:r>
-            <a:r>
-              <a:rPr lang="ja-JP" altLang="en-US" dirty="0"/>
-              <a:t>などを</a:t>
-            </a:r>
-            <a:r>
-              <a:rPr lang="en-US" altLang="ja-JP" dirty="0"/>
-              <a:t>QR</a:t>
-            </a:r>
-            <a:r>
-              <a:rPr lang="ja-JP" altLang="en-US" dirty="0"/>
-              <a:t>コードにエンコードして用意します</a:t>
-            </a:r>
-            <a:endParaRPr lang="en-US" altLang="ja-JP" dirty="0"/>
-          </a:p>
-          <a:p>
-            <a:pPr lvl="2"/>
-            <a:r>
-              <a:rPr kumimoji="1" lang="ja-JP" altLang="en-US" dirty="0"/>
-              <a:t>作成したアプリケーションを起動して実際に読み込みを行い，検証を行います</a:t>
-            </a:r>
-            <a:endParaRPr kumimoji="1" lang="en-US" altLang="ja-JP" dirty="0"/>
-          </a:p>
-          <a:p>
-            <a:pPr lvl="2"/>
-            <a:r>
-              <a:rPr lang="en-US" altLang="ja-JP" dirty="0"/>
-              <a:t>`python3 main.py` </a:t>
-            </a:r>
-            <a:r>
-              <a:rPr lang="ja-JP" altLang="en-US" dirty="0"/>
-              <a:t>でカメラキャプチャウィンドウが立ち上がります</a:t>
-            </a:r>
-            <a:endParaRPr lang="en-US" altLang="ja-JP" dirty="0"/>
-          </a:p>
-          <a:p>
-            <a:pPr lvl="2"/>
-            <a:endParaRPr kumimoji="1" lang="en-US" altLang="ja-JP" dirty="0"/>
-          </a:p>
-          <a:p>
-            <a:pPr lvl="1"/>
-            <a:r>
-              <a:rPr kumimoji="1" lang="ja-JP" altLang="en-US" dirty="0"/>
-              <a:t>読み出しを行った</a:t>
-            </a:r>
-            <a:r>
-              <a:rPr kumimoji="1" lang="en-US" altLang="ja-JP" dirty="0"/>
-              <a:t>QR</a:t>
-            </a:r>
-            <a:r>
-              <a:rPr kumimoji="1" lang="ja-JP" altLang="en-US" dirty="0"/>
-              <a:t>コードを処理する方法を考えてみる</a:t>
-            </a:r>
-            <a:endParaRPr kumimoji="1" lang="en-US" altLang="ja-JP" dirty="0"/>
-          </a:p>
-          <a:p>
-            <a:pPr lvl="2"/>
-            <a:r>
-              <a:rPr kumimoji="1" lang="en-US" altLang="ja-JP" dirty="0"/>
-              <a:t>URL</a:t>
-            </a:r>
-            <a:r>
-              <a:rPr kumimoji="1" lang="ja-JP" altLang="en-US" dirty="0"/>
-              <a:t>にアクセスする</a:t>
-            </a:r>
-            <a:endParaRPr kumimoji="1" lang="en-US" altLang="ja-JP" dirty="0"/>
-          </a:p>
-          <a:p>
-            <a:pPr lvl="2"/>
-            <a:r>
-              <a:rPr kumimoji="1" lang="ja-JP" altLang="en-US" dirty="0"/>
-              <a:t>別の機器やデバイス，サーバなどに送る</a:t>
-            </a:r>
-            <a:endParaRPr kumimoji="1" lang="en-US" altLang="ja-JP" dirty="0"/>
           </a:p>
           <a:p>
             <a:pPr lvl="2"/>
@@ -9128,65 +8888,308 @@
           <a:p>
             <a:pPr lvl="1"/>
             <a:r>
-              <a:rPr kumimoji="1" lang="ja-JP" altLang="en-US" sz="2400" dirty="0"/>
-              <a:t>このあとの実習で活用するために改修する</a:t>
-            </a:r>
-            <a:endParaRPr kumimoji="1" lang="en-US" altLang="ja-JP" sz="2400" dirty="0"/>
-          </a:p>
-          <a:p>
-            <a:pPr lvl="2"/>
+              <a:rPr lang="ja-JP" altLang="en-US" dirty="0"/>
+              <a:t>ソース編集後，変更内容を適用するためには一度アプリケーションを終了して再立上げする必要があります</a:t>
+            </a:r>
+            <a:endParaRPr lang="en-US" altLang="ja-JP" dirty="0"/>
+          </a:p>
+        </p:txBody>
+      </p:sp>
+      <p:sp>
+        <p:nvSpPr>
+          <p:cNvPr id="6" name="コンテンツ プレースホルダー 2">
+            <a:extLst>
+              <a:ext uri="{FF2B5EF4-FFF2-40B4-BE49-F238E27FC236}">
+                <a16:creationId xmlns:a16="http://schemas.microsoft.com/office/drawing/2014/main" id="{C6817ECA-5CE1-4EE3-9667-D037946F7B26}"/>
+              </a:ext>
+            </a:extLst>
+          </p:cNvPr>
+          <p:cNvSpPr txBox="1">
+            <a:spLocks/>
+          </p:cNvSpPr>
+          <p:nvPr/>
+        </p:nvSpPr>
+        <p:spPr>
+          <a:xfrm>
+            <a:off x="1097280" y="2904360"/>
+            <a:ext cx="8554720" cy="738664"/>
+          </a:xfrm>
+          <a:prstGeom prst="rect">
+            <a:avLst/>
+          </a:prstGeom>
+        </p:spPr>
+        <p:txBody>
+          <a:bodyPr vert="horz" lIns="0" tIns="45720" rIns="0" bIns="45720" rtlCol="0">
+            <a:normAutofit/>
+          </a:bodyPr>
+          <a:lstStyle>
+            <a:lvl1pPr marL="91440" indent="-91440" algn="l" defTabSz="914400" rtl="0" eaLnBrk="1" latinLnBrk="0" hangingPunct="1">
+              <a:lnSpc>
+                <a:spcPct val="90000"/>
+              </a:lnSpc>
+              <a:spcBef>
+                <a:spcPts val="1200"/>
+              </a:spcBef>
+              <a:spcAft>
+                <a:spcPts val="200"/>
+              </a:spcAft>
+              <a:buClr>
+                <a:schemeClr val="accent1"/>
+              </a:buClr>
+              <a:buSzPct val="100000"/>
+              <a:buFont typeface="Calibri" panose="020F0502020204030204" pitchFamily="34" charset="0"/>
+              <a:buChar char=" "/>
+              <a:defRPr kumimoji="1" sz="2000" kern="1200">
+                <a:solidFill>
+                  <a:schemeClr val="tx1">
+                    <a:lumMod val="75000"/>
+                    <a:lumOff val="25000"/>
+                  </a:schemeClr>
+                </a:solidFill>
+                <a:latin typeface="+mn-lt"/>
+                <a:ea typeface="+mn-ea"/>
+                <a:cs typeface="+mn-cs"/>
+              </a:defRPr>
+            </a:lvl1pPr>
+            <a:lvl2pPr marL="384048" indent="-182880" algn="l" defTabSz="914400" rtl="0" eaLnBrk="1" latinLnBrk="0" hangingPunct="1">
+              <a:lnSpc>
+                <a:spcPct val="90000"/>
+              </a:lnSpc>
+              <a:spcBef>
+                <a:spcPts val="200"/>
+              </a:spcBef>
+              <a:spcAft>
+                <a:spcPts val="400"/>
+              </a:spcAft>
+              <a:buClr>
+                <a:schemeClr val="accent1"/>
+              </a:buClr>
+              <a:buFont typeface="Calibri" pitchFamily="34" charset="0"/>
+              <a:buChar char="◦"/>
+              <a:defRPr kumimoji="1" sz="1800" kern="1200">
+                <a:solidFill>
+                  <a:schemeClr val="tx1">
+                    <a:lumMod val="75000"/>
+                    <a:lumOff val="25000"/>
+                  </a:schemeClr>
+                </a:solidFill>
+                <a:latin typeface="+mn-lt"/>
+                <a:ea typeface="+mn-ea"/>
+                <a:cs typeface="+mn-cs"/>
+              </a:defRPr>
+            </a:lvl2pPr>
+            <a:lvl3pPr marL="566928" indent="-182880" algn="l" defTabSz="914400" rtl="0" eaLnBrk="1" latinLnBrk="0" hangingPunct="1">
+              <a:lnSpc>
+                <a:spcPct val="90000"/>
+              </a:lnSpc>
+              <a:spcBef>
+                <a:spcPts val="200"/>
+              </a:spcBef>
+              <a:spcAft>
+                <a:spcPts val="400"/>
+              </a:spcAft>
+              <a:buClr>
+                <a:schemeClr val="accent1"/>
+              </a:buClr>
+              <a:buFont typeface="Calibri" pitchFamily="34" charset="0"/>
+              <a:buChar char="◦"/>
+              <a:defRPr kumimoji="1" sz="1400" kern="1200">
+                <a:solidFill>
+                  <a:schemeClr val="tx1">
+                    <a:lumMod val="75000"/>
+                    <a:lumOff val="25000"/>
+                  </a:schemeClr>
+                </a:solidFill>
+                <a:latin typeface="+mn-lt"/>
+                <a:ea typeface="+mn-ea"/>
+                <a:cs typeface="+mn-cs"/>
+              </a:defRPr>
+            </a:lvl3pPr>
+            <a:lvl4pPr marL="749808" indent="-182880" algn="l" defTabSz="914400" rtl="0" eaLnBrk="1" latinLnBrk="0" hangingPunct="1">
+              <a:lnSpc>
+                <a:spcPct val="90000"/>
+              </a:lnSpc>
+              <a:spcBef>
+                <a:spcPts val="200"/>
+              </a:spcBef>
+              <a:spcAft>
+                <a:spcPts val="400"/>
+              </a:spcAft>
+              <a:buClr>
+                <a:schemeClr val="accent1"/>
+              </a:buClr>
+              <a:buFont typeface="Calibri" pitchFamily="34" charset="0"/>
+              <a:buChar char="◦"/>
+              <a:defRPr kumimoji="1" sz="1400" kern="1200">
+                <a:solidFill>
+                  <a:schemeClr val="tx1">
+                    <a:lumMod val="75000"/>
+                    <a:lumOff val="25000"/>
+                  </a:schemeClr>
+                </a:solidFill>
+                <a:latin typeface="+mn-lt"/>
+                <a:ea typeface="+mn-ea"/>
+                <a:cs typeface="+mn-cs"/>
+              </a:defRPr>
+            </a:lvl4pPr>
+            <a:lvl5pPr marL="932688" indent="-182880" algn="l" defTabSz="914400" rtl="0" eaLnBrk="1" latinLnBrk="0" hangingPunct="1">
+              <a:lnSpc>
+                <a:spcPct val="90000"/>
+              </a:lnSpc>
+              <a:spcBef>
+                <a:spcPts val="200"/>
+              </a:spcBef>
+              <a:spcAft>
+                <a:spcPts val="400"/>
+              </a:spcAft>
+              <a:buClr>
+                <a:schemeClr val="accent1"/>
+              </a:buClr>
+              <a:buFont typeface="Calibri" pitchFamily="34" charset="0"/>
+              <a:buChar char="◦"/>
+              <a:defRPr kumimoji="1" sz="1400" kern="1200">
+                <a:solidFill>
+                  <a:schemeClr val="tx1">
+                    <a:lumMod val="75000"/>
+                    <a:lumOff val="25000"/>
+                  </a:schemeClr>
+                </a:solidFill>
+                <a:latin typeface="+mn-lt"/>
+                <a:ea typeface="+mn-ea"/>
+                <a:cs typeface="+mn-cs"/>
+              </a:defRPr>
+            </a:lvl5pPr>
+            <a:lvl6pPr marL="1100000" indent="-228600" algn="l" defTabSz="914400" rtl="0" eaLnBrk="1" latinLnBrk="0" hangingPunct="1">
+              <a:lnSpc>
+                <a:spcPct val="90000"/>
+              </a:lnSpc>
+              <a:spcBef>
+                <a:spcPts val="200"/>
+              </a:spcBef>
+              <a:spcAft>
+                <a:spcPts val="400"/>
+              </a:spcAft>
+              <a:buClr>
+                <a:schemeClr val="accent1"/>
+              </a:buClr>
+              <a:buFont typeface="Calibri" pitchFamily="34" charset="0"/>
+              <a:buChar char="◦"/>
+              <a:defRPr kumimoji="1" sz="1400" kern="1200">
+                <a:solidFill>
+                  <a:schemeClr val="tx1">
+                    <a:lumMod val="75000"/>
+                    <a:lumOff val="25000"/>
+                  </a:schemeClr>
+                </a:solidFill>
+                <a:latin typeface="+mn-lt"/>
+                <a:ea typeface="+mn-ea"/>
+                <a:cs typeface="+mn-cs"/>
+              </a:defRPr>
+            </a:lvl6pPr>
+            <a:lvl7pPr marL="1300000" indent="-228600" algn="l" defTabSz="914400" rtl="0" eaLnBrk="1" latinLnBrk="0" hangingPunct="1">
+              <a:lnSpc>
+                <a:spcPct val="90000"/>
+              </a:lnSpc>
+              <a:spcBef>
+                <a:spcPts val="200"/>
+              </a:spcBef>
+              <a:spcAft>
+                <a:spcPts val="400"/>
+              </a:spcAft>
+              <a:buClr>
+                <a:schemeClr val="accent1"/>
+              </a:buClr>
+              <a:buFont typeface="Calibri" pitchFamily="34" charset="0"/>
+              <a:buChar char="◦"/>
+              <a:defRPr kumimoji="1" sz="1400" kern="1200">
+                <a:solidFill>
+                  <a:schemeClr val="tx1">
+                    <a:lumMod val="75000"/>
+                    <a:lumOff val="25000"/>
+                  </a:schemeClr>
+                </a:solidFill>
+                <a:latin typeface="+mn-lt"/>
+                <a:ea typeface="+mn-ea"/>
+                <a:cs typeface="+mn-cs"/>
+              </a:defRPr>
+            </a:lvl7pPr>
+            <a:lvl8pPr marL="1500000" indent="-228600" algn="l" defTabSz="914400" rtl="0" eaLnBrk="1" latinLnBrk="0" hangingPunct="1">
+              <a:lnSpc>
+                <a:spcPct val="90000"/>
+              </a:lnSpc>
+              <a:spcBef>
+                <a:spcPts val="200"/>
+              </a:spcBef>
+              <a:spcAft>
+                <a:spcPts val="400"/>
+              </a:spcAft>
+              <a:buClr>
+                <a:schemeClr val="accent1"/>
+              </a:buClr>
+              <a:buFont typeface="Calibri" pitchFamily="34" charset="0"/>
+              <a:buChar char="◦"/>
+              <a:defRPr kumimoji="1" sz="1400" kern="1200">
+                <a:solidFill>
+                  <a:schemeClr val="tx1">
+                    <a:lumMod val="75000"/>
+                    <a:lumOff val="25000"/>
+                  </a:schemeClr>
+                </a:solidFill>
+                <a:latin typeface="+mn-lt"/>
+                <a:ea typeface="+mn-ea"/>
+                <a:cs typeface="+mn-cs"/>
+              </a:defRPr>
+            </a:lvl8pPr>
+            <a:lvl9pPr marL="1700000" indent="-228600" algn="l" defTabSz="914400" rtl="0" eaLnBrk="1" latinLnBrk="0" hangingPunct="1">
+              <a:lnSpc>
+                <a:spcPct val="90000"/>
+              </a:lnSpc>
+              <a:spcBef>
+                <a:spcPts val="200"/>
+              </a:spcBef>
+              <a:spcAft>
+                <a:spcPts val="400"/>
+              </a:spcAft>
+              <a:buClr>
+                <a:schemeClr val="accent1"/>
+              </a:buClr>
+              <a:buFont typeface="Calibri" pitchFamily="34" charset="0"/>
+              <a:buChar char="◦"/>
+              <a:defRPr kumimoji="1" sz="1400" kern="1200">
+                <a:solidFill>
+                  <a:schemeClr val="tx1">
+                    <a:lumMod val="75000"/>
+                    <a:lumOff val="25000"/>
+                  </a:schemeClr>
+                </a:solidFill>
+                <a:latin typeface="+mn-lt"/>
+                <a:ea typeface="+mn-ea"/>
+                <a:cs typeface="+mn-cs"/>
+              </a:defRPr>
+            </a:lvl9pPr>
+          </a:lstStyle>
+          <a:p>
+            <a:pPr lvl="1"/>
+            <a:r>
+              <a:rPr lang="ja-JP" altLang="en-US" dirty="0"/>
+              <a:t>実行時はコマンドプロンプト（</a:t>
+            </a:r>
             <a:r>
               <a:rPr lang="en-US" altLang="ja-JP" dirty="0"/>
-              <a:t>QR</a:t>
+              <a:t>PowerShell</a:t>
             </a:r>
             <a:r>
               <a:rPr lang="ja-JP" altLang="en-US" dirty="0"/>
-              <a:t>コードを用いた製品の受け入れ・実績入力</a:t>
+              <a:t>）で下記コマンドを実行</a:t>
             </a:r>
             <a:endParaRPr lang="en-US" altLang="ja-JP" dirty="0"/>
-          </a:p>
-          <a:p>
-            <a:pPr lvl="2"/>
-            <a:r>
-              <a:rPr lang="en-US" altLang="ja-JP" dirty="0"/>
-              <a:t>QR</a:t>
-            </a:r>
-            <a:r>
-              <a:rPr lang="ja-JP" altLang="en-US" dirty="0"/>
-              <a:t>コードを読めたら一度だけ</a:t>
-            </a:r>
-            <a:r>
-              <a:rPr lang="en-US" altLang="ja-JP" dirty="0"/>
-              <a:t>QR</a:t>
-            </a:r>
-            <a:r>
-              <a:rPr lang="ja-JP" altLang="en-US" dirty="0"/>
-              <a:t>コード内の</a:t>
-            </a:r>
-            <a:r>
-              <a:rPr lang="en-US" altLang="ja-JP" dirty="0"/>
-              <a:t>URL</a:t>
-            </a:r>
-            <a:r>
-              <a:rPr lang="ja-JP" altLang="en-US" dirty="0"/>
-              <a:t>にアクセスするように改修する</a:t>
-            </a:r>
-            <a:endParaRPr lang="en-US" altLang="ja-JP" dirty="0"/>
-          </a:p>
-          <a:p>
-            <a:pPr lvl="2"/>
-            <a:endParaRPr kumimoji="1" lang="en-US" altLang="ja-JP" dirty="0"/>
-          </a:p>
-          <a:p>
-            <a:pPr lvl="2"/>
-            <a:endParaRPr kumimoji="1" lang="ja-JP" altLang="en-US" dirty="0"/>
           </a:p>
         </p:txBody>
       </p:sp>
     </p:spTree>
     <p:extLst>
       <p:ext uri="{BB962C8B-B14F-4D97-AF65-F5344CB8AC3E}">
-        <p14:creationId xmlns:p14="http://schemas.microsoft.com/office/powerpoint/2010/main" val="3005541142"/>
+        <p14:creationId xmlns:p14="http://schemas.microsoft.com/office/powerpoint/2010/main" val="956464388"/>
       </p:ext>
     </p:extLst>
   </p:cSld>
@@ -9237,23 +9240,42 @@
           <a:lstStyle/>
           <a:p>
             <a:r>
-              <a:rPr lang="en-US" altLang="ja-JP" sz="3600" dirty="0"/>
+              <a:rPr lang="ja-JP" altLang="en-US" sz="2800" dirty="0"/>
+              <a:t>読み取った</a:t>
+            </a:r>
+            <a:r>
+              <a:rPr lang="en-US" altLang="ja-JP" sz="2800" dirty="0"/>
               <a:t>QR</a:t>
             </a:r>
             <a:r>
-              <a:rPr lang="ja-JP" altLang="en-US" sz="3600" dirty="0"/>
-              <a:t>コードの生成も試す</a:t>
-            </a:r>
-            <a:endParaRPr kumimoji="1" lang="ja-JP" altLang="en-US" sz="3600" dirty="0"/>
+              <a:rPr lang="ja-JP" altLang="en-US" sz="2800" dirty="0"/>
+              <a:t>コードを</a:t>
+            </a:r>
+            <a:r>
+              <a:rPr lang="en-US" altLang="ja-JP" sz="2800" dirty="0"/>
+              <a:t>CSV</a:t>
+            </a:r>
+            <a:r>
+              <a:rPr lang="ja-JP" altLang="en-US" sz="2800" dirty="0"/>
+              <a:t>ファイルに書き出して</a:t>
+            </a:r>
+            <a:r>
+              <a:rPr lang="en-US" altLang="ja-JP" sz="2800" dirty="0"/>
+              <a:t>Excel</a:t>
+            </a:r>
+            <a:r>
+              <a:rPr lang="ja-JP" altLang="en-US" sz="2800" dirty="0"/>
+              <a:t>で開いてみる</a:t>
+            </a:r>
           </a:p>
         </p:txBody>
       </p:sp>
       <p:sp>
         <p:nvSpPr>
-          <p:cNvPr id="3" name="コンテンツ プレースホルダー 2">
+          <p:cNvPr id="6" name="コンテンツ プレースホルダー 5">
             <a:extLst>
               <a:ext uri="{FF2B5EF4-FFF2-40B4-BE49-F238E27FC236}">
-                <a16:creationId xmlns:a16="http://schemas.microsoft.com/office/drawing/2014/main" id="{F5DD2745-66EC-4B32-821B-5DCAA9B43EB3}"/>
+                <a16:creationId xmlns:a16="http://schemas.microsoft.com/office/drawing/2014/main" id="{03E0D86B-EAA3-4C06-B1A9-7B0A0495DDC2}"/>
               </a:ext>
             </a:extLst>
           </p:cNvPr>
@@ -9267,38 +9289,36 @@
         <p:spPr>
           <a:xfrm>
             <a:off x="1097280" y="1845734"/>
-            <a:ext cx="8554720" cy="738664"/>
+            <a:ext cx="10058400" cy="923330"/>
           </a:xfrm>
         </p:spPr>
         <p:txBody>
-          <a:bodyPr>
-            <a:normAutofit/>
-          </a:bodyPr>
+          <a:bodyPr/>
           <a:lstStyle/>
           <a:p>
             <a:pPr lvl="1"/>
             <a:r>
-              <a:rPr kumimoji="1" lang="ja-JP" altLang="en-US" dirty="0"/>
-              <a:t>実習を行うディレクトリにファイルを作成します</a:t>
-            </a:r>
-            <a:endParaRPr kumimoji="1" lang="en-US" altLang="ja-JP" dirty="0"/>
-          </a:p>
-          <a:p>
-            <a:pPr lvl="1"/>
-            <a:r>
               <a:rPr lang="ja-JP" altLang="en-US" dirty="0"/>
-              <a:t>（実習ファイル群にサンプルコードが添付されているので設置します）</a:t>
+              <a:t>下記のコードを追加する</a:t>
             </a:r>
             <a:endParaRPr lang="en-US" altLang="ja-JP" dirty="0"/>
+          </a:p>
+          <a:p>
+            <a:pPr lvl="2"/>
+            <a:r>
+              <a:rPr lang="en-US" altLang="ja-JP" dirty="0"/>
+              <a:t>L.85 </a:t>
+            </a:r>
+            <a:endParaRPr lang="ja-JP" altLang="en-US" dirty="0"/>
           </a:p>
         </p:txBody>
       </p:sp>
       <p:sp>
         <p:nvSpPr>
-          <p:cNvPr id="4" name="テキスト ボックス 3">
+          <p:cNvPr id="9" name="テキスト ボックス 8">
             <a:extLst>
               <a:ext uri="{FF2B5EF4-FFF2-40B4-BE49-F238E27FC236}">
-                <a16:creationId xmlns:a16="http://schemas.microsoft.com/office/drawing/2014/main" id="{22757ADC-A29E-470F-A953-A0EF5A87EB33}"/>
+                <a16:creationId xmlns:a16="http://schemas.microsoft.com/office/drawing/2014/main" id="{BBBC646A-2E64-4F0E-A2E3-325D93B4659B}"/>
               </a:ext>
             </a:extLst>
           </p:cNvPr>
@@ -9307,34 +9327,288 @@
         </p:nvSpPr>
         <p:spPr>
           <a:xfrm>
-            <a:off x="2095708" y="3423555"/>
-            <a:ext cx="4063869" cy="738664"/>
+            <a:off x="2263140" y="2274838"/>
+            <a:ext cx="5250180" cy="923330"/>
           </a:xfrm>
           <a:prstGeom prst="rect">
             <a:avLst/>
           </a:prstGeom>
-          <a:noFill/>
+          <a:solidFill>
+            <a:schemeClr val="tx1">
+              <a:lumMod val="85000"/>
+              <a:lumOff val="15000"/>
+            </a:schemeClr>
+          </a:solidFill>
         </p:spPr>
         <p:txBody>
-          <a:bodyPr wrap="none" rtlCol="0">
+          <a:bodyPr wrap="square">
             <a:spAutoFit/>
           </a:bodyPr>
           <a:lstStyle/>
           <a:p>
             <a:r>
-              <a:rPr kumimoji="1" lang="en-US" altLang="ja-JP" sz="4200" dirty="0"/>
-              <a:t>python3 qrgen.py</a:t>
-            </a:r>
-            <a:endParaRPr kumimoji="1" lang="ja-JP" altLang="en-US" sz="4200" dirty="0"/>
+              <a:rPr lang="en-US" altLang="ja-JP" b="0" dirty="0">
+                <a:solidFill>
+                  <a:srgbClr val="C586C0"/>
+                </a:solidFill>
+                <a:effectLst/>
+                <a:latin typeface="Consolas" panose="020B0609020204030204" pitchFamily="49" charset="0"/>
+              </a:rPr>
+              <a:t>if</a:t>
+            </a:r>
+            <a:r>
+              <a:rPr lang="en-US" altLang="ja-JP" b="0" dirty="0">
+                <a:solidFill>
+                  <a:srgbClr val="D4D4D4"/>
+                </a:solidFill>
+                <a:effectLst/>
+                <a:latin typeface="Consolas" panose="020B0609020204030204" pitchFamily="49" charset="0"/>
+              </a:rPr>
+              <a:t>(</a:t>
+            </a:r>
+            <a:r>
+              <a:rPr lang="en-US" altLang="ja-JP" b="0" dirty="0" err="1">
+                <a:solidFill>
+                  <a:srgbClr val="DCDCAA"/>
+                </a:solidFill>
+                <a:effectLst/>
+                <a:latin typeface="Consolas" panose="020B0609020204030204" pitchFamily="49" charset="0"/>
+              </a:rPr>
+              <a:t>len</a:t>
+            </a:r>
+            <a:r>
+              <a:rPr lang="en-US" altLang="ja-JP" b="0" dirty="0">
+                <a:solidFill>
+                  <a:srgbClr val="D4D4D4"/>
+                </a:solidFill>
+                <a:effectLst/>
+                <a:latin typeface="Consolas" panose="020B0609020204030204" pitchFamily="49" charset="0"/>
+              </a:rPr>
+              <a:t>(ret) &gt; </a:t>
+            </a:r>
+            <a:r>
+              <a:rPr lang="en-US" altLang="ja-JP" b="0" dirty="0">
+                <a:solidFill>
+                  <a:srgbClr val="B5CEA8"/>
+                </a:solidFill>
+                <a:effectLst/>
+                <a:latin typeface="Consolas" panose="020B0609020204030204" pitchFamily="49" charset="0"/>
+              </a:rPr>
+              <a:t>0</a:t>
+            </a:r>
+            <a:r>
+              <a:rPr lang="en-US" altLang="ja-JP" b="0" dirty="0">
+                <a:solidFill>
+                  <a:srgbClr val="D4D4D4"/>
+                </a:solidFill>
+                <a:effectLst/>
+                <a:latin typeface="Consolas" panose="020B0609020204030204" pitchFamily="49" charset="0"/>
+              </a:rPr>
+              <a:t>):</a:t>
+            </a:r>
+          </a:p>
+          <a:p>
+            <a:r>
+              <a:rPr lang="en-US" altLang="ja-JP" b="0" dirty="0">
+                <a:solidFill>
+                  <a:srgbClr val="C586C0"/>
+                </a:solidFill>
+                <a:effectLst/>
+                <a:latin typeface="Consolas" panose="020B0609020204030204" pitchFamily="49" charset="0"/>
+              </a:rPr>
+              <a:t>    with</a:t>
+            </a:r>
+            <a:r>
+              <a:rPr lang="en-US" altLang="ja-JP" b="0" dirty="0">
+                <a:solidFill>
+                  <a:srgbClr val="D4D4D4"/>
+                </a:solidFill>
+                <a:effectLst/>
+                <a:latin typeface="Consolas" panose="020B0609020204030204" pitchFamily="49" charset="0"/>
+              </a:rPr>
+              <a:t> </a:t>
+            </a:r>
+            <a:r>
+              <a:rPr lang="en-US" altLang="ja-JP" b="0" dirty="0">
+                <a:solidFill>
+                  <a:srgbClr val="DCDCAA"/>
+                </a:solidFill>
+                <a:effectLst/>
+                <a:latin typeface="Consolas" panose="020B0609020204030204" pitchFamily="49" charset="0"/>
+              </a:rPr>
+              <a:t>open</a:t>
+            </a:r>
+            <a:r>
+              <a:rPr lang="en-US" altLang="ja-JP" b="0" dirty="0">
+                <a:solidFill>
+                  <a:srgbClr val="D4D4D4"/>
+                </a:solidFill>
+                <a:effectLst/>
+                <a:latin typeface="Consolas" panose="020B0609020204030204" pitchFamily="49" charset="0"/>
+              </a:rPr>
+              <a:t>(</a:t>
+            </a:r>
+            <a:r>
+              <a:rPr lang="en-US" altLang="ja-JP" b="0" dirty="0">
+                <a:solidFill>
+                  <a:srgbClr val="CE9178"/>
+                </a:solidFill>
+                <a:effectLst/>
+                <a:latin typeface="Consolas" panose="020B0609020204030204" pitchFamily="49" charset="0"/>
+              </a:rPr>
+              <a:t>"qr.csv"</a:t>
+            </a:r>
+            <a:r>
+              <a:rPr lang="en-US" altLang="ja-JP" b="0" dirty="0">
+                <a:solidFill>
+                  <a:srgbClr val="D4D4D4"/>
+                </a:solidFill>
+                <a:effectLst/>
+                <a:latin typeface="Consolas" panose="020B0609020204030204" pitchFamily="49" charset="0"/>
+              </a:rPr>
+              <a:t>, </a:t>
+            </a:r>
+            <a:r>
+              <a:rPr lang="en-US" altLang="ja-JP" b="0" dirty="0">
+                <a:solidFill>
+                  <a:srgbClr val="CE9178"/>
+                </a:solidFill>
+                <a:effectLst/>
+                <a:latin typeface="Consolas" panose="020B0609020204030204" pitchFamily="49" charset="0"/>
+              </a:rPr>
+              <a:t>"a"</a:t>
+            </a:r>
+            <a:r>
+              <a:rPr lang="en-US" altLang="ja-JP" b="0" dirty="0">
+                <a:solidFill>
+                  <a:srgbClr val="D4D4D4"/>
+                </a:solidFill>
+                <a:effectLst/>
+                <a:latin typeface="Consolas" panose="020B0609020204030204" pitchFamily="49" charset="0"/>
+              </a:rPr>
+              <a:t>) </a:t>
+            </a:r>
+            <a:r>
+              <a:rPr lang="en-US" altLang="ja-JP" b="0" dirty="0">
+                <a:solidFill>
+                  <a:srgbClr val="C586C0"/>
+                </a:solidFill>
+                <a:effectLst/>
+                <a:latin typeface="Consolas" panose="020B0609020204030204" pitchFamily="49" charset="0"/>
+              </a:rPr>
+              <a:t>as</a:t>
+            </a:r>
+            <a:r>
+              <a:rPr lang="en-US" altLang="ja-JP" b="0" dirty="0">
+                <a:solidFill>
+                  <a:srgbClr val="D4D4D4"/>
+                </a:solidFill>
+                <a:effectLst/>
+                <a:latin typeface="Consolas" panose="020B0609020204030204" pitchFamily="49" charset="0"/>
+              </a:rPr>
+              <a:t> f:</a:t>
+            </a:r>
+          </a:p>
+          <a:p>
+            <a:r>
+              <a:rPr lang="en-US" altLang="ja-JP" b="0" dirty="0">
+                <a:solidFill>
+                  <a:srgbClr val="D4D4D4"/>
+                </a:solidFill>
+                <a:effectLst/>
+                <a:latin typeface="Consolas" panose="020B0609020204030204" pitchFamily="49" charset="0"/>
+              </a:rPr>
+              <a:t>        </a:t>
+            </a:r>
+            <a:r>
+              <a:rPr lang="en-US" altLang="ja-JP" b="0" dirty="0" err="1">
+                <a:solidFill>
+                  <a:srgbClr val="D4D4D4"/>
+                </a:solidFill>
+                <a:effectLst/>
+                <a:latin typeface="Consolas" panose="020B0609020204030204" pitchFamily="49" charset="0"/>
+              </a:rPr>
+              <a:t>f.write</a:t>
+            </a:r>
+            <a:r>
+              <a:rPr lang="en-US" altLang="ja-JP" b="0" dirty="0">
+                <a:solidFill>
+                  <a:srgbClr val="D4D4D4"/>
+                </a:solidFill>
+                <a:effectLst/>
+                <a:latin typeface="Consolas" panose="020B0609020204030204" pitchFamily="49" charset="0"/>
+              </a:rPr>
+              <a:t>(ret[</a:t>
+            </a:r>
+            <a:r>
+              <a:rPr lang="en-US" altLang="ja-JP" b="0" dirty="0">
+                <a:solidFill>
+                  <a:srgbClr val="B5CEA8"/>
+                </a:solidFill>
+                <a:effectLst/>
+                <a:latin typeface="Consolas" panose="020B0609020204030204" pitchFamily="49" charset="0"/>
+              </a:rPr>
+              <a:t>0</a:t>
+            </a:r>
+            <a:r>
+              <a:rPr lang="en-US" altLang="ja-JP" b="0" dirty="0">
+                <a:solidFill>
+                  <a:srgbClr val="D4D4D4"/>
+                </a:solidFill>
+                <a:effectLst/>
+                <a:latin typeface="Consolas" panose="020B0609020204030204" pitchFamily="49" charset="0"/>
+              </a:rPr>
+              <a:t>] + </a:t>
+            </a:r>
+            <a:r>
+              <a:rPr lang="en-US" altLang="ja-JP" b="0" dirty="0">
+                <a:solidFill>
+                  <a:srgbClr val="CE9178"/>
+                </a:solidFill>
+                <a:effectLst/>
+                <a:latin typeface="Consolas" panose="020B0609020204030204" pitchFamily="49" charset="0"/>
+              </a:rPr>
+              <a:t>"</a:t>
+            </a:r>
+            <a:r>
+              <a:rPr lang="en-US" altLang="ja-JP" b="0" dirty="0">
+                <a:solidFill>
+                  <a:srgbClr val="D7BA7D"/>
+                </a:solidFill>
+                <a:effectLst/>
+                <a:latin typeface="Consolas" panose="020B0609020204030204" pitchFamily="49" charset="0"/>
+              </a:rPr>
+              <a:t>\n</a:t>
+            </a:r>
+            <a:r>
+              <a:rPr lang="en-US" altLang="ja-JP" b="0" dirty="0">
+                <a:solidFill>
+                  <a:srgbClr val="CE9178"/>
+                </a:solidFill>
+                <a:effectLst/>
+                <a:latin typeface="Consolas" panose="020B0609020204030204" pitchFamily="49" charset="0"/>
+              </a:rPr>
+              <a:t>"</a:t>
+            </a:r>
+            <a:r>
+              <a:rPr lang="en-US" altLang="ja-JP" b="0" dirty="0">
+                <a:solidFill>
+                  <a:srgbClr val="D4D4D4"/>
+                </a:solidFill>
+                <a:effectLst/>
+                <a:latin typeface="Consolas" panose="020B0609020204030204" pitchFamily="49" charset="0"/>
+              </a:rPr>
+              <a:t>)</a:t>
+            </a:r>
           </a:p>
         </p:txBody>
       </p:sp>
       <p:sp>
         <p:nvSpPr>
-          <p:cNvPr id="7" name="コンテンツ プレースホルダー 2">
+          <p:cNvPr id="12" name="コンテンツ プレースホルダー 5">
             <a:extLst>
               <a:ext uri="{FF2B5EF4-FFF2-40B4-BE49-F238E27FC236}">
-                <a16:creationId xmlns:a16="http://schemas.microsoft.com/office/drawing/2014/main" id="{1582982C-1795-4BF2-A408-189B7E599881}"/>
+                <a16:creationId xmlns:a16="http://schemas.microsoft.com/office/drawing/2014/main" id="{46C52B9F-2505-4F09-8BF3-75A4D459E2DF}"/>
               </a:ext>
             </a:extLst>
           </p:cNvPr>
@@ -9345,8 +9619,8 @@
         </p:nvSpPr>
         <p:spPr>
           <a:xfrm>
-            <a:off x="628946" y="4681415"/>
-            <a:ext cx="10722708" cy="1625601"/>
+            <a:off x="1120140" y="3413912"/>
+            <a:ext cx="10058400" cy="923330"/>
           </a:xfrm>
           <a:prstGeom prst="rect">
             <a:avLst/>
@@ -9606,343 +9880,69 @@
             <a:pPr lvl="1"/>
             <a:r>
               <a:rPr lang="ja-JP" altLang="en-US" dirty="0"/>
-              <a:t>終了する場合は</a:t>
-            </a:r>
-            <a:endParaRPr lang="en-US" altLang="ja-JP" dirty="0"/>
-          </a:p>
-          <a:p>
-            <a:pPr lvl="2"/>
+              <a:t>読み取り時に</a:t>
+            </a:r>
+            <a:r>
+              <a:rPr lang="en-US" altLang="ja-JP" dirty="0"/>
+              <a:t>CSV</a:t>
+            </a:r>
             <a:r>
               <a:rPr lang="ja-JP" altLang="en-US" dirty="0"/>
-              <a:t>コマンドプロンプト（</a:t>
+              <a:t>ファイルが出力されるので</a:t>
             </a:r>
             <a:r>
               <a:rPr lang="en-US" altLang="ja-JP" dirty="0"/>
-              <a:t>PowerShell</a:t>
+              <a:t>Excel</a:t>
             </a:r>
             <a:r>
               <a:rPr lang="ja-JP" altLang="en-US" dirty="0"/>
-              <a:t>）上で「</a:t>
-            </a:r>
-            <a:r>
-              <a:rPr lang="en-US" altLang="ja-JP" dirty="0" err="1"/>
-              <a:t>Ctrl+C</a:t>
+              <a:t>で開くと</a:t>
+            </a:r>
+            <a:r>
+              <a:rPr lang="en-US" altLang="ja-JP" dirty="0"/>
+              <a:t>QR</a:t>
             </a:r>
             <a:r>
               <a:rPr lang="ja-JP" altLang="en-US" dirty="0"/>
-              <a:t>」を連打</a:t>
-            </a:r>
-            <a:endParaRPr lang="en-US" altLang="ja-JP" dirty="0"/>
-          </a:p>
-          <a:p>
-            <a:pPr lvl="2"/>
-            <a:endParaRPr lang="en-US" altLang="ja-JP" dirty="0"/>
-          </a:p>
-          <a:p>
-            <a:pPr lvl="1"/>
-            <a:r>
-              <a:rPr lang="ja-JP" altLang="en-US" dirty="0"/>
-              <a:t>ソース編集後，変更内容を適用するためには一度アプリケーションを終了して再立上げする必要があります</a:t>
-            </a:r>
-            <a:endParaRPr lang="en-US" altLang="ja-JP" dirty="0"/>
+              <a:t>の読み取り結果を取得できる</a:t>
+            </a:r>
           </a:p>
         </p:txBody>
       </p:sp>
-      <p:sp>
-        <p:nvSpPr>
-          <p:cNvPr id="6" name="コンテンツ プレースホルダー 2">
+      <p:pic>
+        <p:nvPicPr>
+          <p:cNvPr id="11" name="図 10">
             <a:extLst>
               <a:ext uri="{FF2B5EF4-FFF2-40B4-BE49-F238E27FC236}">
-                <a16:creationId xmlns:a16="http://schemas.microsoft.com/office/drawing/2014/main" id="{C6817ECA-5CE1-4EE3-9667-D037946F7B26}"/>
+                <a16:creationId xmlns:a16="http://schemas.microsoft.com/office/drawing/2014/main" id="{06BEFE22-3787-46B7-9442-BFB96EE890E0}"/>
               </a:ext>
             </a:extLst>
           </p:cNvPr>
-          <p:cNvSpPr txBox="1">
-            <a:spLocks/>
-          </p:cNvSpPr>
+          <p:cNvPicPr>
+            <a:picLocks noChangeAspect="1"/>
+          </p:cNvPicPr>
           <p:nvPr/>
-        </p:nvSpPr>
+        </p:nvPicPr>
+        <p:blipFill>
+          <a:blip r:embed="rId2"/>
+          <a:stretch>
+            <a:fillRect/>
+          </a:stretch>
+        </p:blipFill>
         <p:spPr>
           <a:xfrm>
-            <a:off x="1097280" y="2904360"/>
-            <a:ext cx="8554720" cy="738664"/>
+            <a:off x="2474020" y="3817320"/>
+            <a:ext cx="3782000" cy="2397156"/>
           </a:xfrm>
           <a:prstGeom prst="rect">
             <a:avLst/>
           </a:prstGeom>
         </p:spPr>
-        <p:txBody>
-          <a:bodyPr vert="horz" lIns="0" tIns="45720" rIns="0" bIns="45720" rtlCol="0">
-            <a:normAutofit/>
-          </a:bodyPr>
-          <a:lstStyle>
-            <a:lvl1pPr marL="91440" indent="-91440" algn="l" defTabSz="914400" rtl="0" eaLnBrk="1" latinLnBrk="0" hangingPunct="1">
-              <a:lnSpc>
-                <a:spcPct val="90000"/>
-              </a:lnSpc>
-              <a:spcBef>
-                <a:spcPts val="1200"/>
-              </a:spcBef>
-              <a:spcAft>
-                <a:spcPts val="200"/>
-              </a:spcAft>
-              <a:buClr>
-                <a:schemeClr val="accent1"/>
-              </a:buClr>
-              <a:buSzPct val="100000"/>
-              <a:buFont typeface="Calibri" panose="020F0502020204030204" pitchFamily="34" charset="0"/>
-              <a:buChar char=" "/>
-              <a:defRPr kumimoji="1" sz="2000" kern="1200">
-                <a:solidFill>
-                  <a:schemeClr val="tx1">
-                    <a:lumMod val="75000"/>
-                    <a:lumOff val="25000"/>
-                  </a:schemeClr>
-                </a:solidFill>
-                <a:latin typeface="+mn-lt"/>
-                <a:ea typeface="+mn-ea"/>
-                <a:cs typeface="+mn-cs"/>
-              </a:defRPr>
-            </a:lvl1pPr>
-            <a:lvl2pPr marL="384048" indent="-182880" algn="l" defTabSz="914400" rtl="0" eaLnBrk="1" latinLnBrk="0" hangingPunct="1">
-              <a:lnSpc>
-                <a:spcPct val="90000"/>
-              </a:lnSpc>
-              <a:spcBef>
-                <a:spcPts val="200"/>
-              </a:spcBef>
-              <a:spcAft>
-                <a:spcPts val="400"/>
-              </a:spcAft>
-              <a:buClr>
-                <a:schemeClr val="accent1"/>
-              </a:buClr>
-              <a:buFont typeface="Calibri" pitchFamily="34" charset="0"/>
-              <a:buChar char="◦"/>
-              <a:defRPr kumimoji="1" sz="1800" kern="1200">
-                <a:solidFill>
-                  <a:schemeClr val="tx1">
-                    <a:lumMod val="75000"/>
-                    <a:lumOff val="25000"/>
-                  </a:schemeClr>
-                </a:solidFill>
-                <a:latin typeface="+mn-lt"/>
-                <a:ea typeface="+mn-ea"/>
-                <a:cs typeface="+mn-cs"/>
-              </a:defRPr>
-            </a:lvl2pPr>
-            <a:lvl3pPr marL="566928" indent="-182880" algn="l" defTabSz="914400" rtl="0" eaLnBrk="1" latinLnBrk="0" hangingPunct="1">
-              <a:lnSpc>
-                <a:spcPct val="90000"/>
-              </a:lnSpc>
-              <a:spcBef>
-                <a:spcPts val="200"/>
-              </a:spcBef>
-              <a:spcAft>
-                <a:spcPts val="400"/>
-              </a:spcAft>
-              <a:buClr>
-                <a:schemeClr val="accent1"/>
-              </a:buClr>
-              <a:buFont typeface="Calibri" pitchFamily="34" charset="0"/>
-              <a:buChar char="◦"/>
-              <a:defRPr kumimoji="1" sz="1400" kern="1200">
-                <a:solidFill>
-                  <a:schemeClr val="tx1">
-                    <a:lumMod val="75000"/>
-                    <a:lumOff val="25000"/>
-                  </a:schemeClr>
-                </a:solidFill>
-                <a:latin typeface="+mn-lt"/>
-                <a:ea typeface="+mn-ea"/>
-                <a:cs typeface="+mn-cs"/>
-              </a:defRPr>
-            </a:lvl3pPr>
-            <a:lvl4pPr marL="749808" indent="-182880" algn="l" defTabSz="914400" rtl="0" eaLnBrk="1" latinLnBrk="0" hangingPunct="1">
-              <a:lnSpc>
-                <a:spcPct val="90000"/>
-              </a:lnSpc>
-              <a:spcBef>
-                <a:spcPts val="200"/>
-              </a:spcBef>
-              <a:spcAft>
-                <a:spcPts val="400"/>
-              </a:spcAft>
-              <a:buClr>
-                <a:schemeClr val="accent1"/>
-              </a:buClr>
-              <a:buFont typeface="Calibri" pitchFamily="34" charset="0"/>
-              <a:buChar char="◦"/>
-              <a:defRPr kumimoji="1" sz="1400" kern="1200">
-                <a:solidFill>
-                  <a:schemeClr val="tx1">
-                    <a:lumMod val="75000"/>
-                    <a:lumOff val="25000"/>
-                  </a:schemeClr>
-                </a:solidFill>
-                <a:latin typeface="+mn-lt"/>
-                <a:ea typeface="+mn-ea"/>
-                <a:cs typeface="+mn-cs"/>
-              </a:defRPr>
-            </a:lvl4pPr>
-            <a:lvl5pPr marL="932688" indent="-182880" algn="l" defTabSz="914400" rtl="0" eaLnBrk="1" latinLnBrk="0" hangingPunct="1">
-              <a:lnSpc>
-                <a:spcPct val="90000"/>
-              </a:lnSpc>
-              <a:spcBef>
-                <a:spcPts val="200"/>
-              </a:spcBef>
-              <a:spcAft>
-                <a:spcPts val="400"/>
-              </a:spcAft>
-              <a:buClr>
-                <a:schemeClr val="accent1"/>
-              </a:buClr>
-              <a:buFont typeface="Calibri" pitchFamily="34" charset="0"/>
-              <a:buChar char="◦"/>
-              <a:defRPr kumimoji="1" sz="1400" kern="1200">
-                <a:solidFill>
-                  <a:schemeClr val="tx1">
-                    <a:lumMod val="75000"/>
-                    <a:lumOff val="25000"/>
-                  </a:schemeClr>
-                </a:solidFill>
-                <a:latin typeface="+mn-lt"/>
-                <a:ea typeface="+mn-ea"/>
-                <a:cs typeface="+mn-cs"/>
-              </a:defRPr>
-            </a:lvl5pPr>
-            <a:lvl6pPr marL="1100000" indent="-228600" algn="l" defTabSz="914400" rtl="0" eaLnBrk="1" latinLnBrk="0" hangingPunct="1">
-              <a:lnSpc>
-                <a:spcPct val="90000"/>
-              </a:lnSpc>
-              <a:spcBef>
-                <a:spcPts val="200"/>
-              </a:spcBef>
-              <a:spcAft>
-                <a:spcPts val="400"/>
-              </a:spcAft>
-              <a:buClr>
-                <a:schemeClr val="accent1"/>
-              </a:buClr>
-              <a:buFont typeface="Calibri" pitchFamily="34" charset="0"/>
-              <a:buChar char="◦"/>
-              <a:defRPr kumimoji="1" sz="1400" kern="1200">
-                <a:solidFill>
-                  <a:schemeClr val="tx1">
-                    <a:lumMod val="75000"/>
-                    <a:lumOff val="25000"/>
-                  </a:schemeClr>
-                </a:solidFill>
-                <a:latin typeface="+mn-lt"/>
-                <a:ea typeface="+mn-ea"/>
-                <a:cs typeface="+mn-cs"/>
-              </a:defRPr>
-            </a:lvl6pPr>
-            <a:lvl7pPr marL="1300000" indent="-228600" algn="l" defTabSz="914400" rtl="0" eaLnBrk="1" latinLnBrk="0" hangingPunct="1">
-              <a:lnSpc>
-                <a:spcPct val="90000"/>
-              </a:lnSpc>
-              <a:spcBef>
-                <a:spcPts val="200"/>
-              </a:spcBef>
-              <a:spcAft>
-                <a:spcPts val="400"/>
-              </a:spcAft>
-              <a:buClr>
-                <a:schemeClr val="accent1"/>
-              </a:buClr>
-              <a:buFont typeface="Calibri" pitchFamily="34" charset="0"/>
-              <a:buChar char="◦"/>
-              <a:defRPr kumimoji="1" sz="1400" kern="1200">
-                <a:solidFill>
-                  <a:schemeClr val="tx1">
-                    <a:lumMod val="75000"/>
-                    <a:lumOff val="25000"/>
-                  </a:schemeClr>
-                </a:solidFill>
-                <a:latin typeface="+mn-lt"/>
-                <a:ea typeface="+mn-ea"/>
-                <a:cs typeface="+mn-cs"/>
-              </a:defRPr>
-            </a:lvl7pPr>
-            <a:lvl8pPr marL="1500000" indent="-228600" algn="l" defTabSz="914400" rtl="0" eaLnBrk="1" latinLnBrk="0" hangingPunct="1">
-              <a:lnSpc>
-                <a:spcPct val="90000"/>
-              </a:lnSpc>
-              <a:spcBef>
-                <a:spcPts val="200"/>
-              </a:spcBef>
-              <a:spcAft>
-                <a:spcPts val="400"/>
-              </a:spcAft>
-              <a:buClr>
-                <a:schemeClr val="accent1"/>
-              </a:buClr>
-              <a:buFont typeface="Calibri" pitchFamily="34" charset="0"/>
-              <a:buChar char="◦"/>
-              <a:defRPr kumimoji="1" sz="1400" kern="1200">
-                <a:solidFill>
-                  <a:schemeClr val="tx1">
-                    <a:lumMod val="75000"/>
-                    <a:lumOff val="25000"/>
-                  </a:schemeClr>
-                </a:solidFill>
-                <a:latin typeface="+mn-lt"/>
-                <a:ea typeface="+mn-ea"/>
-                <a:cs typeface="+mn-cs"/>
-              </a:defRPr>
-            </a:lvl8pPr>
-            <a:lvl9pPr marL="1700000" indent="-228600" algn="l" defTabSz="914400" rtl="0" eaLnBrk="1" latinLnBrk="0" hangingPunct="1">
-              <a:lnSpc>
-                <a:spcPct val="90000"/>
-              </a:lnSpc>
-              <a:spcBef>
-                <a:spcPts val="200"/>
-              </a:spcBef>
-              <a:spcAft>
-                <a:spcPts val="400"/>
-              </a:spcAft>
-              <a:buClr>
-                <a:schemeClr val="accent1"/>
-              </a:buClr>
-              <a:buFont typeface="Calibri" pitchFamily="34" charset="0"/>
-              <a:buChar char="◦"/>
-              <a:defRPr kumimoji="1" sz="1400" kern="1200">
-                <a:solidFill>
-                  <a:schemeClr val="tx1">
-                    <a:lumMod val="75000"/>
-                    <a:lumOff val="25000"/>
-                  </a:schemeClr>
-                </a:solidFill>
-                <a:latin typeface="+mn-lt"/>
-                <a:ea typeface="+mn-ea"/>
-                <a:cs typeface="+mn-cs"/>
-              </a:defRPr>
-            </a:lvl9pPr>
-          </a:lstStyle>
-          <a:p>
-            <a:pPr lvl="1"/>
-            <a:r>
-              <a:rPr lang="ja-JP" altLang="en-US" dirty="0"/>
-              <a:t>実行時はコマンドプロンプト（</a:t>
-            </a:r>
-            <a:r>
-              <a:rPr lang="en-US" altLang="ja-JP" dirty="0"/>
-              <a:t>PowerShell</a:t>
-            </a:r>
-            <a:r>
-              <a:rPr lang="ja-JP" altLang="en-US" dirty="0"/>
-              <a:t>）で下記コマンドを実行</a:t>
-            </a:r>
-            <a:endParaRPr lang="en-US" altLang="ja-JP" dirty="0"/>
-          </a:p>
-        </p:txBody>
-      </p:sp>
+      </p:pic>
     </p:spTree>
     <p:extLst>
       <p:ext uri="{BB962C8B-B14F-4D97-AF65-F5344CB8AC3E}">
-        <p14:creationId xmlns:p14="http://schemas.microsoft.com/office/powerpoint/2010/main" val="956464388"/>
+        <p14:creationId xmlns:p14="http://schemas.microsoft.com/office/powerpoint/2010/main" val="1973481113"/>
       </p:ext>
     </p:extLst>
   </p:cSld>
@@ -26377,7 +26377,7 @@
 </file>
 
 <file path=ppt/slides/slide28.xml><?xml version="1.0" encoding="utf-8"?>
-<p:sld xmlns:a="http://schemas.openxmlformats.org/drawingml/2006/main" xmlns:r="http://schemas.openxmlformats.org/officeDocument/2006/relationships" xmlns:p="http://schemas.openxmlformats.org/presentationml/2006/main">
+<p:sld xmlns:a="http://schemas.openxmlformats.org/drawingml/2006/main" xmlns:r="http://schemas.openxmlformats.org/officeDocument/2006/relationships" xmlns:p="http://schemas.openxmlformats.org/presentationml/2006/main" show="0">
   <p:cSld>
     <p:spTree>
       <p:nvGrpSpPr>
@@ -26616,7 +26616,7 @@
 </file>
 
 <file path=ppt/slides/slide29.xml><?xml version="1.0" encoding="utf-8"?>
-<p:sld xmlns:a="http://schemas.openxmlformats.org/drawingml/2006/main" xmlns:r="http://schemas.openxmlformats.org/officeDocument/2006/relationships" xmlns:p="http://schemas.openxmlformats.org/presentationml/2006/main">
+<p:sld xmlns:a="http://schemas.openxmlformats.org/drawingml/2006/main" xmlns:r="http://schemas.openxmlformats.org/officeDocument/2006/relationships" xmlns:p="http://schemas.openxmlformats.org/presentationml/2006/main" show="0">
   <p:cSld>
     <p:spTree>
       <p:nvGrpSpPr>
@@ -40647,32 +40647,12 @@
             <a:pPr lvl="1"/>
             <a:r>
               <a:rPr lang="ja-JP" altLang="en-US" dirty="0"/>
-              <a:t>添付の配線図を参考にして，赤ランプ点灯時に</a:t>
-            </a:r>
-            <a:r>
-              <a:rPr lang="en-US" altLang="ja-JP" dirty="0"/>
-              <a:t>LTE-M</a:t>
-            </a:r>
-            <a:r>
-              <a:rPr lang="ja-JP" altLang="en-US" dirty="0"/>
-              <a:t> </a:t>
-            </a:r>
-            <a:r>
-              <a:rPr lang="en-US" altLang="ja-JP" dirty="0"/>
-              <a:t>Button</a:t>
-            </a:r>
-            <a:r>
-              <a:rPr lang="ja-JP" altLang="en-US" dirty="0"/>
-              <a:t>からメールが飛ぶようにする</a:t>
+              <a:t>添付の配線図を参考にして，赤ランプ点灯時にボタンからメールが飛ぶようにする</a:t>
             </a:r>
             <a:endParaRPr lang="en-US" altLang="ja-JP" dirty="0"/>
           </a:p>
           <a:p>
             <a:pPr lvl="2"/>
-            <a:r>
-              <a:rPr lang="en-US" altLang="ja-JP" dirty="0"/>
-              <a:t>LTE-M</a:t>
-            </a:r>
             <a:r>
               <a:rPr lang="ja-JP" altLang="en-US" dirty="0"/>
               <a:t>ボタンの端子を短絡すると本体のボタンを押した場合と同じ挙動となる（メールが出る）</a:t>
@@ -40683,23 +40663,7 @@
             <a:pPr lvl="1"/>
             <a:r>
               <a:rPr lang="ja-JP" altLang="en-US" dirty="0"/>
-              <a:t>どの端子に</a:t>
-            </a:r>
-            <a:r>
-              <a:rPr lang="en-US" altLang="ja-JP" dirty="0"/>
-              <a:t>LTE-M</a:t>
-            </a:r>
-            <a:r>
-              <a:rPr lang="ja-JP" altLang="en-US" dirty="0"/>
-              <a:t> </a:t>
-            </a:r>
-            <a:r>
-              <a:rPr lang="en-US" altLang="ja-JP" dirty="0"/>
-              <a:t>Button</a:t>
-            </a:r>
-            <a:r>
-              <a:rPr lang="ja-JP" altLang="en-US" dirty="0"/>
-              <a:t>のコネクタを接続すればよいか考えてみる</a:t>
+              <a:t>どの端子にボタンのコネクタを接続すればよいか考えてみる</a:t>
             </a:r>
             <a:endParaRPr lang="en-US" altLang="ja-JP" dirty="0"/>
           </a:p>
@@ -40731,7 +40695,7 @@
             <a:pPr lvl="2"/>
             <a:r>
               <a:rPr lang="ja-JP" altLang="en-US" dirty="0"/>
-              <a:t>左：ボタンを推していない場合　右：ボタンを押した場合</a:t>
+              <a:t>左：ボタンを押していない場合　右：ボタンを押した場合</a:t>
             </a:r>
             <a:endParaRPr lang="en-US" altLang="ja-JP" dirty="0"/>
           </a:p>

--- a/IoTセミナーテキスト.pptx
+++ b/IoTセミナーテキスト.pptx
@@ -14,44 +14,45 @@
     <p:sldId id="259" r:id="rId8"/>
     <p:sldId id="260" r:id="rId9"/>
     <p:sldId id="262" r:id="rId10"/>
-    <p:sldId id="300" r:id="rId11"/>
-    <p:sldId id="263" r:id="rId12"/>
-    <p:sldId id="265" r:id="rId13"/>
-    <p:sldId id="303" r:id="rId14"/>
-    <p:sldId id="299" r:id="rId15"/>
-    <p:sldId id="305" r:id="rId16"/>
-    <p:sldId id="306" r:id="rId17"/>
-    <p:sldId id="268" r:id="rId18"/>
-    <p:sldId id="269" r:id="rId19"/>
-    <p:sldId id="270" r:id="rId20"/>
-    <p:sldId id="271" r:id="rId21"/>
-    <p:sldId id="272" r:id="rId22"/>
-    <p:sldId id="273" r:id="rId23"/>
-    <p:sldId id="276" r:id="rId24"/>
-    <p:sldId id="277" r:id="rId25"/>
-    <p:sldId id="278" r:id="rId26"/>
-    <p:sldId id="280" r:id="rId27"/>
-    <p:sldId id="279" r:id="rId28"/>
-    <p:sldId id="281" r:id="rId29"/>
-    <p:sldId id="295" r:id="rId30"/>
-    <p:sldId id="294" r:id="rId31"/>
-    <p:sldId id="301" r:id="rId32"/>
-    <p:sldId id="274" r:id="rId33"/>
-    <p:sldId id="275" r:id="rId34"/>
-    <p:sldId id="282" r:id="rId35"/>
-    <p:sldId id="283" r:id="rId36"/>
-    <p:sldId id="284" r:id="rId37"/>
-    <p:sldId id="302" r:id="rId38"/>
-    <p:sldId id="285" r:id="rId39"/>
-    <p:sldId id="292" r:id="rId40"/>
-    <p:sldId id="286" r:id="rId41"/>
-    <p:sldId id="288" r:id="rId42"/>
-    <p:sldId id="289" r:id="rId43"/>
-    <p:sldId id="287" r:id="rId44"/>
-    <p:sldId id="304" r:id="rId45"/>
-    <p:sldId id="296" r:id="rId46"/>
-    <p:sldId id="290" r:id="rId47"/>
-    <p:sldId id="291" r:id="rId48"/>
+    <p:sldId id="307" r:id="rId11"/>
+    <p:sldId id="300" r:id="rId12"/>
+    <p:sldId id="263" r:id="rId13"/>
+    <p:sldId id="265" r:id="rId14"/>
+    <p:sldId id="303" r:id="rId15"/>
+    <p:sldId id="299" r:id="rId16"/>
+    <p:sldId id="305" r:id="rId17"/>
+    <p:sldId id="306" r:id="rId18"/>
+    <p:sldId id="268" r:id="rId19"/>
+    <p:sldId id="269" r:id="rId20"/>
+    <p:sldId id="270" r:id="rId21"/>
+    <p:sldId id="271" r:id="rId22"/>
+    <p:sldId id="272" r:id="rId23"/>
+    <p:sldId id="273" r:id="rId24"/>
+    <p:sldId id="276" r:id="rId25"/>
+    <p:sldId id="277" r:id="rId26"/>
+    <p:sldId id="278" r:id="rId27"/>
+    <p:sldId id="280" r:id="rId28"/>
+    <p:sldId id="279" r:id="rId29"/>
+    <p:sldId id="281" r:id="rId30"/>
+    <p:sldId id="295" r:id="rId31"/>
+    <p:sldId id="294" r:id="rId32"/>
+    <p:sldId id="301" r:id="rId33"/>
+    <p:sldId id="274" r:id="rId34"/>
+    <p:sldId id="275" r:id="rId35"/>
+    <p:sldId id="282" r:id="rId36"/>
+    <p:sldId id="283" r:id="rId37"/>
+    <p:sldId id="284" r:id="rId38"/>
+    <p:sldId id="302" r:id="rId39"/>
+    <p:sldId id="285" r:id="rId40"/>
+    <p:sldId id="292" r:id="rId41"/>
+    <p:sldId id="286" r:id="rId42"/>
+    <p:sldId id="288" r:id="rId43"/>
+    <p:sldId id="289" r:id="rId44"/>
+    <p:sldId id="287" r:id="rId45"/>
+    <p:sldId id="304" r:id="rId46"/>
+    <p:sldId id="296" r:id="rId47"/>
+    <p:sldId id="290" r:id="rId48"/>
+    <p:sldId id="291" r:id="rId49"/>
   </p:sldIdLst>
   <p:sldSz cx="12192000" cy="6858000"/>
   <p:notesSz cx="6858000" cy="9144000"/>
@@ -300,7 +301,7 @@
           <a:p>
             <a:fld id="{ABF98A8D-D34B-4C71-B75C-469DF44AB35E}" type="datetimeFigureOut">
               <a:rPr kumimoji="1" lang="ja-JP" altLang="en-US" smtClean="0"/>
-              <a:t>2021/12/3</a:t>
+              <a:t>2021/12/7</a:t>
             </a:fld>
             <a:endParaRPr kumimoji="1" lang="ja-JP" altLang="en-US"/>
           </a:p>
@@ -502,7 +503,7 @@
           <a:p>
             <a:fld id="{ABF98A8D-D34B-4C71-B75C-469DF44AB35E}" type="datetimeFigureOut">
               <a:rPr kumimoji="1" lang="ja-JP" altLang="en-US" smtClean="0"/>
-              <a:t>2021/12/3</a:t>
+              <a:t>2021/12/7</a:t>
             </a:fld>
             <a:endParaRPr kumimoji="1" lang="ja-JP" altLang="en-US"/>
           </a:p>
@@ -714,7 +715,7 @@
           <a:p>
             <a:fld id="{ABF98A8D-D34B-4C71-B75C-469DF44AB35E}" type="datetimeFigureOut">
               <a:rPr kumimoji="1" lang="ja-JP" altLang="en-US" smtClean="0"/>
-              <a:t>2021/12/3</a:t>
+              <a:t>2021/12/7</a:t>
             </a:fld>
             <a:endParaRPr kumimoji="1" lang="ja-JP" altLang="en-US"/>
           </a:p>
@@ -1001,7 +1002,7 @@
           <a:p>
             <a:fld id="{ABF98A8D-D34B-4C71-B75C-469DF44AB35E}" type="datetimeFigureOut">
               <a:rPr kumimoji="1" lang="ja-JP" altLang="en-US" smtClean="0"/>
-              <a:t>2021/12/3</a:t>
+              <a:t>2021/12/7</a:t>
             </a:fld>
             <a:endParaRPr kumimoji="1" lang="ja-JP" altLang="en-US"/>
           </a:p>
@@ -1241,7 +1242,7 @@
           <a:p>
             <a:fld id="{ABF98A8D-D34B-4C71-B75C-469DF44AB35E}" type="datetimeFigureOut">
               <a:rPr kumimoji="1" lang="ja-JP" altLang="en-US" smtClean="0"/>
-              <a:t>2021/12/3</a:t>
+              <a:t>2021/12/7</a:t>
             </a:fld>
             <a:endParaRPr kumimoji="1" lang="ja-JP" altLang="en-US"/>
           </a:p>
@@ -1584,7 +1585,7 @@
           <a:p>
             <a:fld id="{ABF98A8D-D34B-4C71-B75C-469DF44AB35E}" type="datetimeFigureOut">
               <a:rPr kumimoji="1" lang="ja-JP" altLang="en-US" smtClean="0"/>
-              <a:t>2021/12/3</a:t>
+              <a:t>2021/12/7</a:t>
             </a:fld>
             <a:endParaRPr kumimoji="1" lang="ja-JP" altLang="en-US"/>
           </a:p>
@@ -1923,7 +1924,7 @@
           <a:p>
             <a:fld id="{ABF98A8D-D34B-4C71-B75C-469DF44AB35E}" type="datetimeFigureOut">
               <a:rPr kumimoji="1" lang="ja-JP" altLang="en-US" smtClean="0"/>
-              <a:t>2021/12/3</a:t>
+              <a:t>2021/12/7</a:t>
             </a:fld>
             <a:endParaRPr kumimoji="1" lang="ja-JP" altLang="en-US"/>
           </a:p>
@@ -2366,7 +2367,7 @@
           <a:p>
             <a:fld id="{ABF98A8D-D34B-4C71-B75C-469DF44AB35E}" type="datetimeFigureOut">
               <a:rPr kumimoji="1" lang="ja-JP" altLang="en-US" smtClean="0"/>
-              <a:t>2021/12/3</a:t>
+              <a:t>2021/12/7</a:t>
             </a:fld>
             <a:endParaRPr kumimoji="1" lang="ja-JP" altLang="en-US"/>
           </a:p>
@@ -2484,7 +2485,7 @@
           <a:p>
             <a:fld id="{ABF98A8D-D34B-4C71-B75C-469DF44AB35E}" type="datetimeFigureOut">
               <a:rPr kumimoji="1" lang="ja-JP" altLang="en-US" smtClean="0"/>
-              <a:t>2021/12/3</a:t>
+              <a:t>2021/12/7</a:t>
             </a:fld>
             <a:endParaRPr kumimoji="1" lang="ja-JP" altLang="en-US"/>
           </a:p>
@@ -2655,7 +2656,7 @@
           <a:p>
             <a:fld id="{ABF98A8D-D34B-4C71-B75C-469DF44AB35E}" type="datetimeFigureOut">
               <a:rPr kumimoji="1" lang="ja-JP" altLang="en-US" smtClean="0"/>
-              <a:t>2021/12/3</a:t>
+              <a:t>2021/12/7</a:t>
             </a:fld>
             <a:endParaRPr kumimoji="1" lang="ja-JP" altLang="en-US"/>
           </a:p>
@@ -3041,7 +3042,7 @@
           <a:p>
             <a:fld id="{ABF98A8D-D34B-4C71-B75C-469DF44AB35E}" type="datetimeFigureOut">
               <a:rPr kumimoji="1" lang="ja-JP" altLang="en-US" smtClean="0"/>
-              <a:t>2021/12/3</a:t>
+              <a:t>2021/12/7</a:t>
             </a:fld>
             <a:endParaRPr kumimoji="1" lang="ja-JP" altLang="en-US"/>
           </a:p>
@@ -3264,7 +3265,7 @@
           <a:p>
             <a:fld id="{ABF98A8D-D34B-4C71-B75C-469DF44AB35E}" type="datetimeFigureOut">
               <a:rPr kumimoji="1" lang="ja-JP" altLang="en-US" smtClean="0"/>
-              <a:t>2021/12/3</a:t>
+              <a:t>2021/12/7</a:t>
             </a:fld>
             <a:endParaRPr kumimoji="1" lang="ja-JP" altLang="en-US"/>
           </a:p>
@@ -3620,7 +3621,7 @@
           <a:p>
             <a:fld id="{ABF98A8D-D34B-4C71-B75C-469DF44AB35E}" type="datetimeFigureOut">
               <a:rPr kumimoji="1" lang="ja-JP" altLang="en-US" smtClean="0"/>
-              <a:t>2021/12/3</a:t>
+              <a:t>2021/12/7</a:t>
             </a:fld>
             <a:endParaRPr kumimoji="1" lang="ja-JP" altLang="en-US"/>
           </a:p>
@@ -3822,7 +3823,7 @@
           <a:p>
             <a:fld id="{ABF98A8D-D34B-4C71-B75C-469DF44AB35E}" type="datetimeFigureOut">
               <a:rPr kumimoji="1" lang="ja-JP" altLang="en-US" smtClean="0"/>
-              <a:t>2021/12/3</a:t>
+              <a:t>2021/12/7</a:t>
             </a:fld>
             <a:endParaRPr kumimoji="1" lang="ja-JP" altLang="en-US"/>
           </a:p>
@@ -4110,7 +4111,7 @@
           <a:p>
             <a:fld id="{ABF98A8D-D34B-4C71-B75C-469DF44AB35E}" type="datetimeFigureOut">
               <a:rPr kumimoji="1" lang="ja-JP" altLang="en-US" smtClean="0"/>
-              <a:t>2021/12/3</a:t>
+              <a:t>2021/12/7</a:t>
             </a:fld>
             <a:endParaRPr kumimoji="1" lang="ja-JP" altLang="en-US"/>
           </a:p>
@@ -4361,7 +4362,7 @@
           <a:p>
             <a:fld id="{ABF98A8D-D34B-4C71-B75C-469DF44AB35E}" type="datetimeFigureOut">
               <a:rPr kumimoji="1" lang="ja-JP" altLang="en-US" smtClean="0"/>
-              <a:t>2021/12/3</a:t>
+              <a:t>2021/12/7</a:t>
             </a:fld>
             <a:endParaRPr kumimoji="1" lang="ja-JP" altLang="en-US"/>
           </a:p>
@@ -4657,7 +4658,7 @@
           <a:p>
             <a:fld id="{ABF98A8D-D34B-4C71-B75C-469DF44AB35E}" type="datetimeFigureOut">
               <a:rPr kumimoji="1" lang="ja-JP" altLang="en-US" smtClean="0"/>
-              <a:t>2021/12/3</a:t>
+              <a:t>2021/12/7</a:t>
             </a:fld>
             <a:endParaRPr kumimoji="1" lang="ja-JP" altLang="en-US"/>
           </a:p>
@@ -5068,7 +5069,7 @@
           <a:p>
             <a:fld id="{ABF98A8D-D34B-4C71-B75C-469DF44AB35E}" type="datetimeFigureOut">
               <a:rPr kumimoji="1" lang="ja-JP" altLang="en-US" smtClean="0"/>
-              <a:t>2021/12/3</a:t>
+              <a:t>2021/12/7</a:t>
             </a:fld>
             <a:endParaRPr kumimoji="1" lang="ja-JP" altLang="en-US"/>
           </a:p>
@@ -5186,7 +5187,7 @@
           <a:p>
             <a:fld id="{ABF98A8D-D34B-4C71-B75C-469DF44AB35E}" type="datetimeFigureOut">
               <a:rPr kumimoji="1" lang="ja-JP" altLang="en-US" smtClean="0"/>
-              <a:t>2021/12/3</a:t>
+              <a:t>2021/12/7</a:t>
             </a:fld>
             <a:endParaRPr kumimoji="1" lang="ja-JP" altLang="en-US"/>
           </a:p>
@@ -5304,7 +5305,7 @@
           <a:p>
             <a:fld id="{ABF98A8D-D34B-4C71-B75C-469DF44AB35E}" type="datetimeFigureOut">
               <a:rPr kumimoji="1" lang="ja-JP" altLang="en-US" smtClean="0"/>
-              <a:t>2021/12/3</a:t>
+              <a:t>2021/12/7</a:t>
             </a:fld>
             <a:endParaRPr kumimoji="1" lang="ja-JP" altLang="en-US"/>
           </a:p>
@@ -5620,7 +5621,7 @@
           <a:p>
             <a:fld id="{ABF98A8D-D34B-4C71-B75C-469DF44AB35E}" type="datetimeFigureOut">
               <a:rPr kumimoji="1" lang="ja-JP" altLang="en-US" smtClean="0"/>
-              <a:t>2021/12/3</a:t>
+              <a:t>2021/12/7</a:t>
             </a:fld>
             <a:endParaRPr kumimoji="1" lang="ja-JP" altLang="en-US"/>
           </a:p>
@@ -5884,7 +5885,7 @@
           <a:p>
             <a:fld id="{ABF98A8D-D34B-4C71-B75C-469DF44AB35E}" type="datetimeFigureOut">
               <a:rPr kumimoji="1" lang="ja-JP" altLang="en-US" smtClean="0"/>
-              <a:t>2021/12/3</a:t>
+              <a:t>2021/12/7</a:t>
             </a:fld>
             <a:endParaRPr kumimoji="1" lang="ja-JP" altLang="en-US"/>
           </a:p>
@@ -6130,7 +6131,7 @@
           <a:p>
             <a:fld id="{ABF98A8D-D34B-4C71-B75C-469DF44AB35E}" type="datetimeFigureOut">
               <a:rPr kumimoji="1" lang="ja-JP" altLang="en-US" smtClean="0"/>
-              <a:t>2021/12/3</a:t>
+              <a:t>2021/12/7</a:t>
             </a:fld>
             <a:endParaRPr kumimoji="1" lang="ja-JP" altLang="en-US"/>
           </a:p>
@@ -6765,7 +6766,7 @@
           <a:p>
             <a:fld id="{ABF98A8D-D34B-4C71-B75C-469DF44AB35E}" type="datetimeFigureOut">
               <a:rPr kumimoji="1" lang="ja-JP" altLang="en-US" smtClean="0"/>
-              <a:t>2021/12/3</a:t>
+              <a:t>2021/12/7</a:t>
             </a:fld>
             <a:endParaRPr kumimoji="1" lang="ja-JP" altLang="en-US"/>
           </a:p>
@@ -7399,7 +7400,7 @@
           <p:cNvPr id="2" name="タイトル 1">
             <a:extLst>
               <a:ext uri="{FF2B5EF4-FFF2-40B4-BE49-F238E27FC236}">
-                <a16:creationId xmlns:a16="http://schemas.microsoft.com/office/drawing/2014/main" id="{58C9196D-FAB2-4020-95D4-9DF06443624F}"/>
+                <a16:creationId xmlns:a16="http://schemas.microsoft.com/office/drawing/2014/main" id="{FD84D75A-F5EB-486C-AB4E-6A3D6949A8AF}"/>
               </a:ext>
             </a:extLst>
           </p:cNvPr>
@@ -7412,16 +7413,25 @@
         </p:nvSpPr>
         <p:spPr/>
         <p:txBody>
-          <a:bodyPr>
-            <a:normAutofit/>
-          </a:bodyPr>
+          <a:bodyPr/>
           <a:lstStyle/>
           <a:p>
             <a:r>
-              <a:rPr lang="ja-JP" altLang="en-US" sz="3600" dirty="0"/>
-              <a:t>コードを実装します</a:t>
-            </a:r>
-            <a:endParaRPr kumimoji="1" lang="ja-JP" altLang="en-US" sz="3600" dirty="0"/>
+              <a:rPr kumimoji="1" lang="en-US" altLang="ja-JP" dirty="0"/>
+              <a:t>【</a:t>
+            </a:r>
+            <a:r>
+              <a:rPr kumimoji="1" lang="ja-JP" altLang="en-US" dirty="0"/>
+              <a:t>参考</a:t>
+            </a:r>
+            <a:r>
+              <a:rPr kumimoji="1" lang="en-US" altLang="ja-JP" dirty="0"/>
+              <a:t>】</a:t>
+            </a:r>
+            <a:r>
+              <a:rPr kumimoji="1" lang="ja-JP" altLang="en-US" dirty="0"/>
+              <a:t>テキストエディタを用意する</a:t>
+            </a:r>
           </a:p>
         </p:txBody>
       </p:sp>
@@ -7430,7 +7440,7 @@
           <p:cNvPr id="3" name="コンテンツ プレースホルダー 2">
             <a:extLst>
               <a:ext uri="{FF2B5EF4-FFF2-40B4-BE49-F238E27FC236}">
-                <a16:creationId xmlns:a16="http://schemas.microsoft.com/office/drawing/2014/main" id="{F5DD2745-66EC-4B32-821B-5DCAA9B43EB3}"/>
+                <a16:creationId xmlns:a16="http://schemas.microsoft.com/office/drawing/2014/main" id="{0527421A-2338-4688-A5C0-39E17B1990C6}"/>
               </a:ext>
             </a:extLst>
           </p:cNvPr>
@@ -7441,391 +7451,43 @@
             <p:ph idx="1"/>
           </p:nvPr>
         </p:nvSpPr>
-        <p:spPr>
-          <a:xfrm>
-            <a:off x="1097280" y="1845734"/>
-            <a:ext cx="8554720" cy="738664"/>
-          </a:xfrm>
-        </p:spPr>
+        <p:spPr/>
         <p:txBody>
           <a:bodyPr>
-            <a:normAutofit/>
+            <a:normAutofit fontScale="92500" lnSpcReduction="20000"/>
           </a:bodyPr>
           <a:lstStyle/>
           <a:p>
+            <a:pPr marL="201168" lvl="1" indent="0">
+              <a:buNone/>
+            </a:pPr>
+            <a:r>
+              <a:rPr lang="ja-JP" altLang="en-US" dirty="0"/>
+              <a:t>下記のエディタを用意しておくとスムーズにソースコードを編集できます</a:t>
+            </a:r>
+            <a:endParaRPr lang="en-US" altLang="ja-JP" dirty="0"/>
+          </a:p>
+          <a:p>
+            <a:pPr marL="201168" lvl="1" indent="0">
+              <a:buNone/>
+            </a:pPr>
+            <a:r>
+              <a:rPr kumimoji="1" lang="ja-JP" altLang="en-US" dirty="0"/>
+              <a:t>（下に行くほどコード書くのに適している）</a:t>
+            </a:r>
+            <a:endParaRPr kumimoji="1" lang="en-US" altLang="ja-JP" dirty="0"/>
+          </a:p>
+          <a:p>
             <a:pPr lvl="1"/>
+            <a:endParaRPr lang="en-US" altLang="ja-JP" dirty="0"/>
+          </a:p>
+          <a:p>
+            <a:pPr lvl="1"/>
             <a:r>
               <a:rPr kumimoji="1" lang="ja-JP" altLang="en-US" dirty="0"/>
-              <a:t>実習を行うディレクトリにファイルを作成します</a:t>
+              <a:t>メモ帳</a:t>
             </a:r>
             <a:endParaRPr kumimoji="1" lang="en-US" altLang="ja-JP" dirty="0"/>
-          </a:p>
-          <a:p>
-            <a:pPr lvl="1"/>
-            <a:r>
-              <a:rPr lang="ja-JP" altLang="en-US" dirty="0"/>
-              <a:t>（実習ファイル群にサンプルコードが添付されているので設置します）</a:t>
-            </a:r>
-            <a:endParaRPr lang="en-US" altLang="ja-JP" dirty="0"/>
-          </a:p>
-        </p:txBody>
-      </p:sp>
-      <p:sp>
-        <p:nvSpPr>
-          <p:cNvPr id="4" name="テキスト ボックス 3">
-            <a:extLst>
-              <a:ext uri="{FF2B5EF4-FFF2-40B4-BE49-F238E27FC236}">
-                <a16:creationId xmlns:a16="http://schemas.microsoft.com/office/drawing/2014/main" id="{22757ADC-A29E-470F-A953-A0EF5A87EB33}"/>
-              </a:ext>
-            </a:extLst>
-          </p:cNvPr>
-          <p:cNvSpPr txBox="1"/>
-          <p:nvPr/>
-        </p:nvSpPr>
-        <p:spPr>
-          <a:xfrm>
-            <a:off x="2095708" y="3423555"/>
-            <a:ext cx="3894592" cy="738664"/>
-          </a:xfrm>
-          <a:prstGeom prst="rect">
-            <a:avLst/>
-          </a:prstGeom>
-          <a:noFill/>
-        </p:spPr>
-        <p:txBody>
-          <a:bodyPr wrap="none" rtlCol="0">
-            <a:spAutoFit/>
-          </a:bodyPr>
-          <a:lstStyle/>
-          <a:p>
-            <a:r>
-              <a:rPr kumimoji="1" lang="en-US" altLang="ja-JP" sz="4200" dirty="0"/>
-              <a:t>python3 main.py</a:t>
-            </a:r>
-            <a:endParaRPr kumimoji="1" lang="ja-JP" altLang="en-US" sz="4200" dirty="0"/>
-          </a:p>
-        </p:txBody>
-      </p:sp>
-      <p:sp>
-        <p:nvSpPr>
-          <p:cNvPr id="7" name="コンテンツ プレースホルダー 2">
-            <a:extLst>
-              <a:ext uri="{FF2B5EF4-FFF2-40B4-BE49-F238E27FC236}">
-                <a16:creationId xmlns:a16="http://schemas.microsoft.com/office/drawing/2014/main" id="{1582982C-1795-4BF2-A408-189B7E599881}"/>
-              </a:ext>
-            </a:extLst>
-          </p:cNvPr>
-          <p:cNvSpPr txBox="1">
-            <a:spLocks/>
-          </p:cNvSpPr>
-          <p:nvPr/>
-        </p:nvSpPr>
-        <p:spPr>
-          <a:xfrm>
-            <a:off x="628946" y="4681415"/>
-            <a:ext cx="10722708" cy="1625601"/>
-          </a:xfrm>
-          <a:prstGeom prst="rect">
-            <a:avLst/>
-          </a:prstGeom>
-        </p:spPr>
-        <p:txBody>
-          <a:bodyPr vert="horz" lIns="0" tIns="45720" rIns="0" bIns="45720" rtlCol="0">
-            <a:normAutofit/>
-          </a:bodyPr>
-          <a:lstStyle>
-            <a:lvl1pPr marL="91440" indent="-91440" algn="l" defTabSz="914400" rtl="0" eaLnBrk="1" latinLnBrk="0" hangingPunct="1">
-              <a:lnSpc>
-                <a:spcPct val="90000"/>
-              </a:lnSpc>
-              <a:spcBef>
-                <a:spcPts val="1200"/>
-              </a:spcBef>
-              <a:spcAft>
-                <a:spcPts val="200"/>
-              </a:spcAft>
-              <a:buClr>
-                <a:schemeClr val="accent1"/>
-              </a:buClr>
-              <a:buSzPct val="100000"/>
-              <a:buFont typeface="Calibri" panose="020F0502020204030204" pitchFamily="34" charset="0"/>
-              <a:buChar char=" "/>
-              <a:defRPr kumimoji="1" sz="2000" kern="1200">
-                <a:solidFill>
-                  <a:schemeClr val="tx1">
-                    <a:lumMod val="75000"/>
-                    <a:lumOff val="25000"/>
-                  </a:schemeClr>
-                </a:solidFill>
-                <a:latin typeface="+mn-lt"/>
-                <a:ea typeface="+mn-ea"/>
-                <a:cs typeface="+mn-cs"/>
-              </a:defRPr>
-            </a:lvl1pPr>
-            <a:lvl2pPr marL="384048" indent="-182880" algn="l" defTabSz="914400" rtl="0" eaLnBrk="1" latinLnBrk="0" hangingPunct="1">
-              <a:lnSpc>
-                <a:spcPct val="90000"/>
-              </a:lnSpc>
-              <a:spcBef>
-                <a:spcPts val="200"/>
-              </a:spcBef>
-              <a:spcAft>
-                <a:spcPts val="400"/>
-              </a:spcAft>
-              <a:buClr>
-                <a:schemeClr val="accent1"/>
-              </a:buClr>
-              <a:buFont typeface="Calibri" pitchFamily="34" charset="0"/>
-              <a:buChar char="◦"/>
-              <a:defRPr kumimoji="1" sz="1800" kern="1200">
-                <a:solidFill>
-                  <a:schemeClr val="tx1">
-                    <a:lumMod val="75000"/>
-                    <a:lumOff val="25000"/>
-                  </a:schemeClr>
-                </a:solidFill>
-                <a:latin typeface="+mn-lt"/>
-                <a:ea typeface="+mn-ea"/>
-                <a:cs typeface="+mn-cs"/>
-              </a:defRPr>
-            </a:lvl2pPr>
-            <a:lvl3pPr marL="566928" indent="-182880" algn="l" defTabSz="914400" rtl="0" eaLnBrk="1" latinLnBrk="0" hangingPunct="1">
-              <a:lnSpc>
-                <a:spcPct val="90000"/>
-              </a:lnSpc>
-              <a:spcBef>
-                <a:spcPts val="200"/>
-              </a:spcBef>
-              <a:spcAft>
-                <a:spcPts val="400"/>
-              </a:spcAft>
-              <a:buClr>
-                <a:schemeClr val="accent1"/>
-              </a:buClr>
-              <a:buFont typeface="Calibri" pitchFamily="34" charset="0"/>
-              <a:buChar char="◦"/>
-              <a:defRPr kumimoji="1" sz="1400" kern="1200">
-                <a:solidFill>
-                  <a:schemeClr val="tx1">
-                    <a:lumMod val="75000"/>
-                    <a:lumOff val="25000"/>
-                  </a:schemeClr>
-                </a:solidFill>
-                <a:latin typeface="+mn-lt"/>
-                <a:ea typeface="+mn-ea"/>
-                <a:cs typeface="+mn-cs"/>
-              </a:defRPr>
-            </a:lvl3pPr>
-            <a:lvl4pPr marL="749808" indent="-182880" algn="l" defTabSz="914400" rtl="0" eaLnBrk="1" latinLnBrk="0" hangingPunct="1">
-              <a:lnSpc>
-                <a:spcPct val="90000"/>
-              </a:lnSpc>
-              <a:spcBef>
-                <a:spcPts val="200"/>
-              </a:spcBef>
-              <a:spcAft>
-                <a:spcPts val="400"/>
-              </a:spcAft>
-              <a:buClr>
-                <a:schemeClr val="accent1"/>
-              </a:buClr>
-              <a:buFont typeface="Calibri" pitchFamily="34" charset="0"/>
-              <a:buChar char="◦"/>
-              <a:defRPr kumimoji="1" sz="1400" kern="1200">
-                <a:solidFill>
-                  <a:schemeClr val="tx1">
-                    <a:lumMod val="75000"/>
-                    <a:lumOff val="25000"/>
-                  </a:schemeClr>
-                </a:solidFill>
-                <a:latin typeface="+mn-lt"/>
-                <a:ea typeface="+mn-ea"/>
-                <a:cs typeface="+mn-cs"/>
-              </a:defRPr>
-            </a:lvl4pPr>
-            <a:lvl5pPr marL="932688" indent="-182880" algn="l" defTabSz="914400" rtl="0" eaLnBrk="1" latinLnBrk="0" hangingPunct="1">
-              <a:lnSpc>
-                <a:spcPct val="90000"/>
-              </a:lnSpc>
-              <a:spcBef>
-                <a:spcPts val="200"/>
-              </a:spcBef>
-              <a:spcAft>
-                <a:spcPts val="400"/>
-              </a:spcAft>
-              <a:buClr>
-                <a:schemeClr val="accent1"/>
-              </a:buClr>
-              <a:buFont typeface="Calibri" pitchFamily="34" charset="0"/>
-              <a:buChar char="◦"/>
-              <a:defRPr kumimoji="1" sz="1400" kern="1200">
-                <a:solidFill>
-                  <a:schemeClr val="tx1">
-                    <a:lumMod val="75000"/>
-                    <a:lumOff val="25000"/>
-                  </a:schemeClr>
-                </a:solidFill>
-                <a:latin typeface="+mn-lt"/>
-                <a:ea typeface="+mn-ea"/>
-                <a:cs typeface="+mn-cs"/>
-              </a:defRPr>
-            </a:lvl5pPr>
-            <a:lvl6pPr marL="1100000" indent="-228600" algn="l" defTabSz="914400" rtl="0" eaLnBrk="1" latinLnBrk="0" hangingPunct="1">
-              <a:lnSpc>
-                <a:spcPct val="90000"/>
-              </a:lnSpc>
-              <a:spcBef>
-                <a:spcPts val="200"/>
-              </a:spcBef>
-              <a:spcAft>
-                <a:spcPts val="400"/>
-              </a:spcAft>
-              <a:buClr>
-                <a:schemeClr val="accent1"/>
-              </a:buClr>
-              <a:buFont typeface="Calibri" pitchFamily="34" charset="0"/>
-              <a:buChar char="◦"/>
-              <a:defRPr kumimoji="1" sz="1400" kern="1200">
-                <a:solidFill>
-                  <a:schemeClr val="tx1">
-                    <a:lumMod val="75000"/>
-                    <a:lumOff val="25000"/>
-                  </a:schemeClr>
-                </a:solidFill>
-                <a:latin typeface="+mn-lt"/>
-                <a:ea typeface="+mn-ea"/>
-                <a:cs typeface="+mn-cs"/>
-              </a:defRPr>
-            </a:lvl6pPr>
-            <a:lvl7pPr marL="1300000" indent="-228600" algn="l" defTabSz="914400" rtl="0" eaLnBrk="1" latinLnBrk="0" hangingPunct="1">
-              <a:lnSpc>
-                <a:spcPct val="90000"/>
-              </a:lnSpc>
-              <a:spcBef>
-                <a:spcPts val="200"/>
-              </a:spcBef>
-              <a:spcAft>
-                <a:spcPts val="400"/>
-              </a:spcAft>
-              <a:buClr>
-                <a:schemeClr val="accent1"/>
-              </a:buClr>
-              <a:buFont typeface="Calibri" pitchFamily="34" charset="0"/>
-              <a:buChar char="◦"/>
-              <a:defRPr kumimoji="1" sz="1400" kern="1200">
-                <a:solidFill>
-                  <a:schemeClr val="tx1">
-                    <a:lumMod val="75000"/>
-                    <a:lumOff val="25000"/>
-                  </a:schemeClr>
-                </a:solidFill>
-                <a:latin typeface="+mn-lt"/>
-                <a:ea typeface="+mn-ea"/>
-                <a:cs typeface="+mn-cs"/>
-              </a:defRPr>
-            </a:lvl7pPr>
-            <a:lvl8pPr marL="1500000" indent="-228600" algn="l" defTabSz="914400" rtl="0" eaLnBrk="1" latinLnBrk="0" hangingPunct="1">
-              <a:lnSpc>
-                <a:spcPct val="90000"/>
-              </a:lnSpc>
-              <a:spcBef>
-                <a:spcPts val="200"/>
-              </a:spcBef>
-              <a:spcAft>
-                <a:spcPts val="400"/>
-              </a:spcAft>
-              <a:buClr>
-                <a:schemeClr val="accent1"/>
-              </a:buClr>
-              <a:buFont typeface="Calibri" pitchFamily="34" charset="0"/>
-              <a:buChar char="◦"/>
-              <a:defRPr kumimoji="1" sz="1400" kern="1200">
-                <a:solidFill>
-                  <a:schemeClr val="tx1">
-                    <a:lumMod val="75000"/>
-                    <a:lumOff val="25000"/>
-                  </a:schemeClr>
-                </a:solidFill>
-                <a:latin typeface="+mn-lt"/>
-                <a:ea typeface="+mn-ea"/>
-                <a:cs typeface="+mn-cs"/>
-              </a:defRPr>
-            </a:lvl8pPr>
-            <a:lvl9pPr marL="1700000" indent="-228600" algn="l" defTabSz="914400" rtl="0" eaLnBrk="1" latinLnBrk="0" hangingPunct="1">
-              <a:lnSpc>
-                <a:spcPct val="90000"/>
-              </a:lnSpc>
-              <a:spcBef>
-                <a:spcPts val="200"/>
-              </a:spcBef>
-              <a:spcAft>
-                <a:spcPts val="400"/>
-              </a:spcAft>
-              <a:buClr>
-                <a:schemeClr val="accent1"/>
-              </a:buClr>
-              <a:buFont typeface="Calibri" pitchFamily="34" charset="0"/>
-              <a:buChar char="◦"/>
-              <a:defRPr kumimoji="1" sz="1400" kern="1200">
-                <a:solidFill>
-                  <a:schemeClr val="tx1">
-                    <a:lumMod val="75000"/>
-                    <a:lumOff val="25000"/>
-                  </a:schemeClr>
-                </a:solidFill>
-                <a:latin typeface="+mn-lt"/>
-                <a:ea typeface="+mn-ea"/>
-                <a:cs typeface="+mn-cs"/>
-              </a:defRPr>
-            </a:lvl9pPr>
-          </a:lstStyle>
-          <a:p>
-            <a:pPr lvl="1"/>
-            <a:r>
-              <a:rPr lang="ja-JP" altLang="en-US" dirty="0"/>
-              <a:t>終了する場合は</a:t>
-            </a:r>
-            <a:endParaRPr lang="en-US" altLang="ja-JP" dirty="0"/>
-          </a:p>
-          <a:p>
-            <a:pPr lvl="2"/>
-            <a:r>
-              <a:rPr lang="ja-JP" altLang="en-US" dirty="0"/>
-              <a:t>コマンドプロンプト（</a:t>
-            </a:r>
-            <a:r>
-              <a:rPr lang="en-US" altLang="ja-JP" dirty="0"/>
-              <a:t>PowerShell</a:t>
-            </a:r>
-            <a:r>
-              <a:rPr lang="ja-JP" altLang="en-US" dirty="0"/>
-              <a:t>）上で「</a:t>
-            </a:r>
-            <a:r>
-              <a:rPr lang="en-US" altLang="ja-JP" dirty="0" err="1"/>
-              <a:t>Ctrl+C</a:t>
-            </a:r>
-            <a:r>
-              <a:rPr lang="ja-JP" altLang="en-US" dirty="0"/>
-              <a:t>」を連打</a:t>
-            </a:r>
-            <a:endParaRPr lang="en-US" altLang="ja-JP" dirty="0"/>
-          </a:p>
-          <a:p>
-            <a:pPr lvl="2"/>
-            <a:r>
-              <a:rPr lang="ja-JP" altLang="en-US" dirty="0"/>
-              <a:t>カメラウィンドウ上で「</a:t>
-            </a:r>
-            <a:r>
-              <a:rPr lang="en-US" altLang="ja-JP" dirty="0"/>
-              <a:t>Q</a:t>
-            </a:r>
-            <a:r>
-              <a:rPr lang="ja-JP" altLang="en-US" dirty="0"/>
-              <a:t>」ボタンを押す</a:t>
-            </a:r>
-            <a:endParaRPr lang="en-US" altLang="ja-JP" dirty="0"/>
           </a:p>
           <a:p>
             <a:pPr lvl="2"/>
@@ -7834,308 +7496,109 @@
           <a:p>
             <a:pPr lvl="1"/>
             <a:r>
+              <a:rPr kumimoji="1" lang="en-US" altLang="ja-JP" dirty="0"/>
+              <a:t>Visual Studio C</a:t>
+            </a:r>
+            <a:r>
+              <a:rPr lang="en-US" altLang="ja-JP" dirty="0"/>
+              <a:t>ode</a:t>
+            </a:r>
+            <a:r>
               <a:rPr lang="ja-JP" altLang="en-US" dirty="0"/>
-              <a:t>ソース編集後，変更内容を適用するためには一度アプリケーションを終了して再立上げする必要があります</a:t>
+              <a:t>（おすすめ）</a:t>
             </a:r>
             <a:endParaRPr lang="en-US" altLang="ja-JP" dirty="0"/>
           </a:p>
-        </p:txBody>
-      </p:sp>
-      <p:sp>
-        <p:nvSpPr>
-          <p:cNvPr id="6" name="コンテンツ プレースホルダー 2">
-            <a:extLst>
-              <a:ext uri="{FF2B5EF4-FFF2-40B4-BE49-F238E27FC236}">
-                <a16:creationId xmlns:a16="http://schemas.microsoft.com/office/drawing/2014/main" id="{C6817ECA-5CE1-4EE3-9667-D037946F7B26}"/>
-              </a:ext>
-            </a:extLst>
-          </p:cNvPr>
-          <p:cNvSpPr txBox="1">
-            <a:spLocks/>
-          </p:cNvSpPr>
-          <p:nvPr/>
-        </p:nvSpPr>
-        <p:spPr>
-          <a:xfrm>
-            <a:off x="1097280" y="2904360"/>
-            <a:ext cx="8554720" cy="738664"/>
-          </a:xfrm>
-          <a:prstGeom prst="rect">
-            <a:avLst/>
-          </a:prstGeom>
-        </p:spPr>
-        <p:txBody>
-          <a:bodyPr vert="horz" lIns="0" tIns="45720" rIns="0" bIns="45720" rtlCol="0">
-            <a:normAutofit/>
-          </a:bodyPr>
-          <a:lstStyle>
-            <a:lvl1pPr marL="91440" indent="-91440" algn="l" defTabSz="914400" rtl="0" eaLnBrk="1" latinLnBrk="0" hangingPunct="1">
-              <a:lnSpc>
-                <a:spcPct val="90000"/>
-              </a:lnSpc>
-              <a:spcBef>
-                <a:spcPts val="1200"/>
-              </a:spcBef>
-              <a:spcAft>
-                <a:spcPts val="200"/>
-              </a:spcAft>
-              <a:buClr>
-                <a:schemeClr val="accent1"/>
-              </a:buClr>
-              <a:buSzPct val="100000"/>
-              <a:buFont typeface="Calibri" panose="020F0502020204030204" pitchFamily="34" charset="0"/>
-              <a:buChar char=" "/>
-              <a:defRPr kumimoji="1" sz="2000" kern="1200">
-                <a:solidFill>
-                  <a:schemeClr val="tx1">
-                    <a:lumMod val="75000"/>
-                    <a:lumOff val="25000"/>
-                  </a:schemeClr>
-                </a:solidFill>
-                <a:latin typeface="+mn-lt"/>
-                <a:ea typeface="+mn-ea"/>
-                <a:cs typeface="+mn-cs"/>
-              </a:defRPr>
-            </a:lvl1pPr>
-            <a:lvl2pPr marL="384048" indent="-182880" algn="l" defTabSz="914400" rtl="0" eaLnBrk="1" latinLnBrk="0" hangingPunct="1">
-              <a:lnSpc>
-                <a:spcPct val="90000"/>
-              </a:lnSpc>
-              <a:spcBef>
-                <a:spcPts val="200"/>
-              </a:spcBef>
-              <a:spcAft>
-                <a:spcPts val="400"/>
-              </a:spcAft>
-              <a:buClr>
-                <a:schemeClr val="accent1"/>
-              </a:buClr>
-              <a:buFont typeface="Calibri" pitchFamily="34" charset="0"/>
-              <a:buChar char="◦"/>
-              <a:defRPr kumimoji="1" sz="1800" kern="1200">
-                <a:solidFill>
-                  <a:schemeClr val="tx1">
-                    <a:lumMod val="75000"/>
-                    <a:lumOff val="25000"/>
-                  </a:schemeClr>
-                </a:solidFill>
-                <a:latin typeface="+mn-lt"/>
-                <a:ea typeface="+mn-ea"/>
-                <a:cs typeface="+mn-cs"/>
-              </a:defRPr>
-            </a:lvl2pPr>
-            <a:lvl3pPr marL="566928" indent="-182880" algn="l" defTabSz="914400" rtl="0" eaLnBrk="1" latinLnBrk="0" hangingPunct="1">
-              <a:lnSpc>
-                <a:spcPct val="90000"/>
-              </a:lnSpc>
-              <a:spcBef>
-                <a:spcPts val="200"/>
-              </a:spcBef>
-              <a:spcAft>
-                <a:spcPts val="400"/>
-              </a:spcAft>
-              <a:buClr>
-                <a:schemeClr val="accent1"/>
-              </a:buClr>
-              <a:buFont typeface="Calibri" pitchFamily="34" charset="0"/>
-              <a:buChar char="◦"/>
-              <a:defRPr kumimoji="1" sz="1400" kern="1200">
-                <a:solidFill>
-                  <a:schemeClr val="tx1">
-                    <a:lumMod val="75000"/>
-                    <a:lumOff val="25000"/>
-                  </a:schemeClr>
-                </a:solidFill>
-                <a:latin typeface="+mn-lt"/>
-                <a:ea typeface="+mn-ea"/>
-                <a:cs typeface="+mn-cs"/>
-              </a:defRPr>
-            </a:lvl3pPr>
-            <a:lvl4pPr marL="749808" indent="-182880" algn="l" defTabSz="914400" rtl="0" eaLnBrk="1" latinLnBrk="0" hangingPunct="1">
-              <a:lnSpc>
-                <a:spcPct val="90000"/>
-              </a:lnSpc>
-              <a:spcBef>
-                <a:spcPts val="200"/>
-              </a:spcBef>
-              <a:spcAft>
-                <a:spcPts val="400"/>
-              </a:spcAft>
-              <a:buClr>
-                <a:schemeClr val="accent1"/>
-              </a:buClr>
-              <a:buFont typeface="Calibri" pitchFamily="34" charset="0"/>
-              <a:buChar char="◦"/>
-              <a:defRPr kumimoji="1" sz="1400" kern="1200">
-                <a:solidFill>
-                  <a:schemeClr val="tx1">
-                    <a:lumMod val="75000"/>
-                    <a:lumOff val="25000"/>
-                  </a:schemeClr>
-                </a:solidFill>
-                <a:latin typeface="+mn-lt"/>
-                <a:ea typeface="+mn-ea"/>
-                <a:cs typeface="+mn-cs"/>
-              </a:defRPr>
-            </a:lvl4pPr>
-            <a:lvl5pPr marL="932688" indent="-182880" algn="l" defTabSz="914400" rtl="0" eaLnBrk="1" latinLnBrk="0" hangingPunct="1">
-              <a:lnSpc>
-                <a:spcPct val="90000"/>
-              </a:lnSpc>
-              <a:spcBef>
-                <a:spcPts val="200"/>
-              </a:spcBef>
-              <a:spcAft>
-                <a:spcPts val="400"/>
-              </a:spcAft>
-              <a:buClr>
-                <a:schemeClr val="accent1"/>
-              </a:buClr>
-              <a:buFont typeface="Calibri" pitchFamily="34" charset="0"/>
-              <a:buChar char="◦"/>
-              <a:defRPr kumimoji="1" sz="1400" kern="1200">
-                <a:solidFill>
-                  <a:schemeClr val="tx1">
-                    <a:lumMod val="75000"/>
-                    <a:lumOff val="25000"/>
-                  </a:schemeClr>
-                </a:solidFill>
-                <a:latin typeface="+mn-lt"/>
-                <a:ea typeface="+mn-ea"/>
-                <a:cs typeface="+mn-cs"/>
-              </a:defRPr>
-            </a:lvl5pPr>
-            <a:lvl6pPr marL="1100000" indent="-228600" algn="l" defTabSz="914400" rtl="0" eaLnBrk="1" latinLnBrk="0" hangingPunct="1">
-              <a:lnSpc>
-                <a:spcPct val="90000"/>
-              </a:lnSpc>
-              <a:spcBef>
-                <a:spcPts val="200"/>
-              </a:spcBef>
-              <a:spcAft>
-                <a:spcPts val="400"/>
-              </a:spcAft>
-              <a:buClr>
-                <a:schemeClr val="accent1"/>
-              </a:buClr>
-              <a:buFont typeface="Calibri" pitchFamily="34" charset="0"/>
-              <a:buChar char="◦"/>
-              <a:defRPr kumimoji="1" sz="1400" kern="1200">
-                <a:solidFill>
-                  <a:schemeClr val="tx1">
-                    <a:lumMod val="75000"/>
-                    <a:lumOff val="25000"/>
-                  </a:schemeClr>
-                </a:solidFill>
-                <a:latin typeface="+mn-lt"/>
-                <a:ea typeface="+mn-ea"/>
-                <a:cs typeface="+mn-cs"/>
-              </a:defRPr>
-            </a:lvl6pPr>
-            <a:lvl7pPr marL="1300000" indent="-228600" algn="l" defTabSz="914400" rtl="0" eaLnBrk="1" latinLnBrk="0" hangingPunct="1">
-              <a:lnSpc>
-                <a:spcPct val="90000"/>
-              </a:lnSpc>
-              <a:spcBef>
-                <a:spcPts val="200"/>
-              </a:spcBef>
-              <a:spcAft>
-                <a:spcPts val="400"/>
-              </a:spcAft>
-              <a:buClr>
-                <a:schemeClr val="accent1"/>
-              </a:buClr>
-              <a:buFont typeface="Calibri" pitchFamily="34" charset="0"/>
-              <a:buChar char="◦"/>
-              <a:defRPr kumimoji="1" sz="1400" kern="1200">
-                <a:solidFill>
-                  <a:schemeClr val="tx1">
-                    <a:lumMod val="75000"/>
-                    <a:lumOff val="25000"/>
-                  </a:schemeClr>
-                </a:solidFill>
-                <a:latin typeface="+mn-lt"/>
-                <a:ea typeface="+mn-ea"/>
-                <a:cs typeface="+mn-cs"/>
-              </a:defRPr>
-            </a:lvl7pPr>
-            <a:lvl8pPr marL="1500000" indent="-228600" algn="l" defTabSz="914400" rtl="0" eaLnBrk="1" latinLnBrk="0" hangingPunct="1">
-              <a:lnSpc>
-                <a:spcPct val="90000"/>
-              </a:lnSpc>
-              <a:spcBef>
-                <a:spcPts val="200"/>
-              </a:spcBef>
-              <a:spcAft>
-                <a:spcPts val="400"/>
-              </a:spcAft>
-              <a:buClr>
-                <a:schemeClr val="accent1"/>
-              </a:buClr>
-              <a:buFont typeface="Calibri" pitchFamily="34" charset="0"/>
-              <a:buChar char="◦"/>
-              <a:defRPr kumimoji="1" sz="1400" kern="1200">
-                <a:solidFill>
-                  <a:schemeClr val="tx1">
-                    <a:lumMod val="75000"/>
-                    <a:lumOff val="25000"/>
-                  </a:schemeClr>
-                </a:solidFill>
-                <a:latin typeface="+mn-lt"/>
-                <a:ea typeface="+mn-ea"/>
-                <a:cs typeface="+mn-cs"/>
-              </a:defRPr>
-            </a:lvl8pPr>
-            <a:lvl9pPr marL="1700000" indent="-228600" algn="l" defTabSz="914400" rtl="0" eaLnBrk="1" latinLnBrk="0" hangingPunct="1">
-              <a:lnSpc>
-                <a:spcPct val="90000"/>
-              </a:lnSpc>
-              <a:spcBef>
-                <a:spcPts val="200"/>
-              </a:spcBef>
-              <a:spcAft>
-                <a:spcPts val="400"/>
-              </a:spcAft>
-              <a:buClr>
-                <a:schemeClr val="accent1"/>
-              </a:buClr>
-              <a:buFont typeface="Calibri" pitchFamily="34" charset="0"/>
-              <a:buChar char="◦"/>
-              <a:defRPr kumimoji="1" sz="1400" kern="1200">
-                <a:solidFill>
-                  <a:schemeClr val="tx1">
-                    <a:lumMod val="75000"/>
-                    <a:lumOff val="25000"/>
-                  </a:schemeClr>
-                </a:solidFill>
-                <a:latin typeface="+mn-lt"/>
-                <a:ea typeface="+mn-ea"/>
-                <a:cs typeface="+mn-cs"/>
-              </a:defRPr>
-            </a:lvl9pPr>
-          </a:lstStyle>
+          <a:p>
+            <a:pPr lvl="2"/>
+            <a:r>
+              <a:rPr kumimoji="1" lang="en-US" altLang="ja-JP" dirty="0">
+                <a:hlinkClick r:id="rId2"/>
+              </a:rPr>
+              <a:t>https://azure.microsoft.com/ja-jp/products/visual-studio-code/</a:t>
+            </a:r>
+            <a:endParaRPr kumimoji="1" lang="en-US" altLang="ja-JP" dirty="0"/>
+          </a:p>
           <a:p>
             <a:pPr lvl="1"/>
-            <a:r>
-              <a:rPr lang="ja-JP" altLang="en-US" dirty="0"/>
-              <a:t>実行時はコマンドプロンプト（</a:t>
-            </a:r>
-            <a:r>
-              <a:rPr lang="en-US" altLang="ja-JP" dirty="0"/>
-              <a:t>PowerShell</a:t>
-            </a:r>
-            <a:r>
-              <a:rPr lang="ja-JP" altLang="en-US" dirty="0"/>
-              <a:t>）で下記コマンドを実行</a:t>
-            </a:r>
+            <a:endParaRPr kumimoji="1" lang="en-US" altLang="ja-JP" dirty="0"/>
+          </a:p>
+          <a:p>
+            <a:pPr lvl="1"/>
+            <a:r>
+              <a:rPr kumimoji="1" lang="en-US" altLang="ja-JP" dirty="0" err="1"/>
+              <a:t>Terapad</a:t>
+            </a:r>
+            <a:endParaRPr kumimoji="1" lang="en-US" altLang="ja-JP" dirty="0"/>
+          </a:p>
+          <a:p>
+            <a:pPr lvl="2"/>
+            <a:r>
+              <a:rPr kumimoji="1" lang="en-US" altLang="ja-JP" dirty="0">
+                <a:hlinkClick r:id="rId3"/>
+              </a:rPr>
+              <a:t>https://tera-net.com/library/tpad.html</a:t>
+            </a:r>
+            <a:endParaRPr kumimoji="1" lang="en-US" altLang="ja-JP" dirty="0"/>
+          </a:p>
+          <a:p>
+            <a:pPr lvl="2"/>
             <a:endParaRPr lang="en-US" altLang="ja-JP" dirty="0"/>
+          </a:p>
+          <a:p>
+            <a:pPr lvl="1"/>
+            <a:r>
+              <a:rPr kumimoji="1" lang="ja-JP" altLang="en-US" dirty="0"/>
+              <a:t>サクラエディタ</a:t>
+            </a:r>
+            <a:endParaRPr kumimoji="1" lang="en-US" altLang="ja-JP" dirty="0"/>
+          </a:p>
+          <a:p>
+            <a:pPr lvl="2"/>
+            <a:r>
+              <a:rPr kumimoji="1" lang="en-US" altLang="ja-JP" dirty="0">
+                <a:hlinkClick r:id="rId4"/>
+              </a:rPr>
+              <a:t>https://sakura-editor.github.io/</a:t>
+            </a:r>
+            <a:endParaRPr kumimoji="1" lang="en-US" altLang="ja-JP" dirty="0"/>
+          </a:p>
+          <a:p>
+            <a:pPr lvl="2"/>
+            <a:endParaRPr lang="en-US" altLang="ja-JP" dirty="0"/>
+          </a:p>
+          <a:p>
+            <a:pPr lvl="1"/>
+            <a:r>
+              <a:rPr kumimoji="1" lang="ja-JP" altLang="en-US" dirty="0"/>
+              <a:t>秀丸エディタ</a:t>
+            </a:r>
+            <a:endParaRPr kumimoji="1" lang="en-US" altLang="ja-JP" dirty="0"/>
+          </a:p>
+          <a:p>
+            <a:pPr lvl="2"/>
+            <a:r>
+              <a:rPr kumimoji="1" lang="en-US" altLang="ja-JP" dirty="0">
+                <a:hlinkClick r:id="rId5"/>
+              </a:rPr>
+              <a:t>https://hide.maruo.co.jp/software/hidemaru.html</a:t>
+            </a:r>
+            <a:endParaRPr kumimoji="1" lang="en-US" altLang="ja-JP" dirty="0"/>
+          </a:p>
+          <a:p>
+            <a:pPr lvl="2"/>
+            <a:endParaRPr kumimoji="1" lang="en-US" altLang="ja-JP" dirty="0"/>
+          </a:p>
+          <a:p>
+            <a:pPr lvl="1"/>
+            <a:endParaRPr kumimoji="1" lang="ja-JP" altLang="en-US" dirty="0"/>
           </a:p>
         </p:txBody>
       </p:sp>
     </p:spTree>
     <p:extLst>
       <p:ext uri="{BB962C8B-B14F-4D97-AF65-F5344CB8AC3E}">
-        <p14:creationId xmlns:p14="http://schemas.microsoft.com/office/powerpoint/2010/main" val="3057168568"/>
+        <p14:creationId xmlns:p14="http://schemas.microsoft.com/office/powerpoint/2010/main" val="2462899528"/>
       </p:ext>
     </p:extLst>
   </p:cSld>
@@ -8186,13 +7649,10 @@
           <a:lstStyle/>
           <a:p>
             <a:r>
-              <a:rPr kumimoji="1" lang="en-US" altLang="ja-JP" sz="3600" dirty="0"/>
-              <a:t>QR</a:t>
-            </a:r>
-            <a:r>
-              <a:rPr kumimoji="1" lang="ja-JP" altLang="en-US" sz="3600" dirty="0"/>
-              <a:t>コードを用意します</a:t>
-            </a:r>
+              <a:rPr lang="ja-JP" altLang="en-US" sz="3600" dirty="0"/>
+              <a:t>コードを実装します</a:t>
+            </a:r>
+            <a:endParaRPr kumimoji="1" lang="ja-JP" altLang="en-US" sz="3600" dirty="0"/>
           </a:p>
         </p:txBody>
       </p:sp>
@@ -8214,159 +7674,389 @@
         </p:nvSpPr>
         <p:spPr>
           <a:xfrm>
-            <a:off x="1097279" y="1845733"/>
-            <a:ext cx="9859889" cy="3953934"/>
+            <a:off x="1097280" y="1845734"/>
+            <a:ext cx="8554720" cy="738664"/>
           </a:xfrm>
         </p:spPr>
         <p:txBody>
           <a:bodyPr>
-            <a:normAutofit fontScale="92500" lnSpcReduction="20000"/>
+            <a:normAutofit/>
           </a:bodyPr>
           <a:lstStyle/>
           <a:p>
             <a:pPr lvl="1"/>
             <a:r>
+              <a:rPr kumimoji="1" lang="ja-JP" altLang="en-US" dirty="0"/>
+              <a:t>実習を行うディレクトリにファイルを作成します</a:t>
+            </a:r>
+            <a:endParaRPr kumimoji="1" lang="en-US" altLang="ja-JP" dirty="0"/>
+          </a:p>
+          <a:p>
+            <a:pPr lvl="1"/>
+            <a:r>
               <a:rPr lang="ja-JP" altLang="en-US" dirty="0"/>
-              <a:t>手元に実際に読み取るための</a:t>
+              <a:t>（実習ファイル群にサンプルコードが添付されているので設置します）</a:t>
+            </a:r>
+            <a:endParaRPr lang="en-US" altLang="ja-JP" dirty="0"/>
+          </a:p>
+        </p:txBody>
+      </p:sp>
+      <p:sp>
+        <p:nvSpPr>
+          <p:cNvPr id="4" name="テキスト ボックス 3">
+            <a:extLst>
+              <a:ext uri="{FF2B5EF4-FFF2-40B4-BE49-F238E27FC236}">
+                <a16:creationId xmlns:a16="http://schemas.microsoft.com/office/drawing/2014/main" id="{22757ADC-A29E-470F-A953-A0EF5A87EB33}"/>
+              </a:ext>
+            </a:extLst>
+          </p:cNvPr>
+          <p:cNvSpPr txBox="1"/>
+          <p:nvPr/>
+        </p:nvSpPr>
+        <p:spPr>
+          <a:xfrm>
+            <a:off x="2095708" y="3423555"/>
+            <a:ext cx="3894592" cy="738664"/>
+          </a:xfrm>
+          <a:prstGeom prst="rect">
+            <a:avLst/>
+          </a:prstGeom>
+          <a:noFill/>
+        </p:spPr>
+        <p:txBody>
+          <a:bodyPr wrap="none" rtlCol="0">
+            <a:spAutoFit/>
+          </a:bodyPr>
+          <a:lstStyle/>
+          <a:p>
+            <a:r>
+              <a:rPr kumimoji="1" lang="en-US" altLang="ja-JP" sz="4200" dirty="0"/>
+              <a:t>python3 main.py</a:t>
+            </a:r>
+            <a:endParaRPr kumimoji="1" lang="ja-JP" altLang="en-US" sz="4200" dirty="0"/>
+          </a:p>
+        </p:txBody>
+      </p:sp>
+      <p:sp>
+        <p:nvSpPr>
+          <p:cNvPr id="7" name="コンテンツ プレースホルダー 2">
+            <a:extLst>
+              <a:ext uri="{FF2B5EF4-FFF2-40B4-BE49-F238E27FC236}">
+                <a16:creationId xmlns:a16="http://schemas.microsoft.com/office/drawing/2014/main" id="{1582982C-1795-4BF2-A408-189B7E599881}"/>
+              </a:ext>
+            </a:extLst>
+          </p:cNvPr>
+          <p:cNvSpPr txBox="1">
+            <a:spLocks/>
+          </p:cNvSpPr>
+          <p:nvPr/>
+        </p:nvSpPr>
+        <p:spPr>
+          <a:xfrm>
+            <a:off x="628946" y="4681415"/>
+            <a:ext cx="10722708" cy="1625601"/>
+          </a:xfrm>
+          <a:prstGeom prst="rect">
+            <a:avLst/>
+          </a:prstGeom>
+        </p:spPr>
+        <p:txBody>
+          <a:bodyPr vert="horz" lIns="0" tIns="45720" rIns="0" bIns="45720" rtlCol="0">
+            <a:normAutofit/>
+          </a:bodyPr>
+          <a:lstStyle>
+            <a:lvl1pPr marL="91440" indent="-91440" algn="l" defTabSz="914400" rtl="0" eaLnBrk="1" latinLnBrk="0" hangingPunct="1">
+              <a:lnSpc>
+                <a:spcPct val="90000"/>
+              </a:lnSpc>
+              <a:spcBef>
+                <a:spcPts val="1200"/>
+              </a:spcBef>
+              <a:spcAft>
+                <a:spcPts val="200"/>
+              </a:spcAft>
+              <a:buClr>
+                <a:schemeClr val="accent1"/>
+              </a:buClr>
+              <a:buSzPct val="100000"/>
+              <a:buFont typeface="Calibri" panose="020F0502020204030204" pitchFamily="34" charset="0"/>
+              <a:buChar char=" "/>
+              <a:defRPr kumimoji="1" sz="2000" kern="1200">
+                <a:solidFill>
+                  <a:schemeClr val="tx1">
+                    <a:lumMod val="75000"/>
+                    <a:lumOff val="25000"/>
+                  </a:schemeClr>
+                </a:solidFill>
+                <a:latin typeface="+mn-lt"/>
+                <a:ea typeface="+mn-ea"/>
+                <a:cs typeface="+mn-cs"/>
+              </a:defRPr>
+            </a:lvl1pPr>
+            <a:lvl2pPr marL="384048" indent="-182880" algn="l" defTabSz="914400" rtl="0" eaLnBrk="1" latinLnBrk="0" hangingPunct="1">
+              <a:lnSpc>
+                <a:spcPct val="90000"/>
+              </a:lnSpc>
+              <a:spcBef>
+                <a:spcPts val="200"/>
+              </a:spcBef>
+              <a:spcAft>
+                <a:spcPts val="400"/>
+              </a:spcAft>
+              <a:buClr>
+                <a:schemeClr val="accent1"/>
+              </a:buClr>
+              <a:buFont typeface="Calibri" pitchFamily="34" charset="0"/>
+              <a:buChar char="◦"/>
+              <a:defRPr kumimoji="1" sz="1800" kern="1200">
+                <a:solidFill>
+                  <a:schemeClr val="tx1">
+                    <a:lumMod val="75000"/>
+                    <a:lumOff val="25000"/>
+                  </a:schemeClr>
+                </a:solidFill>
+                <a:latin typeface="+mn-lt"/>
+                <a:ea typeface="+mn-ea"/>
+                <a:cs typeface="+mn-cs"/>
+              </a:defRPr>
+            </a:lvl2pPr>
+            <a:lvl3pPr marL="566928" indent="-182880" algn="l" defTabSz="914400" rtl="0" eaLnBrk="1" latinLnBrk="0" hangingPunct="1">
+              <a:lnSpc>
+                <a:spcPct val="90000"/>
+              </a:lnSpc>
+              <a:spcBef>
+                <a:spcPts val="200"/>
+              </a:spcBef>
+              <a:spcAft>
+                <a:spcPts val="400"/>
+              </a:spcAft>
+              <a:buClr>
+                <a:schemeClr val="accent1"/>
+              </a:buClr>
+              <a:buFont typeface="Calibri" pitchFamily="34" charset="0"/>
+              <a:buChar char="◦"/>
+              <a:defRPr kumimoji="1" sz="1400" kern="1200">
+                <a:solidFill>
+                  <a:schemeClr val="tx1">
+                    <a:lumMod val="75000"/>
+                    <a:lumOff val="25000"/>
+                  </a:schemeClr>
+                </a:solidFill>
+                <a:latin typeface="+mn-lt"/>
+                <a:ea typeface="+mn-ea"/>
+                <a:cs typeface="+mn-cs"/>
+              </a:defRPr>
+            </a:lvl3pPr>
+            <a:lvl4pPr marL="749808" indent="-182880" algn="l" defTabSz="914400" rtl="0" eaLnBrk="1" latinLnBrk="0" hangingPunct="1">
+              <a:lnSpc>
+                <a:spcPct val="90000"/>
+              </a:lnSpc>
+              <a:spcBef>
+                <a:spcPts val="200"/>
+              </a:spcBef>
+              <a:spcAft>
+                <a:spcPts val="400"/>
+              </a:spcAft>
+              <a:buClr>
+                <a:schemeClr val="accent1"/>
+              </a:buClr>
+              <a:buFont typeface="Calibri" pitchFamily="34" charset="0"/>
+              <a:buChar char="◦"/>
+              <a:defRPr kumimoji="1" sz="1400" kern="1200">
+                <a:solidFill>
+                  <a:schemeClr val="tx1">
+                    <a:lumMod val="75000"/>
+                    <a:lumOff val="25000"/>
+                  </a:schemeClr>
+                </a:solidFill>
+                <a:latin typeface="+mn-lt"/>
+                <a:ea typeface="+mn-ea"/>
+                <a:cs typeface="+mn-cs"/>
+              </a:defRPr>
+            </a:lvl4pPr>
+            <a:lvl5pPr marL="932688" indent="-182880" algn="l" defTabSz="914400" rtl="0" eaLnBrk="1" latinLnBrk="0" hangingPunct="1">
+              <a:lnSpc>
+                <a:spcPct val="90000"/>
+              </a:lnSpc>
+              <a:spcBef>
+                <a:spcPts val="200"/>
+              </a:spcBef>
+              <a:spcAft>
+                <a:spcPts val="400"/>
+              </a:spcAft>
+              <a:buClr>
+                <a:schemeClr val="accent1"/>
+              </a:buClr>
+              <a:buFont typeface="Calibri" pitchFamily="34" charset="0"/>
+              <a:buChar char="◦"/>
+              <a:defRPr kumimoji="1" sz="1400" kern="1200">
+                <a:solidFill>
+                  <a:schemeClr val="tx1">
+                    <a:lumMod val="75000"/>
+                    <a:lumOff val="25000"/>
+                  </a:schemeClr>
+                </a:solidFill>
+                <a:latin typeface="+mn-lt"/>
+                <a:ea typeface="+mn-ea"/>
+                <a:cs typeface="+mn-cs"/>
+              </a:defRPr>
+            </a:lvl5pPr>
+            <a:lvl6pPr marL="1100000" indent="-228600" algn="l" defTabSz="914400" rtl="0" eaLnBrk="1" latinLnBrk="0" hangingPunct="1">
+              <a:lnSpc>
+                <a:spcPct val="90000"/>
+              </a:lnSpc>
+              <a:spcBef>
+                <a:spcPts val="200"/>
+              </a:spcBef>
+              <a:spcAft>
+                <a:spcPts val="400"/>
+              </a:spcAft>
+              <a:buClr>
+                <a:schemeClr val="accent1"/>
+              </a:buClr>
+              <a:buFont typeface="Calibri" pitchFamily="34" charset="0"/>
+              <a:buChar char="◦"/>
+              <a:defRPr kumimoji="1" sz="1400" kern="1200">
+                <a:solidFill>
+                  <a:schemeClr val="tx1">
+                    <a:lumMod val="75000"/>
+                    <a:lumOff val="25000"/>
+                  </a:schemeClr>
+                </a:solidFill>
+                <a:latin typeface="+mn-lt"/>
+                <a:ea typeface="+mn-ea"/>
+                <a:cs typeface="+mn-cs"/>
+              </a:defRPr>
+            </a:lvl6pPr>
+            <a:lvl7pPr marL="1300000" indent="-228600" algn="l" defTabSz="914400" rtl="0" eaLnBrk="1" latinLnBrk="0" hangingPunct="1">
+              <a:lnSpc>
+                <a:spcPct val="90000"/>
+              </a:lnSpc>
+              <a:spcBef>
+                <a:spcPts val="200"/>
+              </a:spcBef>
+              <a:spcAft>
+                <a:spcPts val="400"/>
+              </a:spcAft>
+              <a:buClr>
+                <a:schemeClr val="accent1"/>
+              </a:buClr>
+              <a:buFont typeface="Calibri" pitchFamily="34" charset="0"/>
+              <a:buChar char="◦"/>
+              <a:defRPr kumimoji="1" sz="1400" kern="1200">
+                <a:solidFill>
+                  <a:schemeClr val="tx1">
+                    <a:lumMod val="75000"/>
+                    <a:lumOff val="25000"/>
+                  </a:schemeClr>
+                </a:solidFill>
+                <a:latin typeface="+mn-lt"/>
+                <a:ea typeface="+mn-ea"/>
+                <a:cs typeface="+mn-cs"/>
+              </a:defRPr>
+            </a:lvl7pPr>
+            <a:lvl8pPr marL="1500000" indent="-228600" algn="l" defTabSz="914400" rtl="0" eaLnBrk="1" latinLnBrk="0" hangingPunct="1">
+              <a:lnSpc>
+                <a:spcPct val="90000"/>
+              </a:lnSpc>
+              <a:spcBef>
+                <a:spcPts val="200"/>
+              </a:spcBef>
+              <a:spcAft>
+                <a:spcPts val="400"/>
+              </a:spcAft>
+              <a:buClr>
+                <a:schemeClr val="accent1"/>
+              </a:buClr>
+              <a:buFont typeface="Calibri" pitchFamily="34" charset="0"/>
+              <a:buChar char="◦"/>
+              <a:defRPr kumimoji="1" sz="1400" kern="1200">
+                <a:solidFill>
+                  <a:schemeClr val="tx1">
+                    <a:lumMod val="75000"/>
+                    <a:lumOff val="25000"/>
+                  </a:schemeClr>
+                </a:solidFill>
+                <a:latin typeface="+mn-lt"/>
+                <a:ea typeface="+mn-ea"/>
+                <a:cs typeface="+mn-cs"/>
+              </a:defRPr>
+            </a:lvl8pPr>
+            <a:lvl9pPr marL="1700000" indent="-228600" algn="l" defTabSz="914400" rtl="0" eaLnBrk="1" latinLnBrk="0" hangingPunct="1">
+              <a:lnSpc>
+                <a:spcPct val="90000"/>
+              </a:lnSpc>
+              <a:spcBef>
+                <a:spcPts val="200"/>
+              </a:spcBef>
+              <a:spcAft>
+                <a:spcPts val="400"/>
+              </a:spcAft>
+              <a:buClr>
+                <a:schemeClr val="accent1"/>
+              </a:buClr>
+              <a:buFont typeface="Calibri" pitchFamily="34" charset="0"/>
+              <a:buChar char="◦"/>
+              <a:defRPr kumimoji="1" sz="1400" kern="1200">
+                <a:solidFill>
+                  <a:schemeClr val="tx1">
+                    <a:lumMod val="75000"/>
+                    <a:lumOff val="25000"/>
+                  </a:schemeClr>
+                </a:solidFill>
+                <a:latin typeface="+mn-lt"/>
+                <a:ea typeface="+mn-ea"/>
+                <a:cs typeface="+mn-cs"/>
+              </a:defRPr>
+            </a:lvl9pPr>
+          </a:lstStyle>
+          <a:p>
+            <a:pPr lvl="1"/>
+            <a:r>
+              <a:rPr lang="ja-JP" altLang="en-US" dirty="0"/>
+              <a:t>終了する場合は</a:t>
+            </a:r>
+            <a:endParaRPr lang="en-US" altLang="ja-JP" dirty="0"/>
+          </a:p>
+          <a:p>
+            <a:pPr lvl="2"/>
+            <a:r>
+              <a:rPr lang="ja-JP" altLang="en-US" dirty="0"/>
+              <a:t>コマンドプロンプト（</a:t>
             </a:r>
             <a:r>
               <a:rPr lang="en-US" altLang="ja-JP" dirty="0"/>
-              <a:t>QR</a:t>
+              <a:t>PowerShell</a:t>
             </a:r>
             <a:r>
               <a:rPr lang="ja-JP" altLang="en-US" dirty="0"/>
-              <a:t>コードを用意します</a:t>
+              <a:t>）上で「</a:t>
+            </a:r>
+            <a:r>
+              <a:rPr lang="en-US" altLang="ja-JP" dirty="0" err="1"/>
+              <a:t>Ctrl+C</a:t>
+            </a:r>
+            <a:r>
+              <a:rPr lang="ja-JP" altLang="en-US" dirty="0"/>
+              <a:t>」を連打</a:t>
             </a:r>
             <a:endParaRPr lang="en-US" altLang="ja-JP" dirty="0"/>
           </a:p>
           <a:p>
             <a:pPr lvl="2"/>
             <a:r>
-              <a:rPr kumimoji="1" lang="ja-JP" altLang="en-US" dirty="0"/>
-              <a:t>（任意のコードを作りたい場合，下記のような</a:t>
-            </a:r>
-            <a:r>
-              <a:rPr kumimoji="1" lang="en-US" altLang="ja-JP" dirty="0"/>
-              <a:t>Web</a:t>
-            </a:r>
-            <a:r>
-              <a:rPr kumimoji="1" lang="ja-JP" altLang="en-US" dirty="0"/>
-              <a:t>サービスを利用すると便利です）</a:t>
-            </a:r>
-            <a:endParaRPr kumimoji="1" lang="en-US" altLang="ja-JP" dirty="0"/>
-          </a:p>
-          <a:p>
-            <a:pPr lvl="2"/>
-            <a:r>
-              <a:rPr kumimoji="1" lang="en-US" altLang="ja-JP" dirty="0">
-                <a:hlinkClick r:id="rId2"/>
-              </a:rPr>
-              <a:t>https://qr.quel.jp/url.php</a:t>
-            </a:r>
-            <a:endParaRPr kumimoji="1" lang="en-US" altLang="ja-JP" dirty="0"/>
-          </a:p>
-          <a:p>
-            <a:pPr lvl="2"/>
-            <a:r>
-              <a:rPr lang="en-US" altLang="ja-JP" b="0" i="0" dirty="0">
-                <a:solidFill>
-                  <a:srgbClr val="4AAC00"/>
-                </a:solidFill>
-                <a:effectLst/>
-                <a:latin typeface="-apple-system"/>
-                <a:hlinkClick r:id="rId3"/>
-              </a:rPr>
-              <a:t>https://chart.googleapis.com/chart?cht=qr&amp;chs=300x300&amp;chl=https://developers.google.com/chart/infographics/docs/qr_codes?authuser=0&amp;choe=UTF-8</a:t>
-            </a:r>
-            <a:endParaRPr kumimoji="1" lang="en-US" altLang="ja-JP" dirty="0"/>
-          </a:p>
-          <a:p>
-            <a:pPr lvl="2"/>
-            <a:endParaRPr kumimoji="1" lang="en-US" altLang="ja-JP" dirty="0"/>
-          </a:p>
-          <a:p>
-            <a:pPr lvl="1"/>
-            <a:r>
               <a:rPr lang="ja-JP" altLang="en-US" dirty="0"/>
-              <a:t>任意の文字列や</a:t>
+              <a:t>カメラウィンドウ上で「</a:t>
             </a:r>
             <a:r>
               <a:rPr lang="en-US" altLang="ja-JP" dirty="0"/>
-              <a:t>URL</a:t>
+              <a:t>Q</a:t>
             </a:r>
             <a:r>
               <a:rPr lang="ja-JP" altLang="en-US" dirty="0"/>
-              <a:t>などを</a:t>
-            </a:r>
-            <a:r>
-              <a:rPr lang="en-US" altLang="ja-JP" dirty="0"/>
-              <a:t>QR</a:t>
-            </a:r>
-            <a:r>
-              <a:rPr lang="ja-JP" altLang="en-US" dirty="0"/>
-              <a:t>コードにエンコードして用意します</a:t>
+              <a:t>」ボタンを押す</a:t>
             </a:r>
             <a:endParaRPr lang="en-US" altLang="ja-JP" dirty="0"/>
-          </a:p>
-          <a:p>
-            <a:pPr lvl="2"/>
-            <a:r>
-              <a:rPr kumimoji="1" lang="ja-JP" altLang="en-US" dirty="0"/>
-              <a:t>作成したアプリケーションを起動して実際に読み込みを行い，検証を行います</a:t>
-            </a:r>
-            <a:endParaRPr kumimoji="1" lang="en-US" altLang="ja-JP" dirty="0"/>
-          </a:p>
-          <a:p>
-            <a:pPr lvl="2"/>
-            <a:r>
-              <a:rPr lang="en-US" altLang="ja-JP" dirty="0"/>
-              <a:t>`python3 main.py` </a:t>
-            </a:r>
-            <a:r>
-              <a:rPr lang="ja-JP" altLang="en-US" dirty="0"/>
-              <a:t>でカメラキャプチャウィンドウが立ち上がります</a:t>
-            </a:r>
-            <a:endParaRPr lang="en-US" altLang="ja-JP" dirty="0"/>
-          </a:p>
-          <a:p>
-            <a:pPr lvl="2"/>
-            <a:endParaRPr kumimoji="1" lang="en-US" altLang="ja-JP" dirty="0"/>
-          </a:p>
-          <a:p>
-            <a:pPr lvl="1"/>
-            <a:r>
-              <a:rPr kumimoji="1" lang="ja-JP" altLang="en-US" dirty="0"/>
-              <a:t>読み出しを行った</a:t>
-            </a:r>
-            <a:r>
-              <a:rPr kumimoji="1" lang="en-US" altLang="ja-JP" dirty="0"/>
-              <a:t>QR</a:t>
-            </a:r>
-            <a:r>
-              <a:rPr kumimoji="1" lang="ja-JP" altLang="en-US" dirty="0"/>
-              <a:t>コードを処理する方法を考えてみる</a:t>
-            </a:r>
-            <a:endParaRPr kumimoji="1" lang="en-US" altLang="ja-JP" dirty="0"/>
-          </a:p>
-          <a:p>
-            <a:pPr lvl="2"/>
-            <a:r>
-              <a:rPr kumimoji="1" lang="en-US" altLang="ja-JP" dirty="0"/>
-              <a:t>URL</a:t>
-            </a:r>
-            <a:r>
-              <a:rPr kumimoji="1" lang="ja-JP" altLang="en-US" dirty="0"/>
-              <a:t>にアクセスする</a:t>
-            </a:r>
-            <a:endParaRPr kumimoji="1" lang="en-US" altLang="ja-JP" dirty="0"/>
-          </a:p>
-          <a:p>
-            <a:pPr lvl="2"/>
-            <a:r>
-              <a:rPr kumimoji="1" lang="ja-JP" altLang="en-US" dirty="0"/>
-              <a:t>別の機器やデバイス，サーバなどに送る</a:t>
-            </a:r>
-            <a:endParaRPr kumimoji="1" lang="en-US" altLang="ja-JP" dirty="0"/>
           </a:p>
           <a:p>
             <a:pPr lvl="2"/>
@@ -8375,65 +8065,308 @@
           <a:p>
             <a:pPr lvl="1"/>
             <a:r>
-              <a:rPr kumimoji="1" lang="ja-JP" altLang="en-US" sz="2400" dirty="0"/>
-              <a:t>このあとの実習で活用するために改修する</a:t>
-            </a:r>
-            <a:endParaRPr kumimoji="1" lang="en-US" altLang="ja-JP" sz="2400" dirty="0"/>
-          </a:p>
-          <a:p>
-            <a:pPr lvl="2"/>
+              <a:rPr lang="ja-JP" altLang="en-US" dirty="0"/>
+              <a:t>ソース編集後，変更内容を適用するためには一度アプリケーションを終了して再立上げする必要があります</a:t>
+            </a:r>
+            <a:endParaRPr lang="en-US" altLang="ja-JP" dirty="0"/>
+          </a:p>
+        </p:txBody>
+      </p:sp>
+      <p:sp>
+        <p:nvSpPr>
+          <p:cNvPr id="6" name="コンテンツ プレースホルダー 2">
+            <a:extLst>
+              <a:ext uri="{FF2B5EF4-FFF2-40B4-BE49-F238E27FC236}">
+                <a16:creationId xmlns:a16="http://schemas.microsoft.com/office/drawing/2014/main" id="{C6817ECA-5CE1-4EE3-9667-D037946F7B26}"/>
+              </a:ext>
+            </a:extLst>
+          </p:cNvPr>
+          <p:cNvSpPr txBox="1">
+            <a:spLocks/>
+          </p:cNvSpPr>
+          <p:nvPr/>
+        </p:nvSpPr>
+        <p:spPr>
+          <a:xfrm>
+            <a:off x="1097280" y="2904360"/>
+            <a:ext cx="8554720" cy="738664"/>
+          </a:xfrm>
+          <a:prstGeom prst="rect">
+            <a:avLst/>
+          </a:prstGeom>
+        </p:spPr>
+        <p:txBody>
+          <a:bodyPr vert="horz" lIns="0" tIns="45720" rIns="0" bIns="45720" rtlCol="0">
+            <a:normAutofit/>
+          </a:bodyPr>
+          <a:lstStyle>
+            <a:lvl1pPr marL="91440" indent="-91440" algn="l" defTabSz="914400" rtl="0" eaLnBrk="1" latinLnBrk="0" hangingPunct="1">
+              <a:lnSpc>
+                <a:spcPct val="90000"/>
+              </a:lnSpc>
+              <a:spcBef>
+                <a:spcPts val="1200"/>
+              </a:spcBef>
+              <a:spcAft>
+                <a:spcPts val="200"/>
+              </a:spcAft>
+              <a:buClr>
+                <a:schemeClr val="accent1"/>
+              </a:buClr>
+              <a:buSzPct val="100000"/>
+              <a:buFont typeface="Calibri" panose="020F0502020204030204" pitchFamily="34" charset="0"/>
+              <a:buChar char=" "/>
+              <a:defRPr kumimoji="1" sz="2000" kern="1200">
+                <a:solidFill>
+                  <a:schemeClr val="tx1">
+                    <a:lumMod val="75000"/>
+                    <a:lumOff val="25000"/>
+                  </a:schemeClr>
+                </a:solidFill>
+                <a:latin typeface="+mn-lt"/>
+                <a:ea typeface="+mn-ea"/>
+                <a:cs typeface="+mn-cs"/>
+              </a:defRPr>
+            </a:lvl1pPr>
+            <a:lvl2pPr marL="384048" indent="-182880" algn="l" defTabSz="914400" rtl="0" eaLnBrk="1" latinLnBrk="0" hangingPunct="1">
+              <a:lnSpc>
+                <a:spcPct val="90000"/>
+              </a:lnSpc>
+              <a:spcBef>
+                <a:spcPts val="200"/>
+              </a:spcBef>
+              <a:spcAft>
+                <a:spcPts val="400"/>
+              </a:spcAft>
+              <a:buClr>
+                <a:schemeClr val="accent1"/>
+              </a:buClr>
+              <a:buFont typeface="Calibri" pitchFamily="34" charset="0"/>
+              <a:buChar char="◦"/>
+              <a:defRPr kumimoji="1" sz="1800" kern="1200">
+                <a:solidFill>
+                  <a:schemeClr val="tx1">
+                    <a:lumMod val="75000"/>
+                    <a:lumOff val="25000"/>
+                  </a:schemeClr>
+                </a:solidFill>
+                <a:latin typeface="+mn-lt"/>
+                <a:ea typeface="+mn-ea"/>
+                <a:cs typeface="+mn-cs"/>
+              </a:defRPr>
+            </a:lvl2pPr>
+            <a:lvl3pPr marL="566928" indent="-182880" algn="l" defTabSz="914400" rtl="0" eaLnBrk="1" latinLnBrk="0" hangingPunct="1">
+              <a:lnSpc>
+                <a:spcPct val="90000"/>
+              </a:lnSpc>
+              <a:spcBef>
+                <a:spcPts val="200"/>
+              </a:spcBef>
+              <a:spcAft>
+                <a:spcPts val="400"/>
+              </a:spcAft>
+              <a:buClr>
+                <a:schemeClr val="accent1"/>
+              </a:buClr>
+              <a:buFont typeface="Calibri" pitchFamily="34" charset="0"/>
+              <a:buChar char="◦"/>
+              <a:defRPr kumimoji="1" sz="1400" kern="1200">
+                <a:solidFill>
+                  <a:schemeClr val="tx1">
+                    <a:lumMod val="75000"/>
+                    <a:lumOff val="25000"/>
+                  </a:schemeClr>
+                </a:solidFill>
+                <a:latin typeface="+mn-lt"/>
+                <a:ea typeface="+mn-ea"/>
+                <a:cs typeface="+mn-cs"/>
+              </a:defRPr>
+            </a:lvl3pPr>
+            <a:lvl4pPr marL="749808" indent="-182880" algn="l" defTabSz="914400" rtl="0" eaLnBrk="1" latinLnBrk="0" hangingPunct="1">
+              <a:lnSpc>
+                <a:spcPct val="90000"/>
+              </a:lnSpc>
+              <a:spcBef>
+                <a:spcPts val="200"/>
+              </a:spcBef>
+              <a:spcAft>
+                <a:spcPts val="400"/>
+              </a:spcAft>
+              <a:buClr>
+                <a:schemeClr val="accent1"/>
+              </a:buClr>
+              <a:buFont typeface="Calibri" pitchFamily="34" charset="0"/>
+              <a:buChar char="◦"/>
+              <a:defRPr kumimoji="1" sz="1400" kern="1200">
+                <a:solidFill>
+                  <a:schemeClr val="tx1">
+                    <a:lumMod val="75000"/>
+                    <a:lumOff val="25000"/>
+                  </a:schemeClr>
+                </a:solidFill>
+                <a:latin typeface="+mn-lt"/>
+                <a:ea typeface="+mn-ea"/>
+                <a:cs typeface="+mn-cs"/>
+              </a:defRPr>
+            </a:lvl4pPr>
+            <a:lvl5pPr marL="932688" indent="-182880" algn="l" defTabSz="914400" rtl="0" eaLnBrk="1" latinLnBrk="0" hangingPunct="1">
+              <a:lnSpc>
+                <a:spcPct val="90000"/>
+              </a:lnSpc>
+              <a:spcBef>
+                <a:spcPts val="200"/>
+              </a:spcBef>
+              <a:spcAft>
+                <a:spcPts val="400"/>
+              </a:spcAft>
+              <a:buClr>
+                <a:schemeClr val="accent1"/>
+              </a:buClr>
+              <a:buFont typeface="Calibri" pitchFamily="34" charset="0"/>
+              <a:buChar char="◦"/>
+              <a:defRPr kumimoji="1" sz="1400" kern="1200">
+                <a:solidFill>
+                  <a:schemeClr val="tx1">
+                    <a:lumMod val="75000"/>
+                    <a:lumOff val="25000"/>
+                  </a:schemeClr>
+                </a:solidFill>
+                <a:latin typeface="+mn-lt"/>
+                <a:ea typeface="+mn-ea"/>
+                <a:cs typeface="+mn-cs"/>
+              </a:defRPr>
+            </a:lvl5pPr>
+            <a:lvl6pPr marL="1100000" indent="-228600" algn="l" defTabSz="914400" rtl="0" eaLnBrk="1" latinLnBrk="0" hangingPunct="1">
+              <a:lnSpc>
+                <a:spcPct val="90000"/>
+              </a:lnSpc>
+              <a:spcBef>
+                <a:spcPts val="200"/>
+              </a:spcBef>
+              <a:spcAft>
+                <a:spcPts val="400"/>
+              </a:spcAft>
+              <a:buClr>
+                <a:schemeClr val="accent1"/>
+              </a:buClr>
+              <a:buFont typeface="Calibri" pitchFamily="34" charset="0"/>
+              <a:buChar char="◦"/>
+              <a:defRPr kumimoji="1" sz="1400" kern="1200">
+                <a:solidFill>
+                  <a:schemeClr val="tx1">
+                    <a:lumMod val="75000"/>
+                    <a:lumOff val="25000"/>
+                  </a:schemeClr>
+                </a:solidFill>
+                <a:latin typeface="+mn-lt"/>
+                <a:ea typeface="+mn-ea"/>
+                <a:cs typeface="+mn-cs"/>
+              </a:defRPr>
+            </a:lvl6pPr>
+            <a:lvl7pPr marL="1300000" indent="-228600" algn="l" defTabSz="914400" rtl="0" eaLnBrk="1" latinLnBrk="0" hangingPunct="1">
+              <a:lnSpc>
+                <a:spcPct val="90000"/>
+              </a:lnSpc>
+              <a:spcBef>
+                <a:spcPts val="200"/>
+              </a:spcBef>
+              <a:spcAft>
+                <a:spcPts val="400"/>
+              </a:spcAft>
+              <a:buClr>
+                <a:schemeClr val="accent1"/>
+              </a:buClr>
+              <a:buFont typeface="Calibri" pitchFamily="34" charset="0"/>
+              <a:buChar char="◦"/>
+              <a:defRPr kumimoji="1" sz="1400" kern="1200">
+                <a:solidFill>
+                  <a:schemeClr val="tx1">
+                    <a:lumMod val="75000"/>
+                    <a:lumOff val="25000"/>
+                  </a:schemeClr>
+                </a:solidFill>
+                <a:latin typeface="+mn-lt"/>
+                <a:ea typeface="+mn-ea"/>
+                <a:cs typeface="+mn-cs"/>
+              </a:defRPr>
+            </a:lvl7pPr>
+            <a:lvl8pPr marL="1500000" indent="-228600" algn="l" defTabSz="914400" rtl="0" eaLnBrk="1" latinLnBrk="0" hangingPunct="1">
+              <a:lnSpc>
+                <a:spcPct val="90000"/>
+              </a:lnSpc>
+              <a:spcBef>
+                <a:spcPts val="200"/>
+              </a:spcBef>
+              <a:spcAft>
+                <a:spcPts val="400"/>
+              </a:spcAft>
+              <a:buClr>
+                <a:schemeClr val="accent1"/>
+              </a:buClr>
+              <a:buFont typeface="Calibri" pitchFamily="34" charset="0"/>
+              <a:buChar char="◦"/>
+              <a:defRPr kumimoji="1" sz="1400" kern="1200">
+                <a:solidFill>
+                  <a:schemeClr val="tx1">
+                    <a:lumMod val="75000"/>
+                    <a:lumOff val="25000"/>
+                  </a:schemeClr>
+                </a:solidFill>
+                <a:latin typeface="+mn-lt"/>
+                <a:ea typeface="+mn-ea"/>
+                <a:cs typeface="+mn-cs"/>
+              </a:defRPr>
+            </a:lvl8pPr>
+            <a:lvl9pPr marL="1700000" indent="-228600" algn="l" defTabSz="914400" rtl="0" eaLnBrk="1" latinLnBrk="0" hangingPunct="1">
+              <a:lnSpc>
+                <a:spcPct val="90000"/>
+              </a:lnSpc>
+              <a:spcBef>
+                <a:spcPts val="200"/>
+              </a:spcBef>
+              <a:spcAft>
+                <a:spcPts val="400"/>
+              </a:spcAft>
+              <a:buClr>
+                <a:schemeClr val="accent1"/>
+              </a:buClr>
+              <a:buFont typeface="Calibri" pitchFamily="34" charset="0"/>
+              <a:buChar char="◦"/>
+              <a:defRPr kumimoji="1" sz="1400" kern="1200">
+                <a:solidFill>
+                  <a:schemeClr val="tx1">
+                    <a:lumMod val="75000"/>
+                    <a:lumOff val="25000"/>
+                  </a:schemeClr>
+                </a:solidFill>
+                <a:latin typeface="+mn-lt"/>
+                <a:ea typeface="+mn-ea"/>
+                <a:cs typeface="+mn-cs"/>
+              </a:defRPr>
+            </a:lvl9pPr>
+          </a:lstStyle>
+          <a:p>
+            <a:pPr lvl="1"/>
+            <a:r>
+              <a:rPr lang="ja-JP" altLang="en-US" dirty="0"/>
+              <a:t>実行時はコマンドプロンプト（</a:t>
+            </a:r>
             <a:r>
               <a:rPr lang="en-US" altLang="ja-JP" dirty="0"/>
-              <a:t>QR</a:t>
+              <a:t>PowerShell</a:t>
             </a:r>
             <a:r>
               <a:rPr lang="ja-JP" altLang="en-US" dirty="0"/>
-              <a:t>コードを用いた製品の受け入れ・実績入力</a:t>
+              <a:t>）で下記コマンドを実行</a:t>
             </a:r>
             <a:endParaRPr lang="en-US" altLang="ja-JP" dirty="0"/>
-          </a:p>
-          <a:p>
-            <a:pPr lvl="2"/>
-            <a:r>
-              <a:rPr lang="en-US" altLang="ja-JP" dirty="0"/>
-              <a:t>QR</a:t>
-            </a:r>
-            <a:r>
-              <a:rPr lang="ja-JP" altLang="en-US" dirty="0"/>
-              <a:t>コードを読めたら一度だけ</a:t>
-            </a:r>
-            <a:r>
-              <a:rPr lang="en-US" altLang="ja-JP" dirty="0"/>
-              <a:t>QR</a:t>
-            </a:r>
-            <a:r>
-              <a:rPr lang="ja-JP" altLang="en-US" dirty="0"/>
-              <a:t>コード内の</a:t>
-            </a:r>
-            <a:r>
-              <a:rPr lang="en-US" altLang="ja-JP" dirty="0"/>
-              <a:t>URL</a:t>
-            </a:r>
-            <a:r>
-              <a:rPr lang="ja-JP" altLang="en-US" dirty="0"/>
-              <a:t>にアクセスするように改修する</a:t>
-            </a:r>
-            <a:endParaRPr lang="en-US" altLang="ja-JP" dirty="0"/>
-          </a:p>
-          <a:p>
-            <a:pPr lvl="2"/>
-            <a:endParaRPr kumimoji="1" lang="en-US" altLang="ja-JP" dirty="0"/>
-          </a:p>
-          <a:p>
-            <a:pPr lvl="2"/>
-            <a:endParaRPr kumimoji="1" lang="ja-JP" altLang="en-US" dirty="0"/>
           </a:p>
         </p:txBody>
       </p:sp>
     </p:spTree>
     <p:extLst>
       <p:ext uri="{BB962C8B-B14F-4D97-AF65-F5344CB8AC3E}">
-        <p14:creationId xmlns:p14="http://schemas.microsoft.com/office/powerpoint/2010/main" val="3005541142"/>
+        <p14:creationId xmlns:p14="http://schemas.microsoft.com/office/powerpoint/2010/main" val="3057168568"/>
       </p:ext>
     </p:extLst>
   </p:cSld>
@@ -8484,14 +8417,13 @@
           <a:lstStyle/>
           <a:p>
             <a:r>
-              <a:rPr lang="en-US" altLang="ja-JP" sz="3600" dirty="0"/>
+              <a:rPr kumimoji="1" lang="en-US" altLang="ja-JP" sz="3600" dirty="0"/>
               <a:t>QR</a:t>
             </a:r>
             <a:r>
-              <a:rPr lang="ja-JP" altLang="en-US" sz="3600" dirty="0"/>
-              <a:t>コードの生成も試す</a:t>
-            </a:r>
-            <a:endParaRPr kumimoji="1" lang="ja-JP" altLang="en-US" sz="3600" dirty="0"/>
+              <a:rPr kumimoji="1" lang="ja-JP" altLang="en-US" sz="3600" dirty="0"/>
+              <a:t>コードを用意します</a:t>
+            </a:r>
           </a:p>
         </p:txBody>
       </p:sp>
@@ -8513,373 +8445,159 @@
         </p:nvSpPr>
         <p:spPr>
           <a:xfrm>
-            <a:off x="1097280" y="1845734"/>
-            <a:ext cx="8554720" cy="738664"/>
+            <a:off x="1097279" y="1845733"/>
+            <a:ext cx="9859889" cy="3953934"/>
           </a:xfrm>
         </p:spPr>
         <p:txBody>
           <a:bodyPr>
-            <a:normAutofit/>
+            <a:normAutofit fontScale="92500" lnSpcReduction="20000"/>
           </a:bodyPr>
           <a:lstStyle/>
           <a:p>
             <a:pPr lvl="1"/>
             <a:r>
+              <a:rPr lang="ja-JP" altLang="en-US" dirty="0"/>
+              <a:t>手元に実際に読み取るための</a:t>
+            </a:r>
+            <a:r>
+              <a:rPr lang="en-US" altLang="ja-JP" dirty="0"/>
+              <a:t>QR</a:t>
+            </a:r>
+            <a:r>
+              <a:rPr lang="ja-JP" altLang="en-US" dirty="0"/>
+              <a:t>コードを用意します</a:t>
+            </a:r>
+            <a:endParaRPr lang="en-US" altLang="ja-JP" dirty="0"/>
+          </a:p>
+          <a:p>
+            <a:pPr lvl="2"/>
+            <a:r>
               <a:rPr kumimoji="1" lang="ja-JP" altLang="en-US" dirty="0"/>
-              <a:t>実習を行うディレクトリにファイルを作成します</a:t>
+              <a:t>（任意のコードを作りたい場合，下記のような</a:t>
+            </a:r>
+            <a:r>
+              <a:rPr kumimoji="1" lang="en-US" altLang="ja-JP" dirty="0"/>
+              <a:t>Web</a:t>
+            </a:r>
+            <a:r>
+              <a:rPr kumimoji="1" lang="ja-JP" altLang="en-US" dirty="0"/>
+              <a:t>サービスを利用すると便利です）</a:t>
             </a:r>
             <a:endParaRPr kumimoji="1" lang="en-US" altLang="ja-JP" dirty="0"/>
           </a:p>
           <a:p>
+            <a:pPr lvl="2"/>
+            <a:r>
+              <a:rPr kumimoji="1" lang="en-US" altLang="ja-JP" dirty="0">
+                <a:hlinkClick r:id="rId2"/>
+              </a:rPr>
+              <a:t>https://qr.quel.jp/url.php</a:t>
+            </a:r>
+            <a:endParaRPr kumimoji="1" lang="en-US" altLang="ja-JP" dirty="0"/>
+          </a:p>
+          <a:p>
+            <a:pPr lvl="2"/>
+            <a:r>
+              <a:rPr lang="en-US" altLang="ja-JP" b="0" i="0" dirty="0">
+                <a:solidFill>
+                  <a:srgbClr val="4AAC00"/>
+                </a:solidFill>
+                <a:effectLst/>
+                <a:latin typeface="-apple-system"/>
+                <a:hlinkClick r:id="rId3"/>
+              </a:rPr>
+              <a:t>https://chart.googleapis.com/chart?cht=qr&amp;chs=300x300&amp;chl=https://developers.google.com/chart/infographics/docs/qr_codes?authuser=0&amp;choe=UTF-8</a:t>
+            </a:r>
+            <a:endParaRPr kumimoji="1" lang="en-US" altLang="ja-JP" dirty="0"/>
+          </a:p>
+          <a:p>
+            <a:pPr lvl="2"/>
+            <a:endParaRPr kumimoji="1" lang="en-US" altLang="ja-JP" dirty="0"/>
+          </a:p>
+          <a:p>
             <a:pPr lvl="1"/>
             <a:r>
               <a:rPr lang="ja-JP" altLang="en-US" dirty="0"/>
-              <a:t>（実習ファイル群にサンプルコードが添付されているので設置します）</a:t>
+              <a:t>任意の文字列や</a:t>
+            </a:r>
+            <a:r>
+              <a:rPr lang="en-US" altLang="ja-JP" dirty="0"/>
+              <a:t>URL</a:t>
+            </a:r>
+            <a:r>
+              <a:rPr lang="ja-JP" altLang="en-US" dirty="0"/>
+              <a:t>などを</a:t>
+            </a:r>
+            <a:r>
+              <a:rPr lang="en-US" altLang="ja-JP" dirty="0"/>
+              <a:t>QR</a:t>
+            </a:r>
+            <a:r>
+              <a:rPr lang="ja-JP" altLang="en-US" dirty="0"/>
+              <a:t>コードにエンコードして用意します</a:t>
             </a:r>
             <a:endParaRPr lang="en-US" altLang="ja-JP" dirty="0"/>
           </a:p>
-        </p:txBody>
-      </p:sp>
-      <p:sp>
-        <p:nvSpPr>
-          <p:cNvPr id="4" name="テキスト ボックス 3">
-            <a:extLst>
-              <a:ext uri="{FF2B5EF4-FFF2-40B4-BE49-F238E27FC236}">
-                <a16:creationId xmlns:a16="http://schemas.microsoft.com/office/drawing/2014/main" id="{22757ADC-A29E-470F-A953-A0EF5A87EB33}"/>
-              </a:ext>
-            </a:extLst>
-          </p:cNvPr>
-          <p:cNvSpPr txBox="1"/>
-          <p:nvPr/>
-        </p:nvSpPr>
-        <p:spPr>
-          <a:xfrm>
-            <a:off x="2095708" y="3423555"/>
-            <a:ext cx="4063869" cy="738664"/>
-          </a:xfrm>
-          <a:prstGeom prst="rect">
-            <a:avLst/>
-          </a:prstGeom>
-          <a:noFill/>
-        </p:spPr>
-        <p:txBody>
-          <a:bodyPr wrap="none" rtlCol="0">
-            <a:spAutoFit/>
-          </a:bodyPr>
-          <a:lstStyle/>
-          <a:p>
-            <a:r>
-              <a:rPr kumimoji="1" lang="en-US" altLang="ja-JP" sz="4200" dirty="0"/>
-              <a:t>python3 qrgen.py</a:t>
-            </a:r>
-            <a:endParaRPr kumimoji="1" lang="ja-JP" altLang="en-US" sz="4200" dirty="0"/>
-          </a:p>
-        </p:txBody>
-      </p:sp>
-      <p:sp>
-        <p:nvSpPr>
-          <p:cNvPr id="7" name="コンテンツ プレースホルダー 2">
-            <a:extLst>
-              <a:ext uri="{FF2B5EF4-FFF2-40B4-BE49-F238E27FC236}">
-                <a16:creationId xmlns:a16="http://schemas.microsoft.com/office/drawing/2014/main" id="{1582982C-1795-4BF2-A408-189B7E599881}"/>
-              </a:ext>
-            </a:extLst>
-          </p:cNvPr>
-          <p:cNvSpPr txBox="1">
-            <a:spLocks/>
-          </p:cNvSpPr>
-          <p:nvPr/>
-        </p:nvSpPr>
-        <p:spPr>
-          <a:xfrm>
-            <a:off x="628946" y="4681415"/>
-            <a:ext cx="10722708" cy="1625601"/>
-          </a:xfrm>
-          <a:prstGeom prst="rect">
-            <a:avLst/>
-          </a:prstGeom>
-        </p:spPr>
-        <p:txBody>
-          <a:bodyPr vert="horz" lIns="0" tIns="45720" rIns="0" bIns="45720" rtlCol="0">
-            <a:normAutofit/>
-          </a:bodyPr>
-          <a:lstStyle>
-            <a:lvl1pPr marL="91440" indent="-91440" algn="l" defTabSz="914400" rtl="0" eaLnBrk="1" latinLnBrk="0" hangingPunct="1">
-              <a:lnSpc>
-                <a:spcPct val="90000"/>
-              </a:lnSpc>
-              <a:spcBef>
-                <a:spcPts val="1200"/>
-              </a:spcBef>
-              <a:spcAft>
-                <a:spcPts val="200"/>
-              </a:spcAft>
-              <a:buClr>
-                <a:schemeClr val="accent1"/>
-              </a:buClr>
-              <a:buSzPct val="100000"/>
-              <a:buFont typeface="Calibri" panose="020F0502020204030204" pitchFamily="34" charset="0"/>
-              <a:buChar char=" "/>
-              <a:defRPr kumimoji="1" sz="2000" kern="1200">
-                <a:solidFill>
-                  <a:schemeClr val="tx1">
-                    <a:lumMod val="75000"/>
-                    <a:lumOff val="25000"/>
-                  </a:schemeClr>
-                </a:solidFill>
-                <a:latin typeface="+mn-lt"/>
-                <a:ea typeface="+mn-ea"/>
-                <a:cs typeface="+mn-cs"/>
-              </a:defRPr>
-            </a:lvl1pPr>
-            <a:lvl2pPr marL="384048" indent="-182880" algn="l" defTabSz="914400" rtl="0" eaLnBrk="1" latinLnBrk="0" hangingPunct="1">
-              <a:lnSpc>
-                <a:spcPct val="90000"/>
-              </a:lnSpc>
-              <a:spcBef>
-                <a:spcPts val="200"/>
-              </a:spcBef>
-              <a:spcAft>
-                <a:spcPts val="400"/>
-              </a:spcAft>
-              <a:buClr>
-                <a:schemeClr val="accent1"/>
-              </a:buClr>
-              <a:buFont typeface="Calibri" pitchFamily="34" charset="0"/>
-              <a:buChar char="◦"/>
-              <a:defRPr kumimoji="1" sz="1800" kern="1200">
-                <a:solidFill>
-                  <a:schemeClr val="tx1">
-                    <a:lumMod val="75000"/>
-                    <a:lumOff val="25000"/>
-                  </a:schemeClr>
-                </a:solidFill>
-                <a:latin typeface="+mn-lt"/>
-                <a:ea typeface="+mn-ea"/>
-                <a:cs typeface="+mn-cs"/>
-              </a:defRPr>
-            </a:lvl2pPr>
-            <a:lvl3pPr marL="566928" indent="-182880" algn="l" defTabSz="914400" rtl="0" eaLnBrk="1" latinLnBrk="0" hangingPunct="1">
-              <a:lnSpc>
-                <a:spcPct val="90000"/>
-              </a:lnSpc>
-              <a:spcBef>
-                <a:spcPts val="200"/>
-              </a:spcBef>
-              <a:spcAft>
-                <a:spcPts val="400"/>
-              </a:spcAft>
-              <a:buClr>
-                <a:schemeClr val="accent1"/>
-              </a:buClr>
-              <a:buFont typeface="Calibri" pitchFamily="34" charset="0"/>
-              <a:buChar char="◦"/>
-              <a:defRPr kumimoji="1" sz="1400" kern="1200">
-                <a:solidFill>
-                  <a:schemeClr val="tx1">
-                    <a:lumMod val="75000"/>
-                    <a:lumOff val="25000"/>
-                  </a:schemeClr>
-                </a:solidFill>
-                <a:latin typeface="+mn-lt"/>
-                <a:ea typeface="+mn-ea"/>
-                <a:cs typeface="+mn-cs"/>
-              </a:defRPr>
-            </a:lvl3pPr>
-            <a:lvl4pPr marL="749808" indent="-182880" algn="l" defTabSz="914400" rtl="0" eaLnBrk="1" latinLnBrk="0" hangingPunct="1">
-              <a:lnSpc>
-                <a:spcPct val="90000"/>
-              </a:lnSpc>
-              <a:spcBef>
-                <a:spcPts val="200"/>
-              </a:spcBef>
-              <a:spcAft>
-                <a:spcPts val="400"/>
-              </a:spcAft>
-              <a:buClr>
-                <a:schemeClr val="accent1"/>
-              </a:buClr>
-              <a:buFont typeface="Calibri" pitchFamily="34" charset="0"/>
-              <a:buChar char="◦"/>
-              <a:defRPr kumimoji="1" sz="1400" kern="1200">
-                <a:solidFill>
-                  <a:schemeClr val="tx1">
-                    <a:lumMod val="75000"/>
-                    <a:lumOff val="25000"/>
-                  </a:schemeClr>
-                </a:solidFill>
-                <a:latin typeface="+mn-lt"/>
-                <a:ea typeface="+mn-ea"/>
-                <a:cs typeface="+mn-cs"/>
-              </a:defRPr>
-            </a:lvl4pPr>
-            <a:lvl5pPr marL="932688" indent="-182880" algn="l" defTabSz="914400" rtl="0" eaLnBrk="1" latinLnBrk="0" hangingPunct="1">
-              <a:lnSpc>
-                <a:spcPct val="90000"/>
-              </a:lnSpc>
-              <a:spcBef>
-                <a:spcPts val="200"/>
-              </a:spcBef>
-              <a:spcAft>
-                <a:spcPts val="400"/>
-              </a:spcAft>
-              <a:buClr>
-                <a:schemeClr val="accent1"/>
-              </a:buClr>
-              <a:buFont typeface="Calibri" pitchFamily="34" charset="0"/>
-              <a:buChar char="◦"/>
-              <a:defRPr kumimoji="1" sz="1400" kern="1200">
-                <a:solidFill>
-                  <a:schemeClr val="tx1">
-                    <a:lumMod val="75000"/>
-                    <a:lumOff val="25000"/>
-                  </a:schemeClr>
-                </a:solidFill>
-                <a:latin typeface="+mn-lt"/>
-                <a:ea typeface="+mn-ea"/>
-                <a:cs typeface="+mn-cs"/>
-              </a:defRPr>
-            </a:lvl5pPr>
-            <a:lvl6pPr marL="1100000" indent="-228600" algn="l" defTabSz="914400" rtl="0" eaLnBrk="1" latinLnBrk="0" hangingPunct="1">
-              <a:lnSpc>
-                <a:spcPct val="90000"/>
-              </a:lnSpc>
-              <a:spcBef>
-                <a:spcPts val="200"/>
-              </a:spcBef>
-              <a:spcAft>
-                <a:spcPts val="400"/>
-              </a:spcAft>
-              <a:buClr>
-                <a:schemeClr val="accent1"/>
-              </a:buClr>
-              <a:buFont typeface="Calibri" pitchFamily="34" charset="0"/>
-              <a:buChar char="◦"/>
-              <a:defRPr kumimoji="1" sz="1400" kern="1200">
-                <a:solidFill>
-                  <a:schemeClr val="tx1">
-                    <a:lumMod val="75000"/>
-                    <a:lumOff val="25000"/>
-                  </a:schemeClr>
-                </a:solidFill>
-                <a:latin typeface="+mn-lt"/>
-                <a:ea typeface="+mn-ea"/>
-                <a:cs typeface="+mn-cs"/>
-              </a:defRPr>
-            </a:lvl6pPr>
-            <a:lvl7pPr marL="1300000" indent="-228600" algn="l" defTabSz="914400" rtl="0" eaLnBrk="1" latinLnBrk="0" hangingPunct="1">
-              <a:lnSpc>
-                <a:spcPct val="90000"/>
-              </a:lnSpc>
-              <a:spcBef>
-                <a:spcPts val="200"/>
-              </a:spcBef>
-              <a:spcAft>
-                <a:spcPts val="400"/>
-              </a:spcAft>
-              <a:buClr>
-                <a:schemeClr val="accent1"/>
-              </a:buClr>
-              <a:buFont typeface="Calibri" pitchFamily="34" charset="0"/>
-              <a:buChar char="◦"/>
-              <a:defRPr kumimoji="1" sz="1400" kern="1200">
-                <a:solidFill>
-                  <a:schemeClr val="tx1">
-                    <a:lumMod val="75000"/>
-                    <a:lumOff val="25000"/>
-                  </a:schemeClr>
-                </a:solidFill>
-                <a:latin typeface="+mn-lt"/>
-                <a:ea typeface="+mn-ea"/>
-                <a:cs typeface="+mn-cs"/>
-              </a:defRPr>
-            </a:lvl7pPr>
-            <a:lvl8pPr marL="1500000" indent="-228600" algn="l" defTabSz="914400" rtl="0" eaLnBrk="1" latinLnBrk="0" hangingPunct="1">
-              <a:lnSpc>
-                <a:spcPct val="90000"/>
-              </a:lnSpc>
-              <a:spcBef>
-                <a:spcPts val="200"/>
-              </a:spcBef>
-              <a:spcAft>
-                <a:spcPts val="400"/>
-              </a:spcAft>
-              <a:buClr>
-                <a:schemeClr val="accent1"/>
-              </a:buClr>
-              <a:buFont typeface="Calibri" pitchFamily="34" charset="0"/>
-              <a:buChar char="◦"/>
-              <a:defRPr kumimoji="1" sz="1400" kern="1200">
-                <a:solidFill>
-                  <a:schemeClr val="tx1">
-                    <a:lumMod val="75000"/>
-                    <a:lumOff val="25000"/>
-                  </a:schemeClr>
-                </a:solidFill>
-                <a:latin typeface="+mn-lt"/>
-                <a:ea typeface="+mn-ea"/>
-                <a:cs typeface="+mn-cs"/>
-              </a:defRPr>
-            </a:lvl8pPr>
-            <a:lvl9pPr marL="1700000" indent="-228600" algn="l" defTabSz="914400" rtl="0" eaLnBrk="1" latinLnBrk="0" hangingPunct="1">
-              <a:lnSpc>
-                <a:spcPct val="90000"/>
-              </a:lnSpc>
-              <a:spcBef>
-                <a:spcPts val="200"/>
-              </a:spcBef>
-              <a:spcAft>
-                <a:spcPts val="400"/>
-              </a:spcAft>
-              <a:buClr>
-                <a:schemeClr val="accent1"/>
-              </a:buClr>
-              <a:buFont typeface="Calibri" pitchFamily="34" charset="0"/>
-              <a:buChar char="◦"/>
-              <a:defRPr kumimoji="1" sz="1400" kern="1200">
-                <a:solidFill>
-                  <a:schemeClr val="tx1">
-                    <a:lumMod val="75000"/>
-                    <a:lumOff val="25000"/>
-                  </a:schemeClr>
-                </a:solidFill>
-                <a:latin typeface="+mn-lt"/>
-                <a:ea typeface="+mn-ea"/>
-                <a:cs typeface="+mn-cs"/>
-              </a:defRPr>
-            </a:lvl9pPr>
-          </a:lstStyle>
+          <a:p>
+            <a:pPr lvl="2"/>
+            <a:r>
+              <a:rPr kumimoji="1" lang="ja-JP" altLang="en-US" dirty="0"/>
+              <a:t>作成したアプリケーションを起動して実際に読み込みを行い，検証を行います</a:t>
+            </a:r>
+            <a:endParaRPr kumimoji="1" lang="en-US" altLang="ja-JP" dirty="0"/>
+          </a:p>
+          <a:p>
+            <a:pPr lvl="2"/>
+            <a:r>
+              <a:rPr lang="en-US" altLang="ja-JP" dirty="0"/>
+              <a:t>`python3 main.py` </a:t>
+            </a:r>
+            <a:r>
+              <a:rPr lang="ja-JP" altLang="en-US" dirty="0"/>
+              <a:t>でカメラキャプチャウィンドウが立ち上がります</a:t>
+            </a:r>
+            <a:endParaRPr lang="en-US" altLang="ja-JP" dirty="0"/>
+          </a:p>
+          <a:p>
+            <a:pPr lvl="2"/>
+            <a:endParaRPr kumimoji="1" lang="en-US" altLang="ja-JP" dirty="0"/>
+          </a:p>
           <a:p>
             <a:pPr lvl="1"/>
             <a:r>
-              <a:rPr lang="ja-JP" altLang="en-US" dirty="0"/>
-              <a:t>終了する場合は</a:t>
-            </a:r>
-            <a:endParaRPr lang="en-US" altLang="ja-JP" dirty="0"/>
+              <a:rPr kumimoji="1" lang="ja-JP" altLang="en-US" dirty="0"/>
+              <a:t>読み出しを行った</a:t>
+            </a:r>
+            <a:r>
+              <a:rPr kumimoji="1" lang="en-US" altLang="ja-JP" dirty="0"/>
+              <a:t>QR</a:t>
+            </a:r>
+            <a:r>
+              <a:rPr kumimoji="1" lang="ja-JP" altLang="en-US" dirty="0"/>
+              <a:t>コードを処理する方法を考えてみる</a:t>
+            </a:r>
+            <a:endParaRPr kumimoji="1" lang="en-US" altLang="ja-JP" dirty="0"/>
           </a:p>
           <a:p>
             <a:pPr lvl="2"/>
             <a:r>
-              <a:rPr lang="ja-JP" altLang="en-US" dirty="0"/>
-              <a:t>コマンドプロンプト（</a:t>
-            </a:r>
-            <a:r>
-              <a:rPr lang="en-US" altLang="ja-JP" dirty="0"/>
-              <a:t>PowerShell</a:t>
-            </a:r>
-            <a:r>
-              <a:rPr lang="ja-JP" altLang="en-US" dirty="0"/>
-              <a:t>）上で「</a:t>
-            </a:r>
-            <a:r>
-              <a:rPr lang="en-US" altLang="ja-JP" dirty="0" err="1"/>
-              <a:t>Ctrl+C</a:t>
-            </a:r>
-            <a:r>
-              <a:rPr lang="ja-JP" altLang="en-US" dirty="0"/>
-              <a:t>」を連打</a:t>
-            </a:r>
-            <a:endParaRPr lang="en-US" altLang="ja-JP" dirty="0"/>
+              <a:rPr kumimoji="1" lang="en-US" altLang="ja-JP" dirty="0"/>
+              <a:t>URL</a:t>
+            </a:r>
+            <a:r>
+              <a:rPr kumimoji="1" lang="ja-JP" altLang="en-US" dirty="0"/>
+              <a:t>にアクセスする</a:t>
+            </a:r>
+            <a:endParaRPr kumimoji="1" lang="en-US" altLang="ja-JP" dirty="0"/>
+          </a:p>
+          <a:p>
+            <a:pPr lvl="2"/>
+            <a:r>
+              <a:rPr kumimoji="1" lang="ja-JP" altLang="en-US" dirty="0"/>
+              <a:t>別の機器やデバイス，サーバなどに送る</a:t>
+            </a:r>
+            <a:endParaRPr kumimoji="1" lang="en-US" altLang="ja-JP" dirty="0"/>
           </a:p>
           <a:p>
             <a:pPr lvl="2"/>
@@ -8888,308 +8606,65 @@
           <a:p>
             <a:pPr lvl="1"/>
             <a:r>
+              <a:rPr kumimoji="1" lang="ja-JP" altLang="en-US" sz="2400" dirty="0"/>
+              <a:t>このあとの実習で活用するために改修する</a:t>
+            </a:r>
+            <a:endParaRPr kumimoji="1" lang="en-US" altLang="ja-JP" sz="2400" dirty="0"/>
+          </a:p>
+          <a:p>
+            <a:pPr lvl="2"/>
+            <a:r>
+              <a:rPr lang="en-US" altLang="ja-JP" dirty="0"/>
+              <a:t>QR</a:t>
+            </a:r>
+            <a:r>
               <a:rPr lang="ja-JP" altLang="en-US" dirty="0"/>
-              <a:t>ソース編集後，変更内容を適用するためには一度アプリケーションを終了して再立上げする必要があります</a:t>
+              <a:t>コードを用いた製品の受け入れ・実績入力</a:t>
             </a:r>
             <a:endParaRPr lang="en-US" altLang="ja-JP" dirty="0"/>
           </a:p>
-        </p:txBody>
-      </p:sp>
-      <p:sp>
-        <p:nvSpPr>
-          <p:cNvPr id="6" name="コンテンツ プレースホルダー 2">
-            <a:extLst>
-              <a:ext uri="{FF2B5EF4-FFF2-40B4-BE49-F238E27FC236}">
-                <a16:creationId xmlns:a16="http://schemas.microsoft.com/office/drawing/2014/main" id="{C6817ECA-5CE1-4EE3-9667-D037946F7B26}"/>
-              </a:ext>
-            </a:extLst>
-          </p:cNvPr>
-          <p:cNvSpPr txBox="1">
-            <a:spLocks/>
-          </p:cNvSpPr>
-          <p:nvPr/>
-        </p:nvSpPr>
-        <p:spPr>
-          <a:xfrm>
-            <a:off x="1097280" y="2904360"/>
-            <a:ext cx="8554720" cy="738664"/>
-          </a:xfrm>
-          <a:prstGeom prst="rect">
-            <a:avLst/>
-          </a:prstGeom>
-        </p:spPr>
-        <p:txBody>
-          <a:bodyPr vert="horz" lIns="0" tIns="45720" rIns="0" bIns="45720" rtlCol="0">
-            <a:normAutofit/>
-          </a:bodyPr>
-          <a:lstStyle>
-            <a:lvl1pPr marL="91440" indent="-91440" algn="l" defTabSz="914400" rtl="0" eaLnBrk="1" latinLnBrk="0" hangingPunct="1">
-              <a:lnSpc>
-                <a:spcPct val="90000"/>
-              </a:lnSpc>
-              <a:spcBef>
-                <a:spcPts val="1200"/>
-              </a:spcBef>
-              <a:spcAft>
-                <a:spcPts val="200"/>
-              </a:spcAft>
-              <a:buClr>
-                <a:schemeClr val="accent1"/>
-              </a:buClr>
-              <a:buSzPct val="100000"/>
-              <a:buFont typeface="Calibri" panose="020F0502020204030204" pitchFamily="34" charset="0"/>
-              <a:buChar char=" "/>
-              <a:defRPr kumimoji="1" sz="2000" kern="1200">
-                <a:solidFill>
-                  <a:schemeClr val="tx1">
-                    <a:lumMod val="75000"/>
-                    <a:lumOff val="25000"/>
-                  </a:schemeClr>
-                </a:solidFill>
-                <a:latin typeface="+mn-lt"/>
-                <a:ea typeface="+mn-ea"/>
-                <a:cs typeface="+mn-cs"/>
-              </a:defRPr>
-            </a:lvl1pPr>
-            <a:lvl2pPr marL="384048" indent="-182880" algn="l" defTabSz="914400" rtl="0" eaLnBrk="1" latinLnBrk="0" hangingPunct="1">
-              <a:lnSpc>
-                <a:spcPct val="90000"/>
-              </a:lnSpc>
-              <a:spcBef>
-                <a:spcPts val="200"/>
-              </a:spcBef>
-              <a:spcAft>
-                <a:spcPts val="400"/>
-              </a:spcAft>
-              <a:buClr>
-                <a:schemeClr val="accent1"/>
-              </a:buClr>
-              <a:buFont typeface="Calibri" pitchFamily="34" charset="0"/>
-              <a:buChar char="◦"/>
-              <a:defRPr kumimoji="1" sz="1800" kern="1200">
-                <a:solidFill>
-                  <a:schemeClr val="tx1">
-                    <a:lumMod val="75000"/>
-                    <a:lumOff val="25000"/>
-                  </a:schemeClr>
-                </a:solidFill>
-                <a:latin typeface="+mn-lt"/>
-                <a:ea typeface="+mn-ea"/>
-                <a:cs typeface="+mn-cs"/>
-              </a:defRPr>
-            </a:lvl2pPr>
-            <a:lvl3pPr marL="566928" indent="-182880" algn="l" defTabSz="914400" rtl="0" eaLnBrk="1" latinLnBrk="0" hangingPunct="1">
-              <a:lnSpc>
-                <a:spcPct val="90000"/>
-              </a:lnSpc>
-              <a:spcBef>
-                <a:spcPts val="200"/>
-              </a:spcBef>
-              <a:spcAft>
-                <a:spcPts val="400"/>
-              </a:spcAft>
-              <a:buClr>
-                <a:schemeClr val="accent1"/>
-              </a:buClr>
-              <a:buFont typeface="Calibri" pitchFamily="34" charset="0"/>
-              <a:buChar char="◦"/>
-              <a:defRPr kumimoji="1" sz="1400" kern="1200">
-                <a:solidFill>
-                  <a:schemeClr val="tx1">
-                    <a:lumMod val="75000"/>
-                    <a:lumOff val="25000"/>
-                  </a:schemeClr>
-                </a:solidFill>
-                <a:latin typeface="+mn-lt"/>
-                <a:ea typeface="+mn-ea"/>
-                <a:cs typeface="+mn-cs"/>
-              </a:defRPr>
-            </a:lvl3pPr>
-            <a:lvl4pPr marL="749808" indent="-182880" algn="l" defTabSz="914400" rtl="0" eaLnBrk="1" latinLnBrk="0" hangingPunct="1">
-              <a:lnSpc>
-                <a:spcPct val="90000"/>
-              </a:lnSpc>
-              <a:spcBef>
-                <a:spcPts val="200"/>
-              </a:spcBef>
-              <a:spcAft>
-                <a:spcPts val="400"/>
-              </a:spcAft>
-              <a:buClr>
-                <a:schemeClr val="accent1"/>
-              </a:buClr>
-              <a:buFont typeface="Calibri" pitchFamily="34" charset="0"/>
-              <a:buChar char="◦"/>
-              <a:defRPr kumimoji="1" sz="1400" kern="1200">
-                <a:solidFill>
-                  <a:schemeClr val="tx1">
-                    <a:lumMod val="75000"/>
-                    <a:lumOff val="25000"/>
-                  </a:schemeClr>
-                </a:solidFill>
-                <a:latin typeface="+mn-lt"/>
-                <a:ea typeface="+mn-ea"/>
-                <a:cs typeface="+mn-cs"/>
-              </a:defRPr>
-            </a:lvl4pPr>
-            <a:lvl5pPr marL="932688" indent="-182880" algn="l" defTabSz="914400" rtl="0" eaLnBrk="1" latinLnBrk="0" hangingPunct="1">
-              <a:lnSpc>
-                <a:spcPct val="90000"/>
-              </a:lnSpc>
-              <a:spcBef>
-                <a:spcPts val="200"/>
-              </a:spcBef>
-              <a:spcAft>
-                <a:spcPts val="400"/>
-              </a:spcAft>
-              <a:buClr>
-                <a:schemeClr val="accent1"/>
-              </a:buClr>
-              <a:buFont typeface="Calibri" pitchFamily="34" charset="0"/>
-              <a:buChar char="◦"/>
-              <a:defRPr kumimoji="1" sz="1400" kern="1200">
-                <a:solidFill>
-                  <a:schemeClr val="tx1">
-                    <a:lumMod val="75000"/>
-                    <a:lumOff val="25000"/>
-                  </a:schemeClr>
-                </a:solidFill>
-                <a:latin typeface="+mn-lt"/>
-                <a:ea typeface="+mn-ea"/>
-                <a:cs typeface="+mn-cs"/>
-              </a:defRPr>
-            </a:lvl5pPr>
-            <a:lvl6pPr marL="1100000" indent="-228600" algn="l" defTabSz="914400" rtl="0" eaLnBrk="1" latinLnBrk="0" hangingPunct="1">
-              <a:lnSpc>
-                <a:spcPct val="90000"/>
-              </a:lnSpc>
-              <a:spcBef>
-                <a:spcPts val="200"/>
-              </a:spcBef>
-              <a:spcAft>
-                <a:spcPts val="400"/>
-              </a:spcAft>
-              <a:buClr>
-                <a:schemeClr val="accent1"/>
-              </a:buClr>
-              <a:buFont typeface="Calibri" pitchFamily="34" charset="0"/>
-              <a:buChar char="◦"/>
-              <a:defRPr kumimoji="1" sz="1400" kern="1200">
-                <a:solidFill>
-                  <a:schemeClr val="tx1">
-                    <a:lumMod val="75000"/>
-                    <a:lumOff val="25000"/>
-                  </a:schemeClr>
-                </a:solidFill>
-                <a:latin typeface="+mn-lt"/>
-                <a:ea typeface="+mn-ea"/>
-                <a:cs typeface="+mn-cs"/>
-              </a:defRPr>
-            </a:lvl6pPr>
-            <a:lvl7pPr marL="1300000" indent="-228600" algn="l" defTabSz="914400" rtl="0" eaLnBrk="1" latinLnBrk="0" hangingPunct="1">
-              <a:lnSpc>
-                <a:spcPct val="90000"/>
-              </a:lnSpc>
-              <a:spcBef>
-                <a:spcPts val="200"/>
-              </a:spcBef>
-              <a:spcAft>
-                <a:spcPts val="400"/>
-              </a:spcAft>
-              <a:buClr>
-                <a:schemeClr val="accent1"/>
-              </a:buClr>
-              <a:buFont typeface="Calibri" pitchFamily="34" charset="0"/>
-              <a:buChar char="◦"/>
-              <a:defRPr kumimoji="1" sz="1400" kern="1200">
-                <a:solidFill>
-                  <a:schemeClr val="tx1">
-                    <a:lumMod val="75000"/>
-                    <a:lumOff val="25000"/>
-                  </a:schemeClr>
-                </a:solidFill>
-                <a:latin typeface="+mn-lt"/>
-                <a:ea typeface="+mn-ea"/>
-                <a:cs typeface="+mn-cs"/>
-              </a:defRPr>
-            </a:lvl7pPr>
-            <a:lvl8pPr marL="1500000" indent="-228600" algn="l" defTabSz="914400" rtl="0" eaLnBrk="1" latinLnBrk="0" hangingPunct="1">
-              <a:lnSpc>
-                <a:spcPct val="90000"/>
-              </a:lnSpc>
-              <a:spcBef>
-                <a:spcPts val="200"/>
-              </a:spcBef>
-              <a:spcAft>
-                <a:spcPts val="400"/>
-              </a:spcAft>
-              <a:buClr>
-                <a:schemeClr val="accent1"/>
-              </a:buClr>
-              <a:buFont typeface="Calibri" pitchFamily="34" charset="0"/>
-              <a:buChar char="◦"/>
-              <a:defRPr kumimoji="1" sz="1400" kern="1200">
-                <a:solidFill>
-                  <a:schemeClr val="tx1">
-                    <a:lumMod val="75000"/>
-                    <a:lumOff val="25000"/>
-                  </a:schemeClr>
-                </a:solidFill>
-                <a:latin typeface="+mn-lt"/>
-                <a:ea typeface="+mn-ea"/>
-                <a:cs typeface="+mn-cs"/>
-              </a:defRPr>
-            </a:lvl8pPr>
-            <a:lvl9pPr marL="1700000" indent="-228600" algn="l" defTabSz="914400" rtl="0" eaLnBrk="1" latinLnBrk="0" hangingPunct="1">
-              <a:lnSpc>
-                <a:spcPct val="90000"/>
-              </a:lnSpc>
-              <a:spcBef>
-                <a:spcPts val="200"/>
-              </a:spcBef>
-              <a:spcAft>
-                <a:spcPts val="400"/>
-              </a:spcAft>
-              <a:buClr>
-                <a:schemeClr val="accent1"/>
-              </a:buClr>
-              <a:buFont typeface="Calibri" pitchFamily="34" charset="0"/>
-              <a:buChar char="◦"/>
-              <a:defRPr kumimoji="1" sz="1400" kern="1200">
-                <a:solidFill>
-                  <a:schemeClr val="tx1">
-                    <a:lumMod val="75000"/>
-                    <a:lumOff val="25000"/>
-                  </a:schemeClr>
-                </a:solidFill>
-                <a:latin typeface="+mn-lt"/>
-                <a:ea typeface="+mn-ea"/>
-                <a:cs typeface="+mn-cs"/>
-              </a:defRPr>
-            </a:lvl9pPr>
-          </a:lstStyle>
-          <a:p>
-            <a:pPr lvl="1"/>
+          <a:p>
+            <a:pPr lvl="2"/>
+            <a:r>
+              <a:rPr lang="en-US" altLang="ja-JP" dirty="0"/>
+              <a:t>QR</a:t>
+            </a:r>
             <a:r>
               <a:rPr lang="ja-JP" altLang="en-US" dirty="0"/>
-              <a:t>実行時はコマンドプロンプト（</a:t>
+              <a:t>コードを読めたら一度だけ</a:t>
             </a:r>
             <a:r>
               <a:rPr lang="en-US" altLang="ja-JP" dirty="0"/>
-              <a:t>PowerShell</a:t>
+              <a:t>QR</a:t>
             </a:r>
             <a:r>
               <a:rPr lang="ja-JP" altLang="en-US" dirty="0"/>
-              <a:t>）で下記コマンドを実行</a:t>
+              <a:t>コード内の</a:t>
+            </a:r>
+            <a:r>
+              <a:rPr lang="en-US" altLang="ja-JP" dirty="0"/>
+              <a:t>URL</a:t>
+            </a:r>
+            <a:r>
+              <a:rPr lang="ja-JP" altLang="en-US" dirty="0"/>
+              <a:t>にアクセスするように改修する</a:t>
             </a:r>
             <a:endParaRPr lang="en-US" altLang="ja-JP" dirty="0"/>
+          </a:p>
+          <a:p>
+            <a:pPr lvl="2"/>
+            <a:endParaRPr kumimoji="1" lang="en-US" altLang="ja-JP" dirty="0"/>
+          </a:p>
+          <a:p>
+            <a:pPr lvl="2"/>
+            <a:endParaRPr kumimoji="1" lang="ja-JP" altLang="en-US" dirty="0"/>
           </a:p>
         </p:txBody>
       </p:sp>
     </p:spTree>
     <p:extLst>
       <p:ext uri="{BB962C8B-B14F-4D97-AF65-F5344CB8AC3E}">
-        <p14:creationId xmlns:p14="http://schemas.microsoft.com/office/powerpoint/2010/main" val="956464388"/>
+        <p14:creationId xmlns:p14="http://schemas.microsoft.com/office/powerpoint/2010/main" val="3005541142"/>
       </p:ext>
     </p:extLst>
   </p:cSld>
@@ -9240,6 +8715,762 @@
           <a:lstStyle/>
           <a:p>
             <a:r>
+              <a:rPr lang="en-US" altLang="ja-JP" sz="3600" dirty="0"/>
+              <a:t>QR</a:t>
+            </a:r>
+            <a:r>
+              <a:rPr lang="ja-JP" altLang="en-US" sz="3600" dirty="0"/>
+              <a:t>コードの生成も試す</a:t>
+            </a:r>
+            <a:endParaRPr kumimoji="1" lang="ja-JP" altLang="en-US" sz="3600" dirty="0"/>
+          </a:p>
+        </p:txBody>
+      </p:sp>
+      <p:sp>
+        <p:nvSpPr>
+          <p:cNvPr id="3" name="コンテンツ プレースホルダー 2">
+            <a:extLst>
+              <a:ext uri="{FF2B5EF4-FFF2-40B4-BE49-F238E27FC236}">
+                <a16:creationId xmlns:a16="http://schemas.microsoft.com/office/drawing/2014/main" id="{F5DD2745-66EC-4B32-821B-5DCAA9B43EB3}"/>
+              </a:ext>
+            </a:extLst>
+          </p:cNvPr>
+          <p:cNvSpPr>
+            <a:spLocks noGrp="1"/>
+          </p:cNvSpPr>
+          <p:nvPr>
+            <p:ph idx="1"/>
+          </p:nvPr>
+        </p:nvSpPr>
+        <p:spPr>
+          <a:xfrm>
+            <a:off x="1097280" y="1845734"/>
+            <a:ext cx="8554720" cy="738664"/>
+          </a:xfrm>
+        </p:spPr>
+        <p:txBody>
+          <a:bodyPr>
+            <a:normAutofit/>
+          </a:bodyPr>
+          <a:lstStyle/>
+          <a:p>
+            <a:pPr lvl="1"/>
+            <a:r>
+              <a:rPr kumimoji="1" lang="ja-JP" altLang="en-US" dirty="0"/>
+              <a:t>実習を行うディレクトリにファイルを作成します</a:t>
+            </a:r>
+            <a:endParaRPr kumimoji="1" lang="en-US" altLang="ja-JP" dirty="0"/>
+          </a:p>
+          <a:p>
+            <a:pPr lvl="1"/>
+            <a:r>
+              <a:rPr lang="ja-JP" altLang="en-US" dirty="0"/>
+              <a:t>（実習ファイル群にサンプルコードが添付されているので設置します）</a:t>
+            </a:r>
+            <a:endParaRPr lang="en-US" altLang="ja-JP" dirty="0"/>
+          </a:p>
+        </p:txBody>
+      </p:sp>
+      <p:sp>
+        <p:nvSpPr>
+          <p:cNvPr id="4" name="テキスト ボックス 3">
+            <a:extLst>
+              <a:ext uri="{FF2B5EF4-FFF2-40B4-BE49-F238E27FC236}">
+                <a16:creationId xmlns:a16="http://schemas.microsoft.com/office/drawing/2014/main" id="{22757ADC-A29E-470F-A953-A0EF5A87EB33}"/>
+              </a:ext>
+            </a:extLst>
+          </p:cNvPr>
+          <p:cNvSpPr txBox="1"/>
+          <p:nvPr/>
+        </p:nvSpPr>
+        <p:spPr>
+          <a:xfrm>
+            <a:off x="2095708" y="3423555"/>
+            <a:ext cx="4063869" cy="738664"/>
+          </a:xfrm>
+          <a:prstGeom prst="rect">
+            <a:avLst/>
+          </a:prstGeom>
+          <a:noFill/>
+        </p:spPr>
+        <p:txBody>
+          <a:bodyPr wrap="none" rtlCol="0">
+            <a:spAutoFit/>
+          </a:bodyPr>
+          <a:lstStyle/>
+          <a:p>
+            <a:r>
+              <a:rPr kumimoji="1" lang="en-US" altLang="ja-JP" sz="4200" dirty="0"/>
+              <a:t>python3 qrgen.py</a:t>
+            </a:r>
+            <a:endParaRPr kumimoji="1" lang="ja-JP" altLang="en-US" sz="4200" dirty="0"/>
+          </a:p>
+        </p:txBody>
+      </p:sp>
+      <p:sp>
+        <p:nvSpPr>
+          <p:cNvPr id="7" name="コンテンツ プレースホルダー 2">
+            <a:extLst>
+              <a:ext uri="{FF2B5EF4-FFF2-40B4-BE49-F238E27FC236}">
+                <a16:creationId xmlns:a16="http://schemas.microsoft.com/office/drawing/2014/main" id="{1582982C-1795-4BF2-A408-189B7E599881}"/>
+              </a:ext>
+            </a:extLst>
+          </p:cNvPr>
+          <p:cNvSpPr txBox="1">
+            <a:spLocks/>
+          </p:cNvSpPr>
+          <p:nvPr/>
+        </p:nvSpPr>
+        <p:spPr>
+          <a:xfrm>
+            <a:off x="628946" y="4681415"/>
+            <a:ext cx="10722708" cy="1625601"/>
+          </a:xfrm>
+          <a:prstGeom prst="rect">
+            <a:avLst/>
+          </a:prstGeom>
+        </p:spPr>
+        <p:txBody>
+          <a:bodyPr vert="horz" lIns="0" tIns="45720" rIns="0" bIns="45720" rtlCol="0">
+            <a:normAutofit/>
+          </a:bodyPr>
+          <a:lstStyle>
+            <a:lvl1pPr marL="91440" indent="-91440" algn="l" defTabSz="914400" rtl="0" eaLnBrk="1" latinLnBrk="0" hangingPunct="1">
+              <a:lnSpc>
+                <a:spcPct val="90000"/>
+              </a:lnSpc>
+              <a:spcBef>
+                <a:spcPts val="1200"/>
+              </a:spcBef>
+              <a:spcAft>
+                <a:spcPts val="200"/>
+              </a:spcAft>
+              <a:buClr>
+                <a:schemeClr val="accent1"/>
+              </a:buClr>
+              <a:buSzPct val="100000"/>
+              <a:buFont typeface="Calibri" panose="020F0502020204030204" pitchFamily="34" charset="0"/>
+              <a:buChar char=" "/>
+              <a:defRPr kumimoji="1" sz="2000" kern="1200">
+                <a:solidFill>
+                  <a:schemeClr val="tx1">
+                    <a:lumMod val="75000"/>
+                    <a:lumOff val="25000"/>
+                  </a:schemeClr>
+                </a:solidFill>
+                <a:latin typeface="+mn-lt"/>
+                <a:ea typeface="+mn-ea"/>
+                <a:cs typeface="+mn-cs"/>
+              </a:defRPr>
+            </a:lvl1pPr>
+            <a:lvl2pPr marL="384048" indent="-182880" algn="l" defTabSz="914400" rtl="0" eaLnBrk="1" latinLnBrk="0" hangingPunct="1">
+              <a:lnSpc>
+                <a:spcPct val="90000"/>
+              </a:lnSpc>
+              <a:spcBef>
+                <a:spcPts val="200"/>
+              </a:spcBef>
+              <a:spcAft>
+                <a:spcPts val="400"/>
+              </a:spcAft>
+              <a:buClr>
+                <a:schemeClr val="accent1"/>
+              </a:buClr>
+              <a:buFont typeface="Calibri" pitchFamily="34" charset="0"/>
+              <a:buChar char="◦"/>
+              <a:defRPr kumimoji="1" sz="1800" kern="1200">
+                <a:solidFill>
+                  <a:schemeClr val="tx1">
+                    <a:lumMod val="75000"/>
+                    <a:lumOff val="25000"/>
+                  </a:schemeClr>
+                </a:solidFill>
+                <a:latin typeface="+mn-lt"/>
+                <a:ea typeface="+mn-ea"/>
+                <a:cs typeface="+mn-cs"/>
+              </a:defRPr>
+            </a:lvl2pPr>
+            <a:lvl3pPr marL="566928" indent="-182880" algn="l" defTabSz="914400" rtl="0" eaLnBrk="1" latinLnBrk="0" hangingPunct="1">
+              <a:lnSpc>
+                <a:spcPct val="90000"/>
+              </a:lnSpc>
+              <a:spcBef>
+                <a:spcPts val="200"/>
+              </a:spcBef>
+              <a:spcAft>
+                <a:spcPts val="400"/>
+              </a:spcAft>
+              <a:buClr>
+                <a:schemeClr val="accent1"/>
+              </a:buClr>
+              <a:buFont typeface="Calibri" pitchFamily="34" charset="0"/>
+              <a:buChar char="◦"/>
+              <a:defRPr kumimoji="1" sz="1400" kern="1200">
+                <a:solidFill>
+                  <a:schemeClr val="tx1">
+                    <a:lumMod val="75000"/>
+                    <a:lumOff val="25000"/>
+                  </a:schemeClr>
+                </a:solidFill>
+                <a:latin typeface="+mn-lt"/>
+                <a:ea typeface="+mn-ea"/>
+                <a:cs typeface="+mn-cs"/>
+              </a:defRPr>
+            </a:lvl3pPr>
+            <a:lvl4pPr marL="749808" indent="-182880" algn="l" defTabSz="914400" rtl="0" eaLnBrk="1" latinLnBrk="0" hangingPunct="1">
+              <a:lnSpc>
+                <a:spcPct val="90000"/>
+              </a:lnSpc>
+              <a:spcBef>
+                <a:spcPts val="200"/>
+              </a:spcBef>
+              <a:spcAft>
+                <a:spcPts val="400"/>
+              </a:spcAft>
+              <a:buClr>
+                <a:schemeClr val="accent1"/>
+              </a:buClr>
+              <a:buFont typeface="Calibri" pitchFamily="34" charset="0"/>
+              <a:buChar char="◦"/>
+              <a:defRPr kumimoji="1" sz="1400" kern="1200">
+                <a:solidFill>
+                  <a:schemeClr val="tx1">
+                    <a:lumMod val="75000"/>
+                    <a:lumOff val="25000"/>
+                  </a:schemeClr>
+                </a:solidFill>
+                <a:latin typeface="+mn-lt"/>
+                <a:ea typeface="+mn-ea"/>
+                <a:cs typeface="+mn-cs"/>
+              </a:defRPr>
+            </a:lvl4pPr>
+            <a:lvl5pPr marL="932688" indent="-182880" algn="l" defTabSz="914400" rtl="0" eaLnBrk="1" latinLnBrk="0" hangingPunct="1">
+              <a:lnSpc>
+                <a:spcPct val="90000"/>
+              </a:lnSpc>
+              <a:spcBef>
+                <a:spcPts val="200"/>
+              </a:spcBef>
+              <a:spcAft>
+                <a:spcPts val="400"/>
+              </a:spcAft>
+              <a:buClr>
+                <a:schemeClr val="accent1"/>
+              </a:buClr>
+              <a:buFont typeface="Calibri" pitchFamily="34" charset="0"/>
+              <a:buChar char="◦"/>
+              <a:defRPr kumimoji="1" sz="1400" kern="1200">
+                <a:solidFill>
+                  <a:schemeClr val="tx1">
+                    <a:lumMod val="75000"/>
+                    <a:lumOff val="25000"/>
+                  </a:schemeClr>
+                </a:solidFill>
+                <a:latin typeface="+mn-lt"/>
+                <a:ea typeface="+mn-ea"/>
+                <a:cs typeface="+mn-cs"/>
+              </a:defRPr>
+            </a:lvl5pPr>
+            <a:lvl6pPr marL="1100000" indent="-228600" algn="l" defTabSz="914400" rtl="0" eaLnBrk="1" latinLnBrk="0" hangingPunct="1">
+              <a:lnSpc>
+                <a:spcPct val="90000"/>
+              </a:lnSpc>
+              <a:spcBef>
+                <a:spcPts val="200"/>
+              </a:spcBef>
+              <a:spcAft>
+                <a:spcPts val="400"/>
+              </a:spcAft>
+              <a:buClr>
+                <a:schemeClr val="accent1"/>
+              </a:buClr>
+              <a:buFont typeface="Calibri" pitchFamily="34" charset="0"/>
+              <a:buChar char="◦"/>
+              <a:defRPr kumimoji="1" sz="1400" kern="1200">
+                <a:solidFill>
+                  <a:schemeClr val="tx1">
+                    <a:lumMod val="75000"/>
+                    <a:lumOff val="25000"/>
+                  </a:schemeClr>
+                </a:solidFill>
+                <a:latin typeface="+mn-lt"/>
+                <a:ea typeface="+mn-ea"/>
+                <a:cs typeface="+mn-cs"/>
+              </a:defRPr>
+            </a:lvl6pPr>
+            <a:lvl7pPr marL="1300000" indent="-228600" algn="l" defTabSz="914400" rtl="0" eaLnBrk="1" latinLnBrk="0" hangingPunct="1">
+              <a:lnSpc>
+                <a:spcPct val="90000"/>
+              </a:lnSpc>
+              <a:spcBef>
+                <a:spcPts val="200"/>
+              </a:spcBef>
+              <a:spcAft>
+                <a:spcPts val="400"/>
+              </a:spcAft>
+              <a:buClr>
+                <a:schemeClr val="accent1"/>
+              </a:buClr>
+              <a:buFont typeface="Calibri" pitchFamily="34" charset="0"/>
+              <a:buChar char="◦"/>
+              <a:defRPr kumimoji="1" sz="1400" kern="1200">
+                <a:solidFill>
+                  <a:schemeClr val="tx1">
+                    <a:lumMod val="75000"/>
+                    <a:lumOff val="25000"/>
+                  </a:schemeClr>
+                </a:solidFill>
+                <a:latin typeface="+mn-lt"/>
+                <a:ea typeface="+mn-ea"/>
+                <a:cs typeface="+mn-cs"/>
+              </a:defRPr>
+            </a:lvl7pPr>
+            <a:lvl8pPr marL="1500000" indent="-228600" algn="l" defTabSz="914400" rtl="0" eaLnBrk="1" latinLnBrk="0" hangingPunct="1">
+              <a:lnSpc>
+                <a:spcPct val="90000"/>
+              </a:lnSpc>
+              <a:spcBef>
+                <a:spcPts val="200"/>
+              </a:spcBef>
+              <a:spcAft>
+                <a:spcPts val="400"/>
+              </a:spcAft>
+              <a:buClr>
+                <a:schemeClr val="accent1"/>
+              </a:buClr>
+              <a:buFont typeface="Calibri" pitchFamily="34" charset="0"/>
+              <a:buChar char="◦"/>
+              <a:defRPr kumimoji="1" sz="1400" kern="1200">
+                <a:solidFill>
+                  <a:schemeClr val="tx1">
+                    <a:lumMod val="75000"/>
+                    <a:lumOff val="25000"/>
+                  </a:schemeClr>
+                </a:solidFill>
+                <a:latin typeface="+mn-lt"/>
+                <a:ea typeface="+mn-ea"/>
+                <a:cs typeface="+mn-cs"/>
+              </a:defRPr>
+            </a:lvl8pPr>
+            <a:lvl9pPr marL="1700000" indent="-228600" algn="l" defTabSz="914400" rtl="0" eaLnBrk="1" latinLnBrk="0" hangingPunct="1">
+              <a:lnSpc>
+                <a:spcPct val="90000"/>
+              </a:lnSpc>
+              <a:spcBef>
+                <a:spcPts val="200"/>
+              </a:spcBef>
+              <a:spcAft>
+                <a:spcPts val="400"/>
+              </a:spcAft>
+              <a:buClr>
+                <a:schemeClr val="accent1"/>
+              </a:buClr>
+              <a:buFont typeface="Calibri" pitchFamily="34" charset="0"/>
+              <a:buChar char="◦"/>
+              <a:defRPr kumimoji="1" sz="1400" kern="1200">
+                <a:solidFill>
+                  <a:schemeClr val="tx1">
+                    <a:lumMod val="75000"/>
+                    <a:lumOff val="25000"/>
+                  </a:schemeClr>
+                </a:solidFill>
+                <a:latin typeface="+mn-lt"/>
+                <a:ea typeface="+mn-ea"/>
+                <a:cs typeface="+mn-cs"/>
+              </a:defRPr>
+            </a:lvl9pPr>
+          </a:lstStyle>
+          <a:p>
+            <a:pPr lvl="1"/>
+            <a:r>
+              <a:rPr lang="ja-JP" altLang="en-US" dirty="0"/>
+              <a:t>終了する場合は</a:t>
+            </a:r>
+            <a:endParaRPr lang="en-US" altLang="ja-JP" dirty="0"/>
+          </a:p>
+          <a:p>
+            <a:pPr lvl="2"/>
+            <a:r>
+              <a:rPr lang="ja-JP" altLang="en-US" dirty="0"/>
+              <a:t>コマンドプロンプト（</a:t>
+            </a:r>
+            <a:r>
+              <a:rPr lang="en-US" altLang="ja-JP" dirty="0"/>
+              <a:t>PowerShell</a:t>
+            </a:r>
+            <a:r>
+              <a:rPr lang="ja-JP" altLang="en-US" dirty="0"/>
+              <a:t>）上で「</a:t>
+            </a:r>
+            <a:r>
+              <a:rPr lang="en-US" altLang="ja-JP" dirty="0" err="1"/>
+              <a:t>Ctrl+C</a:t>
+            </a:r>
+            <a:r>
+              <a:rPr lang="ja-JP" altLang="en-US" dirty="0"/>
+              <a:t>」を連打</a:t>
+            </a:r>
+            <a:endParaRPr lang="en-US" altLang="ja-JP" dirty="0"/>
+          </a:p>
+          <a:p>
+            <a:pPr lvl="2"/>
+            <a:endParaRPr lang="en-US" altLang="ja-JP" dirty="0"/>
+          </a:p>
+          <a:p>
+            <a:pPr lvl="1"/>
+            <a:r>
+              <a:rPr lang="ja-JP" altLang="en-US" dirty="0"/>
+              <a:t>ソース編集後，変更内容を適用するためには一度アプリケーションを終了して再立上げする必要があります</a:t>
+            </a:r>
+            <a:endParaRPr lang="en-US" altLang="ja-JP" dirty="0"/>
+          </a:p>
+        </p:txBody>
+      </p:sp>
+      <p:sp>
+        <p:nvSpPr>
+          <p:cNvPr id="6" name="コンテンツ プレースホルダー 2">
+            <a:extLst>
+              <a:ext uri="{FF2B5EF4-FFF2-40B4-BE49-F238E27FC236}">
+                <a16:creationId xmlns:a16="http://schemas.microsoft.com/office/drawing/2014/main" id="{C6817ECA-5CE1-4EE3-9667-D037946F7B26}"/>
+              </a:ext>
+            </a:extLst>
+          </p:cNvPr>
+          <p:cNvSpPr txBox="1">
+            <a:spLocks/>
+          </p:cNvSpPr>
+          <p:nvPr/>
+        </p:nvSpPr>
+        <p:spPr>
+          <a:xfrm>
+            <a:off x="1097280" y="2904360"/>
+            <a:ext cx="8554720" cy="738664"/>
+          </a:xfrm>
+          <a:prstGeom prst="rect">
+            <a:avLst/>
+          </a:prstGeom>
+        </p:spPr>
+        <p:txBody>
+          <a:bodyPr vert="horz" lIns="0" tIns="45720" rIns="0" bIns="45720" rtlCol="0">
+            <a:normAutofit/>
+          </a:bodyPr>
+          <a:lstStyle>
+            <a:lvl1pPr marL="91440" indent="-91440" algn="l" defTabSz="914400" rtl="0" eaLnBrk="1" latinLnBrk="0" hangingPunct="1">
+              <a:lnSpc>
+                <a:spcPct val="90000"/>
+              </a:lnSpc>
+              <a:spcBef>
+                <a:spcPts val="1200"/>
+              </a:spcBef>
+              <a:spcAft>
+                <a:spcPts val="200"/>
+              </a:spcAft>
+              <a:buClr>
+                <a:schemeClr val="accent1"/>
+              </a:buClr>
+              <a:buSzPct val="100000"/>
+              <a:buFont typeface="Calibri" panose="020F0502020204030204" pitchFamily="34" charset="0"/>
+              <a:buChar char=" "/>
+              <a:defRPr kumimoji="1" sz="2000" kern="1200">
+                <a:solidFill>
+                  <a:schemeClr val="tx1">
+                    <a:lumMod val="75000"/>
+                    <a:lumOff val="25000"/>
+                  </a:schemeClr>
+                </a:solidFill>
+                <a:latin typeface="+mn-lt"/>
+                <a:ea typeface="+mn-ea"/>
+                <a:cs typeface="+mn-cs"/>
+              </a:defRPr>
+            </a:lvl1pPr>
+            <a:lvl2pPr marL="384048" indent="-182880" algn="l" defTabSz="914400" rtl="0" eaLnBrk="1" latinLnBrk="0" hangingPunct="1">
+              <a:lnSpc>
+                <a:spcPct val="90000"/>
+              </a:lnSpc>
+              <a:spcBef>
+                <a:spcPts val="200"/>
+              </a:spcBef>
+              <a:spcAft>
+                <a:spcPts val="400"/>
+              </a:spcAft>
+              <a:buClr>
+                <a:schemeClr val="accent1"/>
+              </a:buClr>
+              <a:buFont typeface="Calibri" pitchFamily="34" charset="0"/>
+              <a:buChar char="◦"/>
+              <a:defRPr kumimoji="1" sz="1800" kern="1200">
+                <a:solidFill>
+                  <a:schemeClr val="tx1">
+                    <a:lumMod val="75000"/>
+                    <a:lumOff val="25000"/>
+                  </a:schemeClr>
+                </a:solidFill>
+                <a:latin typeface="+mn-lt"/>
+                <a:ea typeface="+mn-ea"/>
+                <a:cs typeface="+mn-cs"/>
+              </a:defRPr>
+            </a:lvl2pPr>
+            <a:lvl3pPr marL="566928" indent="-182880" algn="l" defTabSz="914400" rtl="0" eaLnBrk="1" latinLnBrk="0" hangingPunct="1">
+              <a:lnSpc>
+                <a:spcPct val="90000"/>
+              </a:lnSpc>
+              <a:spcBef>
+                <a:spcPts val="200"/>
+              </a:spcBef>
+              <a:spcAft>
+                <a:spcPts val="400"/>
+              </a:spcAft>
+              <a:buClr>
+                <a:schemeClr val="accent1"/>
+              </a:buClr>
+              <a:buFont typeface="Calibri" pitchFamily="34" charset="0"/>
+              <a:buChar char="◦"/>
+              <a:defRPr kumimoji="1" sz="1400" kern="1200">
+                <a:solidFill>
+                  <a:schemeClr val="tx1">
+                    <a:lumMod val="75000"/>
+                    <a:lumOff val="25000"/>
+                  </a:schemeClr>
+                </a:solidFill>
+                <a:latin typeface="+mn-lt"/>
+                <a:ea typeface="+mn-ea"/>
+                <a:cs typeface="+mn-cs"/>
+              </a:defRPr>
+            </a:lvl3pPr>
+            <a:lvl4pPr marL="749808" indent="-182880" algn="l" defTabSz="914400" rtl="0" eaLnBrk="1" latinLnBrk="0" hangingPunct="1">
+              <a:lnSpc>
+                <a:spcPct val="90000"/>
+              </a:lnSpc>
+              <a:spcBef>
+                <a:spcPts val="200"/>
+              </a:spcBef>
+              <a:spcAft>
+                <a:spcPts val="400"/>
+              </a:spcAft>
+              <a:buClr>
+                <a:schemeClr val="accent1"/>
+              </a:buClr>
+              <a:buFont typeface="Calibri" pitchFamily="34" charset="0"/>
+              <a:buChar char="◦"/>
+              <a:defRPr kumimoji="1" sz="1400" kern="1200">
+                <a:solidFill>
+                  <a:schemeClr val="tx1">
+                    <a:lumMod val="75000"/>
+                    <a:lumOff val="25000"/>
+                  </a:schemeClr>
+                </a:solidFill>
+                <a:latin typeface="+mn-lt"/>
+                <a:ea typeface="+mn-ea"/>
+                <a:cs typeface="+mn-cs"/>
+              </a:defRPr>
+            </a:lvl4pPr>
+            <a:lvl5pPr marL="932688" indent="-182880" algn="l" defTabSz="914400" rtl="0" eaLnBrk="1" latinLnBrk="0" hangingPunct="1">
+              <a:lnSpc>
+                <a:spcPct val="90000"/>
+              </a:lnSpc>
+              <a:spcBef>
+                <a:spcPts val="200"/>
+              </a:spcBef>
+              <a:spcAft>
+                <a:spcPts val="400"/>
+              </a:spcAft>
+              <a:buClr>
+                <a:schemeClr val="accent1"/>
+              </a:buClr>
+              <a:buFont typeface="Calibri" pitchFamily="34" charset="0"/>
+              <a:buChar char="◦"/>
+              <a:defRPr kumimoji="1" sz="1400" kern="1200">
+                <a:solidFill>
+                  <a:schemeClr val="tx1">
+                    <a:lumMod val="75000"/>
+                    <a:lumOff val="25000"/>
+                  </a:schemeClr>
+                </a:solidFill>
+                <a:latin typeface="+mn-lt"/>
+                <a:ea typeface="+mn-ea"/>
+                <a:cs typeface="+mn-cs"/>
+              </a:defRPr>
+            </a:lvl5pPr>
+            <a:lvl6pPr marL="1100000" indent="-228600" algn="l" defTabSz="914400" rtl="0" eaLnBrk="1" latinLnBrk="0" hangingPunct="1">
+              <a:lnSpc>
+                <a:spcPct val="90000"/>
+              </a:lnSpc>
+              <a:spcBef>
+                <a:spcPts val="200"/>
+              </a:spcBef>
+              <a:spcAft>
+                <a:spcPts val="400"/>
+              </a:spcAft>
+              <a:buClr>
+                <a:schemeClr val="accent1"/>
+              </a:buClr>
+              <a:buFont typeface="Calibri" pitchFamily="34" charset="0"/>
+              <a:buChar char="◦"/>
+              <a:defRPr kumimoji="1" sz="1400" kern="1200">
+                <a:solidFill>
+                  <a:schemeClr val="tx1">
+                    <a:lumMod val="75000"/>
+                    <a:lumOff val="25000"/>
+                  </a:schemeClr>
+                </a:solidFill>
+                <a:latin typeface="+mn-lt"/>
+                <a:ea typeface="+mn-ea"/>
+                <a:cs typeface="+mn-cs"/>
+              </a:defRPr>
+            </a:lvl6pPr>
+            <a:lvl7pPr marL="1300000" indent="-228600" algn="l" defTabSz="914400" rtl="0" eaLnBrk="1" latinLnBrk="0" hangingPunct="1">
+              <a:lnSpc>
+                <a:spcPct val="90000"/>
+              </a:lnSpc>
+              <a:spcBef>
+                <a:spcPts val="200"/>
+              </a:spcBef>
+              <a:spcAft>
+                <a:spcPts val="400"/>
+              </a:spcAft>
+              <a:buClr>
+                <a:schemeClr val="accent1"/>
+              </a:buClr>
+              <a:buFont typeface="Calibri" pitchFamily="34" charset="0"/>
+              <a:buChar char="◦"/>
+              <a:defRPr kumimoji="1" sz="1400" kern="1200">
+                <a:solidFill>
+                  <a:schemeClr val="tx1">
+                    <a:lumMod val="75000"/>
+                    <a:lumOff val="25000"/>
+                  </a:schemeClr>
+                </a:solidFill>
+                <a:latin typeface="+mn-lt"/>
+                <a:ea typeface="+mn-ea"/>
+                <a:cs typeface="+mn-cs"/>
+              </a:defRPr>
+            </a:lvl7pPr>
+            <a:lvl8pPr marL="1500000" indent="-228600" algn="l" defTabSz="914400" rtl="0" eaLnBrk="1" latinLnBrk="0" hangingPunct="1">
+              <a:lnSpc>
+                <a:spcPct val="90000"/>
+              </a:lnSpc>
+              <a:spcBef>
+                <a:spcPts val="200"/>
+              </a:spcBef>
+              <a:spcAft>
+                <a:spcPts val="400"/>
+              </a:spcAft>
+              <a:buClr>
+                <a:schemeClr val="accent1"/>
+              </a:buClr>
+              <a:buFont typeface="Calibri" pitchFamily="34" charset="0"/>
+              <a:buChar char="◦"/>
+              <a:defRPr kumimoji="1" sz="1400" kern="1200">
+                <a:solidFill>
+                  <a:schemeClr val="tx1">
+                    <a:lumMod val="75000"/>
+                    <a:lumOff val="25000"/>
+                  </a:schemeClr>
+                </a:solidFill>
+                <a:latin typeface="+mn-lt"/>
+                <a:ea typeface="+mn-ea"/>
+                <a:cs typeface="+mn-cs"/>
+              </a:defRPr>
+            </a:lvl8pPr>
+            <a:lvl9pPr marL="1700000" indent="-228600" algn="l" defTabSz="914400" rtl="0" eaLnBrk="1" latinLnBrk="0" hangingPunct="1">
+              <a:lnSpc>
+                <a:spcPct val="90000"/>
+              </a:lnSpc>
+              <a:spcBef>
+                <a:spcPts val="200"/>
+              </a:spcBef>
+              <a:spcAft>
+                <a:spcPts val="400"/>
+              </a:spcAft>
+              <a:buClr>
+                <a:schemeClr val="accent1"/>
+              </a:buClr>
+              <a:buFont typeface="Calibri" pitchFamily="34" charset="0"/>
+              <a:buChar char="◦"/>
+              <a:defRPr kumimoji="1" sz="1400" kern="1200">
+                <a:solidFill>
+                  <a:schemeClr val="tx1">
+                    <a:lumMod val="75000"/>
+                    <a:lumOff val="25000"/>
+                  </a:schemeClr>
+                </a:solidFill>
+                <a:latin typeface="+mn-lt"/>
+                <a:ea typeface="+mn-ea"/>
+                <a:cs typeface="+mn-cs"/>
+              </a:defRPr>
+            </a:lvl9pPr>
+          </a:lstStyle>
+          <a:p>
+            <a:pPr lvl="1"/>
+            <a:r>
+              <a:rPr lang="ja-JP" altLang="en-US" dirty="0"/>
+              <a:t>実行時はコマンドプロンプト（</a:t>
+            </a:r>
+            <a:r>
+              <a:rPr lang="en-US" altLang="ja-JP" dirty="0"/>
+              <a:t>PowerShell</a:t>
+            </a:r>
+            <a:r>
+              <a:rPr lang="ja-JP" altLang="en-US" dirty="0"/>
+              <a:t>）で下記コマンドを実行</a:t>
+            </a:r>
+            <a:endParaRPr lang="en-US" altLang="ja-JP" dirty="0"/>
+          </a:p>
+        </p:txBody>
+      </p:sp>
+    </p:spTree>
+    <p:extLst>
+      <p:ext uri="{BB962C8B-B14F-4D97-AF65-F5344CB8AC3E}">
+        <p14:creationId xmlns:p14="http://schemas.microsoft.com/office/powerpoint/2010/main" val="956464388"/>
+      </p:ext>
+    </p:extLst>
+  </p:cSld>
+  <p:clrMapOvr>
+    <a:masterClrMapping/>
+  </p:clrMapOvr>
+</p:sld>
+</file>
+
+<file path=ppt/slides/slide14.xml><?xml version="1.0" encoding="utf-8"?>
+<p:sld xmlns:a="http://schemas.openxmlformats.org/drawingml/2006/main" xmlns:r="http://schemas.openxmlformats.org/officeDocument/2006/relationships" xmlns:p="http://schemas.openxmlformats.org/presentationml/2006/main">
+  <p:cSld>
+    <p:spTree>
+      <p:nvGrpSpPr>
+        <p:cNvPr id="1" name=""/>
+        <p:cNvGrpSpPr/>
+        <p:nvPr/>
+      </p:nvGrpSpPr>
+      <p:grpSpPr>
+        <a:xfrm>
+          <a:off x="0" y="0"/>
+          <a:ext cx="0" cy="0"/>
+          <a:chOff x="0" y="0"/>
+          <a:chExt cx="0" cy="0"/>
+        </a:xfrm>
+      </p:grpSpPr>
+      <p:sp>
+        <p:nvSpPr>
+          <p:cNvPr id="2" name="タイトル 1">
+            <a:extLst>
+              <a:ext uri="{FF2B5EF4-FFF2-40B4-BE49-F238E27FC236}">
+                <a16:creationId xmlns:a16="http://schemas.microsoft.com/office/drawing/2014/main" id="{58C9196D-FAB2-4020-95D4-9DF06443624F}"/>
+              </a:ext>
+            </a:extLst>
+          </p:cNvPr>
+          <p:cNvSpPr>
+            <a:spLocks noGrp="1"/>
+          </p:cNvSpPr>
+          <p:nvPr>
+            <p:ph type="title"/>
+          </p:nvPr>
+        </p:nvSpPr>
+        <p:spPr/>
+        <p:txBody>
+          <a:bodyPr>
+            <a:normAutofit/>
+          </a:bodyPr>
+          <a:lstStyle/>
+          <a:p>
+            <a:r>
               <a:rPr lang="ja-JP" altLang="en-US" sz="2800" dirty="0"/>
               <a:t>読み取った</a:t>
             </a:r>
@@ -9952,7 +10183,7 @@
 </p:sld>
 </file>
 
-<file path=ppt/slides/slide14.xml><?xml version="1.0" encoding="utf-8"?>
+<file path=ppt/slides/slide15.xml><?xml version="1.0" encoding="utf-8"?>
 <p:sld xmlns:a="http://schemas.openxmlformats.org/drawingml/2006/main" xmlns:r="http://schemas.openxmlformats.org/officeDocument/2006/relationships" xmlns:p="http://schemas.openxmlformats.org/presentationml/2006/main">
   <p:cSld>
     <p:spTree>
@@ -10024,7 +10255,7 @@
         <p:spPr>
           <a:xfrm>
             <a:off x="1384508" y="2255217"/>
-            <a:ext cx="10654327" cy="738664"/>
+            <a:ext cx="9143400" cy="646331"/>
           </a:xfrm>
           <a:prstGeom prst="rect">
             <a:avLst/>
@@ -10038,26 +10269,26 @@
           <a:lstStyle/>
           <a:p>
             <a:r>
-              <a:rPr kumimoji="1" lang="en-US" altLang="ja-JP" sz="4200" dirty="0"/>
+              <a:rPr kumimoji="1" lang="en-US" altLang="ja-JP" sz="3600" dirty="0"/>
               <a:t>python3 qrgen_arg.py</a:t>
             </a:r>
             <a:r>
-              <a:rPr kumimoji="1" lang="ja-JP" altLang="en-US" sz="4200" dirty="0"/>
+              <a:rPr kumimoji="1" lang="ja-JP" altLang="en-US" sz="3600" dirty="0"/>
               <a:t> </a:t>
             </a:r>
             <a:r>
-              <a:rPr kumimoji="1" lang="en-US" altLang="ja-JP" sz="4200" dirty="0"/>
+              <a:rPr kumimoji="1" lang="en-US" altLang="ja-JP" sz="3600" dirty="0"/>
               <a:t>[</a:t>
             </a:r>
             <a:r>
-              <a:rPr kumimoji="1" lang="en-US" altLang="ja-JP" sz="4200" dirty="0" err="1"/>
+              <a:rPr kumimoji="1" lang="en-US" altLang="ja-JP" sz="3600" dirty="0" err="1"/>
               <a:t>target_string</a:t>
             </a:r>
             <a:r>
-              <a:rPr kumimoji="1" lang="en-US" altLang="ja-JP" sz="4200" dirty="0"/>
+              <a:rPr kumimoji="1" lang="en-US" altLang="ja-JP" sz="3600" dirty="0"/>
               <a:t>] [filename]</a:t>
             </a:r>
-            <a:endParaRPr kumimoji="1" lang="ja-JP" altLang="en-US" sz="4200" dirty="0"/>
+            <a:endParaRPr kumimoji="1" lang="ja-JP" altLang="en-US" sz="3600" dirty="0"/>
           </a:p>
         </p:txBody>
       </p:sp>
@@ -10668,7 +10899,7 @@
 </p:sld>
 </file>
 
-<file path=ppt/slides/slide15.xml><?xml version="1.0" encoding="utf-8"?>
+<file path=ppt/slides/slide16.xml><?xml version="1.0" encoding="utf-8"?>
 <p:sld xmlns:a="http://schemas.openxmlformats.org/drawingml/2006/main" xmlns:r="http://schemas.openxmlformats.org/officeDocument/2006/relationships" xmlns:p="http://schemas.openxmlformats.org/presentationml/2006/main">
   <p:cSld>
     <p:spTree>
@@ -10835,7 +11066,7 @@
 </p:sld>
 </file>
 
-<file path=ppt/slides/slide16.xml><?xml version="1.0" encoding="utf-8"?>
+<file path=ppt/slides/slide17.xml><?xml version="1.0" encoding="utf-8"?>
 <p:sld xmlns:a="http://schemas.openxmlformats.org/drawingml/2006/main" xmlns:r="http://schemas.openxmlformats.org/officeDocument/2006/relationships" xmlns:p="http://schemas.openxmlformats.org/presentationml/2006/main">
   <p:cSld>
     <p:spTree>
@@ -10960,7 +11191,7 @@
 </p:sld>
 </file>
 
-<file path=ppt/slides/slide17.xml><?xml version="1.0" encoding="utf-8"?>
+<file path=ppt/slides/slide18.xml><?xml version="1.0" encoding="utf-8"?>
 <p:sld xmlns:a="http://schemas.openxmlformats.org/drawingml/2006/main" xmlns:r="http://schemas.openxmlformats.org/officeDocument/2006/relationships" xmlns:p="http://schemas.openxmlformats.org/presentationml/2006/main">
   <p:cSld>
     <p:spTree>
@@ -11114,7 +11345,7 @@
 </p:sld>
 </file>
 
-<file path=ppt/slides/slide18.xml><?xml version="1.0" encoding="utf-8"?>
+<file path=ppt/slides/slide19.xml><?xml version="1.0" encoding="utf-8"?>
 <p:sld xmlns:a="http://schemas.openxmlformats.org/drawingml/2006/main" xmlns:r="http://schemas.openxmlformats.org/officeDocument/2006/relationships" xmlns:p="http://schemas.openxmlformats.org/presentationml/2006/main">
   <p:cSld>
     <p:spTree>
@@ -15287,7 +15518,208 @@
 </p:sld>
 </file>
 
-<file path=ppt/slides/slide19.xml><?xml version="1.0" encoding="utf-8"?>
+<file path=ppt/slides/slide2.xml><?xml version="1.0" encoding="utf-8"?>
+<p:sld xmlns:a="http://schemas.openxmlformats.org/drawingml/2006/main" xmlns:r="http://schemas.openxmlformats.org/officeDocument/2006/relationships" xmlns:p="http://schemas.openxmlformats.org/presentationml/2006/main">
+  <p:cSld>
+    <p:spTree>
+      <p:nvGrpSpPr>
+        <p:cNvPr id="1" name=""/>
+        <p:cNvGrpSpPr/>
+        <p:nvPr/>
+      </p:nvGrpSpPr>
+      <p:grpSpPr>
+        <a:xfrm>
+          <a:off x="0" y="0"/>
+          <a:ext cx="0" cy="0"/>
+          <a:chOff x="0" y="0"/>
+          <a:chExt cx="0" cy="0"/>
+        </a:xfrm>
+      </p:grpSpPr>
+      <p:sp>
+        <p:nvSpPr>
+          <p:cNvPr id="2" name="タイトル 1">
+            <a:extLst>
+              <a:ext uri="{FF2B5EF4-FFF2-40B4-BE49-F238E27FC236}">
+                <a16:creationId xmlns:a16="http://schemas.microsoft.com/office/drawing/2014/main" id="{CC62C210-FDDC-452D-A0BB-D08CFF83ED12}"/>
+              </a:ext>
+            </a:extLst>
+          </p:cNvPr>
+          <p:cNvSpPr>
+            <a:spLocks noGrp="1"/>
+          </p:cNvSpPr>
+          <p:nvPr>
+            <p:ph type="title"/>
+          </p:nvPr>
+        </p:nvSpPr>
+        <p:spPr/>
+        <p:txBody>
+          <a:bodyPr/>
+          <a:lstStyle/>
+          <a:p>
+            <a:r>
+              <a:rPr kumimoji="1" lang="ja-JP" altLang="en-US" dirty="0"/>
+              <a:t>セミナーの目的</a:t>
+            </a:r>
+          </a:p>
+        </p:txBody>
+      </p:sp>
+      <p:sp>
+        <p:nvSpPr>
+          <p:cNvPr id="3" name="コンテンツ プレースホルダー 2">
+            <a:extLst>
+              <a:ext uri="{FF2B5EF4-FFF2-40B4-BE49-F238E27FC236}">
+                <a16:creationId xmlns:a16="http://schemas.microsoft.com/office/drawing/2014/main" id="{8FE296EF-B314-4527-B08E-05022F0553CB}"/>
+              </a:ext>
+            </a:extLst>
+          </p:cNvPr>
+          <p:cNvSpPr>
+            <a:spLocks noGrp="1"/>
+          </p:cNvSpPr>
+          <p:nvPr>
+            <p:ph idx="1"/>
+          </p:nvPr>
+        </p:nvSpPr>
+        <p:spPr/>
+        <p:txBody>
+          <a:bodyPr/>
+          <a:lstStyle/>
+          <a:p>
+            <a:pPr marL="457200" indent="-457200">
+              <a:buFont typeface="+mj-lt"/>
+              <a:buAutoNum type="arabicPeriod"/>
+            </a:pPr>
+            <a:r>
+              <a:rPr lang="ja-JP" altLang="en-US" dirty="0"/>
+              <a:t>ソリューションの内製化を見据え，</a:t>
+            </a:r>
+            <a:r>
+              <a:rPr kumimoji="1" lang="en-US" altLang="ja-JP" dirty="0"/>
+              <a:t>PC</a:t>
+            </a:r>
+            <a:r>
+              <a:rPr kumimoji="1" lang="ja-JP" altLang="en-US" dirty="0"/>
+              <a:t>を活用してプロトタイピングを行う足がかりを学ぶ</a:t>
+            </a:r>
+            <a:endParaRPr kumimoji="1" lang="en-US" altLang="ja-JP" dirty="0"/>
+          </a:p>
+          <a:p>
+            <a:pPr marL="749808" lvl="1" indent="-457200"/>
+            <a:r>
+              <a:rPr lang="en-US" altLang="ja-JP" dirty="0"/>
+              <a:t>Windows10</a:t>
+            </a:r>
+            <a:r>
+              <a:rPr lang="ja-JP" altLang="en-US" dirty="0"/>
+              <a:t>と</a:t>
+            </a:r>
+            <a:r>
+              <a:rPr lang="en-US" altLang="ja-JP" dirty="0"/>
+              <a:t>python</a:t>
+            </a:r>
+            <a:r>
+              <a:rPr lang="ja-JP" altLang="en-US" dirty="0"/>
+              <a:t>の利用</a:t>
+            </a:r>
+            <a:endParaRPr lang="en-US" altLang="ja-JP" dirty="0"/>
+          </a:p>
+          <a:p>
+            <a:pPr marL="749808" lvl="1" indent="-457200"/>
+            <a:r>
+              <a:rPr kumimoji="1" lang="en-US" altLang="ja-JP" dirty="0"/>
+              <a:t>Web</a:t>
+            </a:r>
+            <a:r>
+              <a:rPr kumimoji="1" lang="ja-JP" altLang="en-US" dirty="0"/>
+              <a:t>カメラの活用</a:t>
+            </a:r>
+            <a:endParaRPr kumimoji="1" lang="en-US" altLang="ja-JP" dirty="0"/>
+          </a:p>
+          <a:p>
+            <a:pPr marL="749808" lvl="1" indent="-457200"/>
+            <a:endParaRPr kumimoji="1" lang="en-US" altLang="ja-JP" dirty="0"/>
+          </a:p>
+          <a:p>
+            <a:pPr marL="457200" indent="-457200">
+              <a:buFont typeface="+mj-lt"/>
+              <a:buAutoNum type="arabicPeriod"/>
+            </a:pPr>
+            <a:r>
+              <a:rPr lang="en-US" altLang="ja-JP" dirty="0"/>
+              <a:t>QR</a:t>
+            </a:r>
+            <a:r>
+              <a:rPr lang="ja-JP" altLang="en-US" dirty="0"/>
+              <a:t>コードを利用したソリューションのイメージを掴む</a:t>
+            </a:r>
+            <a:endParaRPr lang="en-US" altLang="ja-JP" dirty="0"/>
+          </a:p>
+          <a:p>
+            <a:pPr marL="749808" lvl="1" indent="-457200"/>
+            <a:r>
+              <a:rPr lang="en-US" altLang="ja-JP" dirty="0"/>
+              <a:t>QR</a:t>
+            </a:r>
+            <a:r>
+              <a:rPr lang="ja-JP" altLang="en-US" dirty="0"/>
+              <a:t>コードやバーコードをどのように活用する（できるのか）検討する足がかりにする</a:t>
+            </a:r>
+            <a:endParaRPr lang="en-US" altLang="ja-JP" dirty="0"/>
+          </a:p>
+          <a:p>
+            <a:pPr marL="749808" lvl="1" indent="-457200"/>
+            <a:r>
+              <a:rPr lang="ja-JP" altLang="en-US" dirty="0"/>
+              <a:t>生産管理に活用してみるケースを実習する</a:t>
+            </a:r>
+            <a:endParaRPr lang="en-US" altLang="ja-JP" dirty="0"/>
+          </a:p>
+          <a:p>
+            <a:pPr marL="749808" lvl="1" indent="-457200"/>
+            <a:endParaRPr lang="en-US" altLang="ja-JP" dirty="0"/>
+          </a:p>
+          <a:p>
+            <a:pPr marL="457200" indent="-457200">
+              <a:buFont typeface="+mj-lt"/>
+              <a:buAutoNum type="arabicPeriod"/>
+            </a:pPr>
+            <a:r>
+              <a:rPr kumimoji="1" lang="ja-JP" altLang="en-US" dirty="0"/>
+              <a:t>レガシーなデバイスをインターネットに接続するためのデバイスの活用イメージを掴む</a:t>
+            </a:r>
+            <a:endParaRPr kumimoji="1" lang="en-US" altLang="ja-JP" dirty="0"/>
+          </a:p>
+          <a:p>
+            <a:pPr marL="749808" lvl="1" indent="-457200"/>
+            <a:r>
+              <a:rPr lang="ja-JP" altLang="en-US" dirty="0"/>
+              <a:t>電気信号がデータになる仕組みを掴む</a:t>
+            </a:r>
+            <a:endParaRPr lang="en-US" altLang="ja-JP" dirty="0"/>
+          </a:p>
+          <a:p>
+            <a:pPr marL="749808" lvl="1" indent="-457200"/>
+            <a:r>
+              <a:rPr kumimoji="1" lang="ja-JP" altLang="en-US" dirty="0"/>
+              <a:t>どうやってユーザーに通知するか，活用方法を考えてみる</a:t>
+            </a:r>
+            <a:endParaRPr kumimoji="1" lang="en-US" altLang="ja-JP" dirty="0"/>
+          </a:p>
+        </p:txBody>
+      </p:sp>
+    </p:spTree>
+    <p:extLst>
+      <p:ext uri="{BB962C8B-B14F-4D97-AF65-F5344CB8AC3E}">
+        <p14:creationId xmlns:p14="http://schemas.microsoft.com/office/powerpoint/2010/main" val="3446295141"/>
+      </p:ext>
+    </p:extLst>
+  </p:cSld>
+  <p:clrMapOvr>
+    <a:masterClrMapping/>
+  </p:clrMapOvr>
+</p:sld>
+</file>
+
+<file path=ppt/slides/slide20.xml><?xml version="1.0" encoding="utf-8"?>
 <p:sld xmlns:a="http://schemas.openxmlformats.org/drawingml/2006/main" xmlns:r="http://schemas.openxmlformats.org/officeDocument/2006/relationships" xmlns:p="http://schemas.openxmlformats.org/presentationml/2006/main">
   <p:cSld>
     <p:spTree>
@@ -19670,208 +20102,7 @@
 </p:sld>
 </file>
 
-<file path=ppt/slides/slide2.xml><?xml version="1.0" encoding="utf-8"?>
-<p:sld xmlns:a="http://schemas.openxmlformats.org/drawingml/2006/main" xmlns:r="http://schemas.openxmlformats.org/officeDocument/2006/relationships" xmlns:p="http://schemas.openxmlformats.org/presentationml/2006/main">
-  <p:cSld>
-    <p:spTree>
-      <p:nvGrpSpPr>
-        <p:cNvPr id="1" name=""/>
-        <p:cNvGrpSpPr/>
-        <p:nvPr/>
-      </p:nvGrpSpPr>
-      <p:grpSpPr>
-        <a:xfrm>
-          <a:off x="0" y="0"/>
-          <a:ext cx="0" cy="0"/>
-          <a:chOff x="0" y="0"/>
-          <a:chExt cx="0" cy="0"/>
-        </a:xfrm>
-      </p:grpSpPr>
-      <p:sp>
-        <p:nvSpPr>
-          <p:cNvPr id="2" name="タイトル 1">
-            <a:extLst>
-              <a:ext uri="{FF2B5EF4-FFF2-40B4-BE49-F238E27FC236}">
-                <a16:creationId xmlns:a16="http://schemas.microsoft.com/office/drawing/2014/main" id="{CC62C210-FDDC-452D-A0BB-D08CFF83ED12}"/>
-              </a:ext>
-            </a:extLst>
-          </p:cNvPr>
-          <p:cNvSpPr>
-            <a:spLocks noGrp="1"/>
-          </p:cNvSpPr>
-          <p:nvPr>
-            <p:ph type="title"/>
-          </p:nvPr>
-        </p:nvSpPr>
-        <p:spPr/>
-        <p:txBody>
-          <a:bodyPr/>
-          <a:lstStyle/>
-          <a:p>
-            <a:r>
-              <a:rPr kumimoji="1" lang="ja-JP" altLang="en-US" dirty="0"/>
-              <a:t>セミナーの目的</a:t>
-            </a:r>
-          </a:p>
-        </p:txBody>
-      </p:sp>
-      <p:sp>
-        <p:nvSpPr>
-          <p:cNvPr id="3" name="コンテンツ プレースホルダー 2">
-            <a:extLst>
-              <a:ext uri="{FF2B5EF4-FFF2-40B4-BE49-F238E27FC236}">
-                <a16:creationId xmlns:a16="http://schemas.microsoft.com/office/drawing/2014/main" id="{8FE296EF-B314-4527-B08E-05022F0553CB}"/>
-              </a:ext>
-            </a:extLst>
-          </p:cNvPr>
-          <p:cNvSpPr>
-            <a:spLocks noGrp="1"/>
-          </p:cNvSpPr>
-          <p:nvPr>
-            <p:ph idx="1"/>
-          </p:nvPr>
-        </p:nvSpPr>
-        <p:spPr/>
-        <p:txBody>
-          <a:bodyPr/>
-          <a:lstStyle/>
-          <a:p>
-            <a:pPr marL="457200" indent="-457200">
-              <a:buFont typeface="+mj-lt"/>
-              <a:buAutoNum type="arabicPeriod"/>
-            </a:pPr>
-            <a:r>
-              <a:rPr lang="ja-JP" altLang="en-US" dirty="0"/>
-              <a:t>ソリューションの内製化を見据え，</a:t>
-            </a:r>
-            <a:r>
-              <a:rPr kumimoji="1" lang="en-US" altLang="ja-JP" dirty="0"/>
-              <a:t>PC</a:t>
-            </a:r>
-            <a:r>
-              <a:rPr kumimoji="1" lang="ja-JP" altLang="en-US" dirty="0"/>
-              <a:t>を活用してプロトタイピングを行う足がかりを学ぶ</a:t>
-            </a:r>
-            <a:endParaRPr kumimoji="1" lang="en-US" altLang="ja-JP" dirty="0"/>
-          </a:p>
-          <a:p>
-            <a:pPr marL="749808" lvl="1" indent="-457200"/>
-            <a:r>
-              <a:rPr lang="en-US" altLang="ja-JP" dirty="0"/>
-              <a:t>Windows10</a:t>
-            </a:r>
-            <a:r>
-              <a:rPr lang="ja-JP" altLang="en-US" dirty="0"/>
-              <a:t>と</a:t>
-            </a:r>
-            <a:r>
-              <a:rPr lang="en-US" altLang="ja-JP" dirty="0"/>
-              <a:t>python</a:t>
-            </a:r>
-            <a:r>
-              <a:rPr lang="ja-JP" altLang="en-US" dirty="0"/>
-              <a:t>の利用</a:t>
-            </a:r>
-            <a:endParaRPr lang="en-US" altLang="ja-JP" dirty="0"/>
-          </a:p>
-          <a:p>
-            <a:pPr marL="749808" lvl="1" indent="-457200"/>
-            <a:r>
-              <a:rPr kumimoji="1" lang="en-US" altLang="ja-JP" dirty="0"/>
-              <a:t>Web</a:t>
-            </a:r>
-            <a:r>
-              <a:rPr kumimoji="1" lang="ja-JP" altLang="en-US" dirty="0"/>
-              <a:t>カメラの活用</a:t>
-            </a:r>
-            <a:endParaRPr kumimoji="1" lang="en-US" altLang="ja-JP" dirty="0"/>
-          </a:p>
-          <a:p>
-            <a:pPr marL="749808" lvl="1" indent="-457200"/>
-            <a:endParaRPr kumimoji="1" lang="en-US" altLang="ja-JP" dirty="0"/>
-          </a:p>
-          <a:p>
-            <a:pPr marL="457200" indent="-457200">
-              <a:buFont typeface="+mj-lt"/>
-              <a:buAutoNum type="arabicPeriod"/>
-            </a:pPr>
-            <a:r>
-              <a:rPr lang="en-US" altLang="ja-JP" dirty="0"/>
-              <a:t>QR</a:t>
-            </a:r>
-            <a:r>
-              <a:rPr lang="ja-JP" altLang="en-US" dirty="0"/>
-              <a:t>コードを利用したソリューションのイメージを掴む</a:t>
-            </a:r>
-            <a:endParaRPr lang="en-US" altLang="ja-JP" dirty="0"/>
-          </a:p>
-          <a:p>
-            <a:pPr marL="749808" lvl="1" indent="-457200"/>
-            <a:r>
-              <a:rPr lang="en-US" altLang="ja-JP" dirty="0"/>
-              <a:t>QR</a:t>
-            </a:r>
-            <a:r>
-              <a:rPr lang="ja-JP" altLang="en-US" dirty="0"/>
-              <a:t>コードやバーコードをどのように活用する（できるのか）検討する足がかりにする</a:t>
-            </a:r>
-            <a:endParaRPr lang="en-US" altLang="ja-JP" dirty="0"/>
-          </a:p>
-          <a:p>
-            <a:pPr marL="749808" lvl="1" indent="-457200"/>
-            <a:r>
-              <a:rPr lang="ja-JP" altLang="en-US" dirty="0"/>
-              <a:t>生産管理に活用してみるケースを実習する</a:t>
-            </a:r>
-            <a:endParaRPr lang="en-US" altLang="ja-JP" dirty="0"/>
-          </a:p>
-          <a:p>
-            <a:pPr marL="749808" lvl="1" indent="-457200"/>
-            <a:endParaRPr lang="en-US" altLang="ja-JP" dirty="0"/>
-          </a:p>
-          <a:p>
-            <a:pPr marL="457200" indent="-457200">
-              <a:buFont typeface="+mj-lt"/>
-              <a:buAutoNum type="arabicPeriod"/>
-            </a:pPr>
-            <a:r>
-              <a:rPr kumimoji="1" lang="ja-JP" altLang="en-US" dirty="0"/>
-              <a:t>レガシーなデバイスをインターネットに接続するためのデバイスの活用イメージを掴む</a:t>
-            </a:r>
-            <a:endParaRPr kumimoji="1" lang="en-US" altLang="ja-JP" dirty="0"/>
-          </a:p>
-          <a:p>
-            <a:pPr marL="749808" lvl="1" indent="-457200"/>
-            <a:r>
-              <a:rPr lang="ja-JP" altLang="en-US" dirty="0"/>
-              <a:t>電気信号がデータになる仕組みを掴む</a:t>
-            </a:r>
-            <a:endParaRPr lang="en-US" altLang="ja-JP" dirty="0"/>
-          </a:p>
-          <a:p>
-            <a:pPr marL="749808" lvl="1" indent="-457200"/>
-            <a:r>
-              <a:rPr kumimoji="1" lang="ja-JP" altLang="en-US" dirty="0"/>
-              <a:t>どうやってユーザーに通知するか，活用方法を考えてみる</a:t>
-            </a:r>
-            <a:endParaRPr kumimoji="1" lang="en-US" altLang="ja-JP" dirty="0"/>
-          </a:p>
-        </p:txBody>
-      </p:sp>
-    </p:spTree>
-    <p:extLst>
-      <p:ext uri="{BB962C8B-B14F-4D97-AF65-F5344CB8AC3E}">
-        <p14:creationId xmlns:p14="http://schemas.microsoft.com/office/powerpoint/2010/main" val="3446295141"/>
-      </p:ext>
-    </p:extLst>
-  </p:cSld>
-  <p:clrMapOvr>
-    <a:masterClrMapping/>
-  </p:clrMapOvr>
-</p:sld>
-</file>
-
-<file path=ppt/slides/slide20.xml><?xml version="1.0" encoding="utf-8"?>
+<file path=ppt/slides/slide21.xml><?xml version="1.0" encoding="utf-8"?>
 <p:sld xmlns:a="http://schemas.openxmlformats.org/drawingml/2006/main" xmlns:r="http://schemas.openxmlformats.org/officeDocument/2006/relationships" xmlns:p="http://schemas.openxmlformats.org/presentationml/2006/main">
   <p:cSld>
     <p:spTree>
@@ -20004,7 +20235,7 @@
 </p:sld>
 </file>
 
-<file path=ppt/slides/slide21.xml><?xml version="1.0" encoding="utf-8"?>
+<file path=ppt/slides/slide22.xml><?xml version="1.0" encoding="utf-8"?>
 <p:sld xmlns:a="http://schemas.openxmlformats.org/drawingml/2006/main" xmlns:r="http://schemas.openxmlformats.org/officeDocument/2006/relationships" xmlns:p="http://schemas.openxmlformats.org/presentationml/2006/main">
   <p:cSld>
     <p:spTree>
@@ -20203,7 +20434,7 @@
 </p:sld>
 </file>
 
-<file path=ppt/slides/slide22.xml><?xml version="1.0" encoding="utf-8"?>
+<file path=ppt/slides/slide23.xml><?xml version="1.0" encoding="utf-8"?>
 <p:sld xmlns:a="http://schemas.openxmlformats.org/drawingml/2006/main" xmlns:r="http://schemas.openxmlformats.org/officeDocument/2006/relationships" xmlns:p="http://schemas.openxmlformats.org/presentationml/2006/main">
   <p:cSld>
     <p:spTree>
@@ -20560,7 +20791,7 @@
 </p:sld>
 </file>
 
-<file path=ppt/slides/slide23.xml><?xml version="1.0" encoding="utf-8"?>
+<file path=ppt/slides/slide24.xml><?xml version="1.0" encoding="utf-8"?>
 <p:sld xmlns:a="http://schemas.openxmlformats.org/drawingml/2006/main" xmlns:r="http://schemas.openxmlformats.org/officeDocument/2006/relationships" xmlns:p="http://schemas.openxmlformats.org/presentationml/2006/main">
   <p:cSld>
     <p:spTree>
@@ -20740,7 +20971,7 @@
 </p:sld>
 </file>
 
-<file path=ppt/slides/slide24.xml><?xml version="1.0" encoding="utf-8"?>
+<file path=ppt/slides/slide25.xml><?xml version="1.0" encoding="utf-8"?>
 <p:sld xmlns:a="http://schemas.openxmlformats.org/drawingml/2006/main" xmlns:r="http://schemas.openxmlformats.org/officeDocument/2006/relationships" xmlns:p="http://schemas.openxmlformats.org/presentationml/2006/main">
   <p:cSld>
     <p:spTree>
@@ -20939,7 +21170,7 @@
 </p:sld>
 </file>
 
-<file path=ppt/slides/slide25.xml><?xml version="1.0" encoding="utf-8"?>
+<file path=ppt/slides/slide26.xml><?xml version="1.0" encoding="utf-8"?>
 <p:sld xmlns:a="http://schemas.openxmlformats.org/drawingml/2006/main" xmlns:r="http://schemas.openxmlformats.org/officeDocument/2006/relationships" xmlns:p="http://schemas.openxmlformats.org/presentationml/2006/main">
   <p:cSld>
     <p:spTree>
@@ -25329,7 +25560,7 @@
 </p:sld>
 </file>
 
-<file path=ppt/slides/slide26.xml><?xml version="1.0" encoding="utf-8"?>
+<file path=ppt/slides/slide27.xml><?xml version="1.0" encoding="utf-8"?>
 <p:sld xmlns:a="http://schemas.openxmlformats.org/drawingml/2006/main" xmlns:r="http://schemas.openxmlformats.org/officeDocument/2006/relationships" xmlns:p="http://schemas.openxmlformats.org/presentationml/2006/main">
   <p:cSld>
     <p:spTree>
@@ -25538,7 +25769,7 @@
 </p:sld>
 </file>
 
-<file path=ppt/slides/slide27.xml><?xml version="1.0" encoding="utf-8"?>
+<file path=ppt/slides/slide28.xml><?xml version="1.0" encoding="utf-8"?>
 <p:sld xmlns:a="http://schemas.openxmlformats.org/drawingml/2006/main" xmlns:r="http://schemas.openxmlformats.org/officeDocument/2006/relationships" xmlns:p="http://schemas.openxmlformats.org/presentationml/2006/main">
   <p:cSld>
     <p:spTree>
@@ -26376,7 +26607,7 @@
 </p:sld>
 </file>
 
-<file path=ppt/slides/slide28.xml><?xml version="1.0" encoding="utf-8"?>
+<file path=ppt/slides/slide29.xml><?xml version="1.0" encoding="utf-8"?>
 <p:sld xmlns:a="http://schemas.openxmlformats.org/drawingml/2006/main" xmlns:r="http://schemas.openxmlformats.org/officeDocument/2006/relationships" xmlns:p="http://schemas.openxmlformats.org/presentationml/2006/main" show="0">
   <p:cSld>
     <p:spTree>
@@ -26615,7 +26846,222 @@
 </p:sld>
 </file>
 
-<file path=ppt/slides/slide29.xml><?xml version="1.0" encoding="utf-8"?>
+<file path=ppt/slides/slide3.xml><?xml version="1.0" encoding="utf-8"?>
+<p:sld xmlns:a="http://schemas.openxmlformats.org/drawingml/2006/main" xmlns:r="http://schemas.openxmlformats.org/officeDocument/2006/relationships" xmlns:p="http://schemas.openxmlformats.org/presentationml/2006/main">
+  <p:cSld>
+    <p:spTree>
+      <p:nvGrpSpPr>
+        <p:cNvPr id="1" name=""/>
+        <p:cNvGrpSpPr/>
+        <p:nvPr/>
+      </p:nvGrpSpPr>
+      <p:grpSpPr>
+        <a:xfrm>
+          <a:off x="0" y="0"/>
+          <a:ext cx="0" cy="0"/>
+          <a:chOff x="0" y="0"/>
+          <a:chExt cx="0" cy="0"/>
+        </a:xfrm>
+      </p:grpSpPr>
+      <p:sp>
+        <p:nvSpPr>
+          <p:cNvPr id="2" name="タイトル 1">
+            <a:extLst>
+              <a:ext uri="{FF2B5EF4-FFF2-40B4-BE49-F238E27FC236}">
+                <a16:creationId xmlns:a16="http://schemas.microsoft.com/office/drawing/2014/main" id="{A749186B-0274-483A-9718-2DB0CDA0B8B3}"/>
+              </a:ext>
+            </a:extLst>
+          </p:cNvPr>
+          <p:cNvSpPr>
+            <a:spLocks noGrp="1"/>
+          </p:cNvSpPr>
+          <p:nvPr>
+            <p:ph type="title"/>
+          </p:nvPr>
+        </p:nvSpPr>
+        <p:spPr/>
+        <p:txBody>
+          <a:bodyPr/>
+          <a:lstStyle/>
+          <a:p>
+            <a:r>
+              <a:rPr kumimoji="1" lang="ja-JP" altLang="en-US" dirty="0"/>
+              <a:t>セミナー内容</a:t>
+            </a:r>
+          </a:p>
+        </p:txBody>
+      </p:sp>
+      <p:sp>
+        <p:nvSpPr>
+          <p:cNvPr id="3" name="コンテンツ プレースホルダー 2">
+            <a:extLst>
+              <a:ext uri="{FF2B5EF4-FFF2-40B4-BE49-F238E27FC236}">
+                <a16:creationId xmlns:a16="http://schemas.microsoft.com/office/drawing/2014/main" id="{7D198E51-FF5D-4065-9D53-516C406C8428}"/>
+              </a:ext>
+            </a:extLst>
+          </p:cNvPr>
+          <p:cNvSpPr>
+            <a:spLocks noGrp="1"/>
+          </p:cNvSpPr>
+          <p:nvPr>
+            <p:ph idx="1"/>
+          </p:nvPr>
+        </p:nvSpPr>
+        <p:spPr/>
+        <p:txBody>
+          <a:bodyPr>
+            <a:normAutofit/>
+          </a:bodyPr>
+          <a:lstStyle/>
+          <a:p>
+            <a:pPr marL="457200" indent="-457200">
+              <a:buFont typeface="+mj-lt"/>
+              <a:buAutoNum type="arabicPeriod"/>
+            </a:pPr>
+            <a:r>
+              <a:rPr lang="en-US" altLang="ja-JP" sz="2400" dirty="0"/>
+              <a:t>PC</a:t>
+            </a:r>
+            <a:r>
+              <a:rPr lang="ja-JP" altLang="en-US" sz="2400" dirty="0"/>
+              <a:t>を</a:t>
+            </a:r>
+            <a:r>
+              <a:rPr lang="en-US" altLang="ja-JP" sz="2400" dirty="0"/>
+              <a:t>QR</a:t>
+            </a:r>
+            <a:r>
+              <a:rPr lang="ja-JP" altLang="en-US" sz="2400" dirty="0"/>
+              <a:t>コードスキャナとして利用する</a:t>
+            </a:r>
+            <a:endParaRPr lang="en-US" altLang="ja-JP" sz="2400" dirty="0"/>
+          </a:p>
+          <a:p>
+            <a:pPr marL="457200" indent="-457200">
+              <a:buFont typeface="+mj-lt"/>
+              <a:buAutoNum type="arabicPeriod"/>
+            </a:pPr>
+            <a:endParaRPr lang="en-US" altLang="ja-JP" sz="2400" dirty="0"/>
+          </a:p>
+          <a:p>
+            <a:pPr marL="457200" indent="-457200">
+              <a:buFont typeface="+mj-lt"/>
+              <a:buAutoNum type="arabicPeriod"/>
+            </a:pPr>
+            <a:r>
+              <a:rPr kumimoji="1" lang="ja-JP" altLang="en-US" sz="2400" dirty="0"/>
+              <a:t>生</a:t>
+            </a:r>
+            <a:r>
+              <a:rPr kumimoji="1" lang="ja-JP" altLang="en-US" sz="2400" dirty="0">
+                <a:latin typeface="Calibri Light 見出し"/>
+              </a:rPr>
+              <a:t>産管理システムを利用した</a:t>
+            </a:r>
+            <a:r>
+              <a:rPr kumimoji="1" lang="en-US" altLang="ja-JP" sz="2400" dirty="0">
+                <a:latin typeface="Calibri Light 見出し"/>
+              </a:rPr>
+              <a:t>QR</a:t>
+            </a:r>
+            <a:r>
+              <a:rPr kumimoji="1" lang="ja-JP" altLang="en-US" sz="2400" dirty="0">
+                <a:latin typeface="Calibri Light 見出し"/>
+              </a:rPr>
+              <a:t>コードによる通材シミュレーションと製品のロス率を算定</a:t>
+            </a:r>
+            <a:r>
+              <a:rPr kumimoji="1" lang="ja-JP" altLang="en-US" sz="2400" dirty="0"/>
+              <a:t>製品の通材を</a:t>
+            </a:r>
+            <a:r>
+              <a:rPr lang="ja-JP" altLang="en-US" sz="2400" dirty="0"/>
+              <a:t>作った</a:t>
+            </a:r>
+            <a:r>
+              <a:rPr lang="en-US" altLang="ja-JP" sz="2400" dirty="0"/>
+              <a:t>QR</a:t>
+            </a:r>
+            <a:r>
+              <a:rPr lang="ja-JP" altLang="en-US" sz="2400" dirty="0"/>
+              <a:t>コードスキャナにより実現し，システムに反映する</a:t>
+            </a:r>
+            <a:endParaRPr lang="en-US" altLang="ja-JP" sz="2400" dirty="0"/>
+          </a:p>
+          <a:p>
+            <a:pPr marL="457200" indent="-457200">
+              <a:buFont typeface="+mj-lt"/>
+              <a:buAutoNum type="arabicPeriod"/>
+            </a:pPr>
+            <a:endParaRPr lang="en-US" altLang="ja-JP" sz="2400" dirty="0"/>
+          </a:p>
+          <a:p>
+            <a:pPr marL="457200" indent="-457200">
+              <a:buFont typeface="+mj-lt"/>
+              <a:buAutoNum type="arabicPeriod"/>
+            </a:pPr>
+            <a:r>
+              <a:rPr kumimoji="1" lang="ja-JP" altLang="en-US" sz="2400" dirty="0"/>
+              <a:t>レガシーな設備を</a:t>
+            </a:r>
+            <a:r>
+              <a:rPr kumimoji="1" lang="en-US" altLang="ja-JP" sz="2400" dirty="0"/>
+              <a:t>IoT</a:t>
+            </a:r>
+            <a:r>
+              <a:rPr kumimoji="1" lang="ja-JP" altLang="en-US" sz="2400" dirty="0"/>
+              <a:t>化する</a:t>
+            </a:r>
+            <a:endParaRPr kumimoji="1" lang="en-US" altLang="ja-JP" sz="2400" dirty="0"/>
+          </a:p>
+          <a:p>
+            <a:pPr marL="749808" lvl="1" indent="-457200"/>
+            <a:r>
+              <a:rPr kumimoji="1" lang="ja-JP" altLang="en-US" sz="2400" dirty="0"/>
+              <a:t>パトランプの接点情報（</a:t>
+            </a:r>
+            <a:r>
+              <a:rPr kumimoji="1" lang="en-US" altLang="ja-JP" sz="2400" dirty="0"/>
+              <a:t>ON</a:t>
+            </a:r>
+            <a:r>
+              <a:rPr kumimoji="1" lang="ja-JP" altLang="en-US" sz="2400" dirty="0"/>
+              <a:t>／</a:t>
+            </a:r>
+            <a:r>
+              <a:rPr kumimoji="1" lang="en-US" altLang="ja-JP" sz="2400" dirty="0"/>
+              <a:t>OFF</a:t>
+            </a:r>
+            <a:r>
+              <a:rPr kumimoji="1" lang="ja-JP" altLang="en-US" sz="2400" dirty="0"/>
+              <a:t>）をインターネット経由で参照する</a:t>
+            </a:r>
+            <a:endParaRPr kumimoji="1" lang="en-US" altLang="ja-JP" sz="2400" dirty="0"/>
+          </a:p>
+          <a:p>
+            <a:pPr marL="749808" lvl="1" indent="-457200"/>
+            <a:r>
+              <a:rPr lang="ja-JP" altLang="en-US" sz="2400" dirty="0"/>
+              <a:t>メールでアラートを送る</a:t>
+            </a:r>
+            <a:endParaRPr kumimoji="1" lang="ja-JP" altLang="en-US" sz="2400" dirty="0"/>
+          </a:p>
+        </p:txBody>
+      </p:sp>
+    </p:spTree>
+    <p:extLst>
+      <p:ext uri="{BB962C8B-B14F-4D97-AF65-F5344CB8AC3E}">
+        <p14:creationId xmlns:p14="http://schemas.microsoft.com/office/powerpoint/2010/main" val="3221862987"/>
+      </p:ext>
+    </p:extLst>
+  </p:cSld>
+  <p:clrMapOvr>
+    <a:masterClrMapping/>
+  </p:clrMapOvr>
+</p:sld>
+</file>
+
+<file path=ppt/slides/slide30.xml><?xml version="1.0" encoding="utf-8"?>
 <p:sld xmlns:a="http://schemas.openxmlformats.org/drawingml/2006/main" xmlns:r="http://schemas.openxmlformats.org/officeDocument/2006/relationships" xmlns:p="http://schemas.openxmlformats.org/presentationml/2006/main" show="0">
   <p:cSld>
     <p:spTree>
@@ -27840,222 +28286,7 @@
 </p:sld>
 </file>
 
-<file path=ppt/slides/slide3.xml><?xml version="1.0" encoding="utf-8"?>
-<p:sld xmlns:a="http://schemas.openxmlformats.org/drawingml/2006/main" xmlns:r="http://schemas.openxmlformats.org/officeDocument/2006/relationships" xmlns:p="http://schemas.openxmlformats.org/presentationml/2006/main">
-  <p:cSld>
-    <p:spTree>
-      <p:nvGrpSpPr>
-        <p:cNvPr id="1" name=""/>
-        <p:cNvGrpSpPr/>
-        <p:nvPr/>
-      </p:nvGrpSpPr>
-      <p:grpSpPr>
-        <a:xfrm>
-          <a:off x="0" y="0"/>
-          <a:ext cx="0" cy="0"/>
-          <a:chOff x="0" y="0"/>
-          <a:chExt cx="0" cy="0"/>
-        </a:xfrm>
-      </p:grpSpPr>
-      <p:sp>
-        <p:nvSpPr>
-          <p:cNvPr id="2" name="タイトル 1">
-            <a:extLst>
-              <a:ext uri="{FF2B5EF4-FFF2-40B4-BE49-F238E27FC236}">
-                <a16:creationId xmlns:a16="http://schemas.microsoft.com/office/drawing/2014/main" id="{A749186B-0274-483A-9718-2DB0CDA0B8B3}"/>
-              </a:ext>
-            </a:extLst>
-          </p:cNvPr>
-          <p:cNvSpPr>
-            <a:spLocks noGrp="1"/>
-          </p:cNvSpPr>
-          <p:nvPr>
-            <p:ph type="title"/>
-          </p:nvPr>
-        </p:nvSpPr>
-        <p:spPr/>
-        <p:txBody>
-          <a:bodyPr/>
-          <a:lstStyle/>
-          <a:p>
-            <a:r>
-              <a:rPr kumimoji="1" lang="ja-JP" altLang="en-US" dirty="0"/>
-              <a:t>セミナー内容</a:t>
-            </a:r>
-          </a:p>
-        </p:txBody>
-      </p:sp>
-      <p:sp>
-        <p:nvSpPr>
-          <p:cNvPr id="3" name="コンテンツ プレースホルダー 2">
-            <a:extLst>
-              <a:ext uri="{FF2B5EF4-FFF2-40B4-BE49-F238E27FC236}">
-                <a16:creationId xmlns:a16="http://schemas.microsoft.com/office/drawing/2014/main" id="{7D198E51-FF5D-4065-9D53-516C406C8428}"/>
-              </a:ext>
-            </a:extLst>
-          </p:cNvPr>
-          <p:cNvSpPr>
-            <a:spLocks noGrp="1"/>
-          </p:cNvSpPr>
-          <p:nvPr>
-            <p:ph idx="1"/>
-          </p:nvPr>
-        </p:nvSpPr>
-        <p:spPr/>
-        <p:txBody>
-          <a:bodyPr>
-            <a:normAutofit/>
-          </a:bodyPr>
-          <a:lstStyle/>
-          <a:p>
-            <a:pPr marL="457200" indent="-457200">
-              <a:buFont typeface="+mj-lt"/>
-              <a:buAutoNum type="arabicPeriod"/>
-            </a:pPr>
-            <a:r>
-              <a:rPr lang="en-US" altLang="ja-JP" sz="2400" dirty="0"/>
-              <a:t>PC</a:t>
-            </a:r>
-            <a:r>
-              <a:rPr lang="ja-JP" altLang="en-US" sz="2400" dirty="0"/>
-              <a:t>を</a:t>
-            </a:r>
-            <a:r>
-              <a:rPr lang="en-US" altLang="ja-JP" sz="2400" dirty="0"/>
-              <a:t>QR</a:t>
-            </a:r>
-            <a:r>
-              <a:rPr lang="ja-JP" altLang="en-US" sz="2400" dirty="0"/>
-              <a:t>コードスキャナとして利用する</a:t>
-            </a:r>
-            <a:endParaRPr lang="en-US" altLang="ja-JP" sz="2400" dirty="0"/>
-          </a:p>
-          <a:p>
-            <a:pPr marL="457200" indent="-457200">
-              <a:buFont typeface="+mj-lt"/>
-              <a:buAutoNum type="arabicPeriod"/>
-            </a:pPr>
-            <a:endParaRPr lang="en-US" altLang="ja-JP" sz="2400" dirty="0"/>
-          </a:p>
-          <a:p>
-            <a:pPr marL="457200" indent="-457200">
-              <a:buFont typeface="+mj-lt"/>
-              <a:buAutoNum type="arabicPeriod"/>
-            </a:pPr>
-            <a:r>
-              <a:rPr kumimoji="1" lang="ja-JP" altLang="en-US" sz="2400" dirty="0"/>
-              <a:t>生</a:t>
-            </a:r>
-            <a:r>
-              <a:rPr kumimoji="1" lang="ja-JP" altLang="en-US" sz="2400" dirty="0">
-                <a:latin typeface="Calibri Light 見出し"/>
-              </a:rPr>
-              <a:t>産管理システムを利用した</a:t>
-            </a:r>
-            <a:r>
-              <a:rPr kumimoji="1" lang="en-US" altLang="ja-JP" sz="2400" dirty="0">
-                <a:latin typeface="Calibri Light 見出し"/>
-              </a:rPr>
-              <a:t>QR</a:t>
-            </a:r>
-            <a:r>
-              <a:rPr kumimoji="1" lang="ja-JP" altLang="en-US" sz="2400" dirty="0">
-                <a:latin typeface="Calibri Light 見出し"/>
-              </a:rPr>
-              <a:t>コードによる通材シミュレーションと製品のロス率を算定</a:t>
-            </a:r>
-            <a:r>
-              <a:rPr kumimoji="1" lang="ja-JP" altLang="en-US" sz="2400" dirty="0"/>
-              <a:t>製品の通材を</a:t>
-            </a:r>
-            <a:r>
-              <a:rPr lang="ja-JP" altLang="en-US" sz="2400" dirty="0"/>
-              <a:t>作った</a:t>
-            </a:r>
-            <a:r>
-              <a:rPr lang="en-US" altLang="ja-JP" sz="2400" dirty="0"/>
-              <a:t>QR</a:t>
-            </a:r>
-            <a:r>
-              <a:rPr lang="ja-JP" altLang="en-US" sz="2400" dirty="0"/>
-              <a:t>コードスキャナにより実現し，システムに反映する</a:t>
-            </a:r>
-            <a:endParaRPr lang="en-US" altLang="ja-JP" sz="2400" dirty="0"/>
-          </a:p>
-          <a:p>
-            <a:pPr marL="457200" indent="-457200">
-              <a:buFont typeface="+mj-lt"/>
-              <a:buAutoNum type="arabicPeriod"/>
-            </a:pPr>
-            <a:endParaRPr lang="en-US" altLang="ja-JP" sz="2400" dirty="0"/>
-          </a:p>
-          <a:p>
-            <a:pPr marL="457200" indent="-457200">
-              <a:buFont typeface="+mj-lt"/>
-              <a:buAutoNum type="arabicPeriod"/>
-            </a:pPr>
-            <a:r>
-              <a:rPr kumimoji="1" lang="ja-JP" altLang="en-US" sz="2400" dirty="0"/>
-              <a:t>レガシーな設備を</a:t>
-            </a:r>
-            <a:r>
-              <a:rPr kumimoji="1" lang="en-US" altLang="ja-JP" sz="2400" dirty="0"/>
-              <a:t>IoT</a:t>
-            </a:r>
-            <a:r>
-              <a:rPr kumimoji="1" lang="ja-JP" altLang="en-US" sz="2400" dirty="0"/>
-              <a:t>化する</a:t>
-            </a:r>
-            <a:endParaRPr kumimoji="1" lang="en-US" altLang="ja-JP" sz="2400" dirty="0"/>
-          </a:p>
-          <a:p>
-            <a:pPr marL="749808" lvl="1" indent="-457200"/>
-            <a:r>
-              <a:rPr kumimoji="1" lang="ja-JP" altLang="en-US" sz="2400" dirty="0"/>
-              <a:t>パトランプの接点情報（</a:t>
-            </a:r>
-            <a:r>
-              <a:rPr kumimoji="1" lang="en-US" altLang="ja-JP" sz="2400" dirty="0"/>
-              <a:t>ON</a:t>
-            </a:r>
-            <a:r>
-              <a:rPr kumimoji="1" lang="ja-JP" altLang="en-US" sz="2400" dirty="0"/>
-              <a:t>／</a:t>
-            </a:r>
-            <a:r>
-              <a:rPr kumimoji="1" lang="en-US" altLang="ja-JP" sz="2400" dirty="0"/>
-              <a:t>OFF</a:t>
-            </a:r>
-            <a:r>
-              <a:rPr kumimoji="1" lang="ja-JP" altLang="en-US" sz="2400" dirty="0"/>
-              <a:t>）をインターネット経由で参照する</a:t>
-            </a:r>
-            <a:endParaRPr kumimoji="1" lang="en-US" altLang="ja-JP" sz="2400" dirty="0"/>
-          </a:p>
-          <a:p>
-            <a:pPr marL="749808" lvl="1" indent="-457200"/>
-            <a:r>
-              <a:rPr lang="ja-JP" altLang="en-US" sz="2400" dirty="0"/>
-              <a:t>メールでアラートを送る</a:t>
-            </a:r>
-            <a:endParaRPr kumimoji="1" lang="ja-JP" altLang="en-US" sz="2400" dirty="0"/>
-          </a:p>
-        </p:txBody>
-      </p:sp>
-    </p:spTree>
-    <p:extLst>
-      <p:ext uri="{BB962C8B-B14F-4D97-AF65-F5344CB8AC3E}">
-        <p14:creationId xmlns:p14="http://schemas.microsoft.com/office/powerpoint/2010/main" val="3221862987"/>
-      </p:ext>
-    </p:extLst>
-  </p:cSld>
-  <p:clrMapOvr>
-    <a:masterClrMapping/>
-  </p:clrMapOvr>
-</p:sld>
-</file>
-
-<file path=ppt/slides/slide30.xml><?xml version="1.0" encoding="utf-8"?>
+<file path=ppt/slides/slide31.xml><?xml version="1.0" encoding="utf-8"?>
 <p:sld xmlns:a="http://schemas.openxmlformats.org/drawingml/2006/main" xmlns:r="http://schemas.openxmlformats.org/officeDocument/2006/relationships" xmlns:p="http://schemas.openxmlformats.org/presentationml/2006/main">
   <p:cSld>
     <p:spTree>
@@ -28216,7 +28447,7 @@
 </p:sld>
 </file>
 
-<file path=ppt/slides/slide31.xml><?xml version="1.0" encoding="utf-8"?>
+<file path=ppt/slides/slide32.xml><?xml version="1.0" encoding="utf-8"?>
 <p:sld xmlns:a="http://schemas.openxmlformats.org/drawingml/2006/main" xmlns:r="http://schemas.openxmlformats.org/officeDocument/2006/relationships" xmlns:p="http://schemas.openxmlformats.org/presentationml/2006/main">
   <p:cSld>
     <p:spTree>
@@ -28330,7 +28561,7 @@
 </p:sld>
 </file>
 
-<file path=ppt/slides/slide32.xml><?xml version="1.0" encoding="utf-8"?>
+<file path=ppt/slides/slide33.xml><?xml version="1.0" encoding="utf-8"?>
 <p:sld xmlns:a="http://schemas.openxmlformats.org/drawingml/2006/main" xmlns:r="http://schemas.openxmlformats.org/officeDocument/2006/relationships" xmlns:p="http://schemas.openxmlformats.org/presentationml/2006/main">
   <p:cSld>
     <p:spTree>
@@ -28485,7 +28716,7 @@
 </p:sld>
 </file>
 
-<file path=ppt/slides/slide33.xml><?xml version="1.0" encoding="utf-8"?>
+<file path=ppt/slides/slide34.xml><?xml version="1.0" encoding="utf-8"?>
 <p:sld xmlns:a="http://schemas.openxmlformats.org/drawingml/2006/main" xmlns:r="http://schemas.openxmlformats.org/officeDocument/2006/relationships" xmlns:p="http://schemas.openxmlformats.org/presentationml/2006/main">
   <p:cSld>
     <p:spTree>
@@ -29271,7 +29502,7 @@
 </p:sld>
 </file>
 
-<file path=ppt/slides/slide34.xml><?xml version="1.0" encoding="utf-8"?>
+<file path=ppt/slides/slide35.xml><?xml version="1.0" encoding="utf-8"?>
 <p:sld xmlns:a="http://schemas.openxmlformats.org/drawingml/2006/main" xmlns:r="http://schemas.openxmlformats.org/officeDocument/2006/relationships" xmlns:p="http://schemas.openxmlformats.org/presentationml/2006/main">
   <p:cSld>
     <p:spTree>
@@ -29566,7 +29797,7 @@
 </p:sld>
 </file>
 
-<file path=ppt/slides/slide35.xml><?xml version="1.0" encoding="utf-8"?>
+<file path=ppt/slides/slide36.xml><?xml version="1.0" encoding="utf-8"?>
 <p:sld xmlns:a="http://schemas.openxmlformats.org/drawingml/2006/main" xmlns:r="http://schemas.openxmlformats.org/officeDocument/2006/relationships" xmlns:p="http://schemas.openxmlformats.org/presentationml/2006/main">
   <p:cSld>
     <p:spTree>
@@ -29842,7 +30073,7 @@
 </p:sld>
 </file>
 
-<file path=ppt/slides/slide36.xml><?xml version="1.0" encoding="utf-8"?>
+<file path=ppt/slides/slide37.xml><?xml version="1.0" encoding="utf-8"?>
 <p:sld xmlns:a="http://schemas.openxmlformats.org/drawingml/2006/main" xmlns:r="http://schemas.openxmlformats.org/officeDocument/2006/relationships" xmlns:p="http://schemas.openxmlformats.org/presentationml/2006/main">
   <p:cSld>
     <p:spTree>
@@ -29963,7 +30194,7 @@
 </p:sld>
 </file>
 
-<file path=ppt/slides/slide37.xml><?xml version="1.0" encoding="utf-8"?>
+<file path=ppt/slides/slide38.xml><?xml version="1.0" encoding="utf-8"?>
 <p:sld xmlns:a="http://schemas.openxmlformats.org/drawingml/2006/main" xmlns:r="http://schemas.openxmlformats.org/officeDocument/2006/relationships" xmlns:p="http://schemas.openxmlformats.org/presentationml/2006/main">
   <p:cSld>
     <p:spTree>
@@ -30229,7 +30460,7 @@
 </p:sld>
 </file>
 
-<file path=ppt/slides/slide38.xml><?xml version="1.0" encoding="utf-8"?>
+<file path=ppt/slides/slide39.xml><?xml version="1.0" encoding="utf-8"?>
 <p:sld xmlns:a="http://schemas.openxmlformats.org/drawingml/2006/main" xmlns:r="http://schemas.openxmlformats.org/officeDocument/2006/relationships" xmlns:p="http://schemas.openxmlformats.org/presentationml/2006/main">
   <p:cSld>
     <p:spTree>
@@ -34874,129 +35105,6 @@
 </p:sld>
 </file>
 
-<file path=ppt/slides/slide39.xml><?xml version="1.0" encoding="utf-8"?>
-<p:sld xmlns:a="http://schemas.openxmlformats.org/drawingml/2006/main" xmlns:r="http://schemas.openxmlformats.org/officeDocument/2006/relationships" xmlns:p="http://schemas.openxmlformats.org/presentationml/2006/main">
-  <p:cSld>
-    <p:spTree>
-      <p:nvGrpSpPr>
-        <p:cNvPr id="1" name=""/>
-        <p:cNvGrpSpPr/>
-        <p:nvPr/>
-      </p:nvGrpSpPr>
-      <p:grpSpPr>
-        <a:xfrm>
-          <a:off x="0" y="0"/>
-          <a:ext cx="0" cy="0"/>
-          <a:chOff x="0" y="0"/>
-          <a:chExt cx="0" cy="0"/>
-        </a:xfrm>
-      </p:grpSpPr>
-      <p:sp>
-        <p:nvSpPr>
-          <p:cNvPr id="2" name="タイトル 1">
-            <a:extLst>
-              <a:ext uri="{FF2B5EF4-FFF2-40B4-BE49-F238E27FC236}">
-                <a16:creationId xmlns:a16="http://schemas.microsoft.com/office/drawing/2014/main" id="{54E3963D-D55F-473E-BB27-7C4749A7209B}"/>
-              </a:ext>
-            </a:extLst>
-          </p:cNvPr>
-          <p:cNvSpPr>
-            <a:spLocks noGrp="1"/>
-          </p:cNvSpPr>
-          <p:nvPr>
-            <p:ph type="title"/>
-          </p:nvPr>
-        </p:nvSpPr>
-        <p:spPr/>
-        <p:txBody>
-          <a:bodyPr/>
-          <a:lstStyle/>
-          <a:p>
-            <a:r>
-              <a:rPr kumimoji="1" lang="ja-JP" altLang="en-US" dirty="0"/>
-              <a:t>パトランプに応用してみる</a:t>
-            </a:r>
-          </a:p>
-        </p:txBody>
-      </p:sp>
-      <p:sp>
-        <p:nvSpPr>
-          <p:cNvPr id="3" name="コンテンツ プレースホルダー 2">
-            <a:extLst>
-              <a:ext uri="{FF2B5EF4-FFF2-40B4-BE49-F238E27FC236}">
-                <a16:creationId xmlns:a16="http://schemas.microsoft.com/office/drawing/2014/main" id="{D5A326A5-3B36-48C0-8FF6-F0116E90FC37}"/>
-              </a:ext>
-            </a:extLst>
-          </p:cNvPr>
-          <p:cNvSpPr>
-            <a:spLocks noGrp="1"/>
-          </p:cNvSpPr>
-          <p:nvPr>
-            <p:ph idx="1"/>
-          </p:nvPr>
-        </p:nvSpPr>
-        <p:spPr>
-          <a:xfrm>
-            <a:off x="1097280" y="1845734"/>
-            <a:ext cx="10058400" cy="942686"/>
-          </a:xfrm>
-        </p:spPr>
-        <p:txBody>
-          <a:bodyPr/>
-          <a:lstStyle/>
-          <a:p>
-            <a:pPr lvl="1"/>
-            <a:r>
-              <a:rPr lang="ja-JP" altLang="en-US" dirty="0"/>
-              <a:t>実際の機器で応用する方法を考える（パトランプを外部からリレーで制御する場合）</a:t>
-            </a:r>
-            <a:endParaRPr kumimoji="1" lang="ja-JP" altLang="en-US" dirty="0"/>
-          </a:p>
-        </p:txBody>
-      </p:sp>
-      <p:pic>
-        <p:nvPicPr>
-          <p:cNvPr id="8" name="図 7">
-            <a:extLst>
-              <a:ext uri="{FF2B5EF4-FFF2-40B4-BE49-F238E27FC236}">
-                <a16:creationId xmlns:a16="http://schemas.microsoft.com/office/drawing/2014/main" id="{FDE0FB4D-D1AD-4995-9173-6D966FDCE501}"/>
-              </a:ext>
-            </a:extLst>
-          </p:cNvPr>
-          <p:cNvPicPr>
-            <a:picLocks noChangeAspect="1"/>
-          </p:cNvPicPr>
-          <p:nvPr/>
-        </p:nvPicPr>
-        <p:blipFill>
-          <a:blip r:embed="rId2"/>
-          <a:stretch>
-            <a:fillRect/>
-          </a:stretch>
-        </p:blipFill>
-        <p:spPr>
-          <a:xfrm>
-            <a:off x="2747962" y="2438400"/>
-            <a:ext cx="6029325" cy="3771900"/>
-          </a:xfrm>
-          <a:prstGeom prst="rect">
-            <a:avLst/>
-          </a:prstGeom>
-        </p:spPr>
-      </p:pic>
-    </p:spTree>
-    <p:extLst>
-      <p:ext uri="{BB962C8B-B14F-4D97-AF65-F5344CB8AC3E}">
-        <p14:creationId xmlns:p14="http://schemas.microsoft.com/office/powerpoint/2010/main" val="2091771327"/>
-      </p:ext>
-    </p:extLst>
-  </p:cSld>
-  <p:clrMapOvr>
-    <a:masterClrMapping/>
-  </p:clrMapOvr>
-</p:sld>
-</file>
-
 <file path=ppt/slides/slide4.xml><?xml version="1.0" encoding="utf-8"?>
 <p:sld xmlns:a="http://schemas.openxmlformats.org/drawingml/2006/main" xmlns:r="http://schemas.openxmlformats.org/officeDocument/2006/relationships" xmlns:p="http://schemas.openxmlformats.org/presentationml/2006/main">
   <p:cSld>
@@ -35174,15 +35282,7 @@
             <a:pPr lvl="1"/>
             <a:r>
               <a:rPr lang="ja-JP" altLang="en-US" dirty="0"/>
-              <a:t>実際の機器で応用する方法を考える（パトランプを外部から</a:t>
-            </a:r>
-            <a:r>
-              <a:rPr lang="en-US" altLang="ja-JP" dirty="0"/>
-              <a:t>PLC</a:t>
-            </a:r>
-            <a:r>
-              <a:rPr lang="ja-JP" altLang="en-US" dirty="0"/>
-              <a:t>で制御する場合）</a:t>
+              <a:t>実際の機器で応用する方法を考える（パトランプを外部からリレーで制御する場合）</a:t>
             </a:r>
             <a:endParaRPr kumimoji="1" lang="ja-JP" altLang="en-US" dirty="0"/>
           </a:p>
@@ -35190,10 +35290,10 @@
       </p:sp>
       <p:pic>
         <p:nvPicPr>
-          <p:cNvPr id="5" name="図 4">
+          <p:cNvPr id="8" name="図 7">
             <a:extLst>
               <a:ext uri="{FF2B5EF4-FFF2-40B4-BE49-F238E27FC236}">
-                <a16:creationId xmlns:a16="http://schemas.microsoft.com/office/drawing/2014/main" id="{BF8B28CF-5001-4864-9A58-1DA4247919E3}"/>
+                <a16:creationId xmlns:a16="http://schemas.microsoft.com/office/drawing/2014/main" id="{FDE0FB4D-D1AD-4995-9173-6D966FDCE501}"/>
               </a:ext>
             </a:extLst>
           </p:cNvPr>
@@ -35210,8 +35310,8 @@
         </p:blipFill>
         <p:spPr>
           <a:xfrm>
-            <a:off x="2809021" y="2301446"/>
-            <a:ext cx="6010275" cy="3876675"/>
+            <a:off x="2747962" y="2438400"/>
+            <a:ext cx="6029325" cy="3771900"/>
           </a:xfrm>
           <a:prstGeom prst="rect">
             <a:avLst/>
@@ -35221,7 +35321,7 @@
     </p:spTree>
     <p:extLst>
       <p:ext uri="{BB962C8B-B14F-4D97-AF65-F5344CB8AC3E}">
-        <p14:creationId xmlns:p14="http://schemas.microsoft.com/office/powerpoint/2010/main" val="3657780995"/>
+        <p14:creationId xmlns:p14="http://schemas.microsoft.com/office/powerpoint/2010/main" val="2091771327"/>
       </p:ext>
     </p:extLst>
   </p:cSld>
@@ -35321,6 +35421,137 @@
       </p:sp>
       <p:pic>
         <p:nvPicPr>
+          <p:cNvPr id="5" name="図 4">
+            <a:extLst>
+              <a:ext uri="{FF2B5EF4-FFF2-40B4-BE49-F238E27FC236}">
+                <a16:creationId xmlns:a16="http://schemas.microsoft.com/office/drawing/2014/main" id="{BF8B28CF-5001-4864-9A58-1DA4247919E3}"/>
+              </a:ext>
+            </a:extLst>
+          </p:cNvPr>
+          <p:cNvPicPr>
+            <a:picLocks noChangeAspect="1"/>
+          </p:cNvPicPr>
+          <p:nvPr/>
+        </p:nvPicPr>
+        <p:blipFill>
+          <a:blip r:embed="rId2"/>
+          <a:stretch>
+            <a:fillRect/>
+          </a:stretch>
+        </p:blipFill>
+        <p:spPr>
+          <a:xfrm>
+            <a:off x="2809021" y="2301446"/>
+            <a:ext cx="6010275" cy="3876675"/>
+          </a:xfrm>
+          <a:prstGeom prst="rect">
+            <a:avLst/>
+          </a:prstGeom>
+        </p:spPr>
+      </p:pic>
+    </p:spTree>
+    <p:extLst>
+      <p:ext uri="{BB962C8B-B14F-4D97-AF65-F5344CB8AC3E}">
+        <p14:creationId xmlns:p14="http://schemas.microsoft.com/office/powerpoint/2010/main" val="3657780995"/>
+      </p:ext>
+    </p:extLst>
+  </p:cSld>
+  <p:clrMapOvr>
+    <a:masterClrMapping/>
+  </p:clrMapOvr>
+</p:sld>
+</file>
+
+<file path=ppt/slides/slide42.xml><?xml version="1.0" encoding="utf-8"?>
+<p:sld xmlns:a="http://schemas.openxmlformats.org/drawingml/2006/main" xmlns:r="http://schemas.openxmlformats.org/officeDocument/2006/relationships" xmlns:p="http://schemas.openxmlformats.org/presentationml/2006/main">
+  <p:cSld>
+    <p:spTree>
+      <p:nvGrpSpPr>
+        <p:cNvPr id="1" name=""/>
+        <p:cNvGrpSpPr/>
+        <p:nvPr/>
+      </p:nvGrpSpPr>
+      <p:grpSpPr>
+        <a:xfrm>
+          <a:off x="0" y="0"/>
+          <a:ext cx="0" cy="0"/>
+          <a:chOff x="0" y="0"/>
+          <a:chExt cx="0" cy="0"/>
+        </a:xfrm>
+      </p:grpSpPr>
+      <p:sp>
+        <p:nvSpPr>
+          <p:cNvPr id="2" name="タイトル 1">
+            <a:extLst>
+              <a:ext uri="{FF2B5EF4-FFF2-40B4-BE49-F238E27FC236}">
+                <a16:creationId xmlns:a16="http://schemas.microsoft.com/office/drawing/2014/main" id="{54E3963D-D55F-473E-BB27-7C4749A7209B}"/>
+              </a:ext>
+            </a:extLst>
+          </p:cNvPr>
+          <p:cNvSpPr>
+            <a:spLocks noGrp="1"/>
+          </p:cNvSpPr>
+          <p:nvPr>
+            <p:ph type="title"/>
+          </p:nvPr>
+        </p:nvSpPr>
+        <p:spPr/>
+        <p:txBody>
+          <a:bodyPr/>
+          <a:lstStyle/>
+          <a:p>
+            <a:r>
+              <a:rPr kumimoji="1" lang="ja-JP" altLang="en-US" dirty="0"/>
+              <a:t>パトランプに応用してみる</a:t>
+            </a:r>
+          </a:p>
+        </p:txBody>
+      </p:sp>
+      <p:sp>
+        <p:nvSpPr>
+          <p:cNvPr id="3" name="コンテンツ プレースホルダー 2">
+            <a:extLst>
+              <a:ext uri="{FF2B5EF4-FFF2-40B4-BE49-F238E27FC236}">
+                <a16:creationId xmlns:a16="http://schemas.microsoft.com/office/drawing/2014/main" id="{D5A326A5-3B36-48C0-8FF6-F0116E90FC37}"/>
+              </a:ext>
+            </a:extLst>
+          </p:cNvPr>
+          <p:cNvSpPr>
+            <a:spLocks noGrp="1"/>
+          </p:cNvSpPr>
+          <p:nvPr>
+            <p:ph idx="1"/>
+          </p:nvPr>
+        </p:nvSpPr>
+        <p:spPr>
+          <a:xfrm>
+            <a:off x="1097280" y="1845734"/>
+            <a:ext cx="10058400" cy="942686"/>
+          </a:xfrm>
+        </p:spPr>
+        <p:txBody>
+          <a:bodyPr/>
+          <a:lstStyle/>
+          <a:p>
+            <a:pPr lvl="1"/>
+            <a:r>
+              <a:rPr lang="ja-JP" altLang="en-US" dirty="0"/>
+              <a:t>実際の機器で応用する方法を考える（パトランプを外部から</a:t>
+            </a:r>
+            <a:r>
+              <a:rPr lang="en-US" altLang="ja-JP" dirty="0"/>
+              <a:t>PLC</a:t>
+            </a:r>
+            <a:r>
+              <a:rPr lang="ja-JP" altLang="en-US" dirty="0"/>
+              <a:t>で制御する場合）</a:t>
+            </a:r>
+            <a:endParaRPr kumimoji="1" lang="ja-JP" altLang="en-US" dirty="0"/>
+          </a:p>
+        </p:txBody>
+      </p:sp>
+      <p:pic>
+        <p:nvPicPr>
           <p:cNvPr id="6" name="図 5">
             <a:extLst>
               <a:ext uri="{FF2B5EF4-FFF2-40B4-BE49-F238E27FC236}">
@@ -35362,7 +35593,7 @@
 </p:sld>
 </file>
 
-<file path=ppt/slides/slide42.xml><?xml version="1.0" encoding="utf-8"?>
+<file path=ppt/slides/slide43.xml><?xml version="1.0" encoding="utf-8"?>
 <p:sld xmlns:a="http://schemas.openxmlformats.org/drawingml/2006/main" xmlns:r="http://schemas.openxmlformats.org/officeDocument/2006/relationships" xmlns:p="http://schemas.openxmlformats.org/presentationml/2006/main">
   <p:cSld>
     <p:spTree>
@@ -40325,7 +40556,7 @@
 </p:sld>
 </file>
 
-<file path=ppt/slides/slide43.xml><?xml version="1.0" encoding="utf-8"?>
+<file path=ppt/slides/slide44.xml><?xml version="1.0" encoding="utf-8"?>
 <p:sld xmlns:a="http://schemas.openxmlformats.org/drawingml/2006/main" xmlns:r="http://schemas.openxmlformats.org/officeDocument/2006/relationships" xmlns:p="http://schemas.openxmlformats.org/presentationml/2006/main">
   <p:cSld>
     <p:spTree>
@@ -40774,7 +41005,7 @@
 </p:sld>
 </file>
 
-<file path=ppt/slides/slide44.xml><?xml version="1.0" encoding="utf-8"?>
+<file path=ppt/slides/slide45.xml><?xml version="1.0" encoding="utf-8"?>
 <p:sld xmlns:a="http://schemas.openxmlformats.org/drawingml/2006/main" xmlns:r="http://schemas.openxmlformats.org/officeDocument/2006/relationships" xmlns:p="http://schemas.openxmlformats.org/presentationml/2006/main">
   <p:cSld>
     <p:spTree>
@@ -41400,7 +41631,7 @@
 </p:sld>
 </file>
 
-<file path=ppt/slides/slide45.xml><?xml version="1.0" encoding="utf-8"?>
+<file path=ppt/slides/slide46.xml><?xml version="1.0" encoding="utf-8"?>
 <p:sld xmlns:a="http://schemas.openxmlformats.org/drawingml/2006/main" xmlns:r="http://schemas.openxmlformats.org/officeDocument/2006/relationships" xmlns:p="http://schemas.openxmlformats.org/presentationml/2006/main">
   <p:cSld>
     <p:spTree>
@@ -53082,7 +53313,7 @@
 </p:sld>
 </file>
 
-<file path=ppt/slides/slide46.xml><?xml version="1.0" encoding="utf-8"?>
+<file path=ppt/slides/slide47.xml><?xml version="1.0" encoding="utf-8"?>
 <p:sld xmlns:a="http://schemas.openxmlformats.org/drawingml/2006/main" xmlns:r="http://schemas.openxmlformats.org/officeDocument/2006/relationships" xmlns:p="http://schemas.openxmlformats.org/presentationml/2006/main">
   <p:cSld>
     <p:spTree>
@@ -53779,12 +54010,12 @@
         <p:spPr>
           <a:xfrm>
             <a:off x="1097280" y="1845734"/>
-            <a:ext cx="7867650" cy="2412230"/>
+            <a:ext cx="7867650" cy="3056466"/>
           </a:xfrm>
         </p:spPr>
         <p:txBody>
           <a:bodyPr>
-            <a:normAutofit fontScale="92500" lnSpcReduction="20000"/>
+            <a:normAutofit/>
           </a:bodyPr>
           <a:lstStyle/>
           <a:p>
@@ -54053,8 +54284,8 @@
         </p:blipFill>
         <p:spPr>
           <a:xfrm>
-            <a:off x="1440815" y="4266431"/>
-            <a:ext cx="7867650" cy="2038350"/>
+            <a:off x="2504844" y="4795211"/>
+            <a:ext cx="5752465" cy="1490348"/>
           </a:xfrm>
           <a:prstGeom prst="rect">
             <a:avLst/>
@@ -54096,7 +54327,7 @@
           <p:cNvPr id="2" name="タイトル 1">
             <a:extLst>
               <a:ext uri="{FF2B5EF4-FFF2-40B4-BE49-F238E27FC236}">
-                <a16:creationId xmlns:a16="http://schemas.microsoft.com/office/drawing/2014/main" id="{FD84D75A-F5EB-486C-AB4E-6A3D6949A8AF}"/>
+                <a16:creationId xmlns:a16="http://schemas.microsoft.com/office/drawing/2014/main" id="{E395A323-03DA-4245-8778-414638F9583D}"/>
               </a:ext>
             </a:extLst>
           </p:cNvPr>
@@ -54113,20 +54344,8 @@
           <a:lstStyle/>
           <a:p>
             <a:r>
-              <a:rPr kumimoji="1" lang="en-US" altLang="ja-JP" dirty="0"/>
-              <a:t>【</a:t>
-            </a:r>
-            <a:r>
               <a:rPr kumimoji="1" lang="ja-JP" altLang="en-US" dirty="0"/>
-              <a:t>参考</a:t>
-            </a:r>
-            <a:r>
-              <a:rPr kumimoji="1" lang="en-US" altLang="ja-JP" dirty="0"/>
-              <a:t>】</a:t>
-            </a:r>
-            <a:r>
-              <a:rPr kumimoji="1" lang="ja-JP" altLang="en-US" dirty="0"/>
-              <a:t>テキストエディタを用意する</a:t>
+              <a:t>コマンド抜粋</a:t>
             </a:r>
           </a:p>
         </p:txBody>
@@ -54136,7 +54355,7 @@
           <p:cNvPr id="3" name="コンテンツ プレースホルダー 2">
             <a:extLst>
               <a:ext uri="{FF2B5EF4-FFF2-40B4-BE49-F238E27FC236}">
-                <a16:creationId xmlns:a16="http://schemas.microsoft.com/office/drawing/2014/main" id="{0527421A-2338-4688-A5C0-39E17B1990C6}"/>
+                <a16:creationId xmlns:a16="http://schemas.microsoft.com/office/drawing/2014/main" id="{FA9AF193-88A4-48AC-BAD1-C86069C4DEBE}"/>
               </a:ext>
             </a:extLst>
           </p:cNvPr>
@@ -54149,144 +54368,92 @@
         </p:nvSpPr>
         <p:spPr/>
         <p:txBody>
-          <a:bodyPr>
-            <a:normAutofit fontScale="92500" lnSpcReduction="20000"/>
-          </a:bodyPr>
+          <a:bodyPr/>
           <a:lstStyle/>
           <a:p>
-            <a:pPr marL="201168" lvl="1" indent="0">
-              <a:buNone/>
-            </a:pPr>
-            <a:r>
-              <a:rPr lang="ja-JP" altLang="en-US" dirty="0"/>
-              <a:t>下記のエディタを用意しておくとスムーズにソースコードを編集できます</a:t>
-            </a:r>
-            <a:endParaRPr lang="en-US" altLang="ja-JP" dirty="0"/>
-          </a:p>
-          <a:p>
-            <a:pPr marL="201168" lvl="1" indent="0">
-              <a:buNone/>
-            </a:pPr>
-            <a:r>
-              <a:rPr kumimoji="1" lang="ja-JP" altLang="en-US" dirty="0"/>
-              <a:t>（下に行くほどコード書くのに適している）</a:t>
-            </a:r>
-            <a:endParaRPr kumimoji="1" lang="en-US" altLang="ja-JP" dirty="0"/>
-          </a:p>
-          <a:p>
-            <a:pPr lvl="1"/>
-            <a:endParaRPr lang="en-US" altLang="ja-JP" dirty="0"/>
-          </a:p>
-          <a:p>
-            <a:pPr lvl="1"/>
-            <a:r>
-              <a:rPr kumimoji="1" lang="ja-JP" altLang="en-US" dirty="0"/>
-              <a:t>メモ帳</a:t>
-            </a:r>
-            <a:endParaRPr kumimoji="1" lang="en-US" altLang="ja-JP" dirty="0"/>
-          </a:p>
-          <a:p>
             <a:pPr lvl="2"/>
-            <a:endParaRPr lang="en-US" altLang="ja-JP" dirty="0"/>
-          </a:p>
-          <a:p>
-            <a:pPr lvl="1"/>
-            <a:r>
-              <a:rPr kumimoji="1" lang="en-US" altLang="ja-JP" dirty="0"/>
-              <a:t>Visual Studio C</a:t>
-            </a:r>
-            <a:r>
-              <a:rPr lang="en-US" altLang="ja-JP" dirty="0"/>
-              <a:t>ode</a:t>
-            </a:r>
-            <a:r>
-              <a:rPr lang="ja-JP" altLang="en-US" dirty="0"/>
-              <a:t>（おすすめ）</a:t>
-            </a:r>
-            <a:endParaRPr lang="en-US" altLang="ja-JP" dirty="0"/>
+            <a:r>
+              <a:rPr kumimoji="1" lang="en-US" altLang="ja-JP" sz="4800" dirty="0"/>
+              <a:t>python3 –m pip install </a:t>
+            </a:r>
+            <a:r>
+              <a:rPr lang="en-US" altLang="ja-JP" sz="4800" dirty="0" err="1"/>
+              <a:t>opencv</a:t>
+            </a:r>
+            <a:r>
+              <a:rPr lang="en-US" altLang="ja-JP" sz="4800" dirty="0"/>
+              <a:t>-python</a:t>
+            </a:r>
+            <a:endParaRPr kumimoji="1" lang="en-US" altLang="ja-JP" sz="4800" dirty="0"/>
           </a:p>
           <a:p>
             <a:pPr lvl="2"/>
             <a:r>
-              <a:rPr kumimoji="1" lang="en-US" altLang="ja-JP" dirty="0">
-                <a:hlinkClick r:id="rId2"/>
+              <a:rPr kumimoji="1" lang="en-US" altLang="ja-JP" sz="4800" dirty="0"/>
+              <a:t>python3 –m pip install </a:t>
+            </a:r>
+            <a:r>
+              <a:rPr lang="en-US" altLang="ja-JP" sz="4800" dirty="0" err="1"/>
+              <a:t>pyzbar</a:t>
+            </a:r>
+            <a:endParaRPr lang="en-US" altLang="ja-JP" sz="4800" dirty="0"/>
+          </a:p>
+          <a:p>
+            <a:pPr lvl="2"/>
+            <a:r>
+              <a:rPr kumimoji="1" lang="en-US" altLang="ja-JP" sz="4800" dirty="0"/>
+              <a:t>python3 –m </a:t>
+            </a:r>
+            <a:r>
+              <a:rPr lang="en-US" altLang="ja-JP" sz="4800" dirty="0"/>
+              <a:t>pip install requests</a:t>
+            </a:r>
+          </a:p>
+          <a:p>
+            <a:pPr lvl="2"/>
+            <a:r>
+              <a:rPr lang="en-US" altLang="ja-JP" sz="4800" b="0" i="0" dirty="0">
+                <a:solidFill>
+                  <a:srgbClr val="222222"/>
+                </a:solidFill>
+                <a:effectLst/>
+                <a:latin typeface="ヒラギノ丸ゴ Pro W4"/>
               </a:rPr>
-              <a:t>https://azure.microsoft.com/ja-jp/products/visual-studio-code/</a:t>
-            </a:r>
-            <a:endParaRPr kumimoji="1" lang="en-US" altLang="ja-JP" dirty="0"/>
-          </a:p>
-          <a:p>
-            <a:pPr lvl="1"/>
-            <a:endParaRPr kumimoji="1" lang="en-US" altLang="ja-JP" dirty="0"/>
-          </a:p>
-          <a:p>
-            <a:pPr lvl="1"/>
-            <a:r>
-              <a:rPr kumimoji="1" lang="en-US" altLang="ja-JP" dirty="0" err="1"/>
-              <a:t>Terapad</a:t>
-            </a:r>
-            <a:endParaRPr kumimoji="1" lang="en-US" altLang="ja-JP" dirty="0"/>
+              <a:t>python3 -m pip install </a:t>
+            </a:r>
+            <a:r>
+              <a:rPr lang="en-US" altLang="ja-JP" sz="4800" b="0" i="0" dirty="0" err="1">
+                <a:solidFill>
+                  <a:srgbClr val="222222"/>
+                </a:solidFill>
+                <a:effectLst/>
+                <a:latin typeface="ヒラギノ丸ゴ Pro W4"/>
+              </a:rPr>
+              <a:t>qrcode</a:t>
+            </a:r>
+            <a:endParaRPr lang="en-US" altLang="ja-JP" sz="4800" b="0" i="0" dirty="0">
+              <a:solidFill>
+                <a:srgbClr val="222222"/>
+              </a:solidFill>
+              <a:effectLst/>
+              <a:latin typeface="ヒラギノ丸ゴ Pro W4"/>
+            </a:endParaRPr>
           </a:p>
           <a:p>
             <a:pPr lvl="2"/>
             <a:r>
-              <a:rPr kumimoji="1" lang="en-US" altLang="ja-JP" dirty="0">
-                <a:hlinkClick r:id="rId3"/>
+              <a:rPr lang="en-US" altLang="ja-JP" sz="4800" b="0" i="0" dirty="0">
+                <a:solidFill>
+                  <a:srgbClr val="222222"/>
+                </a:solidFill>
+                <a:effectLst/>
+                <a:latin typeface="ヒラギノ丸ゴ Pro W4"/>
               </a:rPr>
-              <a:t>https://tera-net.com/library/tpad.html</a:t>
-            </a:r>
-            <a:endParaRPr kumimoji="1" lang="en-US" altLang="ja-JP" dirty="0"/>
-          </a:p>
-          <a:p>
-            <a:pPr lvl="2"/>
-            <a:endParaRPr lang="en-US" altLang="ja-JP" dirty="0"/>
-          </a:p>
-          <a:p>
-            <a:pPr lvl="1"/>
-            <a:r>
-              <a:rPr kumimoji="1" lang="ja-JP" altLang="en-US" dirty="0"/>
-              <a:t>サクラエディタ</a:t>
-            </a:r>
-            <a:endParaRPr kumimoji="1" lang="en-US" altLang="ja-JP" dirty="0"/>
-          </a:p>
-          <a:p>
-            <a:pPr lvl="2"/>
-            <a:r>
-              <a:rPr kumimoji="1" lang="en-US" altLang="ja-JP" dirty="0">
-                <a:hlinkClick r:id="rId4"/>
-              </a:rPr>
-              <a:t>https://sakura-editor.github.io/</a:t>
-            </a:r>
-            <a:endParaRPr kumimoji="1" lang="en-US" altLang="ja-JP" dirty="0"/>
-          </a:p>
-          <a:p>
-            <a:pPr lvl="2"/>
-            <a:endParaRPr lang="en-US" altLang="ja-JP" dirty="0"/>
-          </a:p>
-          <a:p>
-            <a:pPr lvl="1"/>
-            <a:r>
-              <a:rPr kumimoji="1" lang="ja-JP" altLang="en-US" dirty="0"/>
-              <a:t>秀丸エディタ</a:t>
-            </a:r>
-            <a:endParaRPr kumimoji="1" lang="en-US" altLang="ja-JP" dirty="0"/>
-          </a:p>
-          <a:p>
-            <a:pPr lvl="2"/>
-            <a:r>
-              <a:rPr kumimoji="1" lang="en-US" altLang="ja-JP" dirty="0">
-                <a:hlinkClick r:id="rId5"/>
-              </a:rPr>
-              <a:t>https://hide.maruo.co.jp/software/hidemaru.html</a:t>
-            </a:r>
-            <a:endParaRPr kumimoji="1" lang="en-US" altLang="ja-JP" dirty="0"/>
-          </a:p>
-          <a:p>
-            <a:pPr lvl="2"/>
-            <a:endParaRPr kumimoji="1" lang="en-US" altLang="ja-JP" dirty="0"/>
-          </a:p>
-          <a:p>
-            <a:pPr lvl="1"/>
+              <a:t>python3 -m pip install Pillow</a:t>
+            </a:r>
+            <a:endParaRPr lang="en-US" altLang="ja-JP" sz="4800" dirty="0"/>
+          </a:p>
+          <a:p>
             <a:endParaRPr kumimoji="1" lang="ja-JP" altLang="en-US" dirty="0"/>
           </a:p>
         </p:txBody>
@@ -54294,7 +54461,7 @@
     </p:spTree>
     <p:extLst>
       <p:ext uri="{BB962C8B-B14F-4D97-AF65-F5344CB8AC3E}">
-        <p14:creationId xmlns:p14="http://schemas.microsoft.com/office/powerpoint/2010/main" val="2462899528"/>
+        <p14:creationId xmlns:p14="http://schemas.microsoft.com/office/powerpoint/2010/main" val="2857582706"/>
       </p:ext>
     </p:extLst>
   </p:cSld>

--- a/IoTセミナーテキスト.pptx
+++ b/IoTセミナーテキスト.pptx
@@ -7473,7 +7473,15 @@
             </a:pPr>
             <a:r>
               <a:rPr kumimoji="1" lang="ja-JP" altLang="en-US" dirty="0"/>
-              <a:t>（下に行くほどコード書くのに適している）</a:t>
+              <a:t>（</a:t>
+            </a:r>
+            <a:r>
+              <a:rPr lang="ja-JP" altLang="en-US" dirty="0"/>
+              <a:t>上</a:t>
+            </a:r>
+            <a:r>
+              <a:rPr kumimoji="1" lang="ja-JP" altLang="en-US" dirty="0"/>
+              <a:t>に行くほどコード書くのに適している）</a:t>
             </a:r>
             <a:endParaRPr kumimoji="1" lang="en-US" altLang="ja-JP" dirty="0"/>
           </a:p>
@@ -7649,8 +7657,12 @@
           <a:lstStyle/>
           <a:p>
             <a:r>
+              <a:rPr lang="en-US" altLang="ja-JP" sz="3600" dirty="0"/>
+              <a:t>QR</a:t>
+            </a:r>
+            <a:r>
               <a:rPr lang="ja-JP" altLang="en-US" sz="3600" dirty="0"/>
-              <a:t>コードを実装します</a:t>
+              <a:t>コードの読み取りを行うコードの実行</a:t>
             </a:r>
             <a:endParaRPr kumimoji="1" lang="ja-JP" altLang="en-US" sz="3600" dirty="0"/>
           </a:p>
@@ -8720,7 +8732,7 @@
             </a:r>
             <a:r>
               <a:rPr lang="ja-JP" altLang="en-US" sz="3600" dirty="0"/>
-              <a:t>コードの生成も試す</a:t>
+              <a:t>コードの生成を行うコードの実行</a:t>
             </a:r>
             <a:endParaRPr kumimoji="1" lang="ja-JP" altLang="en-US" sz="3600" dirty="0"/>
           </a:p>
@@ -9529,16 +9541,16 @@
           <a:p>
             <a:pPr lvl="1"/>
             <a:r>
+              <a:rPr lang="en-US" altLang="ja-JP" dirty="0"/>
+              <a:t>L.85</a:t>
+            </a:r>
+            <a:r>
               <a:rPr lang="ja-JP" altLang="en-US" dirty="0"/>
-              <a:t>下記のコードを追加する</a:t>
-            </a:r>
-            <a:endParaRPr lang="en-US" altLang="ja-JP" dirty="0"/>
-          </a:p>
-          <a:p>
-            <a:pPr lvl="2"/>
+              <a:t>に下記のコードを追加する</a:t>
+            </a:r>
             <a:r>
               <a:rPr lang="en-US" altLang="ja-JP" dirty="0"/>
-              <a:t>L.85 </a:t>
+              <a:t> </a:t>
             </a:r>
             <a:endParaRPr lang="ja-JP" altLang="en-US" dirty="0"/>
           </a:p>
@@ -9558,8 +9570,8 @@
         </p:nvSpPr>
         <p:spPr>
           <a:xfrm>
-            <a:off x="2263140" y="2274838"/>
-            <a:ext cx="5250180" cy="923330"/>
+            <a:off x="1874520" y="2230895"/>
+            <a:ext cx="8442960" cy="923330"/>
           </a:xfrm>
           <a:prstGeom prst="rect">
             <a:avLst/>
@@ -9615,7 +9627,7 @@
                 <a:effectLst/>
                 <a:latin typeface="Consolas" panose="020B0609020204030204" pitchFamily="49" charset="0"/>
               </a:rPr>
-              <a:t>(ret) &gt; </a:t>
+              <a:t>(ret) &gt; </a:t>
             </a:r>
             <a:r>
               <a:rPr lang="en-US" altLang="ja-JP" b="0" dirty="0">
@@ -9640,6 +9652,15 @@
           </a:p>
           <a:p>
             <a:r>
+              <a:rPr lang="ja-JP" altLang="en-US" dirty="0">
+                <a:solidFill>
+                  <a:srgbClr val="D4D4D4"/>
+                </a:solidFill>
+                <a:latin typeface="Consolas" panose="020B0609020204030204" pitchFamily="49" charset="0"/>
+              </a:rPr>
+              <a:t>    </a:t>
+            </a:r>
+            <a:r>
               <a:rPr lang="en-US" altLang="ja-JP" b="0" dirty="0">
                 <a:solidFill>
                   <a:srgbClr val="C586C0"/>
@@ -9647,7 +9668,7 @@
                 <a:effectLst/>
                 <a:latin typeface="Consolas" panose="020B0609020204030204" pitchFamily="49" charset="0"/>
               </a:rPr>
-              <a:t>    with</a:t>
+              <a:t>with</a:t>
             </a:r>
             <a:r>
               <a:rPr lang="en-US" altLang="ja-JP" b="0" dirty="0">
@@ -9657,7 +9678,7 @@
                 <a:effectLst/>
                 <a:latin typeface="Consolas" panose="020B0609020204030204" pitchFamily="49" charset="0"/>
               </a:rPr>
-              <a:t> </a:t>
+              <a:t> </a:t>
             </a:r>
             <a:r>
               <a:rPr lang="en-US" altLang="ja-JP" b="0" dirty="0">
@@ -9697,7 +9718,7 @@
                 <a:effectLst/>
                 <a:latin typeface="Consolas" panose="020B0609020204030204" pitchFamily="49" charset="0"/>
               </a:rPr>
-              <a:t>, </a:t>
+              <a:t>, </a:t>
             </a:r>
             <a:r>
               <a:rPr lang="en-US" altLang="ja-JP" b="0" dirty="0">
@@ -9717,7 +9738,67 @@
                 <a:effectLst/>
                 <a:latin typeface="Consolas" panose="020B0609020204030204" pitchFamily="49" charset="0"/>
               </a:rPr>
-              <a:t>) </a:t>
+              <a:t>, </a:t>
+            </a:r>
+            <a:r>
+              <a:rPr lang="en-US" altLang="ja-JP" b="0" dirty="0">
+                <a:solidFill>
+                  <a:srgbClr val="9CDCFE"/>
+                </a:solidFill>
+                <a:effectLst/>
+                <a:latin typeface="Consolas" panose="020B0609020204030204" pitchFamily="49" charset="0"/>
+              </a:rPr>
+              <a:t>encoding</a:t>
+            </a:r>
+            <a:r>
+              <a:rPr lang="en-US" altLang="ja-JP" b="0" dirty="0">
+                <a:solidFill>
+                  <a:srgbClr val="D4D4D4"/>
+                </a:solidFill>
+                <a:effectLst/>
+                <a:latin typeface="Consolas" panose="020B0609020204030204" pitchFamily="49" charset="0"/>
+              </a:rPr>
+              <a:t>=</a:t>
+            </a:r>
+            <a:r>
+              <a:rPr lang="en-US" altLang="ja-JP" b="0" dirty="0">
+                <a:solidFill>
+                  <a:srgbClr val="CE9178"/>
+                </a:solidFill>
+                <a:effectLst/>
+                <a:latin typeface="Consolas" panose="020B0609020204030204" pitchFamily="49" charset="0"/>
+              </a:rPr>
+              <a:t>"</a:t>
+            </a:r>
+            <a:r>
+              <a:rPr lang="en-US" altLang="ja-JP" b="0" dirty="0" err="1">
+                <a:solidFill>
+                  <a:srgbClr val="CE9178"/>
+                </a:solidFill>
+                <a:effectLst/>
+                <a:latin typeface="Consolas" panose="020B0609020204030204" pitchFamily="49" charset="0"/>
+              </a:rPr>
+              <a:t>shift_jis</a:t>
+            </a:r>
+            <a:r>
+              <a:rPr lang="en-US" altLang="ja-JP" b="0" dirty="0">
+                <a:solidFill>
+                  <a:srgbClr val="CE9178"/>
+                </a:solidFill>
+                <a:effectLst/>
+                <a:latin typeface="Consolas" panose="020B0609020204030204" pitchFamily="49" charset="0"/>
+              </a:rPr>
+              <a:t>"</a:t>
+            </a:r>
+            <a:r>
+              <a:rPr lang="en-US" altLang="ja-JP" b="0" dirty="0">
+                <a:solidFill>
+                  <a:srgbClr val="D4D4D4"/>
+                </a:solidFill>
+                <a:effectLst/>
+                <a:latin typeface="Consolas" panose="020B0609020204030204" pitchFamily="49" charset="0"/>
+              </a:rPr>
+              <a:t>) </a:t>
             </a:r>
             <a:r>
               <a:rPr lang="en-US" altLang="ja-JP" b="0" dirty="0">
@@ -9737,7 +9818,7 @@
                 <a:effectLst/>
                 <a:latin typeface="Consolas" panose="020B0609020204030204" pitchFamily="49" charset="0"/>
               </a:rPr>
-              <a:t> f:</a:t>
+              <a:t> f:</a:t>
             </a:r>
           </a:p>
           <a:p>
@@ -9749,7 +9830,7 @@
                 <a:effectLst/>
                 <a:latin typeface="Consolas" panose="020B0609020204030204" pitchFamily="49" charset="0"/>
               </a:rPr>
-              <a:t>        </a:t>
+              <a:t>        </a:t>
             </a:r>
             <a:r>
               <a:rPr lang="en-US" altLang="ja-JP" b="0" dirty="0" err="1">
@@ -9789,7 +9870,7 @@
                 <a:effectLst/>
                 <a:latin typeface="Consolas" panose="020B0609020204030204" pitchFamily="49" charset="0"/>
               </a:rPr>
-              <a:t>] + </a:t>
+              <a:t>] + </a:t>
             </a:r>
             <a:r>
               <a:rPr lang="en-US" altLang="ja-JP" b="0" dirty="0">
@@ -9850,7 +9931,7 @@
         </p:nvSpPr>
         <p:spPr>
           <a:xfrm>
-            <a:off x="1120140" y="3413912"/>
+            <a:off x="1097280" y="3429000"/>
             <a:ext cx="10058400" cy="923330"/>
           </a:xfrm>
           <a:prstGeom prst="rect">
@@ -10137,6 +10218,368 @@
               <a:rPr lang="ja-JP" altLang="en-US" dirty="0"/>
               <a:t>の読み取り結果を取得できる</a:t>
             </a:r>
+            <a:endParaRPr lang="en-US" altLang="ja-JP" dirty="0"/>
+          </a:p>
+          <a:p>
+            <a:pPr lvl="1"/>
+            <a:r>
+              <a:rPr lang="en-US" altLang="ja-JP" dirty="0"/>
+              <a:t>TAB</a:t>
+            </a:r>
+            <a:r>
+              <a:rPr lang="ja-JP" altLang="en-US" dirty="0"/>
+              <a:t>の数に注意</a:t>
+            </a:r>
+          </a:p>
+        </p:txBody>
+      </p:sp>
+      <p:sp>
+        <p:nvSpPr>
+          <p:cNvPr id="8" name="テキスト ボックス 7">
+            <a:extLst>
+              <a:ext uri="{FF2B5EF4-FFF2-40B4-BE49-F238E27FC236}">
+                <a16:creationId xmlns:a16="http://schemas.microsoft.com/office/drawing/2014/main" id="{20A12CAD-6C57-4641-A85D-13AF8D27D2C3}"/>
+              </a:ext>
+            </a:extLst>
+          </p:cNvPr>
+          <p:cNvSpPr txBox="1"/>
+          <p:nvPr/>
+        </p:nvSpPr>
+        <p:spPr>
+          <a:xfrm>
+            <a:off x="1874520" y="4627105"/>
+            <a:ext cx="8831580" cy="923330"/>
+          </a:xfrm>
+          <a:prstGeom prst="rect">
+            <a:avLst/>
+          </a:prstGeom>
+          <a:solidFill>
+            <a:schemeClr val="tx1">
+              <a:lumMod val="85000"/>
+              <a:lumOff val="15000"/>
+            </a:schemeClr>
+          </a:solidFill>
+        </p:spPr>
+        <p:txBody>
+          <a:bodyPr wrap="square">
+            <a:spAutoFit/>
+          </a:bodyPr>
+          <a:lstStyle/>
+          <a:p>
+            <a:r>
+              <a:rPr lang="en-US" altLang="ja-JP" b="0" dirty="0">
+                <a:solidFill>
+                  <a:srgbClr val="D4D4D4"/>
+                </a:solidFill>
+                <a:effectLst/>
+                <a:latin typeface="Consolas" panose="020B0609020204030204" pitchFamily="49" charset="0"/>
+              </a:rPr>
+              <a:t>[TAB][TAB]</a:t>
+            </a:r>
+            <a:r>
+              <a:rPr lang="en-US" altLang="ja-JP" b="0" dirty="0">
+                <a:solidFill>
+                  <a:srgbClr val="C586C0"/>
+                </a:solidFill>
+                <a:effectLst/>
+                <a:latin typeface="Consolas" panose="020B0609020204030204" pitchFamily="49" charset="0"/>
+              </a:rPr>
+              <a:t>if</a:t>
+            </a:r>
+            <a:r>
+              <a:rPr lang="en-US" altLang="ja-JP" b="0" dirty="0">
+                <a:solidFill>
+                  <a:srgbClr val="D4D4D4"/>
+                </a:solidFill>
+                <a:effectLst/>
+                <a:latin typeface="Consolas" panose="020B0609020204030204" pitchFamily="49" charset="0"/>
+              </a:rPr>
+              <a:t>(</a:t>
+            </a:r>
+            <a:r>
+              <a:rPr lang="en-US" altLang="ja-JP" b="0" dirty="0" err="1">
+                <a:solidFill>
+                  <a:srgbClr val="DCDCAA"/>
+                </a:solidFill>
+                <a:effectLst/>
+                <a:latin typeface="Consolas" panose="020B0609020204030204" pitchFamily="49" charset="0"/>
+              </a:rPr>
+              <a:t>len</a:t>
+            </a:r>
+            <a:r>
+              <a:rPr lang="en-US" altLang="ja-JP" b="0" dirty="0">
+                <a:solidFill>
+                  <a:srgbClr val="D4D4D4"/>
+                </a:solidFill>
+                <a:effectLst/>
+                <a:latin typeface="Consolas" panose="020B0609020204030204" pitchFamily="49" charset="0"/>
+              </a:rPr>
+              <a:t>(ret) &gt; </a:t>
+            </a:r>
+            <a:r>
+              <a:rPr lang="en-US" altLang="ja-JP" b="0" dirty="0">
+                <a:solidFill>
+                  <a:srgbClr val="B5CEA8"/>
+                </a:solidFill>
+                <a:effectLst/>
+                <a:latin typeface="Consolas" panose="020B0609020204030204" pitchFamily="49" charset="0"/>
+              </a:rPr>
+              <a:t>0</a:t>
+            </a:r>
+            <a:r>
+              <a:rPr lang="en-US" altLang="ja-JP" b="0" dirty="0">
+                <a:solidFill>
+                  <a:srgbClr val="D4D4D4"/>
+                </a:solidFill>
+                <a:effectLst/>
+                <a:latin typeface="Consolas" panose="020B0609020204030204" pitchFamily="49" charset="0"/>
+              </a:rPr>
+              <a:t>):</a:t>
+            </a:r>
+          </a:p>
+          <a:p>
+            <a:r>
+              <a:rPr lang="en-US" altLang="ja-JP" b="0" dirty="0">
+                <a:solidFill>
+                  <a:srgbClr val="D4D4D4"/>
+                </a:solidFill>
+                <a:effectLst/>
+                <a:latin typeface="Consolas" panose="020B0609020204030204" pitchFamily="49" charset="0"/>
+              </a:rPr>
+              <a:t>[TAB][TAB][TAB]</a:t>
+            </a:r>
+            <a:r>
+              <a:rPr lang="en-US" altLang="ja-JP" b="0" dirty="0">
+                <a:solidFill>
+                  <a:srgbClr val="C586C0"/>
+                </a:solidFill>
+                <a:effectLst/>
+                <a:latin typeface="Consolas" panose="020B0609020204030204" pitchFamily="49" charset="0"/>
+              </a:rPr>
+              <a:t>with</a:t>
+            </a:r>
+            <a:r>
+              <a:rPr lang="en-US" altLang="ja-JP" b="0" dirty="0">
+                <a:solidFill>
+                  <a:srgbClr val="D4D4D4"/>
+                </a:solidFill>
+                <a:effectLst/>
+                <a:latin typeface="Consolas" panose="020B0609020204030204" pitchFamily="49" charset="0"/>
+              </a:rPr>
+              <a:t> </a:t>
+            </a:r>
+            <a:r>
+              <a:rPr lang="en-US" altLang="ja-JP" b="0" dirty="0">
+                <a:solidFill>
+                  <a:srgbClr val="DCDCAA"/>
+                </a:solidFill>
+                <a:effectLst/>
+                <a:latin typeface="Consolas" panose="020B0609020204030204" pitchFamily="49" charset="0"/>
+              </a:rPr>
+              <a:t>open</a:t>
+            </a:r>
+            <a:r>
+              <a:rPr lang="en-US" altLang="ja-JP" b="0" dirty="0">
+                <a:solidFill>
+                  <a:srgbClr val="D4D4D4"/>
+                </a:solidFill>
+                <a:effectLst/>
+                <a:latin typeface="Consolas" panose="020B0609020204030204" pitchFamily="49" charset="0"/>
+              </a:rPr>
+              <a:t>(</a:t>
+            </a:r>
+            <a:r>
+              <a:rPr lang="en-US" altLang="ja-JP" b="0" dirty="0">
+                <a:solidFill>
+                  <a:srgbClr val="CE9178"/>
+                </a:solidFill>
+                <a:effectLst/>
+                <a:latin typeface="Consolas" panose="020B0609020204030204" pitchFamily="49" charset="0"/>
+              </a:rPr>
+              <a:t>"qr.csv"</a:t>
+            </a:r>
+            <a:r>
+              <a:rPr lang="en-US" altLang="ja-JP" b="0" dirty="0">
+                <a:solidFill>
+                  <a:srgbClr val="D4D4D4"/>
+                </a:solidFill>
+                <a:effectLst/>
+                <a:latin typeface="Consolas" panose="020B0609020204030204" pitchFamily="49" charset="0"/>
+              </a:rPr>
+              <a:t>, </a:t>
+            </a:r>
+            <a:r>
+              <a:rPr lang="en-US" altLang="ja-JP" b="0" dirty="0">
+                <a:solidFill>
+                  <a:srgbClr val="CE9178"/>
+                </a:solidFill>
+                <a:effectLst/>
+                <a:latin typeface="Consolas" panose="020B0609020204030204" pitchFamily="49" charset="0"/>
+              </a:rPr>
+              <a:t>"a"</a:t>
+            </a:r>
+            <a:r>
+              <a:rPr lang="en-US" altLang="ja-JP" b="0" dirty="0">
+                <a:solidFill>
+                  <a:srgbClr val="D4D4D4"/>
+                </a:solidFill>
+                <a:effectLst/>
+                <a:latin typeface="Consolas" panose="020B0609020204030204" pitchFamily="49" charset="0"/>
+              </a:rPr>
+              <a:t>, </a:t>
+            </a:r>
+            <a:r>
+              <a:rPr lang="en-US" altLang="ja-JP" b="0" dirty="0">
+                <a:solidFill>
+                  <a:srgbClr val="9CDCFE"/>
+                </a:solidFill>
+                <a:effectLst/>
+                <a:latin typeface="Consolas" panose="020B0609020204030204" pitchFamily="49" charset="0"/>
+              </a:rPr>
+              <a:t>encoding</a:t>
+            </a:r>
+            <a:r>
+              <a:rPr lang="en-US" altLang="ja-JP" b="0" dirty="0">
+                <a:solidFill>
+                  <a:srgbClr val="D4D4D4"/>
+                </a:solidFill>
+                <a:effectLst/>
+                <a:latin typeface="Consolas" panose="020B0609020204030204" pitchFamily="49" charset="0"/>
+              </a:rPr>
+              <a:t>=</a:t>
+            </a:r>
+            <a:r>
+              <a:rPr lang="en-US" altLang="ja-JP" b="0" dirty="0">
+                <a:solidFill>
+                  <a:srgbClr val="CE9178"/>
+                </a:solidFill>
+                <a:effectLst/>
+                <a:latin typeface="Consolas" panose="020B0609020204030204" pitchFamily="49" charset="0"/>
+              </a:rPr>
+              <a:t>"</a:t>
+            </a:r>
+            <a:r>
+              <a:rPr lang="en-US" altLang="ja-JP" b="0" dirty="0" err="1">
+                <a:solidFill>
+                  <a:srgbClr val="CE9178"/>
+                </a:solidFill>
+                <a:effectLst/>
+                <a:latin typeface="Consolas" panose="020B0609020204030204" pitchFamily="49" charset="0"/>
+              </a:rPr>
+              <a:t>shift_jis</a:t>
+            </a:r>
+            <a:r>
+              <a:rPr lang="en-US" altLang="ja-JP" b="0" dirty="0">
+                <a:solidFill>
+                  <a:srgbClr val="CE9178"/>
+                </a:solidFill>
+                <a:effectLst/>
+                <a:latin typeface="Consolas" panose="020B0609020204030204" pitchFamily="49" charset="0"/>
+              </a:rPr>
+              <a:t>"</a:t>
+            </a:r>
+            <a:r>
+              <a:rPr lang="en-US" altLang="ja-JP" b="0" dirty="0">
+                <a:solidFill>
+                  <a:srgbClr val="D4D4D4"/>
+                </a:solidFill>
+                <a:effectLst/>
+                <a:latin typeface="Consolas" panose="020B0609020204030204" pitchFamily="49" charset="0"/>
+              </a:rPr>
+              <a:t>) </a:t>
+            </a:r>
+            <a:r>
+              <a:rPr lang="en-US" altLang="ja-JP" b="0" dirty="0">
+                <a:solidFill>
+                  <a:srgbClr val="C586C0"/>
+                </a:solidFill>
+                <a:effectLst/>
+                <a:latin typeface="Consolas" panose="020B0609020204030204" pitchFamily="49" charset="0"/>
+              </a:rPr>
+              <a:t>as</a:t>
+            </a:r>
+            <a:r>
+              <a:rPr lang="en-US" altLang="ja-JP" b="0" dirty="0">
+                <a:solidFill>
+                  <a:srgbClr val="D4D4D4"/>
+                </a:solidFill>
+                <a:effectLst/>
+                <a:latin typeface="Consolas" panose="020B0609020204030204" pitchFamily="49" charset="0"/>
+              </a:rPr>
+              <a:t> f:</a:t>
+            </a:r>
+          </a:p>
+          <a:p>
+            <a:r>
+              <a:rPr lang="en-US" altLang="ja-JP" b="0" dirty="0">
+                <a:solidFill>
+                  <a:srgbClr val="D4D4D4"/>
+                </a:solidFill>
+                <a:effectLst/>
+                <a:latin typeface="Consolas" panose="020B0609020204030204" pitchFamily="49" charset="0"/>
+              </a:rPr>
+              <a:t>[TAB][TAB][TAB][TAB]f.write(ret[</a:t>
+            </a:r>
+            <a:r>
+              <a:rPr lang="en-US" altLang="ja-JP" b="0" dirty="0">
+                <a:solidFill>
+                  <a:srgbClr val="B5CEA8"/>
+                </a:solidFill>
+                <a:effectLst/>
+                <a:latin typeface="Consolas" panose="020B0609020204030204" pitchFamily="49" charset="0"/>
+              </a:rPr>
+              <a:t>0</a:t>
+            </a:r>
+            <a:r>
+              <a:rPr lang="en-US" altLang="ja-JP" b="0" dirty="0">
+                <a:solidFill>
+                  <a:srgbClr val="D4D4D4"/>
+                </a:solidFill>
+                <a:effectLst/>
+                <a:latin typeface="Consolas" panose="020B0609020204030204" pitchFamily="49" charset="0"/>
+              </a:rPr>
+              <a:t>] + </a:t>
+            </a:r>
+            <a:r>
+              <a:rPr lang="en-US" altLang="ja-JP" b="0" dirty="0">
+                <a:solidFill>
+                  <a:srgbClr val="CE9178"/>
+                </a:solidFill>
+                <a:effectLst/>
+                <a:latin typeface="Consolas" panose="020B0609020204030204" pitchFamily="49" charset="0"/>
+              </a:rPr>
+              <a:t>"</a:t>
+            </a:r>
+            <a:r>
+              <a:rPr lang="en-US" altLang="ja-JP" b="0" dirty="0">
+                <a:solidFill>
+                  <a:srgbClr val="D7BA7D"/>
+                </a:solidFill>
+                <a:effectLst/>
+                <a:latin typeface="Consolas" panose="020B0609020204030204" pitchFamily="49" charset="0"/>
+              </a:rPr>
+              <a:t>\n</a:t>
+            </a:r>
+            <a:r>
+              <a:rPr lang="en-US" altLang="ja-JP" b="0" dirty="0">
+                <a:solidFill>
+                  <a:srgbClr val="CE9178"/>
+                </a:solidFill>
+                <a:effectLst/>
+                <a:latin typeface="Consolas" panose="020B0609020204030204" pitchFamily="49" charset="0"/>
+              </a:rPr>
+              <a:t>"</a:t>
+            </a:r>
+            <a:r>
+              <a:rPr lang="en-US" altLang="ja-JP" b="0" dirty="0">
+                <a:solidFill>
+                  <a:srgbClr val="D4D4D4"/>
+                </a:solidFill>
+                <a:effectLst/>
+                <a:latin typeface="Consolas" panose="020B0609020204030204" pitchFamily="49" charset="0"/>
+              </a:rPr>
+              <a:t>)</a:t>
+            </a:r>
           </a:p>
         </p:txBody>
       </p:sp>
@@ -10162,8 +10605,8 @@
         </p:blipFill>
         <p:spPr>
           <a:xfrm>
-            <a:off x="2474020" y="3817320"/>
-            <a:ext cx="3782000" cy="2397156"/>
+            <a:off x="7902412" y="4088937"/>
+            <a:ext cx="3253268" cy="2062028"/>
           </a:xfrm>
           <a:prstGeom prst="rect">
             <a:avLst/>
@@ -10288,7 +10731,6 @@
               <a:rPr kumimoji="1" lang="en-US" altLang="ja-JP" sz="3600" dirty="0"/>
               <a:t>] [filename]</a:t>
             </a:r>
-            <a:endParaRPr kumimoji="1" lang="ja-JP" altLang="en-US" sz="3600" dirty="0"/>
           </a:p>
         </p:txBody>
       </p:sp>
@@ -10934,11 +11376,25 @@
         </p:nvSpPr>
         <p:spPr/>
         <p:txBody>
-          <a:bodyPr/>
+          <a:bodyPr>
+            <a:normAutofit/>
+          </a:bodyPr>
           <a:lstStyle/>
           <a:p>
             <a:r>
-              <a:rPr kumimoji="1" lang="ja-JP" altLang="en-US" dirty="0"/>
+              <a:rPr lang="en-US" altLang="ja-JP" sz="4400" dirty="0"/>
+              <a:t>【</a:t>
+            </a:r>
+            <a:r>
+              <a:rPr lang="ja-JP" altLang="en-US" sz="4400" dirty="0"/>
+              <a:t>参考</a:t>
+            </a:r>
+            <a:r>
+              <a:rPr lang="en-US" altLang="ja-JP" sz="4400" dirty="0"/>
+              <a:t>】</a:t>
+            </a:r>
+            <a:r>
+              <a:rPr kumimoji="1" lang="ja-JP" altLang="en-US" sz="4400" dirty="0"/>
               <a:t>バッチファイルを用いた連続実行</a:t>
             </a:r>
           </a:p>
@@ -11027,7 +11483,7 @@
             </a:r>
             <a:r>
               <a:rPr lang="ja-JP" altLang="en-US" dirty="0"/>
-              <a:t>」以降の文字）が表示されていない場合は事前に「フォルダオプション」から拡張子を表示しておくこと</a:t>
+              <a:t>」以降の文字）が表示されていない場合，事前に「フォルダオプション」から拡張子を表示しておくこと</a:t>
             </a:r>
             <a:endParaRPr lang="en-US" altLang="ja-JP" dirty="0"/>
           </a:p>
@@ -40557,7 +41013,7 @@
 </file>
 
 <file path=ppt/slides/slide44.xml><?xml version="1.0" encoding="utf-8"?>
-<p:sld xmlns:a="http://schemas.openxmlformats.org/drawingml/2006/main" xmlns:r="http://schemas.openxmlformats.org/officeDocument/2006/relationships" xmlns:p="http://schemas.openxmlformats.org/presentationml/2006/main">
+<p:sld xmlns:a="http://schemas.openxmlformats.org/drawingml/2006/main" xmlns:r="http://schemas.openxmlformats.org/officeDocument/2006/relationships" xmlns:p="http://schemas.openxmlformats.org/presentationml/2006/main" show="0">
   <p:cSld>
     <p:spTree>
       <p:nvGrpSpPr>
@@ -54373,39 +54829,75 @@
           <a:p>
             <a:pPr lvl="2"/>
             <a:r>
-              <a:rPr kumimoji="1" lang="en-US" altLang="ja-JP" sz="4800" dirty="0"/>
-              <a:t>python3 –m pip install </a:t>
-            </a:r>
-            <a:r>
-              <a:rPr lang="en-US" altLang="ja-JP" sz="4800" dirty="0" err="1"/>
+              <a:rPr kumimoji="1" lang="en-US" altLang="ja-JP" sz="4800" dirty="0">
+                <a:solidFill>
+                  <a:schemeClr val="tx1"/>
+                </a:solidFill>
+              </a:rPr>
+              <a:t>python3 -m pip install </a:t>
+            </a:r>
+            <a:r>
+              <a:rPr lang="en-US" altLang="ja-JP" sz="4800" dirty="0" err="1">
+                <a:solidFill>
+                  <a:schemeClr val="tx1"/>
+                </a:solidFill>
+              </a:rPr>
               <a:t>opencv</a:t>
             </a:r>
             <a:r>
-              <a:rPr lang="en-US" altLang="ja-JP" sz="4800" dirty="0"/>
+              <a:rPr lang="en-US" altLang="ja-JP" sz="4800" dirty="0">
+                <a:solidFill>
+                  <a:schemeClr val="tx1"/>
+                </a:solidFill>
+              </a:rPr>
               <a:t>-python</a:t>
             </a:r>
-            <a:endParaRPr kumimoji="1" lang="en-US" altLang="ja-JP" sz="4800" dirty="0"/>
+            <a:endParaRPr kumimoji="1" lang="en-US" altLang="ja-JP" sz="4800" dirty="0">
+              <a:solidFill>
+                <a:schemeClr val="tx1"/>
+              </a:solidFill>
+            </a:endParaRPr>
           </a:p>
           <a:p>
             <a:pPr lvl="2"/>
             <a:r>
-              <a:rPr kumimoji="1" lang="en-US" altLang="ja-JP" sz="4800" dirty="0"/>
-              <a:t>python3 –m pip install </a:t>
-            </a:r>
-            <a:r>
-              <a:rPr lang="en-US" altLang="ja-JP" sz="4800" dirty="0" err="1"/>
+              <a:rPr kumimoji="1" lang="en-US" altLang="ja-JP" sz="4800" dirty="0">
+                <a:solidFill>
+                  <a:schemeClr val="tx1"/>
+                </a:solidFill>
+              </a:rPr>
+              <a:t>python3 -m pip install </a:t>
+            </a:r>
+            <a:r>
+              <a:rPr lang="en-US" altLang="ja-JP" sz="4800" dirty="0" err="1">
+                <a:solidFill>
+                  <a:schemeClr val="tx1"/>
+                </a:solidFill>
+              </a:rPr>
               <a:t>pyzbar</a:t>
             </a:r>
-            <a:endParaRPr lang="en-US" altLang="ja-JP" sz="4800" dirty="0"/>
+            <a:endParaRPr lang="en-US" altLang="ja-JP" sz="4800" dirty="0">
+              <a:solidFill>
+                <a:schemeClr val="tx1"/>
+              </a:solidFill>
+            </a:endParaRPr>
           </a:p>
           <a:p>
             <a:pPr lvl="2"/>
             <a:r>
-              <a:rPr kumimoji="1" lang="en-US" altLang="ja-JP" sz="4800" dirty="0"/>
-              <a:t>python3 –m </a:t>
-            </a:r>
-            <a:r>
-              <a:rPr lang="en-US" altLang="ja-JP" sz="4800" dirty="0"/>
+              <a:rPr kumimoji="1" lang="en-US" altLang="ja-JP" sz="4800" dirty="0">
+                <a:solidFill>
+                  <a:schemeClr val="tx1"/>
+                </a:solidFill>
+              </a:rPr>
+              <a:t>python3 -m </a:t>
+            </a:r>
+            <a:r>
+              <a:rPr lang="en-US" altLang="ja-JP" sz="4800" dirty="0">
+                <a:solidFill>
+                  <a:schemeClr val="tx1"/>
+                </a:solidFill>
+              </a:rPr>
               <a:t>pip install requests</a:t>
             </a:r>
           </a:p>
@@ -54414,7 +54906,7 @@
             <a:r>
               <a:rPr lang="en-US" altLang="ja-JP" sz="4800" b="0" i="0" dirty="0">
                 <a:solidFill>
-                  <a:srgbClr val="222222"/>
+                  <a:schemeClr val="tx1"/>
                 </a:solidFill>
                 <a:effectLst/>
                 <a:latin typeface="ヒラギノ丸ゴ Pro W4"/>
@@ -54424,7 +54916,7 @@
             <a:r>
               <a:rPr lang="en-US" altLang="ja-JP" sz="4800" b="0" i="0" dirty="0" err="1">
                 <a:solidFill>
-                  <a:srgbClr val="222222"/>
+                  <a:schemeClr val="tx1"/>
                 </a:solidFill>
                 <a:effectLst/>
                 <a:latin typeface="ヒラギノ丸ゴ Pro W4"/>
@@ -54433,7 +54925,7 @@
             </a:r>
             <a:endParaRPr lang="en-US" altLang="ja-JP" sz="4800" b="0" i="0" dirty="0">
               <a:solidFill>
-                <a:srgbClr val="222222"/>
+                <a:schemeClr val="tx1"/>
               </a:solidFill>
               <a:effectLst/>
               <a:latin typeface="ヒラギノ丸ゴ Pro W4"/>
@@ -54444,17 +54936,25 @@
             <a:r>
               <a:rPr lang="en-US" altLang="ja-JP" sz="4800" b="0" i="0" dirty="0">
                 <a:solidFill>
-                  <a:srgbClr val="222222"/>
+                  <a:schemeClr val="tx1"/>
                 </a:solidFill>
                 <a:effectLst/>
                 <a:latin typeface="ヒラギノ丸ゴ Pro W4"/>
               </a:rPr>
               <a:t>python3 -m pip install Pillow</a:t>
             </a:r>
-            <a:endParaRPr lang="en-US" altLang="ja-JP" sz="4800" dirty="0"/>
-          </a:p>
-          <a:p>
-            <a:endParaRPr kumimoji="1" lang="ja-JP" altLang="en-US" dirty="0"/>
+            <a:endParaRPr lang="en-US" altLang="ja-JP" sz="4800" dirty="0">
+              <a:solidFill>
+                <a:schemeClr val="tx1"/>
+              </a:solidFill>
+            </a:endParaRPr>
+          </a:p>
+          <a:p>
+            <a:endParaRPr kumimoji="1" lang="ja-JP" altLang="en-US" dirty="0">
+              <a:solidFill>
+                <a:schemeClr val="tx1"/>
+              </a:solidFill>
+            </a:endParaRPr>
           </a:p>
         </p:txBody>
       </p:sp>

--- a/IoTセミナーテキスト.pptx
+++ b/IoTセミナーテキスト.pptx
@@ -301,7 +301,7 @@
           <a:p>
             <a:fld id="{ABF98A8D-D34B-4C71-B75C-469DF44AB35E}" type="datetimeFigureOut">
               <a:rPr kumimoji="1" lang="ja-JP" altLang="en-US" smtClean="0"/>
-              <a:t>2021/12/7</a:t>
+              <a:t>2021/12/27</a:t>
             </a:fld>
             <a:endParaRPr kumimoji="1" lang="ja-JP" altLang="en-US"/>
           </a:p>
@@ -503,7 +503,7 @@
           <a:p>
             <a:fld id="{ABF98A8D-D34B-4C71-B75C-469DF44AB35E}" type="datetimeFigureOut">
               <a:rPr kumimoji="1" lang="ja-JP" altLang="en-US" smtClean="0"/>
-              <a:t>2021/12/7</a:t>
+              <a:t>2021/12/27</a:t>
             </a:fld>
             <a:endParaRPr kumimoji="1" lang="ja-JP" altLang="en-US"/>
           </a:p>
@@ -715,7 +715,7 @@
           <a:p>
             <a:fld id="{ABF98A8D-D34B-4C71-B75C-469DF44AB35E}" type="datetimeFigureOut">
               <a:rPr kumimoji="1" lang="ja-JP" altLang="en-US" smtClean="0"/>
-              <a:t>2021/12/7</a:t>
+              <a:t>2021/12/27</a:t>
             </a:fld>
             <a:endParaRPr kumimoji="1" lang="ja-JP" altLang="en-US"/>
           </a:p>
@@ -1002,7 +1002,7 @@
           <a:p>
             <a:fld id="{ABF98A8D-D34B-4C71-B75C-469DF44AB35E}" type="datetimeFigureOut">
               <a:rPr kumimoji="1" lang="ja-JP" altLang="en-US" smtClean="0"/>
-              <a:t>2021/12/7</a:t>
+              <a:t>2021/12/27</a:t>
             </a:fld>
             <a:endParaRPr kumimoji="1" lang="ja-JP" altLang="en-US"/>
           </a:p>
@@ -1242,7 +1242,7 @@
           <a:p>
             <a:fld id="{ABF98A8D-D34B-4C71-B75C-469DF44AB35E}" type="datetimeFigureOut">
               <a:rPr kumimoji="1" lang="ja-JP" altLang="en-US" smtClean="0"/>
-              <a:t>2021/12/7</a:t>
+              <a:t>2021/12/27</a:t>
             </a:fld>
             <a:endParaRPr kumimoji="1" lang="ja-JP" altLang="en-US"/>
           </a:p>
@@ -1585,7 +1585,7 @@
           <a:p>
             <a:fld id="{ABF98A8D-D34B-4C71-B75C-469DF44AB35E}" type="datetimeFigureOut">
               <a:rPr kumimoji="1" lang="ja-JP" altLang="en-US" smtClean="0"/>
-              <a:t>2021/12/7</a:t>
+              <a:t>2021/12/27</a:t>
             </a:fld>
             <a:endParaRPr kumimoji="1" lang="ja-JP" altLang="en-US"/>
           </a:p>
@@ -1924,7 +1924,7 @@
           <a:p>
             <a:fld id="{ABF98A8D-D34B-4C71-B75C-469DF44AB35E}" type="datetimeFigureOut">
               <a:rPr kumimoji="1" lang="ja-JP" altLang="en-US" smtClean="0"/>
-              <a:t>2021/12/7</a:t>
+              <a:t>2021/12/27</a:t>
             </a:fld>
             <a:endParaRPr kumimoji="1" lang="ja-JP" altLang="en-US"/>
           </a:p>
@@ -2367,7 +2367,7 @@
           <a:p>
             <a:fld id="{ABF98A8D-D34B-4C71-B75C-469DF44AB35E}" type="datetimeFigureOut">
               <a:rPr kumimoji="1" lang="ja-JP" altLang="en-US" smtClean="0"/>
-              <a:t>2021/12/7</a:t>
+              <a:t>2021/12/27</a:t>
             </a:fld>
             <a:endParaRPr kumimoji="1" lang="ja-JP" altLang="en-US"/>
           </a:p>
@@ -2485,7 +2485,7 @@
           <a:p>
             <a:fld id="{ABF98A8D-D34B-4C71-B75C-469DF44AB35E}" type="datetimeFigureOut">
               <a:rPr kumimoji="1" lang="ja-JP" altLang="en-US" smtClean="0"/>
-              <a:t>2021/12/7</a:t>
+              <a:t>2021/12/27</a:t>
             </a:fld>
             <a:endParaRPr kumimoji="1" lang="ja-JP" altLang="en-US"/>
           </a:p>
@@ -2656,7 +2656,7 @@
           <a:p>
             <a:fld id="{ABF98A8D-D34B-4C71-B75C-469DF44AB35E}" type="datetimeFigureOut">
               <a:rPr kumimoji="1" lang="ja-JP" altLang="en-US" smtClean="0"/>
-              <a:t>2021/12/7</a:t>
+              <a:t>2021/12/27</a:t>
             </a:fld>
             <a:endParaRPr kumimoji="1" lang="ja-JP" altLang="en-US"/>
           </a:p>
@@ -3042,7 +3042,7 @@
           <a:p>
             <a:fld id="{ABF98A8D-D34B-4C71-B75C-469DF44AB35E}" type="datetimeFigureOut">
               <a:rPr kumimoji="1" lang="ja-JP" altLang="en-US" smtClean="0"/>
-              <a:t>2021/12/7</a:t>
+              <a:t>2021/12/27</a:t>
             </a:fld>
             <a:endParaRPr kumimoji="1" lang="ja-JP" altLang="en-US"/>
           </a:p>
@@ -3265,7 +3265,7 @@
           <a:p>
             <a:fld id="{ABF98A8D-D34B-4C71-B75C-469DF44AB35E}" type="datetimeFigureOut">
               <a:rPr kumimoji="1" lang="ja-JP" altLang="en-US" smtClean="0"/>
-              <a:t>2021/12/7</a:t>
+              <a:t>2021/12/27</a:t>
             </a:fld>
             <a:endParaRPr kumimoji="1" lang="ja-JP" altLang="en-US"/>
           </a:p>
@@ -3621,7 +3621,7 @@
           <a:p>
             <a:fld id="{ABF98A8D-D34B-4C71-B75C-469DF44AB35E}" type="datetimeFigureOut">
               <a:rPr kumimoji="1" lang="ja-JP" altLang="en-US" smtClean="0"/>
-              <a:t>2021/12/7</a:t>
+              <a:t>2021/12/27</a:t>
             </a:fld>
             <a:endParaRPr kumimoji="1" lang="ja-JP" altLang="en-US"/>
           </a:p>
@@ -3823,7 +3823,7 @@
           <a:p>
             <a:fld id="{ABF98A8D-D34B-4C71-B75C-469DF44AB35E}" type="datetimeFigureOut">
               <a:rPr kumimoji="1" lang="ja-JP" altLang="en-US" smtClean="0"/>
-              <a:t>2021/12/7</a:t>
+              <a:t>2021/12/27</a:t>
             </a:fld>
             <a:endParaRPr kumimoji="1" lang="ja-JP" altLang="en-US"/>
           </a:p>
@@ -4111,7 +4111,7 @@
           <a:p>
             <a:fld id="{ABF98A8D-D34B-4C71-B75C-469DF44AB35E}" type="datetimeFigureOut">
               <a:rPr kumimoji="1" lang="ja-JP" altLang="en-US" smtClean="0"/>
-              <a:t>2021/12/7</a:t>
+              <a:t>2021/12/27</a:t>
             </a:fld>
             <a:endParaRPr kumimoji="1" lang="ja-JP" altLang="en-US"/>
           </a:p>
@@ -4362,7 +4362,7 @@
           <a:p>
             <a:fld id="{ABF98A8D-D34B-4C71-B75C-469DF44AB35E}" type="datetimeFigureOut">
               <a:rPr kumimoji="1" lang="ja-JP" altLang="en-US" smtClean="0"/>
-              <a:t>2021/12/7</a:t>
+              <a:t>2021/12/27</a:t>
             </a:fld>
             <a:endParaRPr kumimoji="1" lang="ja-JP" altLang="en-US"/>
           </a:p>
@@ -4658,7 +4658,7 @@
           <a:p>
             <a:fld id="{ABF98A8D-D34B-4C71-B75C-469DF44AB35E}" type="datetimeFigureOut">
               <a:rPr kumimoji="1" lang="ja-JP" altLang="en-US" smtClean="0"/>
-              <a:t>2021/12/7</a:t>
+              <a:t>2021/12/27</a:t>
             </a:fld>
             <a:endParaRPr kumimoji="1" lang="ja-JP" altLang="en-US"/>
           </a:p>
@@ -5069,7 +5069,7 @@
           <a:p>
             <a:fld id="{ABF98A8D-D34B-4C71-B75C-469DF44AB35E}" type="datetimeFigureOut">
               <a:rPr kumimoji="1" lang="ja-JP" altLang="en-US" smtClean="0"/>
-              <a:t>2021/12/7</a:t>
+              <a:t>2021/12/27</a:t>
             </a:fld>
             <a:endParaRPr kumimoji="1" lang="ja-JP" altLang="en-US"/>
           </a:p>
@@ -5187,7 +5187,7 @@
           <a:p>
             <a:fld id="{ABF98A8D-D34B-4C71-B75C-469DF44AB35E}" type="datetimeFigureOut">
               <a:rPr kumimoji="1" lang="ja-JP" altLang="en-US" smtClean="0"/>
-              <a:t>2021/12/7</a:t>
+              <a:t>2021/12/27</a:t>
             </a:fld>
             <a:endParaRPr kumimoji="1" lang="ja-JP" altLang="en-US"/>
           </a:p>
@@ -5305,7 +5305,7 @@
           <a:p>
             <a:fld id="{ABF98A8D-D34B-4C71-B75C-469DF44AB35E}" type="datetimeFigureOut">
               <a:rPr kumimoji="1" lang="ja-JP" altLang="en-US" smtClean="0"/>
-              <a:t>2021/12/7</a:t>
+              <a:t>2021/12/27</a:t>
             </a:fld>
             <a:endParaRPr kumimoji="1" lang="ja-JP" altLang="en-US"/>
           </a:p>
@@ -5621,7 +5621,7 @@
           <a:p>
             <a:fld id="{ABF98A8D-D34B-4C71-B75C-469DF44AB35E}" type="datetimeFigureOut">
               <a:rPr kumimoji="1" lang="ja-JP" altLang="en-US" smtClean="0"/>
-              <a:t>2021/12/7</a:t>
+              <a:t>2021/12/27</a:t>
             </a:fld>
             <a:endParaRPr kumimoji="1" lang="ja-JP" altLang="en-US"/>
           </a:p>
@@ -5885,7 +5885,7 @@
           <a:p>
             <a:fld id="{ABF98A8D-D34B-4C71-B75C-469DF44AB35E}" type="datetimeFigureOut">
               <a:rPr kumimoji="1" lang="ja-JP" altLang="en-US" smtClean="0"/>
-              <a:t>2021/12/7</a:t>
+              <a:t>2021/12/27</a:t>
             </a:fld>
             <a:endParaRPr kumimoji="1" lang="ja-JP" altLang="en-US"/>
           </a:p>
@@ -6131,7 +6131,7 @@
           <a:p>
             <a:fld id="{ABF98A8D-D34B-4C71-B75C-469DF44AB35E}" type="datetimeFigureOut">
               <a:rPr kumimoji="1" lang="ja-JP" altLang="en-US" smtClean="0"/>
-              <a:t>2021/12/7</a:t>
+              <a:t>2021/12/27</a:t>
             </a:fld>
             <a:endParaRPr kumimoji="1" lang="ja-JP" altLang="en-US"/>
           </a:p>
@@ -6766,7 +6766,7 @@
           <a:p>
             <a:fld id="{ABF98A8D-D34B-4C71-B75C-469DF44AB35E}" type="datetimeFigureOut">
               <a:rPr kumimoji="1" lang="ja-JP" altLang="en-US" smtClean="0"/>
-              <a:t>2021/12/7</a:t>
+              <a:t>2021/12/27</a:t>
             </a:fld>
             <a:endParaRPr kumimoji="1" lang="ja-JP" altLang="en-US"/>
           </a:p>
@@ -41013,7 +41013,7 @@
 </file>
 
 <file path=ppt/slides/slide44.xml><?xml version="1.0" encoding="utf-8"?>
-<p:sld xmlns:a="http://schemas.openxmlformats.org/drawingml/2006/main" xmlns:r="http://schemas.openxmlformats.org/officeDocument/2006/relationships" xmlns:p="http://schemas.openxmlformats.org/presentationml/2006/main" show="0">
+<p:sld xmlns:a="http://schemas.openxmlformats.org/drawingml/2006/main" xmlns:r="http://schemas.openxmlformats.org/officeDocument/2006/relationships" xmlns:p="http://schemas.openxmlformats.org/presentationml/2006/main">
   <p:cSld>
     <p:spTree>
       <p:nvGrpSpPr>
